--- a/Capstone_600.pptx
+++ b/Capstone_600.pptx
@@ -11,7 +11,7 @@
     <p:sldId id="256" r:id="rId2"/>
     <p:sldId id="319" r:id="rId3"/>
     <p:sldId id="318" r:id="rId4"/>
-    <p:sldId id="257" r:id="rId5"/>
+    <p:sldId id="323" r:id="rId5"/>
     <p:sldId id="305" r:id="rId6"/>
     <p:sldId id="316" r:id="rId7"/>
     <p:sldId id="306" r:id="rId8"/>
@@ -1006,1364 +1006,7 @@
 </dgm:colorsDef>
 </file>
 
-<file path=ppt/diagrams/colors2.xml><?xml version="1.0" encoding="utf-8"?>
-<dgm:colorsDef xmlns:dgm="http://schemas.openxmlformats.org/drawingml/2006/diagram" xmlns:a="http://schemas.openxmlformats.org/drawingml/2006/main" uniqueId="urn:microsoft.com/office/officeart/2005/8/colors/accent1_2">
-  <dgm:title val=""/>
-  <dgm:desc val=""/>
-  <dgm:catLst>
-    <dgm:cat type="accent1" pri="11200"/>
-  </dgm:catLst>
-  <dgm:styleLbl name="node0">
-    <dgm:fillClrLst meth="repeat">
-      <a:schemeClr val="accent1"/>
-    </dgm:fillClrLst>
-    <dgm:linClrLst meth="repeat">
-      <a:schemeClr val="lt1"/>
-    </dgm:linClrLst>
-    <dgm:effectClrLst/>
-    <dgm:txLinClrLst/>
-    <dgm:txFillClrLst/>
-    <dgm:txEffectClrLst/>
-  </dgm:styleLbl>
-  <dgm:styleLbl name="alignNode1">
-    <dgm:fillClrLst meth="repeat">
-      <a:schemeClr val="accent1"/>
-    </dgm:fillClrLst>
-    <dgm:linClrLst meth="repeat">
-      <a:schemeClr val="accent1"/>
-    </dgm:linClrLst>
-    <dgm:effectClrLst/>
-    <dgm:txLinClrLst/>
-    <dgm:txFillClrLst/>
-    <dgm:txEffectClrLst/>
-  </dgm:styleLbl>
-  <dgm:styleLbl name="node1">
-    <dgm:fillClrLst meth="repeat">
-      <a:schemeClr val="accent1"/>
-    </dgm:fillClrLst>
-    <dgm:linClrLst meth="repeat">
-      <a:schemeClr val="lt1"/>
-    </dgm:linClrLst>
-    <dgm:effectClrLst/>
-    <dgm:txLinClrLst/>
-    <dgm:txFillClrLst/>
-    <dgm:txEffectClrLst/>
-  </dgm:styleLbl>
-  <dgm:styleLbl name="lnNode1">
-    <dgm:fillClrLst meth="repeat">
-      <a:schemeClr val="accent1"/>
-    </dgm:fillClrLst>
-    <dgm:linClrLst meth="repeat">
-      <a:schemeClr val="lt1"/>
-    </dgm:linClrLst>
-    <dgm:effectClrLst/>
-    <dgm:txLinClrLst/>
-    <dgm:txFillClrLst/>
-    <dgm:txEffectClrLst/>
-  </dgm:styleLbl>
-  <dgm:styleLbl name="vennNode1">
-    <dgm:fillClrLst meth="repeat">
-      <a:schemeClr val="accent1">
-        <a:alpha val="50000"/>
-      </a:schemeClr>
-    </dgm:fillClrLst>
-    <dgm:linClrLst meth="repeat">
-      <a:schemeClr val="lt1"/>
-    </dgm:linClrLst>
-    <dgm:effectClrLst/>
-    <dgm:txLinClrLst/>
-    <dgm:txFillClrLst/>
-    <dgm:txEffectClrLst/>
-  </dgm:styleLbl>
-  <dgm:styleLbl name="node2">
-    <dgm:fillClrLst meth="repeat">
-      <a:schemeClr val="accent1"/>
-    </dgm:fillClrLst>
-    <dgm:linClrLst meth="repeat">
-      <a:schemeClr val="lt1"/>
-    </dgm:linClrLst>
-    <dgm:effectClrLst/>
-    <dgm:txLinClrLst/>
-    <dgm:txFillClrLst/>
-    <dgm:txEffectClrLst/>
-  </dgm:styleLbl>
-  <dgm:styleLbl name="node3">
-    <dgm:fillClrLst meth="repeat">
-      <a:schemeClr val="accent1"/>
-    </dgm:fillClrLst>
-    <dgm:linClrLst meth="repeat">
-      <a:schemeClr val="lt1"/>
-    </dgm:linClrLst>
-    <dgm:effectClrLst/>
-    <dgm:txLinClrLst/>
-    <dgm:txFillClrLst/>
-    <dgm:txEffectClrLst/>
-  </dgm:styleLbl>
-  <dgm:styleLbl name="node4">
-    <dgm:fillClrLst meth="repeat">
-      <a:schemeClr val="accent1"/>
-    </dgm:fillClrLst>
-    <dgm:linClrLst meth="repeat">
-      <a:schemeClr val="lt1"/>
-    </dgm:linClrLst>
-    <dgm:effectClrLst/>
-    <dgm:txLinClrLst/>
-    <dgm:txFillClrLst/>
-    <dgm:txEffectClrLst/>
-  </dgm:styleLbl>
-  <dgm:styleLbl name="fgImgPlace1">
-    <dgm:fillClrLst meth="repeat">
-      <a:schemeClr val="accent1">
-        <a:tint val="50000"/>
-      </a:schemeClr>
-    </dgm:fillClrLst>
-    <dgm:linClrLst meth="repeat">
-      <a:schemeClr val="lt1"/>
-    </dgm:linClrLst>
-    <dgm:effectClrLst/>
-    <dgm:txLinClrLst/>
-    <dgm:txFillClrLst meth="repeat">
-      <a:schemeClr val="lt1"/>
-    </dgm:txFillClrLst>
-    <dgm:txEffectClrLst/>
-  </dgm:styleLbl>
-  <dgm:styleLbl name="alignImgPlace1">
-    <dgm:fillClrLst meth="repeat">
-      <a:schemeClr val="accent1">
-        <a:tint val="50000"/>
-      </a:schemeClr>
-    </dgm:fillClrLst>
-    <dgm:linClrLst meth="repeat">
-      <a:schemeClr val="lt1"/>
-    </dgm:linClrLst>
-    <dgm:effectClrLst/>
-    <dgm:txLinClrLst/>
-    <dgm:txFillClrLst meth="repeat">
-      <a:schemeClr val="lt1"/>
-    </dgm:txFillClrLst>
-    <dgm:txEffectClrLst/>
-  </dgm:styleLbl>
-  <dgm:styleLbl name="bgImgPlace1">
-    <dgm:fillClrLst meth="repeat">
-      <a:schemeClr val="accent1">
-        <a:tint val="50000"/>
-      </a:schemeClr>
-    </dgm:fillClrLst>
-    <dgm:linClrLst meth="repeat">
-      <a:schemeClr val="lt1"/>
-    </dgm:linClrLst>
-    <dgm:effectClrLst/>
-    <dgm:txLinClrLst/>
-    <dgm:txFillClrLst meth="repeat">
-      <a:schemeClr val="lt1"/>
-    </dgm:txFillClrLst>
-    <dgm:txEffectClrLst/>
-  </dgm:styleLbl>
-  <dgm:styleLbl name="sibTrans2D1">
-    <dgm:fillClrLst meth="repeat">
-      <a:schemeClr val="accent1">
-        <a:tint val="60000"/>
-      </a:schemeClr>
-    </dgm:fillClrLst>
-    <dgm:linClrLst meth="repeat">
-      <a:schemeClr val="accent1">
-        <a:tint val="60000"/>
-      </a:schemeClr>
-    </dgm:linClrLst>
-    <dgm:effectClrLst/>
-    <dgm:txLinClrLst/>
-    <dgm:txFillClrLst/>
-    <dgm:txEffectClrLst/>
-  </dgm:styleLbl>
-  <dgm:styleLbl name="fgSibTrans2D1">
-    <dgm:fillClrLst meth="repeat">
-      <a:schemeClr val="accent1">
-        <a:tint val="60000"/>
-      </a:schemeClr>
-    </dgm:fillClrLst>
-    <dgm:linClrLst meth="repeat">
-      <a:schemeClr val="accent1">
-        <a:tint val="60000"/>
-      </a:schemeClr>
-    </dgm:linClrLst>
-    <dgm:effectClrLst/>
-    <dgm:txLinClrLst/>
-    <dgm:txFillClrLst/>
-    <dgm:txEffectClrLst/>
-  </dgm:styleLbl>
-  <dgm:styleLbl name="bgSibTrans2D1">
-    <dgm:fillClrLst meth="repeat">
-      <a:schemeClr val="accent1">
-        <a:tint val="60000"/>
-      </a:schemeClr>
-    </dgm:fillClrLst>
-    <dgm:linClrLst meth="repeat">
-      <a:schemeClr val="accent1">
-        <a:tint val="60000"/>
-      </a:schemeClr>
-    </dgm:linClrLst>
-    <dgm:effectClrLst/>
-    <dgm:txLinClrLst/>
-    <dgm:txFillClrLst/>
-    <dgm:txEffectClrLst/>
-  </dgm:styleLbl>
-  <dgm:styleLbl name="sibTrans1D1">
-    <dgm:fillClrLst meth="repeat">
-      <a:schemeClr val="accent1"/>
-    </dgm:fillClrLst>
-    <dgm:linClrLst meth="repeat">
-      <a:schemeClr val="accent1"/>
-    </dgm:linClrLst>
-    <dgm:effectClrLst/>
-    <dgm:txLinClrLst/>
-    <dgm:txFillClrLst meth="repeat">
-      <a:schemeClr val="tx1"/>
-    </dgm:txFillClrLst>
-    <dgm:txEffectClrLst/>
-  </dgm:styleLbl>
-  <dgm:styleLbl name="callout">
-    <dgm:fillClrLst meth="repeat">
-      <a:schemeClr val="accent1"/>
-    </dgm:fillClrLst>
-    <dgm:linClrLst meth="repeat">
-      <a:schemeClr val="accent1">
-        <a:tint val="50000"/>
-      </a:schemeClr>
-    </dgm:linClrLst>
-    <dgm:effectClrLst/>
-    <dgm:txLinClrLst/>
-    <dgm:txFillClrLst meth="repeat">
-      <a:schemeClr val="tx1"/>
-    </dgm:txFillClrLst>
-    <dgm:txEffectClrLst/>
-  </dgm:styleLbl>
-  <dgm:styleLbl name="asst0">
-    <dgm:fillClrLst meth="repeat">
-      <a:schemeClr val="accent1"/>
-    </dgm:fillClrLst>
-    <dgm:linClrLst meth="repeat">
-      <a:schemeClr val="lt1"/>
-    </dgm:linClrLst>
-    <dgm:effectClrLst/>
-    <dgm:txLinClrLst/>
-    <dgm:txFillClrLst/>
-    <dgm:txEffectClrLst/>
-  </dgm:styleLbl>
-  <dgm:styleLbl name="asst1">
-    <dgm:fillClrLst meth="repeat">
-      <a:schemeClr val="accent1"/>
-    </dgm:fillClrLst>
-    <dgm:linClrLst meth="repeat">
-      <a:schemeClr val="lt1"/>
-    </dgm:linClrLst>
-    <dgm:effectClrLst/>
-    <dgm:txLinClrLst/>
-    <dgm:txFillClrLst/>
-    <dgm:txEffectClrLst/>
-  </dgm:styleLbl>
-  <dgm:styleLbl name="asst2">
-    <dgm:fillClrLst meth="repeat">
-      <a:schemeClr val="accent1"/>
-    </dgm:fillClrLst>
-    <dgm:linClrLst meth="repeat">
-      <a:schemeClr val="lt1"/>
-    </dgm:linClrLst>
-    <dgm:effectClrLst/>
-    <dgm:txLinClrLst/>
-    <dgm:txFillClrLst/>
-    <dgm:txEffectClrLst/>
-  </dgm:styleLbl>
-  <dgm:styleLbl name="asst3">
-    <dgm:fillClrLst meth="repeat">
-      <a:schemeClr val="accent1"/>
-    </dgm:fillClrLst>
-    <dgm:linClrLst meth="repeat">
-      <a:schemeClr val="lt1"/>
-    </dgm:linClrLst>
-    <dgm:effectClrLst/>
-    <dgm:txLinClrLst/>
-    <dgm:txFillClrLst/>
-    <dgm:txEffectClrLst/>
-  </dgm:styleLbl>
-  <dgm:styleLbl name="asst4">
-    <dgm:fillClrLst meth="repeat">
-      <a:schemeClr val="accent1"/>
-    </dgm:fillClrLst>
-    <dgm:linClrLst meth="repeat">
-      <a:schemeClr val="lt1"/>
-    </dgm:linClrLst>
-    <dgm:effectClrLst/>
-    <dgm:txLinClrLst/>
-    <dgm:txFillClrLst/>
-    <dgm:txEffectClrLst/>
-  </dgm:styleLbl>
-  <dgm:styleLbl name="parChTrans2D1">
-    <dgm:fillClrLst meth="repeat">
-      <a:schemeClr val="accent1">
-        <a:tint val="60000"/>
-      </a:schemeClr>
-    </dgm:fillClrLst>
-    <dgm:linClrLst meth="repeat">
-      <a:schemeClr val="accent1">
-        <a:tint val="60000"/>
-      </a:schemeClr>
-    </dgm:linClrLst>
-    <dgm:effectClrLst/>
-    <dgm:txLinClrLst/>
-    <dgm:txFillClrLst meth="repeat">
-      <a:schemeClr val="lt1"/>
-    </dgm:txFillClrLst>
-    <dgm:txEffectClrLst/>
-  </dgm:styleLbl>
-  <dgm:styleLbl name="parChTrans2D2">
-    <dgm:fillClrLst meth="repeat">
-      <a:schemeClr val="accent1"/>
-    </dgm:fillClrLst>
-    <dgm:linClrLst meth="repeat">
-      <a:schemeClr val="accent1"/>
-    </dgm:linClrLst>
-    <dgm:effectClrLst/>
-    <dgm:txLinClrLst/>
-    <dgm:txFillClrLst meth="repeat">
-      <a:schemeClr val="lt1"/>
-    </dgm:txFillClrLst>
-    <dgm:txEffectClrLst/>
-  </dgm:styleLbl>
-  <dgm:styleLbl name="parChTrans2D3">
-    <dgm:fillClrLst meth="repeat">
-      <a:schemeClr val="accent1"/>
-    </dgm:fillClrLst>
-    <dgm:linClrLst meth="repeat">
-      <a:schemeClr val="accent1"/>
-    </dgm:linClrLst>
-    <dgm:effectClrLst/>
-    <dgm:txLinClrLst/>
-    <dgm:txFillClrLst meth="repeat">
-      <a:schemeClr val="lt1"/>
-    </dgm:txFillClrLst>
-    <dgm:txEffectClrLst/>
-  </dgm:styleLbl>
-  <dgm:styleLbl name="parChTrans2D4">
-    <dgm:fillClrLst meth="repeat">
-      <a:schemeClr val="accent1"/>
-    </dgm:fillClrLst>
-    <dgm:linClrLst meth="repeat">
-      <a:schemeClr val="accent1"/>
-    </dgm:linClrLst>
-    <dgm:effectClrLst/>
-    <dgm:txLinClrLst/>
-    <dgm:txFillClrLst meth="repeat">
-      <a:schemeClr val="lt1"/>
-    </dgm:txFillClrLst>
-    <dgm:txEffectClrLst/>
-  </dgm:styleLbl>
-  <dgm:styleLbl name="parChTrans1D1">
-    <dgm:fillClrLst meth="repeat">
-      <a:schemeClr val="accent1"/>
-    </dgm:fillClrLst>
-    <dgm:linClrLst meth="repeat">
-      <a:schemeClr val="accent1">
-        <a:shade val="60000"/>
-      </a:schemeClr>
-    </dgm:linClrLst>
-    <dgm:effectClrLst/>
-    <dgm:txLinClrLst/>
-    <dgm:txFillClrLst meth="repeat">
-      <a:schemeClr val="tx1"/>
-    </dgm:txFillClrLst>
-    <dgm:txEffectClrLst/>
-  </dgm:styleLbl>
-  <dgm:styleLbl name="parChTrans1D2">
-    <dgm:fillClrLst meth="repeat">
-      <a:schemeClr val="accent1"/>
-    </dgm:fillClrLst>
-    <dgm:linClrLst meth="repeat">
-      <a:schemeClr val="accent1">
-        <a:shade val="60000"/>
-      </a:schemeClr>
-    </dgm:linClrLst>
-    <dgm:effectClrLst/>
-    <dgm:txLinClrLst/>
-    <dgm:txFillClrLst meth="repeat">
-      <a:schemeClr val="tx1"/>
-    </dgm:txFillClrLst>
-    <dgm:txEffectClrLst/>
-  </dgm:styleLbl>
-  <dgm:styleLbl name="parChTrans1D3">
-    <dgm:fillClrLst meth="repeat">
-      <a:schemeClr val="accent1"/>
-    </dgm:fillClrLst>
-    <dgm:linClrLst meth="repeat">
-      <a:schemeClr val="accent1">
-        <a:shade val="80000"/>
-      </a:schemeClr>
-    </dgm:linClrLst>
-    <dgm:effectClrLst/>
-    <dgm:txLinClrLst/>
-    <dgm:txFillClrLst meth="repeat">
-      <a:schemeClr val="tx1"/>
-    </dgm:txFillClrLst>
-    <dgm:txEffectClrLst/>
-  </dgm:styleLbl>
-  <dgm:styleLbl name="parChTrans1D4">
-    <dgm:fillClrLst meth="repeat">
-      <a:schemeClr val="accent1"/>
-    </dgm:fillClrLst>
-    <dgm:linClrLst meth="repeat">
-      <a:schemeClr val="accent1">
-        <a:shade val="80000"/>
-      </a:schemeClr>
-    </dgm:linClrLst>
-    <dgm:effectClrLst/>
-    <dgm:txLinClrLst/>
-    <dgm:txFillClrLst meth="repeat">
-      <a:schemeClr val="tx1"/>
-    </dgm:txFillClrLst>
-    <dgm:txEffectClrLst/>
-  </dgm:styleLbl>
-  <dgm:styleLbl name="fgAcc1">
-    <dgm:fillClrLst meth="repeat">
-      <a:schemeClr val="lt1">
-        <a:alpha val="90000"/>
-      </a:schemeClr>
-    </dgm:fillClrLst>
-    <dgm:linClrLst meth="repeat">
-      <a:schemeClr val="accent1"/>
-    </dgm:linClrLst>
-    <dgm:effectClrLst/>
-    <dgm:txLinClrLst/>
-    <dgm:txFillClrLst meth="repeat">
-      <a:schemeClr val="dk1"/>
-    </dgm:txFillClrLst>
-    <dgm:txEffectClrLst/>
-  </dgm:styleLbl>
-  <dgm:styleLbl name="conFgAcc1">
-    <dgm:fillClrLst meth="repeat">
-      <a:schemeClr val="lt1">
-        <a:alpha val="90000"/>
-      </a:schemeClr>
-    </dgm:fillClrLst>
-    <dgm:linClrLst meth="repeat">
-      <a:schemeClr val="accent1"/>
-    </dgm:linClrLst>
-    <dgm:effectClrLst/>
-    <dgm:txLinClrLst/>
-    <dgm:txFillClrLst meth="repeat">
-      <a:schemeClr val="dk1"/>
-    </dgm:txFillClrLst>
-    <dgm:txEffectClrLst/>
-  </dgm:styleLbl>
-  <dgm:styleLbl name="alignAcc1">
-    <dgm:fillClrLst meth="repeat">
-      <a:schemeClr val="lt1">
-        <a:alpha val="90000"/>
-      </a:schemeClr>
-    </dgm:fillClrLst>
-    <dgm:linClrLst meth="repeat">
-      <a:schemeClr val="accent1"/>
-    </dgm:linClrLst>
-    <dgm:effectClrLst/>
-    <dgm:txLinClrLst/>
-    <dgm:txFillClrLst meth="repeat">
-      <a:schemeClr val="dk1"/>
-    </dgm:txFillClrLst>
-    <dgm:txEffectClrLst/>
-  </dgm:styleLbl>
-  <dgm:styleLbl name="trAlignAcc1">
-    <dgm:fillClrLst meth="repeat">
-      <a:schemeClr val="lt1">
-        <a:alpha val="40000"/>
-      </a:schemeClr>
-    </dgm:fillClrLst>
-    <dgm:linClrLst meth="repeat">
-      <a:schemeClr val="accent1"/>
-    </dgm:linClrLst>
-    <dgm:effectClrLst/>
-    <dgm:txLinClrLst/>
-    <dgm:txFillClrLst meth="repeat">
-      <a:schemeClr val="dk1"/>
-    </dgm:txFillClrLst>
-    <dgm:txEffectClrLst/>
-  </dgm:styleLbl>
-  <dgm:styleLbl name="bgAcc1">
-    <dgm:fillClrLst meth="repeat">
-      <a:schemeClr val="lt1">
-        <a:alpha val="90000"/>
-      </a:schemeClr>
-    </dgm:fillClrLst>
-    <dgm:linClrLst meth="repeat">
-      <a:schemeClr val="accent1"/>
-    </dgm:linClrLst>
-    <dgm:effectClrLst/>
-    <dgm:txLinClrLst/>
-    <dgm:txFillClrLst meth="repeat">
-      <a:schemeClr val="dk1"/>
-    </dgm:txFillClrLst>
-    <dgm:txEffectClrLst/>
-  </dgm:styleLbl>
-  <dgm:styleLbl name="solidFgAcc1">
-    <dgm:fillClrLst meth="repeat">
-      <a:schemeClr val="lt1"/>
-    </dgm:fillClrLst>
-    <dgm:linClrLst meth="repeat">
-      <a:schemeClr val="accent1"/>
-    </dgm:linClrLst>
-    <dgm:effectClrLst/>
-    <dgm:txLinClrLst/>
-    <dgm:txFillClrLst meth="repeat">
-      <a:schemeClr val="dk1"/>
-    </dgm:txFillClrLst>
-    <dgm:txEffectClrLst/>
-  </dgm:styleLbl>
-  <dgm:styleLbl name="solidAlignAcc1">
-    <dgm:fillClrLst meth="repeat">
-      <a:schemeClr val="lt1"/>
-    </dgm:fillClrLst>
-    <dgm:linClrLst meth="repeat">
-      <a:schemeClr val="accent1"/>
-    </dgm:linClrLst>
-    <dgm:effectClrLst/>
-    <dgm:txLinClrLst/>
-    <dgm:txFillClrLst meth="repeat">
-      <a:schemeClr val="dk1"/>
-    </dgm:txFillClrLst>
-    <dgm:txEffectClrLst/>
-  </dgm:styleLbl>
-  <dgm:styleLbl name="solidBgAcc1">
-    <dgm:fillClrLst meth="repeat">
-      <a:schemeClr val="lt1"/>
-    </dgm:fillClrLst>
-    <dgm:linClrLst meth="repeat">
-      <a:schemeClr val="accent1"/>
-    </dgm:linClrLst>
-    <dgm:effectClrLst/>
-    <dgm:txLinClrLst/>
-    <dgm:txFillClrLst meth="repeat">
-      <a:schemeClr val="dk1"/>
-    </dgm:txFillClrLst>
-    <dgm:txEffectClrLst/>
-  </dgm:styleLbl>
-  <dgm:styleLbl name="fgAccFollowNode1">
-    <dgm:fillClrLst meth="repeat">
-      <a:schemeClr val="accent1">
-        <a:alpha val="90000"/>
-        <a:tint val="40000"/>
-      </a:schemeClr>
-    </dgm:fillClrLst>
-    <dgm:linClrLst meth="repeat">
-      <a:schemeClr val="accent1">
-        <a:alpha val="90000"/>
-        <a:tint val="40000"/>
-      </a:schemeClr>
-    </dgm:linClrLst>
-    <dgm:effectClrLst/>
-    <dgm:txLinClrLst/>
-    <dgm:txFillClrLst meth="repeat">
-      <a:schemeClr val="dk1"/>
-    </dgm:txFillClrLst>
-    <dgm:txEffectClrLst/>
-  </dgm:styleLbl>
-  <dgm:styleLbl name="alignAccFollowNode1">
-    <dgm:fillClrLst meth="repeat">
-      <a:schemeClr val="accent1">
-        <a:alpha val="90000"/>
-        <a:tint val="40000"/>
-      </a:schemeClr>
-    </dgm:fillClrLst>
-    <dgm:linClrLst meth="repeat">
-      <a:schemeClr val="accent1">
-        <a:alpha val="90000"/>
-        <a:tint val="40000"/>
-      </a:schemeClr>
-    </dgm:linClrLst>
-    <dgm:effectClrLst/>
-    <dgm:txLinClrLst/>
-    <dgm:txFillClrLst meth="repeat">
-      <a:schemeClr val="dk1"/>
-    </dgm:txFillClrLst>
-    <dgm:txEffectClrLst/>
-  </dgm:styleLbl>
-  <dgm:styleLbl name="bgAccFollowNode1">
-    <dgm:fillClrLst meth="repeat">
-      <a:schemeClr val="accent1">
-        <a:alpha val="90000"/>
-        <a:tint val="40000"/>
-      </a:schemeClr>
-    </dgm:fillClrLst>
-    <dgm:linClrLst meth="repeat">
-      <a:schemeClr val="accent1">
-        <a:alpha val="90000"/>
-        <a:tint val="40000"/>
-      </a:schemeClr>
-    </dgm:linClrLst>
-    <dgm:effectClrLst/>
-    <dgm:txLinClrLst/>
-    <dgm:txFillClrLst meth="repeat">
-      <a:schemeClr val="dk1"/>
-    </dgm:txFillClrLst>
-    <dgm:txEffectClrLst/>
-  </dgm:styleLbl>
-  <dgm:styleLbl name="fgAcc0">
-    <dgm:fillClrLst meth="repeat">
-      <a:schemeClr val="lt1">
-        <a:alpha val="90000"/>
-      </a:schemeClr>
-    </dgm:fillClrLst>
-    <dgm:linClrLst meth="repeat">
-      <a:schemeClr val="accent1"/>
-    </dgm:linClrLst>
-    <dgm:effectClrLst/>
-    <dgm:txLinClrLst/>
-    <dgm:txFillClrLst meth="repeat">
-      <a:schemeClr val="dk1"/>
-    </dgm:txFillClrLst>
-    <dgm:txEffectClrLst/>
-  </dgm:styleLbl>
-  <dgm:styleLbl name="fgAcc2">
-    <dgm:fillClrLst meth="repeat">
-      <a:schemeClr val="lt1">
-        <a:alpha val="90000"/>
-      </a:schemeClr>
-    </dgm:fillClrLst>
-    <dgm:linClrLst meth="repeat">
-      <a:schemeClr val="accent1"/>
-    </dgm:linClrLst>
-    <dgm:effectClrLst/>
-    <dgm:txLinClrLst/>
-    <dgm:txFillClrLst meth="repeat">
-      <a:schemeClr val="dk1"/>
-    </dgm:txFillClrLst>
-    <dgm:txEffectClrLst/>
-  </dgm:styleLbl>
-  <dgm:styleLbl name="fgAcc3">
-    <dgm:fillClrLst meth="repeat">
-      <a:schemeClr val="lt1">
-        <a:alpha val="90000"/>
-      </a:schemeClr>
-    </dgm:fillClrLst>
-    <dgm:linClrLst meth="repeat">
-      <a:schemeClr val="accent1"/>
-    </dgm:linClrLst>
-    <dgm:effectClrLst/>
-    <dgm:txLinClrLst/>
-    <dgm:txFillClrLst meth="repeat">
-      <a:schemeClr val="dk1"/>
-    </dgm:txFillClrLst>
-    <dgm:txEffectClrLst/>
-  </dgm:styleLbl>
-  <dgm:styleLbl name="fgAcc4">
-    <dgm:fillClrLst meth="repeat">
-      <a:schemeClr val="lt1">
-        <a:alpha val="90000"/>
-      </a:schemeClr>
-    </dgm:fillClrLst>
-    <dgm:linClrLst meth="repeat">
-      <a:schemeClr val="accent1"/>
-    </dgm:linClrLst>
-    <dgm:effectClrLst/>
-    <dgm:txLinClrLst/>
-    <dgm:txFillClrLst meth="repeat">
-      <a:schemeClr val="dk1"/>
-    </dgm:txFillClrLst>
-    <dgm:txEffectClrLst/>
-  </dgm:styleLbl>
-  <dgm:styleLbl name="bgShp">
-    <dgm:fillClrLst meth="repeat">
-      <a:schemeClr val="accent1">
-        <a:tint val="40000"/>
-      </a:schemeClr>
-    </dgm:fillClrLst>
-    <dgm:linClrLst meth="repeat">
-      <a:schemeClr val="accent1"/>
-    </dgm:linClrLst>
-    <dgm:effectClrLst/>
-    <dgm:txLinClrLst/>
-    <dgm:txFillClrLst meth="repeat">
-      <a:schemeClr val="dk1"/>
-    </dgm:txFillClrLst>
-    <dgm:txEffectClrLst/>
-  </dgm:styleLbl>
-  <dgm:styleLbl name="dkBgShp">
-    <dgm:fillClrLst meth="repeat">
-      <a:schemeClr val="accent1">
-        <a:shade val="80000"/>
-      </a:schemeClr>
-    </dgm:fillClrLst>
-    <dgm:linClrLst meth="repeat">
-      <a:schemeClr val="accent1"/>
-    </dgm:linClrLst>
-    <dgm:effectClrLst/>
-    <dgm:txLinClrLst/>
-    <dgm:txFillClrLst meth="repeat">
-      <a:schemeClr val="lt1"/>
-    </dgm:txFillClrLst>
-    <dgm:txEffectClrLst/>
-  </dgm:styleLbl>
-  <dgm:styleLbl name="trBgShp">
-    <dgm:fillClrLst meth="repeat">
-      <a:schemeClr val="accent1">
-        <a:tint val="50000"/>
-        <a:alpha val="40000"/>
-      </a:schemeClr>
-    </dgm:fillClrLst>
-    <dgm:linClrLst meth="repeat">
-      <a:schemeClr val="accent1"/>
-    </dgm:linClrLst>
-    <dgm:effectClrLst/>
-    <dgm:txLinClrLst/>
-    <dgm:txFillClrLst meth="repeat">
-      <a:schemeClr val="lt1"/>
-    </dgm:txFillClrLst>
-    <dgm:txEffectClrLst/>
-  </dgm:styleLbl>
-  <dgm:styleLbl name="fgShp">
-    <dgm:fillClrLst meth="repeat">
-      <a:schemeClr val="accent1">
-        <a:tint val="60000"/>
-      </a:schemeClr>
-    </dgm:fillClrLst>
-    <dgm:linClrLst meth="repeat">
-      <a:schemeClr val="lt1"/>
-    </dgm:linClrLst>
-    <dgm:effectClrLst/>
-    <dgm:txLinClrLst/>
-    <dgm:txFillClrLst meth="repeat">
-      <a:schemeClr val="dk1"/>
-    </dgm:txFillClrLst>
-    <dgm:txEffectClrLst/>
-  </dgm:styleLbl>
-  <dgm:styleLbl name="revTx">
-    <dgm:fillClrLst meth="repeat">
-      <a:schemeClr val="lt1">
-        <a:alpha val="0"/>
-      </a:schemeClr>
-    </dgm:fillClrLst>
-    <dgm:linClrLst meth="repeat">
-      <a:schemeClr val="dk1">
-        <a:alpha val="0"/>
-      </a:schemeClr>
-    </dgm:linClrLst>
-    <dgm:effectClrLst/>
-    <dgm:txLinClrLst/>
-    <dgm:txFillClrLst meth="repeat">
-      <a:schemeClr val="tx1"/>
-    </dgm:txFillClrLst>
-    <dgm:txEffectClrLst/>
-  </dgm:styleLbl>
-</dgm:colorsDef>
-</file>
-
 <file path=ppt/diagrams/data1.xml><?xml version="1.0" encoding="utf-8"?>
-<dgm:dataModel xmlns:dgm="http://schemas.openxmlformats.org/drawingml/2006/diagram" xmlns:a="http://schemas.openxmlformats.org/drawingml/2006/main">
-  <dgm:ptLst>
-    <dgm:pt modelId="{EF4F19AF-9328-E64C-9F34-528DFACD5A1E}" type="doc">
-      <dgm:prSet loTypeId="urn:microsoft.com/office/officeart/2005/8/layout/hProcess4" loCatId="" qsTypeId="urn:microsoft.com/office/officeart/2005/8/quickstyle/simple1" qsCatId="simple" csTypeId="urn:microsoft.com/office/officeart/2005/8/colors/accent1_2" csCatId="accent1" phldr="1"/>
-      <dgm:spPr/>
-      <dgm:t>
-        <a:bodyPr/>
-        <a:lstStyle/>
-        <a:p>
-          <a:endParaRPr lang="en-US"/>
-        </a:p>
-      </dgm:t>
-    </dgm:pt>
-    <dgm:pt modelId="{A713AB38-493C-DC4C-8460-9A5CD7DBA07C}">
-      <dgm:prSet phldrT="[Text]"/>
-      <dgm:spPr>
-        <a:solidFill>
-          <a:srgbClr val="F86800"/>
-        </a:solidFill>
-      </dgm:spPr>
-      <dgm:t>
-        <a:bodyPr/>
-        <a:lstStyle/>
-        <a:p>
-          <a:pPr>
-            <a:buSzPts val="2400"/>
-          </a:pPr>
-          <a:r>
-            <a:rPr lang="en-US" b="1" i="0" dirty="0">
-              <a:latin typeface="Times New Roman" panose="02020603050405020304" pitchFamily="18" charset="0"/>
-              <a:cs typeface="Times New Roman" panose="02020603050405020304" pitchFamily="18" charset="0"/>
-              <a:sym typeface="Arial"/>
-            </a:rPr>
-            <a:t>Problem</a:t>
-          </a:r>
-          <a:r>
-            <a:rPr lang="en-US" b="0" i="0" dirty="0">
-              <a:latin typeface="Times New Roman" panose="02020603050405020304" pitchFamily="18" charset="0"/>
-              <a:cs typeface="Times New Roman" panose="02020603050405020304" pitchFamily="18" charset="0"/>
-              <a:sym typeface="Arial"/>
-            </a:rPr>
-            <a:t> </a:t>
-          </a:r>
-          <a:r>
-            <a:rPr lang="en-US" b="1" i="0" dirty="0">
-              <a:latin typeface="Times New Roman" panose="02020603050405020304" pitchFamily="18" charset="0"/>
-              <a:cs typeface="Times New Roman" panose="02020603050405020304" pitchFamily="18" charset="0"/>
-              <a:sym typeface="Arial"/>
-            </a:rPr>
-            <a:t>Statement</a:t>
-          </a:r>
-          <a:endParaRPr lang="en-US" b="1" dirty="0"/>
-        </a:p>
-      </dgm:t>
-    </dgm:pt>
-    <dgm:pt modelId="{39B2FB88-D1B0-D446-A806-07F2C92EAC66}" type="parTrans" cxnId="{637519B0-D128-E547-A93A-2E362BBAC2AA}">
-      <dgm:prSet/>
-      <dgm:spPr/>
-      <dgm:t>
-        <a:bodyPr/>
-        <a:lstStyle/>
-        <a:p>
-          <a:endParaRPr lang="en-US"/>
-        </a:p>
-      </dgm:t>
-    </dgm:pt>
-    <dgm:pt modelId="{7AF95FF8-040A-8A49-80DE-555F739E9CC3}" type="sibTrans" cxnId="{637519B0-D128-E547-A93A-2E362BBAC2AA}">
-      <dgm:prSet/>
-      <dgm:spPr/>
-      <dgm:t>
-        <a:bodyPr/>
-        <a:lstStyle/>
-        <a:p>
-          <a:endParaRPr lang="en-US"/>
-        </a:p>
-      </dgm:t>
-    </dgm:pt>
-    <dgm:pt modelId="{3E8A5877-FE7B-BA4B-AE38-78B79B9A1FE8}">
-      <dgm:prSet phldrT="[Text]"/>
-      <dgm:spPr/>
-      <dgm:t>
-        <a:bodyPr/>
-        <a:lstStyle/>
-        <a:p>
-          <a:pPr>
-            <a:buNone/>
-          </a:pPr>
-          <a:r>
-            <a:rPr lang="en-US" dirty="0">
-              <a:latin typeface="Times New Roman" panose="02020603050405020304" pitchFamily="18" charset="0"/>
-            </a:rPr>
-            <a:t>   While building user information databases, there are possibilities of having invalid records creeping into database for various reasons. </a:t>
-          </a:r>
-          <a:endParaRPr lang="en-US" dirty="0"/>
-        </a:p>
-      </dgm:t>
-    </dgm:pt>
-    <dgm:pt modelId="{EFC39F3E-BABC-8746-A239-EC53CB3CEE09}" type="parTrans" cxnId="{D11C219A-53DB-2443-A7CA-B12443DECC98}">
-      <dgm:prSet/>
-      <dgm:spPr/>
-      <dgm:t>
-        <a:bodyPr/>
-        <a:lstStyle/>
-        <a:p>
-          <a:endParaRPr lang="en-US"/>
-        </a:p>
-      </dgm:t>
-    </dgm:pt>
-    <dgm:pt modelId="{7F5CB3E9-DD1A-5D45-8827-7F7741ACA8A3}" type="sibTrans" cxnId="{D11C219A-53DB-2443-A7CA-B12443DECC98}">
-      <dgm:prSet/>
-      <dgm:spPr/>
-      <dgm:t>
-        <a:bodyPr/>
-        <a:lstStyle/>
-        <a:p>
-          <a:endParaRPr lang="en-US"/>
-        </a:p>
-      </dgm:t>
-    </dgm:pt>
-    <dgm:pt modelId="{DA0AC7A5-CF62-394B-9CF7-65009F117277}">
-      <dgm:prSet phldrT="[Text]"/>
-      <dgm:spPr>
-        <a:solidFill>
-          <a:srgbClr val="F86800"/>
-        </a:solidFill>
-      </dgm:spPr>
-      <dgm:t>
-        <a:bodyPr/>
-        <a:lstStyle/>
-        <a:p>
-          <a:r>
-            <a:rPr lang="en-US" b="1" u="none" dirty="0">
-              <a:latin typeface="Times New Roman" panose="02020603050405020304" pitchFamily="18" charset="0"/>
-            </a:rPr>
-            <a:t>Underlying business consequences of malicious accounts</a:t>
-          </a:r>
-          <a:endParaRPr lang="en-US" u="none" dirty="0"/>
-        </a:p>
-      </dgm:t>
-    </dgm:pt>
-    <dgm:pt modelId="{8B706617-7D88-1142-A4E7-4463F81726E7}" type="parTrans" cxnId="{87DE34E1-D5B9-D040-8A3A-9097A14D6A7D}">
-      <dgm:prSet/>
-      <dgm:spPr/>
-      <dgm:t>
-        <a:bodyPr/>
-        <a:lstStyle/>
-        <a:p>
-          <a:endParaRPr lang="en-US"/>
-        </a:p>
-      </dgm:t>
-    </dgm:pt>
-    <dgm:pt modelId="{6898378E-B382-7743-8038-F21297929386}" type="sibTrans" cxnId="{87DE34E1-D5B9-D040-8A3A-9097A14D6A7D}">
-      <dgm:prSet/>
-      <dgm:spPr/>
-      <dgm:t>
-        <a:bodyPr/>
-        <a:lstStyle/>
-        <a:p>
-          <a:endParaRPr lang="en-US"/>
-        </a:p>
-      </dgm:t>
-    </dgm:pt>
-    <dgm:pt modelId="{080EA190-8973-AD44-870B-AD10234D9D1C}">
-      <dgm:prSet phldrT="[Text]"/>
-      <dgm:spPr/>
-      <dgm:t>
-        <a:bodyPr/>
-        <a:lstStyle/>
-        <a:p>
-          <a:pPr>
-            <a:buFont typeface="Arial" panose="020B0604020202020204" pitchFamily="34" charset="0"/>
-            <a:buChar char="•"/>
-          </a:pPr>
-          <a:r>
-            <a:rPr lang="en-US" b="0" dirty="0"/>
-            <a:t>Devalued user base</a:t>
-          </a:r>
-        </a:p>
-      </dgm:t>
-    </dgm:pt>
-    <dgm:pt modelId="{4DF0D3E2-F15B-FD44-9A6F-1590D0AE2BAA}" type="parTrans" cxnId="{377E8F09-A273-5A46-B855-2CF463338802}">
-      <dgm:prSet/>
-      <dgm:spPr/>
-      <dgm:t>
-        <a:bodyPr/>
-        <a:lstStyle/>
-        <a:p>
-          <a:endParaRPr lang="en-US"/>
-        </a:p>
-      </dgm:t>
-    </dgm:pt>
-    <dgm:pt modelId="{758C4348-840D-9A4F-8306-B91D4999B62C}" type="sibTrans" cxnId="{377E8F09-A273-5A46-B855-2CF463338802}">
-      <dgm:prSet/>
-      <dgm:spPr/>
-      <dgm:t>
-        <a:bodyPr/>
-        <a:lstStyle/>
-        <a:p>
-          <a:endParaRPr lang="en-US"/>
-        </a:p>
-      </dgm:t>
-    </dgm:pt>
-    <dgm:pt modelId="{A068C828-CEE6-EC40-97CD-BBA5CA8793AF}">
-      <dgm:prSet phldrT="[Text]"/>
-      <dgm:spPr>
-        <a:solidFill>
-          <a:srgbClr val="F86800"/>
-        </a:solidFill>
-      </dgm:spPr>
-      <dgm:t>
-        <a:bodyPr/>
-        <a:lstStyle/>
-        <a:p>
-          <a:pPr>
-            <a:buSzPts val="2400"/>
-            <a:buFont typeface="Arial"/>
-            <a:buNone/>
-          </a:pPr>
-          <a:r>
-            <a:rPr lang="en-US" b="1" dirty="0">
-              <a:latin typeface="Times New Roman" panose="02020603050405020304" pitchFamily="18" charset="0"/>
-              <a:cs typeface="Times New Roman" panose="02020603050405020304" pitchFamily="18" charset="0"/>
-              <a:sym typeface="Arial"/>
-            </a:rPr>
-            <a:t>Objective</a:t>
-          </a:r>
-          <a:endParaRPr lang="en-US" b="1" dirty="0">
-            <a:latin typeface="Times New Roman" panose="02020603050405020304" pitchFamily="18" charset="0"/>
-            <a:cs typeface="Times New Roman" panose="02020603050405020304" pitchFamily="18" charset="0"/>
-          </a:endParaRPr>
-        </a:p>
-      </dgm:t>
-    </dgm:pt>
-    <dgm:pt modelId="{40309946-9C77-0643-B2A9-85A7DC1A6528}" type="parTrans" cxnId="{6F1D93BC-13D7-FF48-ABC5-5641E27B4A99}">
-      <dgm:prSet/>
-      <dgm:spPr/>
-      <dgm:t>
-        <a:bodyPr/>
-        <a:lstStyle/>
-        <a:p>
-          <a:endParaRPr lang="en-US"/>
-        </a:p>
-      </dgm:t>
-    </dgm:pt>
-    <dgm:pt modelId="{2005B69E-1947-574E-91FF-A88D28819A6F}" type="sibTrans" cxnId="{6F1D93BC-13D7-FF48-ABC5-5641E27B4A99}">
-      <dgm:prSet/>
-      <dgm:spPr/>
-      <dgm:t>
-        <a:bodyPr/>
-        <a:lstStyle/>
-        <a:p>
-          <a:endParaRPr lang="en-US"/>
-        </a:p>
-      </dgm:t>
-    </dgm:pt>
-    <dgm:pt modelId="{A63B5834-CEDE-C74C-8C70-791150923C38}">
-      <dgm:prSet phldrT="[Text]"/>
-      <dgm:spPr/>
-      <dgm:t>
-        <a:bodyPr/>
-        <a:lstStyle/>
-        <a:p>
-          <a:pPr>
-            <a:buNone/>
-          </a:pPr>
-          <a:r>
-            <a:rPr lang="en-US" dirty="0">
-              <a:latin typeface="Times New Roman" panose="02020603050405020304" pitchFamily="18" charset="0"/>
-            </a:rPr>
-            <a:t>   The purpose of this project is to build logics that can help in distinguishing legitimate accounts from malicious accounts.</a:t>
-          </a:r>
-          <a:endParaRPr lang="en-US" dirty="0"/>
-        </a:p>
-      </dgm:t>
-    </dgm:pt>
-    <dgm:pt modelId="{044A2440-8831-F14F-AAF7-4FB4FD1700C4}" type="parTrans" cxnId="{375ABF10-D252-9645-8EF7-C22D6661EF84}">
-      <dgm:prSet/>
-      <dgm:spPr/>
-      <dgm:t>
-        <a:bodyPr/>
-        <a:lstStyle/>
-        <a:p>
-          <a:endParaRPr lang="en-US"/>
-        </a:p>
-      </dgm:t>
-    </dgm:pt>
-    <dgm:pt modelId="{18CFB1EE-9EA9-FA42-A745-D889F4C5E205}" type="sibTrans" cxnId="{375ABF10-D252-9645-8EF7-C22D6661EF84}">
-      <dgm:prSet/>
-      <dgm:spPr/>
-      <dgm:t>
-        <a:bodyPr/>
-        <a:lstStyle/>
-        <a:p>
-          <a:endParaRPr lang="en-US"/>
-        </a:p>
-      </dgm:t>
-    </dgm:pt>
-    <dgm:pt modelId="{150593F5-09A3-D044-A509-4354B6ED4D0D}">
-      <dgm:prSet/>
-      <dgm:spPr/>
-      <dgm:t>
-        <a:bodyPr/>
-        <a:lstStyle/>
-        <a:p>
-          <a:r>
-            <a:rPr lang="en-US" b="0" dirty="0"/>
-            <a:t>Wasted money</a:t>
-          </a:r>
-        </a:p>
-      </dgm:t>
-    </dgm:pt>
-    <dgm:pt modelId="{300DA7BE-6023-BE43-AC8E-9B27A1C65D3F}" type="parTrans" cxnId="{7B778351-A1F0-E54E-A607-4CA0027EAA77}">
-      <dgm:prSet/>
-      <dgm:spPr/>
-      <dgm:t>
-        <a:bodyPr/>
-        <a:lstStyle/>
-        <a:p>
-          <a:endParaRPr lang="en-US"/>
-        </a:p>
-      </dgm:t>
-    </dgm:pt>
-    <dgm:pt modelId="{E0F6CD6B-EFD5-B64A-BCE3-93541740670B}" type="sibTrans" cxnId="{7B778351-A1F0-E54E-A607-4CA0027EAA77}">
-      <dgm:prSet/>
-      <dgm:spPr/>
-      <dgm:t>
-        <a:bodyPr/>
-        <a:lstStyle/>
-        <a:p>
-          <a:endParaRPr lang="en-US"/>
-        </a:p>
-      </dgm:t>
-    </dgm:pt>
-    <dgm:pt modelId="{01AAAF2C-F7DF-F749-B2B8-F6CD84F766F6}">
-      <dgm:prSet/>
-      <dgm:spPr/>
-      <dgm:t>
-        <a:bodyPr/>
-        <a:lstStyle/>
-        <a:p>
-          <a:r>
-            <a:rPr lang="en-US" b="0" dirty="0"/>
-            <a:t>Reputation damage</a:t>
-          </a:r>
-        </a:p>
-      </dgm:t>
-    </dgm:pt>
-    <dgm:pt modelId="{24DFE533-C412-BA42-BCD6-0A08BABDD683}" type="parTrans" cxnId="{A4DEDB98-A9B2-664F-8ADE-D88E4D35CB13}">
-      <dgm:prSet/>
-      <dgm:spPr/>
-      <dgm:t>
-        <a:bodyPr/>
-        <a:lstStyle/>
-        <a:p>
-          <a:endParaRPr lang="en-US"/>
-        </a:p>
-      </dgm:t>
-    </dgm:pt>
-    <dgm:pt modelId="{DC5E44F5-01AD-CF49-A476-A668E6F21315}" type="sibTrans" cxnId="{A4DEDB98-A9B2-664F-8ADE-D88E4D35CB13}">
-      <dgm:prSet/>
-      <dgm:spPr/>
-      <dgm:t>
-        <a:bodyPr/>
-        <a:lstStyle/>
-        <a:p>
-          <a:endParaRPr lang="en-US"/>
-        </a:p>
-      </dgm:t>
-    </dgm:pt>
-    <dgm:pt modelId="{D1218B91-283C-2E48-9C97-38C9D1968777}">
-      <dgm:prSet/>
-      <dgm:spPr/>
-      <dgm:t>
-        <a:bodyPr/>
-        <a:lstStyle/>
-        <a:p>
-          <a:r>
-            <a:rPr lang="en-US" b="0" dirty="0"/>
-            <a:t>Compliance / legal problems</a:t>
-          </a:r>
-        </a:p>
-      </dgm:t>
-    </dgm:pt>
-    <dgm:pt modelId="{E3C69B1C-E5D5-4F46-A367-4C7F6CBC8BC5}" type="parTrans" cxnId="{E8090884-677B-CD43-885D-A1DE56A96C56}">
-      <dgm:prSet/>
-      <dgm:spPr/>
-      <dgm:t>
-        <a:bodyPr/>
-        <a:lstStyle/>
-        <a:p>
-          <a:endParaRPr lang="en-US"/>
-        </a:p>
-      </dgm:t>
-    </dgm:pt>
-    <dgm:pt modelId="{04EF5EC2-7E36-E44F-B3D6-196F770648C3}" type="sibTrans" cxnId="{E8090884-677B-CD43-885D-A1DE56A96C56}">
-      <dgm:prSet/>
-      <dgm:spPr/>
-      <dgm:t>
-        <a:bodyPr/>
-        <a:lstStyle/>
-        <a:p>
-          <a:endParaRPr lang="en-US"/>
-        </a:p>
-      </dgm:t>
-    </dgm:pt>
-    <dgm:pt modelId="{2F94B6E8-96C2-134E-915F-D013769DCA04}" type="pres">
-      <dgm:prSet presAssocID="{EF4F19AF-9328-E64C-9F34-528DFACD5A1E}" presName="Name0" presStyleCnt="0">
-        <dgm:presLayoutVars>
-          <dgm:dir/>
-          <dgm:animLvl val="lvl"/>
-          <dgm:resizeHandles val="exact"/>
-        </dgm:presLayoutVars>
-      </dgm:prSet>
-      <dgm:spPr/>
-    </dgm:pt>
-    <dgm:pt modelId="{1C9F66AE-E7A3-AA48-8B73-E357BABF4D73}" type="pres">
-      <dgm:prSet presAssocID="{EF4F19AF-9328-E64C-9F34-528DFACD5A1E}" presName="tSp" presStyleCnt="0"/>
-      <dgm:spPr/>
-    </dgm:pt>
-    <dgm:pt modelId="{D2E0D7EB-52E3-424D-8E6F-94C2C29FE01B}" type="pres">
-      <dgm:prSet presAssocID="{EF4F19AF-9328-E64C-9F34-528DFACD5A1E}" presName="bSp" presStyleCnt="0"/>
-      <dgm:spPr/>
-    </dgm:pt>
-    <dgm:pt modelId="{38153FDB-211B-1B4C-B4C5-88203C0E3293}" type="pres">
-      <dgm:prSet presAssocID="{EF4F19AF-9328-E64C-9F34-528DFACD5A1E}" presName="process" presStyleCnt="0"/>
-      <dgm:spPr/>
-    </dgm:pt>
-    <dgm:pt modelId="{FE25A740-4321-CA47-B364-7B3EBA990031}" type="pres">
-      <dgm:prSet presAssocID="{A713AB38-493C-DC4C-8460-9A5CD7DBA07C}" presName="composite1" presStyleCnt="0"/>
-      <dgm:spPr/>
-    </dgm:pt>
-    <dgm:pt modelId="{11187E9E-23D5-2A42-AC6F-37015594FF98}" type="pres">
-      <dgm:prSet presAssocID="{A713AB38-493C-DC4C-8460-9A5CD7DBA07C}" presName="dummyNode1" presStyleLbl="node1" presStyleIdx="0" presStyleCnt="3"/>
-      <dgm:spPr/>
-    </dgm:pt>
-    <dgm:pt modelId="{16F57E9E-D7DF-3E4C-9160-C2687C24AA21}" type="pres">
-      <dgm:prSet presAssocID="{A713AB38-493C-DC4C-8460-9A5CD7DBA07C}" presName="childNode1" presStyleLbl="bgAcc1" presStyleIdx="0" presStyleCnt="3">
-        <dgm:presLayoutVars>
-          <dgm:bulletEnabled val="1"/>
-        </dgm:presLayoutVars>
-      </dgm:prSet>
-      <dgm:spPr/>
-    </dgm:pt>
-    <dgm:pt modelId="{1A619159-EF9B-1C4D-BDF3-9AD7FA86261B}" type="pres">
-      <dgm:prSet presAssocID="{A713AB38-493C-DC4C-8460-9A5CD7DBA07C}" presName="childNode1tx" presStyleLbl="bgAcc1" presStyleIdx="0" presStyleCnt="3">
-        <dgm:presLayoutVars>
-          <dgm:bulletEnabled val="1"/>
-        </dgm:presLayoutVars>
-      </dgm:prSet>
-      <dgm:spPr/>
-    </dgm:pt>
-    <dgm:pt modelId="{C83A0F09-3BAC-D14A-946C-A30C39FCE67D}" type="pres">
-      <dgm:prSet presAssocID="{A713AB38-493C-DC4C-8460-9A5CD7DBA07C}" presName="parentNode1" presStyleLbl="node1" presStyleIdx="0" presStyleCnt="3">
-        <dgm:presLayoutVars>
-          <dgm:chMax val="1"/>
-          <dgm:bulletEnabled val="1"/>
-        </dgm:presLayoutVars>
-      </dgm:prSet>
-      <dgm:spPr/>
-    </dgm:pt>
-    <dgm:pt modelId="{69C84A27-6A07-9344-92DC-2EC78A507193}" type="pres">
-      <dgm:prSet presAssocID="{A713AB38-493C-DC4C-8460-9A5CD7DBA07C}" presName="connSite1" presStyleCnt="0"/>
-      <dgm:spPr/>
-    </dgm:pt>
-    <dgm:pt modelId="{3AEA0012-9DB5-4542-92C5-E9AE45E43420}" type="pres">
-      <dgm:prSet presAssocID="{7AF95FF8-040A-8A49-80DE-555F739E9CC3}" presName="Name9" presStyleLbl="sibTrans2D1" presStyleIdx="0" presStyleCnt="2"/>
-      <dgm:spPr/>
-    </dgm:pt>
-    <dgm:pt modelId="{B5477BEB-607E-8A45-AC81-FF21ECA10BBB}" type="pres">
-      <dgm:prSet presAssocID="{DA0AC7A5-CF62-394B-9CF7-65009F117277}" presName="composite2" presStyleCnt="0"/>
-      <dgm:spPr/>
-    </dgm:pt>
-    <dgm:pt modelId="{E5CA9E31-1340-8D48-A042-E4FA696F05E7}" type="pres">
-      <dgm:prSet presAssocID="{DA0AC7A5-CF62-394B-9CF7-65009F117277}" presName="dummyNode2" presStyleLbl="node1" presStyleIdx="0" presStyleCnt="3"/>
-      <dgm:spPr/>
-    </dgm:pt>
-    <dgm:pt modelId="{2ED405B0-B611-A14E-926F-FA8629D75FFF}" type="pres">
-      <dgm:prSet presAssocID="{DA0AC7A5-CF62-394B-9CF7-65009F117277}" presName="childNode2" presStyleLbl="bgAcc1" presStyleIdx="1" presStyleCnt="3" custLinFactNeighborX="516" custLinFactNeighborY="-625">
-        <dgm:presLayoutVars>
-          <dgm:bulletEnabled val="1"/>
-        </dgm:presLayoutVars>
-      </dgm:prSet>
-      <dgm:spPr/>
-    </dgm:pt>
-    <dgm:pt modelId="{DE43C047-E760-3B4E-BC7D-616228DB0C5C}" type="pres">
-      <dgm:prSet presAssocID="{DA0AC7A5-CF62-394B-9CF7-65009F117277}" presName="childNode2tx" presStyleLbl="bgAcc1" presStyleIdx="1" presStyleCnt="3">
-        <dgm:presLayoutVars>
-          <dgm:bulletEnabled val="1"/>
-        </dgm:presLayoutVars>
-      </dgm:prSet>
-      <dgm:spPr/>
-    </dgm:pt>
-    <dgm:pt modelId="{141D43F2-70B3-2747-ACE6-FF3D8901602B}" type="pres">
-      <dgm:prSet presAssocID="{DA0AC7A5-CF62-394B-9CF7-65009F117277}" presName="parentNode2" presStyleLbl="node1" presStyleIdx="1" presStyleCnt="3">
-        <dgm:presLayoutVars>
-          <dgm:chMax val="0"/>
-          <dgm:bulletEnabled val="1"/>
-        </dgm:presLayoutVars>
-      </dgm:prSet>
-      <dgm:spPr/>
-    </dgm:pt>
-    <dgm:pt modelId="{9F408ED1-83DE-EA44-BFE5-E1EEE9992FB4}" type="pres">
-      <dgm:prSet presAssocID="{DA0AC7A5-CF62-394B-9CF7-65009F117277}" presName="connSite2" presStyleCnt="0"/>
-      <dgm:spPr/>
-    </dgm:pt>
-    <dgm:pt modelId="{3F7F57E0-49F2-DA49-A017-4921819C2B7C}" type="pres">
-      <dgm:prSet presAssocID="{6898378E-B382-7743-8038-F21297929386}" presName="Name18" presStyleLbl="sibTrans2D1" presStyleIdx="1" presStyleCnt="2"/>
-      <dgm:spPr/>
-    </dgm:pt>
-    <dgm:pt modelId="{7AD5E681-BE28-0242-8658-77266D6C4B79}" type="pres">
-      <dgm:prSet presAssocID="{A068C828-CEE6-EC40-97CD-BBA5CA8793AF}" presName="composite1" presStyleCnt="0"/>
-      <dgm:spPr/>
-    </dgm:pt>
-    <dgm:pt modelId="{CA461926-562F-8F46-82C9-D028321BFF2F}" type="pres">
-      <dgm:prSet presAssocID="{A068C828-CEE6-EC40-97CD-BBA5CA8793AF}" presName="dummyNode1" presStyleLbl="node1" presStyleIdx="1" presStyleCnt="3"/>
-      <dgm:spPr/>
-    </dgm:pt>
-    <dgm:pt modelId="{998EB4BD-E69E-AA45-BF14-2672039F7F03}" type="pres">
-      <dgm:prSet presAssocID="{A068C828-CEE6-EC40-97CD-BBA5CA8793AF}" presName="childNode1" presStyleLbl="bgAcc1" presStyleIdx="2" presStyleCnt="3">
-        <dgm:presLayoutVars>
-          <dgm:bulletEnabled val="1"/>
-        </dgm:presLayoutVars>
-      </dgm:prSet>
-      <dgm:spPr/>
-    </dgm:pt>
-    <dgm:pt modelId="{71840F04-C21D-F947-94BF-B14FF74A877E}" type="pres">
-      <dgm:prSet presAssocID="{A068C828-CEE6-EC40-97CD-BBA5CA8793AF}" presName="childNode1tx" presStyleLbl="bgAcc1" presStyleIdx="2" presStyleCnt="3">
-        <dgm:presLayoutVars>
-          <dgm:bulletEnabled val="1"/>
-        </dgm:presLayoutVars>
-      </dgm:prSet>
-      <dgm:spPr/>
-    </dgm:pt>
-    <dgm:pt modelId="{BD5353B0-3CA7-024B-8101-CD245B20DB5E}" type="pres">
-      <dgm:prSet presAssocID="{A068C828-CEE6-EC40-97CD-BBA5CA8793AF}" presName="parentNode1" presStyleLbl="node1" presStyleIdx="2" presStyleCnt="3">
-        <dgm:presLayoutVars>
-          <dgm:chMax val="1"/>
-          <dgm:bulletEnabled val="1"/>
-        </dgm:presLayoutVars>
-      </dgm:prSet>
-      <dgm:spPr/>
-    </dgm:pt>
-    <dgm:pt modelId="{5A9941F0-33DD-9E49-AE44-A3BD0FB1B5A3}" type="pres">
-      <dgm:prSet presAssocID="{A068C828-CEE6-EC40-97CD-BBA5CA8793AF}" presName="connSite1" presStyleCnt="0"/>
-      <dgm:spPr/>
-    </dgm:pt>
-  </dgm:ptLst>
-  <dgm:cxnLst>
-    <dgm:cxn modelId="{DAC90801-4223-9B49-A9E8-11B65C04606C}" type="presOf" srcId="{A63B5834-CEDE-C74C-8C70-791150923C38}" destId="{71840F04-C21D-F947-94BF-B14FF74A877E}" srcOrd="1" destOrd="0" presId="urn:microsoft.com/office/officeart/2005/8/layout/hProcess4"/>
-    <dgm:cxn modelId="{377E8F09-A273-5A46-B855-2CF463338802}" srcId="{DA0AC7A5-CF62-394B-9CF7-65009F117277}" destId="{080EA190-8973-AD44-870B-AD10234D9D1C}" srcOrd="0" destOrd="0" parTransId="{4DF0D3E2-F15B-FD44-9A6F-1590D0AE2BAA}" sibTransId="{758C4348-840D-9A4F-8306-B91D4999B62C}"/>
-    <dgm:cxn modelId="{375ABF10-D252-9645-8EF7-C22D6661EF84}" srcId="{A068C828-CEE6-EC40-97CD-BBA5CA8793AF}" destId="{A63B5834-CEDE-C74C-8C70-791150923C38}" srcOrd="0" destOrd="0" parTransId="{044A2440-8831-F14F-AAF7-4FB4FD1700C4}" sibTransId="{18CFB1EE-9EA9-FA42-A745-D889F4C5E205}"/>
-    <dgm:cxn modelId="{4A51DF1A-46B9-2248-B604-A9BA5EF25B9A}" type="presOf" srcId="{01AAAF2C-F7DF-F749-B2B8-F6CD84F766F6}" destId="{DE43C047-E760-3B4E-BC7D-616228DB0C5C}" srcOrd="1" destOrd="2" presId="urn:microsoft.com/office/officeart/2005/8/layout/hProcess4"/>
-    <dgm:cxn modelId="{57BF0836-CE8F-424D-81C6-234DAD69112E}" type="presOf" srcId="{150593F5-09A3-D044-A509-4354B6ED4D0D}" destId="{DE43C047-E760-3B4E-BC7D-616228DB0C5C}" srcOrd="1" destOrd="1" presId="urn:microsoft.com/office/officeart/2005/8/layout/hProcess4"/>
-    <dgm:cxn modelId="{A65AF939-6BC0-4E46-B81F-F3EFFDE4DA5E}" type="presOf" srcId="{7AF95FF8-040A-8A49-80DE-555F739E9CC3}" destId="{3AEA0012-9DB5-4542-92C5-E9AE45E43420}" srcOrd="0" destOrd="0" presId="urn:microsoft.com/office/officeart/2005/8/layout/hProcess4"/>
-    <dgm:cxn modelId="{05C8B03C-0675-E64B-8AA8-55C1BCF68492}" type="presOf" srcId="{150593F5-09A3-D044-A509-4354B6ED4D0D}" destId="{2ED405B0-B611-A14E-926F-FA8629D75FFF}" srcOrd="0" destOrd="1" presId="urn:microsoft.com/office/officeart/2005/8/layout/hProcess4"/>
-    <dgm:cxn modelId="{0D7E2441-A807-3D47-9173-2673C1F5A702}" type="presOf" srcId="{EF4F19AF-9328-E64C-9F34-528DFACD5A1E}" destId="{2F94B6E8-96C2-134E-915F-D013769DCA04}" srcOrd="0" destOrd="0" presId="urn:microsoft.com/office/officeart/2005/8/layout/hProcess4"/>
-    <dgm:cxn modelId="{24202947-97D6-0047-A3D9-DF4F17CC7CD1}" type="presOf" srcId="{DA0AC7A5-CF62-394B-9CF7-65009F117277}" destId="{141D43F2-70B3-2747-ACE6-FF3D8901602B}" srcOrd="0" destOrd="0" presId="urn:microsoft.com/office/officeart/2005/8/layout/hProcess4"/>
-    <dgm:cxn modelId="{7B778351-A1F0-E54E-A607-4CA0027EAA77}" srcId="{DA0AC7A5-CF62-394B-9CF7-65009F117277}" destId="{150593F5-09A3-D044-A509-4354B6ED4D0D}" srcOrd="1" destOrd="0" parTransId="{300DA7BE-6023-BE43-AC8E-9B27A1C65D3F}" sibTransId="{E0F6CD6B-EFD5-B64A-BCE3-93541740670B}"/>
-    <dgm:cxn modelId="{5EE3ED5B-6BFB-F744-B94B-6ADC8D74828E}" type="presOf" srcId="{080EA190-8973-AD44-870B-AD10234D9D1C}" destId="{2ED405B0-B611-A14E-926F-FA8629D75FFF}" srcOrd="0" destOrd="0" presId="urn:microsoft.com/office/officeart/2005/8/layout/hProcess4"/>
-    <dgm:cxn modelId="{0DB29673-A9B6-DE43-AD8E-BF77A0E40ABA}" type="presOf" srcId="{01AAAF2C-F7DF-F749-B2B8-F6CD84F766F6}" destId="{2ED405B0-B611-A14E-926F-FA8629D75FFF}" srcOrd="0" destOrd="2" presId="urn:microsoft.com/office/officeart/2005/8/layout/hProcess4"/>
-    <dgm:cxn modelId="{198AEF77-748F-6643-AF6E-A333BB50780C}" type="presOf" srcId="{6898378E-B382-7743-8038-F21297929386}" destId="{3F7F57E0-49F2-DA49-A017-4921819C2B7C}" srcOrd="0" destOrd="0" presId="urn:microsoft.com/office/officeart/2005/8/layout/hProcess4"/>
-    <dgm:cxn modelId="{D2BF7E7F-0808-2B41-A0EC-5F70F9FC34B0}" type="presOf" srcId="{080EA190-8973-AD44-870B-AD10234D9D1C}" destId="{DE43C047-E760-3B4E-BC7D-616228DB0C5C}" srcOrd="1" destOrd="0" presId="urn:microsoft.com/office/officeart/2005/8/layout/hProcess4"/>
-    <dgm:cxn modelId="{2A066A80-D7E9-8540-A8CE-D303E7FBB50A}" type="presOf" srcId="{A63B5834-CEDE-C74C-8C70-791150923C38}" destId="{998EB4BD-E69E-AA45-BF14-2672039F7F03}" srcOrd="0" destOrd="0" presId="urn:microsoft.com/office/officeart/2005/8/layout/hProcess4"/>
-    <dgm:cxn modelId="{399C3481-D591-B347-B216-257CCF1D1B39}" type="presOf" srcId="{D1218B91-283C-2E48-9C97-38C9D1968777}" destId="{2ED405B0-B611-A14E-926F-FA8629D75FFF}" srcOrd="0" destOrd="3" presId="urn:microsoft.com/office/officeart/2005/8/layout/hProcess4"/>
-    <dgm:cxn modelId="{B649A483-95CA-8340-A963-16B00BCC0727}" type="presOf" srcId="{A713AB38-493C-DC4C-8460-9A5CD7DBA07C}" destId="{C83A0F09-3BAC-D14A-946C-A30C39FCE67D}" srcOrd="0" destOrd="0" presId="urn:microsoft.com/office/officeart/2005/8/layout/hProcess4"/>
-    <dgm:cxn modelId="{E8090884-677B-CD43-885D-A1DE56A96C56}" srcId="{DA0AC7A5-CF62-394B-9CF7-65009F117277}" destId="{D1218B91-283C-2E48-9C97-38C9D1968777}" srcOrd="3" destOrd="0" parTransId="{E3C69B1C-E5D5-4F46-A367-4C7F6CBC8BC5}" sibTransId="{04EF5EC2-7E36-E44F-B3D6-196F770648C3}"/>
-    <dgm:cxn modelId="{46BFBF87-0444-5E42-AEFB-A456CA28D8EF}" type="presOf" srcId="{3E8A5877-FE7B-BA4B-AE38-78B79B9A1FE8}" destId="{16F57E9E-D7DF-3E4C-9160-C2687C24AA21}" srcOrd="0" destOrd="0" presId="urn:microsoft.com/office/officeart/2005/8/layout/hProcess4"/>
-    <dgm:cxn modelId="{DFD53B8F-AC20-0C46-A3F0-990EAA912002}" type="presOf" srcId="{A068C828-CEE6-EC40-97CD-BBA5CA8793AF}" destId="{BD5353B0-3CA7-024B-8101-CD245B20DB5E}" srcOrd="0" destOrd="0" presId="urn:microsoft.com/office/officeart/2005/8/layout/hProcess4"/>
-    <dgm:cxn modelId="{F5A18198-3DC5-4445-9BAB-5304A6968375}" type="presOf" srcId="{D1218B91-283C-2E48-9C97-38C9D1968777}" destId="{DE43C047-E760-3B4E-BC7D-616228DB0C5C}" srcOrd="1" destOrd="3" presId="urn:microsoft.com/office/officeart/2005/8/layout/hProcess4"/>
-    <dgm:cxn modelId="{A4DEDB98-A9B2-664F-8ADE-D88E4D35CB13}" srcId="{DA0AC7A5-CF62-394B-9CF7-65009F117277}" destId="{01AAAF2C-F7DF-F749-B2B8-F6CD84F766F6}" srcOrd="2" destOrd="0" parTransId="{24DFE533-C412-BA42-BCD6-0A08BABDD683}" sibTransId="{DC5E44F5-01AD-CF49-A476-A668E6F21315}"/>
-    <dgm:cxn modelId="{D11C219A-53DB-2443-A7CA-B12443DECC98}" srcId="{A713AB38-493C-DC4C-8460-9A5CD7DBA07C}" destId="{3E8A5877-FE7B-BA4B-AE38-78B79B9A1FE8}" srcOrd="0" destOrd="0" parTransId="{EFC39F3E-BABC-8746-A239-EC53CB3CEE09}" sibTransId="{7F5CB3E9-DD1A-5D45-8827-7F7741ACA8A3}"/>
-    <dgm:cxn modelId="{637519B0-D128-E547-A93A-2E362BBAC2AA}" srcId="{EF4F19AF-9328-E64C-9F34-528DFACD5A1E}" destId="{A713AB38-493C-DC4C-8460-9A5CD7DBA07C}" srcOrd="0" destOrd="0" parTransId="{39B2FB88-D1B0-D446-A806-07F2C92EAC66}" sibTransId="{7AF95FF8-040A-8A49-80DE-555F739E9CC3}"/>
-    <dgm:cxn modelId="{6F1D93BC-13D7-FF48-ABC5-5641E27B4A99}" srcId="{EF4F19AF-9328-E64C-9F34-528DFACD5A1E}" destId="{A068C828-CEE6-EC40-97CD-BBA5CA8793AF}" srcOrd="2" destOrd="0" parTransId="{40309946-9C77-0643-B2A9-85A7DC1A6528}" sibTransId="{2005B69E-1947-574E-91FF-A88D28819A6F}"/>
-    <dgm:cxn modelId="{FCA156C1-9620-F04C-9987-4B9CB85B26D5}" type="presOf" srcId="{3E8A5877-FE7B-BA4B-AE38-78B79B9A1FE8}" destId="{1A619159-EF9B-1C4D-BDF3-9AD7FA86261B}" srcOrd="1" destOrd="0" presId="urn:microsoft.com/office/officeart/2005/8/layout/hProcess4"/>
-    <dgm:cxn modelId="{87DE34E1-D5B9-D040-8A3A-9097A14D6A7D}" srcId="{EF4F19AF-9328-E64C-9F34-528DFACD5A1E}" destId="{DA0AC7A5-CF62-394B-9CF7-65009F117277}" srcOrd="1" destOrd="0" parTransId="{8B706617-7D88-1142-A4E7-4463F81726E7}" sibTransId="{6898378E-B382-7743-8038-F21297929386}"/>
-    <dgm:cxn modelId="{89F73A1C-BA13-4643-8A3E-378F8740FFC2}" type="presParOf" srcId="{2F94B6E8-96C2-134E-915F-D013769DCA04}" destId="{1C9F66AE-E7A3-AA48-8B73-E357BABF4D73}" srcOrd="0" destOrd="0" presId="urn:microsoft.com/office/officeart/2005/8/layout/hProcess4"/>
-    <dgm:cxn modelId="{0925559F-2CA2-9C46-AAD7-2DA4696BD4A1}" type="presParOf" srcId="{2F94B6E8-96C2-134E-915F-D013769DCA04}" destId="{D2E0D7EB-52E3-424D-8E6F-94C2C29FE01B}" srcOrd="1" destOrd="0" presId="urn:microsoft.com/office/officeart/2005/8/layout/hProcess4"/>
-    <dgm:cxn modelId="{1E281351-81A1-8A43-926B-2BB8C1D938D4}" type="presParOf" srcId="{2F94B6E8-96C2-134E-915F-D013769DCA04}" destId="{38153FDB-211B-1B4C-B4C5-88203C0E3293}" srcOrd="2" destOrd="0" presId="urn:microsoft.com/office/officeart/2005/8/layout/hProcess4"/>
-    <dgm:cxn modelId="{58080B37-4147-F547-B790-2547DD87D17D}" type="presParOf" srcId="{38153FDB-211B-1B4C-B4C5-88203C0E3293}" destId="{FE25A740-4321-CA47-B364-7B3EBA990031}" srcOrd="0" destOrd="0" presId="urn:microsoft.com/office/officeart/2005/8/layout/hProcess4"/>
-    <dgm:cxn modelId="{D0182431-AA9A-324A-BBD0-D53404E12A00}" type="presParOf" srcId="{FE25A740-4321-CA47-B364-7B3EBA990031}" destId="{11187E9E-23D5-2A42-AC6F-37015594FF98}" srcOrd="0" destOrd="0" presId="urn:microsoft.com/office/officeart/2005/8/layout/hProcess4"/>
-    <dgm:cxn modelId="{4B842606-C8E7-8E4A-812B-8CC54EE31B2A}" type="presParOf" srcId="{FE25A740-4321-CA47-B364-7B3EBA990031}" destId="{16F57E9E-D7DF-3E4C-9160-C2687C24AA21}" srcOrd="1" destOrd="0" presId="urn:microsoft.com/office/officeart/2005/8/layout/hProcess4"/>
-    <dgm:cxn modelId="{053287E4-E975-9347-B960-52C3BB812D35}" type="presParOf" srcId="{FE25A740-4321-CA47-B364-7B3EBA990031}" destId="{1A619159-EF9B-1C4D-BDF3-9AD7FA86261B}" srcOrd="2" destOrd="0" presId="urn:microsoft.com/office/officeart/2005/8/layout/hProcess4"/>
-    <dgm:cxn modelId="{CF37E26A-2F27-DC4B-A2C4-5A0A3910BCCC}" type="presParOf" srcId="{FE25A740-4321-CA47-B364-7B3EBA990031}" destId="{C83A0F09-3BAC-D14A-946C-A30C39FCE67D}" srcOrd="3" destOrd="0" presId="urn:microsoft.com/office/officeart/2005/8/layout/hProcess4"/>
-    <dgm:cxn modelId="{42EBB60D-7BA2-3842-B15F-A4BAD2CBC5E7}" type="presParOf" srcId="{FE25A740-4321-CA47-B364-7B3EBA990031}" destId="{69C84A27-6A07-9344-92DC-2EC78A507193}" srcOrd="4" destOrd="0" presId="urn:microsoft.com/office/officeart/2005/8/layout/hProcess4"/>
-    <dgm:cxn modelId="{E77000C5-C587-9040-A7DC-C26A9C2704B0}" type="presParOf" srcId="{38153FDB-211B-1B4C-B4C5-88203C0E3293}" destId="{3AEA0012-9DB5-4542-92C5-E9AE45E43420}" srcOrd="1" destOrd="0" presId="urn:microsoft.com/office/officeart/2005/8/layout/hProcess4"/>
-    <dgm:cxn modelId="{81D901B4-F481-BE4C-82A0-B22E49A3A54B}" type="presParOf" srcId="{38153FDB-211B-1B4C-B4C5-88203C0E3293}" destId="{B5477BEB-607E-8A45-AC81-FF21ECA10BBB}" srcOrd="2" destOrd="0" presId="urn:microsoft.com/office/officeart/2005/8/layout/hProcess4"/>
-    <dgm:cxn modelId="{303E1505-1070-0C49-BB57-79963295B45C}" type="presParOf" srcId="{B5477BEB-607E-8A45-AC81-FF21ECA10BBB}" destId="{E5CA9E31-1340-8D48-A042-E4FA696F05E7}" srcOrd="0" destOrd="0" presId="urn:microsoft.com/office/officeart/2005/8/layout/hProcess4"/>
-    <dgm:cxn modelId="{78F7CFA6-B1B6-764F-956F-877D349FE58C}" type="presParOf" srcId="{B5477BEB-607E-8A45-AC81-FF21ECA10BBB}" destId="{2ED405B0-B611-A14E-926F-FA8629D75FFF}" srcOrd="1" destOrd="0" presId="urn:microsoft.com/office/officeart/2005/8/layout/hProcess4"/>
-    <dgm:cxn modelId="{EC3C50DF-37E8-344B-BFD0-24019BBE5B38}" type="presParOf" srcId="{B5477BEB-607E-8A45-AC81-FF21ECA10BBB}" destId="{DE43C047-E760-3B4E-BC7D-616228DB0C5C}" srcOrd="2" destOrd="0" presId="urn:microsoft.com/office/officeart/2005/8/layout/hProcess4"/>
-    <dgm:cxn modelId="{589612DB-88DB-014C-A25D-1A4925299A29}" type="presParOf" srcId="{B5477BEB-607E-8A45-AC81-FF21ECA10BBB}" destId="{141D43F2-70B3-2747-ACE6-FF3D8901602B}" srcOrd="3" destOrd="0" presId="urn:microsoft.com/office/officeart/2005/8/layout/hProcess4"/>
-    <dgm:cxn modelId="{2B749D62-E6B8-E641-B398-A3B368B0ED89}" type="presParOf" srcId="{B5477BEB-607E-8A45-AC81-FF21ECA10BBB}" destId="{9F408ED1-83DE-EA44-BFE5-E1EEE9992FB4}" srcOrd="4" destOrd="0" presId="urn:microsoft.com/office/officeart/2005/8/layout/hProcess4"/>
-    <dgm:cxn modelId="{8491692F-57F1-6E43-AF6F-9787A18226F7}" type="presParOf" srcId="{38153FDB-211B-1B4C-B4C5-88203C0E3293}" destId="{3F7F57E0-49F2-DA49-A017-4921819C2B7C}" srcOrd="3" destOrd="0" presId="urn:microsoft.com/office/officeart/2005/8/layout/hProcess4"/>
-    <dgm:cxn modelId="{CF7AF2AB-D39F-0447-86D0-F2BEB8AB9BF4}" type="presParOf" srcId="{38153FDB-211B-1B4C-B4C5-88203C0E3293}" destId="{7AD5E681-BE28-0242-8658-77266D6C4B79}" srcOrd="4" destOrd="0" presId="urn:microsoft.com/office/officeart/2005/8/layout/hProcess4"/>
-    <dgm:cxn modelId="{E672CC0F-66B3-074E-ADEC-AC73B032B030}" type="presParOf" srcId="{7AD5E681-BE28-0242-8658-77266D6C4B79}" destId="{CA461926-562F-8F46-82C9-D028321BFF2F}" srcOrd="0" destOrd="0" presId="urn:microsoft.com/office/officeart/2005/8/layout/hProcess4"/>
-    <dgm:cxn modelId="{B6E0AFCC-DEE6-0841-AE40-77269CFCA991}" type="presParOf" srcId="{7AD5E681-BE28-0242-8658-77266D6C4B79}" destId="{998EB4BD-E69E-AA45-BF14-2672039F7F03}" srcOrd="1" destOrd="0" presId="urn:microsoft.com/office/officeart/2005/8/layout/hProcess4"/>
-    <dgm:cxn modelId="{665EE76D-000A-3942-A2BB-6E074D324711}" type="presParOf" srcId="{7AD5E681-BE28-0242-8658-77266D6C4B79}" destId="{71840F04-C21D-F947-94BF-B14FF74A877E}" srcOrd="2" destOrd="0" presId="urn:microsoft.com/office/officeart/2005/8/layout/hProcess4"/>
-    <dgm:cxn modelId="{84002FF9-5BC8-0744-818F-341D7ACBC9F9}" type="presParOf" srcId="{7AD5E681-BE28-0242-8658-77266D6C4B79}" destId="{BD5353B0-3CA7-024B-8101-CD245B20DB5E}" srcOrd="3" destOrd="0" presId="urn:microsoft.com/office/officeart/2005/8/layout/hProcess4"/>
-    <dgm:cxn modelId="{92AECA95-24AC-3146-BA0F-7AA938C052BB}" type="presParOf" srcId="{7AD5E681-BE28-0242-8658-77266D6C4B79}" destId="{5A9941F0-33DD-9E49-AE44-A3BD0FB1B5A3}" srcOrd="4" destOrd="0" presId="urn:microsoft.com/office/officeart/2005/8/layout/hProcess4"/>
-  </dgm:cxnLst>
-  <dgm:bg/>
-  <dgm:whole/>
-  <dgm:extLst>
-    <a:ext uri="http://schemas.microsoft.com/office/drawing/2008/diagram">
-      <dsp:dataModelExt xmlns:dsp="http://schemas.microsoft.com/office/drawing/2008/diagram" relId="rId7" minVer="http://schemas.openxmlformats.org/drawingml/2006/diagram"/>
-    </a:ext>
-  </dgm:extLst>
-</dgm:dataModel>
-</file>
-
-<file path=ppt/diagrams/data2.xml><?xml version="1.0" encoding="utf-8"?>
 <dgm:dataModel xmlns:dgm="http://schemas.openxmlformats.org/drawingml/2006/diagram" xmlns:a="http://schemas.openxmlformats.org/drawingml/2006/main">
   <dgm:ptLst>
     <dgm:pt modelId="{985ADDDB-3712-4E20-B9F7-757F441DBE79}" type="doc">
@@ -2645,666 +1288,6 @@
 </file>
 
 <file path=ppt/diagrams/drawing1.xml><?xml version="1.0" encoding="utf-8"?>
-<dsp:drawing xmlns:dgm="http://schemas.openxmlformats.org/drawingml/2006/diagram" xmlns:dsp="http://schemas.microsoft.com/office/drawing/2008/diagram" xmlns:a="http://schemas.openxmlformats.org/drawingml/2006/main">
-  <dsp:spTree>
-    <dsp:nvGrpSpPr>
-      <dsp:cNvPr id="0" name=""/>
-      <dsp:cNvGrpSpPr/>
-    </dsp:nvGrpSpPr>
-    <dsp:grpSpPr/>
-    <dsp:sp modelId="{16F57E9E-D7DF-3E4C-9160-C2687C24AA21}">
-      <dsp:nvSpPr>
-        <dsp:cNvPr id="0" name=""/>
-        <dsp:cNvSpPr/>
-      </dsp:nvSpPr>
-      <dsp:spPr>
-        <a:xfrm>
-          <a:off x="418996" y="1188906"/>
-          <a:ext cx="2769872" cy="2284565"/>
-        </a:xfrm>
-        <a:prstGeom prst="roundRect">
-          <a:avLst>
-            <a:gd name="adj" fmla="val 10000"/>
-          </a:avLst>
-        </a:prstGeom>
-        <a:solidFill>
-          <a:schemeClr val="lt1">
-            <a:alpha val="90000"/>
-            <a:hueOff val="0"/>
-            <a:satOff val="0"/>
-            <a:lumOff val="0"/>
-            <a:alphaOff val="0"/>
-          </a:schemeClr>
-        </a:solidFill>
-        <a:ln w="25400" cap="flat" cmpd="sng" algn="ctr">
-          <a:solidFill>
-            <a:schemeClr val="accent1">
-              <a:hueOff val="0"/>
-              <a:satOff val="0"/>
-              <a:lumOff val="0"/>
-              <a:alphaOff val="0"/>
-            </a:schemeClr>
-          </a:solidFill>
-          <a:prstDash val="solid"/>
-        </a:ln>
-        <a:effectLst/>
-      </dsp:spPr>
-      <dsp:style>
-        <a:lnRef idx="2">
-          <a:scrgbClr r="0" g="0" b="0"/>
-        </a:lnRef>
-        <a:fillRef idx="1">
-          <a:scrgbClr r="0" g="0" b="0"/>
-        </a:fillRef>
-        <a:effectRef idx="0">
-          <a:scrgbClr r="0" g="0" b="0"/>
-        </a:effectRef>
-        <a:fontRef idx="minor"/>
-      </dsp:style>
-      <dsp:txBody>
-        <a:bodyPr spcFirstLastPara="0" vert="horz" wrap="square" lIns="36195" tIns="36195" rIns="36195" bIns="36195" numCol="1" spcCol="1270" anchor="t" anchorCtr="0">
-          <a:noAutofit/>
-        </a:bodyPr>
-        <a:lstStyle/>
-        <a:p>
-          <a:pPr marL="171450" lvl="1" indent="-171450" algn="l" defTabSz="844550">
-            <a:lnSpc>
-              <a:spcPct val="90000"/>
-            </a:lnSpc>
-            <a:spcBef>
-              <a:spcPct val="0"/>
-            </a:spcBef>
-            <a:spcAft>
-              <a:spcPct val="15000"/>
-            </a:spcAft>
-            <a:buNone/>
-          </a:pPr>
-          <a:r>
-            <a:rPr lang="en-US" sz="1900" kern="1200" dirty="0">
-              <a:latin typeface="Times New Roman" panose="02020603050405020304" pitchFamily="18" charset="0"/>
-            </a:rPr>
-            <a:t>   While building user information databases, there are possibilities of having invalid records creeping into database for various reasons. </a:t>
-          </a:r>
-          <a:endParaRPr lang="en-US" sz="1900" kern="1200" dirty="0"/>
-        </a:p>
-      </dsp:txBody>
-      <dsp:txXfrm>
-        <a:off x="471570" y="1241480"/>
-        <a:ext cx="2664724" cy="1689867"/>
-      </dsp:txXfrm>
-    </dsp:sp>
-    <dsp:sp modelId="{3AEA0012-9DB5-4542-92C5-E9AE45E43420}">
-      <dsp:nvSpPr>
-        <dsp:cNvPr id="0" name=""/>
-        <dsp:cNvSpPr/>
-      </dsp:nvSpPr>
-      <dsp:spPr>
-        <a:xfrm>
-          <a:off x="1939992" y="1604216"/>
-          <a:ext cx="3232699" cy="3232699"/>
-        </a:xfrm>
-        <a:prstGeom prst="leftCircularArrow">
-          <a:avLst>
-            <a:gd name="adj1" fmla="val 3635"/>
-            <a:gd name="adj2" fmla="val 452416"/>
-            <a:gd name="adj3" fmla="val 2208972"/>
-            <a:gd name="adj4" fmla="val 9005535"/>
-            <a:gd name="adj5" fmla="val 4240"/>
-          </a:avLst>
-        </a:prstGeom>
-        <a:solidFill>
-          <a:schemeClr val="accent1">
-            <a:tint val="60000"/>
-            <a:hueOff val="0"/>
-            <a:satOff val="0"/>
-            <a:lumOff val="0"/>
-            <a:alphaOff val="0"/>
-          </a:schemeClr>
-        </a:solidFill>
-        <a:ln>
-          <a:noFill/>
-        </a:ln>
-        <a:effectLst/>
-      </dsp:spPr>
-      <dsp:style>
-        <a:lnRef idx="0">
-          <a:scrgbClr r="0" g="0" b="0"/>
-        </a:lnRef>
-        <a:fillRef idx="1">
-          <a:scrgbClr r="0" g="0" b="0"/>
-        </a:fillRef>
-        <a:effectRef idx="0">
-          <a:scrgbClr r="0" g="0" b="0"/>
-        </a:effectRef>
-        <a:fontRef idx="minor">
-          <a:schemeClr val="lt1"/>
-        </a:fontRef>
-      </dsp:style>
-    </dsp:sp>
-    <dsp:sp modelId="{C83A0F09-3BAC-D14A-946C-A30C39FCE67D}">
-      <dsp:nvSpPr>
-        <dsp:cNvPr id="0" name=""/>
-        <dsp:cNvSpPr/>
-      </dsp:nvSpPr>
-      <dsp:spPr>
-        <a:xfrm>
-          <a:off x="1034523" y="2983921"/>
-          <a:ext cx="2462108" cy="979099"/>
-        </a:xfrm>
-        <a:prstGeom prst="roundRect">
-          <a:avLst>
-            <a:gd name="adj" fmla="val 10000"/>
-          </a:avLst>
-        </a:prstGeom>
-        <a:solidFill>
-          <a:srgbClr val="F86800"/>
-        </a:solidFill>
-        <a:ln w="25400" cap="flat" cmpd="sng" algn="ctr">
-          <a:solidFill>
-            <a:schemeClr val="lt1">
-              <a:hueOff val="0"/>
-              <a:satOff val="0"/>
-              <a:lumOff val="0"/>
-              <a:alphaOff val="0"/>
-            </a:schemeClr>
-          </a:solidFill>
-          <a:prstDash val="solid"/>
-        </a:ln>
-        <a:effectLst/>
-      </dsp:spPr>
-      <dsp:style>
-        <a:lnRef idx="2">
-          <a:scrgbClr r="0" g="0" b="0"/>
-        </a:lnRef>
-        <a:fillRef idx="1">
-          <a:scrgbClr r="0" g="0" b="0"/>
-        </a:fillRef>
-        <a:effectRef idx="0">
-          <a:scrgbClr r="0" g="0" b="0"/>
-        </a:effectRef>
-        <a:fontRef idx="minor">
-          <a:schemeClr val="lt1"/>
-        </a:fontRef>
-      </dsp:style>
-      <dsp:txBody>
-        <a:bodyPr spcFirstLastPara="0" vert="horz" wrap="square" lIns="40005" tIns="26670" rIns="40005" bIns="26670" numCol="1" spcCol="1270" anchor="ctr" anchorCtr="0">
-          <a:noAutofit/>
-        </a:bodyPr>
-        <a:lstStyle/>
-        <a:p>
-          <a:pPr marL="0" lvl="0" indent="0" algn="ctr" defTabSz="933450">
-            <a:lnSpc>
-              <a:spcPct val="90000"/>
-            </a:lnSpc>
-            <a:spcBef>
-              <a:spcPct val="0"/>
-            </a:spcBef>
-            <a:spcAft>
-              <a:spcPct val="35000"/>
-            </a:spcAft>
-            <a:buSzPts val="2400"/>
-            <a:buNone/>
-          </a:pPr>
-          <a:r>
-            <a:rPr lang="en-US" sz="2100" b="1" i="0" kern="1200" dirty="0">
-              <a:latin typeface="Times New Roman" panose="02020603050405020304" pitchFamily="18" charset="0"/>
-              <a:cs typeface="Times New Roman" panose="02020603050405020304" pitchFamily="18" charset="0"/>
-              <a:sym typeface="Arial"/>
-            </a:rPr>
-            <a:t>Problem</a:t>
-          </a:r>
-          <a:r>
-            <a:rPr lang="en-US" sz="2100" b="0" i="0" kern="1200" dirty="0">
-              <a:latin typeface="Times New Roman" panose="02020603050405020304" pitchFamily="18" charset="0"/>
-              <a:cs typeface="Times New Roman" panose="02020603050405020304" pitchFamily="18" charset="0"/>
-              <a:sym typeface="Arial"/>
-            </a:rPr>
-            <a:t> </a:t>
-          </a:r>
-          <a:r>
-            <a:rPr lang="en-US" sz="2100" b="1" i="0" kern="1200" dirty="0">
-              <a:latin typeface="Times New Roman" panose="02020603050405020304" pitchFamily="18" charset="0"/>
-              <a:cs typeface="Times New Roman" panose="02020603050405020304" pitchFamily="18" charset="0"/>
-              <a:sym typeface="Arial"/>
-            </a:rPr>
-            <a:t>Statement</a:t>
-          </a:r>
-          <a:endParaRPr lang="en-US" sz="2100" b="1" kern="1200" dirty="0"/>
-        </a:p>
-      </dsp:txBody>
-      <dsp:txXfrm>
-        <a:off x="1063200" y="3012598"/>
-        <a:ext cx="2404754" cy="921745"/>
-      </dsp:txXfrm>
-    </dsp:sp>
-    <dsp:sp modelId="{2ED405B0-B611-A14E-926F-FA8629D75FFF}">
-      <dsp:nvSpPr>
-        <dsp:cNvPr id="0" name=""/>
-        <dsp:cNvSpPr/>
-      </dsp:nvSpPr>
-      <dsp:spPr>
-        <a:xfrm>
-          <a:off x="4070418" y="1174627"/>
-          <a:ext cx="2769872" cy="2284565"/>
-        </a:xfrm>
-        <a:prstGeom prst="roundRect">
-          <a:avLst>
-            <a:gd name="adj" fmla="val 10000"/>
-          </a:avLst>
-        </a:prstGeom>
-        <a:solidFill>
-          <a:schemeClr val="lt1">
-            <a:alpha val="90000"/>
-            <a:hueOff val="0"/>
-            <a:satOff val="0"/>
-            <a:lumOff val="0"/>
-            <a:alphaOff val="0"/>
-          </a:schemeClr>
-        </a:solidFill>
-        <a:ln w="25400" cap="flat" cmpd="sng" algn="ctr">
-          <a:solidFill>
-            <a:schemeClr val="accent1">
-              <a:hueOff val="0"/>
-              <a:satOff val="0"/>
-              <a:lumOff val="0"/>
-              <a:alphaOff val="0"/>
-            </a:schemeClr>
-          </a:solidFill>
-          <a:prstDash val="solid"/>
-        </a:ln>
-        <a:effectLst/>
-      </dsp:spPr>
-      <dsp:style>
-        <a:lnRef idx="2">
-          <a:scrgbClr r="0" g="0" b="0"/>
-        </a:lnRef>
-        <a:fillRef idx="1">
-          <a:scrgbClr r="0" g="0" b="0"/>
-        </a:fillRef>
-        <a:effectRef idx="0">
-          <a:scrgbClr r="0" g="0" b="0"/>
-        </a:effectRef>
-        <a:fontRef idx="minor"/>
-      </dsp:style>
-      <dsp:txBody>
-        <a:bodyPr spcFirstLastPara="0" vert="horz" wrap="square" lIns="36195" tIns="36195" rIns="36195" bIns="36195" numCol="1" spcCol="1270" anchor="t" anchorCtr="0">
-          <a:noAutofit/>
-        </a:bodyPr>
-        <a:lstStyle/>
-        <a:p>
-          <a:pPr marL="171450" lvl="1" indent="-171450" algn="l" defTabSz="844550">
-            <a:lnSpc>
-              <a:spcPct val="90000"/>
-            </a:lnSpc>
-            <a:spcBef>
-              <a:spcPct val="0"/>
-            </a:spcBef>
-            <a:spcAft>
-              <a:spcPct val="15000"/>
-            </a:spcAft>
-            <a:buFont typeface="Arial" panose="020B0604020202020204" pitchFamily="34" charset="0"/>
-            <a:buChar char="•"/>
-          </a:pPr>
-          <a:r>
-            <a:rPr lang="en-US" sz="1900" b="0" kern="1200" dirty="0"/>
-            <a:t>Devalued user base</a:t>
-          </a:r>
-        </a:p>
-        <a:p>
-          <a:pPr marL="171450" lvl="1" indent="-171450" algn="l" defTabSz="844550">
-            <a:lnSpc>
-              <a:spcPct val="90000"/>
-            </a:lnSpc>
-            <a:spcBef>
-              <a:spcPct val="0"/>
-            </a:spcBef>
-            <a:spcAft>
-              <a:spcPct val="15000"/>
-            </a:spcAft>
-            <a:buChar char="•"/>
-          </a:pPr>
-          <a:r>
-            <a:rPr lang="en-US" sz="1900" b="0" kern="1200" dirty="0"/>
-            <a:t>Wasted money</a:t>
-          </a:r>
-        </a:p>
-        <a:p>
-          <a:pPr marL="171450" lvl="1" indent="-171450" algn="l" defTabSz="844550">
-            <a:lnSpc>
-              <a:spcPct val="90000"/>
-            </a:lnSpc>
-            <a:spcBef>
-              <a:spcPct val="0"/>
-            </a:spcBef>
-            <a:spcAft>
-              <a:spcPct val="15000"/>
-            </a:spcAft>
-            <a:buChar char="•"/>
-          </a:pPr>
-          <a:r>
-            <a:rPr lang="en-US" sz="1900" b="0" kern="1200" dirty="0"/>
-            <a:t>Reputation damage</a:t>
-          </a:r>
-        </a:p>
-        <a:p>
-          <a:pPr marL="171450" lvl="1" indent="-171450" algn="l" defTabSz="844550">
-            <a:lnSpc>
-              <a:spcPct val="90000"/>
-            </a:lnSpc>
-            <a:spcBef>
-              <a:spcPct val="0"/>
-            </a:spcBef>
-            <a:spcAft>
-              <a:spcPct val="15000"/>
-            </a:spcAft>
-            <a:buChar char="•"/>
-          </a:pPr>
-          <a:r>
-            <a:rPr lang="en-US" sz="1900" b="0" kern="1200" dirty="0"/>
-            <a:t>Compliance / legal problems</a:t>
-          </a:r>
-        </a:p>
-      </dsp:txBody>
-      <dsp:txXfrm>
-        <a:off x="4122992" y="1716751"/>
-        <a:ext cx="2664724" cy="1689867"/>
-      </dsp:txXfrm>
-    </dsp:sp>
-    <dsp:sp modelId="{3F7F57E0-49F2-DA49-A017-4921819C2B7C}">
-      <dsp:nvSpPr>
-        <dsp:cNvPr id="0" name=""/>
-        <dsp:cNvSpPr/>
-      </dsp:nvSpPr>
-      <dsp:spPr>
-        <a:xfrm>
-          <a:off x="5559189" y="-267070"/>
-          <a:ext cx="3570145" cy="3570145"/>
-        </a:xfrm>
-        <a:prstGeom prst="circularArrow">
-          <a:avLst>
-            <a:gd name="adj1" fmla="val 3291"/>
-            <a:gd name="adj2" fmla="val 406314"/>
-            <a:gd name="adj3" fmla="val 19418175"/>
-            <a:gd name="adj4" fmla="val 12575511"/>
-            <a:gd name="adj5" fmla="val 3840"/>
-          </a:avLst>
-        </a:prstGeom>
-        <a:solidFill>
-          <a:schemeClr val="accent1">
-            <a:tint val="60000"/>
-            <a:hueOff val="0"/>
-            <a:satOff val="0"/>
-            <a:lumOff val="0"/>
-            <a:alphaOff val="0"/>
-          </a:schemeClr>
-        </a:solidFill>
-        <a:ln>
-          <a:noFill/>
-        </a:ln>
-        <a:effectLst/>
-      </dsp:spPr>
-      <dsp:style>
-        <a:lnRef idx="0">
-          <a:scrgbClr r="0" g="0" b="0"/>
-        </a:lnRef>
-        <a:fillRef idx="1">
-          <a:scrgbClr r="0" g="0" b="0"/>
-        </a:fillRef>
-        <a:effectRef idx="0">
-          <a:scrgbClr r="0" g="0" b="0"/>
-        </a:effectRef>
-        <a:fontRef idx="minor">
-          <a:schemeClr val="lt1"/>
-        </a:fontRef>
-      </dsp:style>
-    </dsp:sp>
-    <dsp:sp modelId="{141D43F2-70B3-2747-ACE6-FF3D8901602B}">
-      <dsp:nvSpPr>
-        <dsp:cNvPr id="0" name=""/>
-        <dsp:cNvSpPr/>
-      </dsp:nvSpPr>
-      <dsp:spPr>
-        <a:xfrm>
-          <a:off x="4671653" y="699356"/>
-          <a:ext cx="2462108" cy="979099"/>
-        </a:xfrm>
-        <a:prstGeom prst="roundRect">
-          <a:avLst>
-            <a:gd name="adj" fmla="val 10000"/>
-          </a:avLst>
-        </a:prstGeom>
-        <a:solidFill>
-          <a:srgbClr val="F86800"/>
-        </a:solidFill>
-        <a:ln w="25400" cap="flat" cmpd="sng" algn="ctr">
-          <a:solidFill>
-            <a:schemeClr val="lt1">
-              <a:hueOff val="0"/>
-              <a:satOff val="0"/>
-              <a:lumOff val="0"/>
-              <a:alphaOff val="0"/>
-            </a:schemeClr>
-          </a:solidFill>
-          <a:prstDash val="solid"/>
-        </a:ln>
-        <a:effectLst/>
-      </dsp:spPr>
-      <dsp:style>
-        <a:lnRef idx="2">
-          <a:scrgbClr r="0" g="0" b="0"/>
-        </a:lnRef>
-        <a:fillRef idx="1">
-          <a:scrgbClr r="0" g="0" b="0"/>
-        </a:fillRef>
-        <a:effectRef idx="0">
-          <a:scrgbClr r="0" g="0" b="0"/>
-        </a:effectRef>
-        <a:fontRef idx="minor">
-          <a:schemeClr val="lt1"/>
-        </a:fontRef>
-      </dsp:style>
-      <dsp:txBody>
-        <a:bodyPr spcFirstLastPara="0" vert="horz" wrap="square" lIns="40005" tIns="26670" rIns="40005" bIns="26670" numCol="1" spcCol="1270" anchor="ctr" anchorCtr="0">
-          <a:noAutofit/>
-        </a:bodyPr>
-        <a:lstStyle/>
-        <a:p>
-          <a:pPr marL="0" lvl="0" indent="0" algn="ctr" defTabSz="933450">
-            <a:lnSpc>
-              <a:spcPct val="90000"/>
-            </a:lnSpc>
-            <a:spcBef>
-              <a:spcPct val="0"/>
-            </a:spcBef>
-            <a:spcAft>
-              <a:spcPct val="35000"/>
-            </a:spcAft>
-            <a:buNone/>
-          </a:pPr>
-          <a:r>
-            <a:rPr lang="en-US" sz="2100" b="1" u="none" kern="1200" dirty="0">
-              <a:latin typeface="Times New Roman" panose="02020603050405020304" pitchFamily="18" charset="0"/>
-            </a:rPr>
-            <a:t>Underlying business consequences of malicious accounts</a:t>
-          </a:r>
-          <a:endParaRPr lang="en-US" sz="2100" u="none" kern="1200" dirty="0"/>
-        </a:p>
-      </dsp:txBody>
-      <dsp:txXfrm>
-        <a:off x="4700330" y="728033"/>
-        <a:ext cx="2404754" cy="921745"/>
-      </dsp:txXfrm>
-    </dsp:sp>
-    <dsp:sp modelId="{998EB4BD-E69E-AA45-BF14-2672039F7F03}">
-      <dsp:nvSpPr>
-        <dsp:cNvPr id="0" name=""/>
-        <dsp:cNvSpPr/>
-      </dsp:nvSpPr>
-      <dsp:spPr>
-        <a:xfrm>
-          <a:off x="7693256" y="1188906"/>
-          <a:ext cx="2769872" cy="2284565"/>
-        </a:xfrm>
-        <a:prstGeom prst="roundRect">
-          <a:avLst>
-            <a:gd name="adj" fmla="val 10000"/>
-          </a:avLst>
-        </a:prstGeom>
-        <a:solidFill>
-          <a:schemeClr val="lt1">
-            <a:alpha val="90000"/>
-            <a:hueOff val="0"/>
-            <a:satOff val="0"/>
-            <a:lumOff val="0"/>
-            <a:alphaOff val="0"/>
-          </a:schemeClr>
-        </a:solidFill>
-        <a:ln w="25400" cap="flat" cmpd="sng" algn="ctr">
-          <a:solidFill>
-            <a:schemeClr val="accent1">
-              <a:hueOff val="0"/>
-              <a:satOff val="0"/>
-              <a:lumOff val="0"/>
-              <a:alphaOff val="0"/>
-            </a:schemeClr>
-          </a:solidFill>
-          <a:prstDash val="solid"/>
-        </a:ln>
-        <a:effectLst/>
-      </dsp:spPr>
-      <dsp:style>
-        <a:lnRef idx="2">
-          <a:scrgbClr r="0" g="0" b="0"/>
-        </a:lnRef>
-        <a:fillRef idx="1">
-          <a:scrgbClr r="0" g="0" b="0"/>
-        </a:fillRef>
-        <a:effectRef idx="0">
-          <a:scrgbClr r="0" g="0" b="0"/>
-        </a:effectRef>
-        <a:fontRef idx="minor"/>
-      </dsp:style>
-      <dsp:txBody>
-        <a:bodyPr spcFirstLastPara="0" vert="horz" wrap="square" lIns="36195" tIns="36195" rIns="36195" bIns="36195" numCol="1" spcCol="1270" anchor="t" anchorCtr="0">
-          <a:noAutofit/>
-        </a:bodyPr>
-        <a:lstStyle/>
-        <a:p>
-          <a:pPr marL="171450" lvl="1" indent="-171450" algn="l" defTabSz="844550">
-            <a:lnSpc>
-              <a:spcPct val="90000"/>
-            </a:lnSpc>
-            <a:spcBef>
-              <a:spcPct val="0"/>
-            </a:spcBef>
-            <a:spcAft>
-              <a:spcPct val="15000"/>
-            </a:spcAft>
-            <a:buNone/>
-          </a:pPr>
-          <a:r>
-            <a:rPr lang="en-US" sz="1900" kern="1200" dirty="0">
-              <a:latin typeface="Times New Roman" panose="02020603050405020304" pitchFamily="18" charset="0"/>
-            </a:rPr>
-            <a:t>   The purpose of this project is to build logics that can help in distinguishing legitimate accounts from malicious accounts.</a:t>
-          </a:r>
-          <a:endParaRPr lang="en-US" sz="1900" kern="1200" dirty="0"/>
-        </a:p>
-      </dsp:txBody>
-      <dsp:txXfrm>
-        <a:off x="7745830" y="1241480"/>
-        <a:ext cx="2664724" cy="1689867"/>
-      </dsp:txXfrm>
-    </dsp:sp>
-    <dsp:sp modelId="{BD5353B0-3CA7-024B-8101-CD245B20DB5E}">
-      <dsp:nvSpPr>
-        <dsp:cNvPr id="0" name=""/>
-        <dsp:cNvSpPr/>
-      </dsp:nvSpPr>
-      <dsp:spPr>
-        <a:xfrm>
-          <a:off x="8308783" y="2983921"/>
-          <a:ext cx="2462108" cy="979099"/>
-        </a:xfrm>
-        <a:prstGeom prst="roundRect">
-          <a:avLst>
-            <a:gd name="adj" fmla="val 10000"/>
-          </a:avLst>
-        </a:prstGeom>
-        <a:solidFill>
-          <a:srgbClr val="F86800"/>
-        </a:solidFill>
-        <a:ln w="25400" cap="flat" cmpd="sng" algn="ctr">
-          <a:solidFill>
-            <a:schemeClr val="lt1">
-              <a:hueOff val="0"/>
-              <a:satOff val="0"/>
-              <a:lumOff val="0"/>
-              <a:alphaOff val="0"/>
-            </a:schemeClr>
-          </a:solidFill>
-          <a:prstDash val="solid"/>
-        </a:ln>
-        <a:effectLst/>
-      </dsp:spPr>
-      <dsp:style>
-        <a:lnRef idx="2">
-          <a:scrgbClr r="0" g="0" b="0"/>
-        </a:lnRef>
-        <a:fillRef idx="1">
-          <a:scrgbClr r="0" g="0" b="0"/>
-        </a:fillRef>
-        <a:effectRef idx="0">
-          <a:scrgbClr r="0" g="0" b="0"/>
-        </a:effectRef>
-        <a:fontRef idx="minor">
-          <a:schemeClr val="lt1"/>
-        </a:fontRef>
-      </dsp:style>
-      <dsp:txBody>
-        <a:bodyPr spcFirstLastPara="0" vert="horz" wrap="square" lIns="40005" tIns="26670" rIns="40005" bIns="26670" numCol="1" spcCol="1270" anchor="ctr" anchorCtr="0">
-          <a:noAutofit/>
-        </a:bodyPr>
-        <a:lstStyle/>
-        <a:p>
-          <a:pPr marL="0" lvl="0" indent="0" algn="ctr" defTabSz="933450">
-            <a:lnSpc>
-              <a:spcPct val="90000"/>
-            </a:lnSpc>
-            <a:spcBef>
-              <a:spcPct val="0"/>
-            </a:spcBef>
-            <a:spcAft>
-              <a:spcPct val="35000"/>
-            </a:spcAft>
-            <a:buSzPts val="2400"/>
-            <a:buFont typeface="Arial"/>
-            <a:buNone/>
-          </a:pPr>
-          <a:r>
-            <a:rPr lang="en-US" sz="2100" b="1" kern="1200" dirty="0">
-              <a:latin typeface="Times New Roman" panose="02020603050405020304" pitchFamily="18" charset="0"/>
-              <a:cs typeface="Times New Roman" panose="02020603050405020304" pitchFamily="18" charset="0"/>
-              <a:sym typeface="Arial"/>
-            </a:rPr>
-            <a:t>Objective</a:t>
-          </a:r>
-          <a:endParaRPr lang="en-US" sz="2100" b="1" kern="1200" dirty="0">
-            <a:latin typeface="Times New Roman" panose="02020603050405020304" pitchFamily="18" charset="0"/>
-            <a:cs typeface="Times New Roman" panose="02020603050405020304" pitchFamily="18" charset="0"/>
-          </a:endParaRPr>
-        </a:p>
-      </dsp:txBody>
-      <dsp:txXfrm>
-        <a:off x="8337460" y="3012598"/>
-        <a:ext cx="2404754" cy="921745"/>
-      </dsp:txXfrm>
-    </dsp:sp>
-  </dsp:spTree>
-</dsp:drawing>
-</file>
-
-<file path=ppt/diagrams/drawing2.xml><?xml version="1.0" encoding="utf-8"?>
 <dsp:drawing xmlns:dgm="http://schemas.openxmlformats.org/drawingml/2006/diagram" xmlns:dsp="http://schemas.microsoft.com/office/drawing/2008/diagram" xmlns:a="http://schemas.openxmlformats.org/drawingml/2006/main">
   <dsp:spTree>
     <dsp:nvGrpSpPr>
@@ -3834,550 +1817,6 @@
 </file>
 
 <file path=ppt/diagrams/layout1.xml><?xml version="1.0" encoding="utf-8"?>
-<dgm:layoutDef xmlns:dgm="http://schemas.openxmlformats.org/drawingml/2006/diagram" xmlns:a="http://schemas.openxmlformats.org/drawingml/2006/main" uniqueId="urn:microsoft.com/office/officeart/2005/8/layout/hProcess4">
-  <dgm:title val=""/>
-  <dgm:desc val=""/>
-  <dgm:catLst>
-    <dgm:cat type="process" pri="4000"/>
-  </dgm:catLst>
-  <dgm:sampData>
-    <dgm:dataModel>
-      <dgm:ptLst>
-        <dgm:pt modelId="0" type="doc"/>
-        <dgm:pt modelId="1">
-          <dgm:prSet phldr="1"/>
-        </dgm:pt>
-        <dgm:pt modelId="11">
-          <dgm:prSet phldr="1"/>
-        </dgm:pt>
-        <dgm:pt modelId="12">
-          <dgm:prSet phldr="1"/>
-        </dgm:pt>
-        <dgm:pt modelId="2">
-          <dgm:prSet phldr="1"/>
-        </dgm:pt>
-        <dgm:pt modelId="21">
-          <dgm:prSet phldr="1"/>
-        </dgm:pt>
-        <dgm:pt modelId="22">
-          <dgm:prSet phldr="1"/>
-        </dgm:pt>
-        <dgm:pt modelId="3">
-          <dgm:prSet phldr="1"/>
-        </dgm:pt>
-        <dgm:pt modelId="31">
-          <dgm:prSet phldr="1"/>
-        </dgm:pt>
-        <dgm:pt modelId="32">
-          <dgm:prSet phldr="1"/>
-        </dgm:pt>
-      </dgm:ptLst>
-      <dgm:cxnLst>
-        <dgm:cxn modelId="4" srcId="0" destId="1" srcOrd="0" destOrd="0"/>
-        <dgm:cxn modelId="5" srcId="0" destId="2" srcOrd="1" destOrd="0"/>
-        <dgm:cxn modelId="6" srcId="0" destId="3" srcOrd="2" destOrd="0"/>
-        <dgm:cxn modelId="13" srcId="1" destId="11" srcOrd="0" destOrd="0"/>
-        <dgm:cxn modelId="14" srcId="1" destId="12" srcOrd="1" destOrd="0"/>
-        <dgm:cxn modelId="23" srcId="2" destId="21" srcOrd="0" destOrd="0"/>
-        <dgm:cxn modelId="24" srcId="2" destId="22" srcOrd="1" destOrd="0"/>
-        <dgm:cxn modelId="33" srcId="3" destId="31" srcOrd="0" destOrd="0"/>
-        <dgm:cxn modelId="34" srcId="3" destId="32" srcOrd="1" destOrd="0"/>
-      </dgm:cxnLst>
-      <dgm:bg/>
-      <dgm:whole/>
-    </dgm:dataModel>
-  </dgm:sampData>
-  <dgm:styleData>
-    <dgm:dataModel>
-      <dgm:ptLst>
-        <dgm:pt modelId="0" type="doc"/>
-        <dgm:pt modelId="1"/>
-        <dgm:pt modelId="11"/>
-        <dgm:pt modelId="2"/>
-        <dgm:pt modelId="21"/>
-      </dgm:ptLst>
-      <dgm:cxnLst>
-        <dgm:cxn modelId="4" srcId="0" destId="1" srcOrd="0" destOrd="0"/>
-        <dgm:cxn modelId="5" srcId="0" destId="2" srcOrd="1" destOrd="0"/>
-        <dgm:cxn modelId="13" srcId="1" destId="11" srcOrd="0" destOrd="0"/>
-        <dgm:cxn modelId="23" srcId="2" destId="21" srcOrd="0" destOrd="0"/>
-      </dgm:cxnLst>
-      <dgm:bg/>
-      <dgm:whole/>
-    </dgm:dataModel>
-  </dgm:styleData>
-  <dgm:clrData>
-    <dgm:dataModel>
-      <dgm:ptLst>
-        <dgm:pt modelId="0" type="doc"/>
-        <dgm:pt modelId="1"/>
-        <dgm:pt modelId="11"/>
-        <dgm:pt modelId="2"/>
-        <dgm:pt modelId="21"/>
-        <dgm:pt modelId="3"/>
-        <dgm:pt modelId="31"/>
-        <dgm:pt modelId="4"/>
-        <dgm:pt modelId="41"/>
-      </dgm:ptLst>
-      <dgm:cxnLst>
-        <dgm:cxn modelId="5" srcId="0" destId="1" srcOrd="0" destOrd="0"/>
-        <dgm:cxn modelId="6" srcId="0" destId="2" srcOrd="1" destOrd="0"/>
-        <dgm:cxn modelId="7" srcId="0" destId="3" srcOrd="2" destOrd="0"/>
-        <dgm:cxn modelId="8" srcId="0" destId="4" srcOrd="3" destOrd="0"/>
-        <dgm:cxn modelId="13" srcId="1" destId="11" srcOrd="0" destOrd="0"/>
-        <dgm:cxn modelId="23" srcId="2" destId="21" srcOrd="0" destOrd="0"/>
-        <dgm:cxn modelId="33" srcId="3" destId="31" srcOrd="0" destOrd="0"/>
-        <dgm:cxn modelId="43" srcId="4" destId="41" srcOrd="0" destOrd="0"/>
-      </dgm:cxnLst>
-      <dgm:bg/>
-      <dgm:whole/>
-    </dgm:dataModel>
-  </dgm:clrData>
-  <dgm:layoutNode name="Name0">
-    <dgm:varLst>
-      <dgm:dir/>
-      <dgm:animLvl val="lvl"/>
-      <dgm:resizeHandles val="exact"/>
-    </dgm:varLst>
-    <dgm:alg type="composite"/>
-    <dgm:shape xmlns:r="http://schemas.openxmlformats.org/officeDocument/2006/relationships" r:blip="">
-      <dgm:adjLst/>
-    </dgm:shape>
-    <dgm:presOf/>
-    <dgm:constrLst>
-      <dgm:constr type="w" for="ch" forName="tSp" refType="w"/>
-      <dgm:constr type="h" for="ch" forName="tSp" refType="h" fact="0.15"/>
-      <dgm:constr type="l" for="ch" forName="tSp"/>
-      <dgm:constr type="t" for="ch" forName="tSp"/>
-      <dgm:constr type="w" for="ch" forName="bSp" refType="w"/>
-      <dgm:constr type="h" for="ch" forName="bSp" refType="h" fact="0.15"/>
-      <dgm:constr type="l" for="ch" forName="bSp"/>
-      <dgm:constr type="t" for="ch" forName="bSp" refType="h" fact="0.85"/>
-      <dgm:constr type="w" for="ch" forName="process" refType="w"/>
-      <dgm:constr type="h" for="ch" forName="process" refType="h" fact="0.7"/>
-      <dgm:constr type="l" for="ch" forName="process"/>
-      <dgm:constr type="t" for="ch" forName="process" refType="h" fact="0.15"/>
-    </dgm:constrLst>
-    <dgm:ruleLst/>
-    <dgm:layoutNode name="tSp">
-      <dgm:alg type="sp"/>
-      <dgm:shape xmlns:r="http://schemas.openxmlformats.org/officeDocument/2006/relationships" r:blip="">
-        <dgm:adjLst/>
-      </dgm:shape>
-      <dgm:presOf/>
-      <dgm:constrLst/>
-      <dgm:ruleLst/>
-    </dgm:layoutNode>
-    <dgm:layoutNode name="bSp">
-      <dgm:alg type="sp"/>
-      <dgm:shape xmlns:r="http://schemas.openxmlformats.org/officeDocument/2006/relationships" r:blip="">
-        <dgm:adjLst/>
-      </dgm:shape>
-      <dgm:presOf/>
-      <dgm:constrLst/>
-      <dgm:ruleLst/>
-    </dgm:layoutNode>
-    <dgm:layoutNode name="process">
-      <dgm:choose name="Name1">
-        <dgm:if name="Name2" func="var" arg="dir" op="equ" val="norm">
-          <dgm:alg type="lin">
-            <dgm:param type="linDir" val="fromL"/>
-          </dgm:alg>
-        </dgm:if>
-        <dgm:else name="Name3">
-          <dgm:alg type="lin">
-            <dgm:param type="linDir" val="fromR"/>
-          </dgm:alg>
-        </dgm:else>
-      </dgm:choose>
-      <dgm:shape xmlns:r="http://schemas.openxmlformats.org/officeDocument/2006/relationships" r:blip="">
-        <dgm:adjLst/>
-      </dgm:shape>
-      <dgm:presOf/>
-      <dgm:constrLst>
-        <dgm:constr type="w" for="ch" forName="composite1" refType="w"/>
-        <dgm:constr type="w" for="ch" forName="composite2" refType="w" refFor="ch" refForName="composite1" op="equ"/>
-        <dgm:constr type="h" for="ch" forName="composite1" refType="h"/>
-        <dgm:constr type="h" for="ch" forName="composite2" refType="h" refFor="ch" refForName="composite1" op="equ"/>
-        <dgm:constr type="primFontSz" for="des" forName="parentNode1" val="65"/>
-        <dgm:constr type="primFontSz" for="des" forName="parentNode2" refType="primFontSz" refFor="des" refForName="parentNode1" op="equ"/>
-        <dgm:constr type="secFontSz" for="des" forName="childNode1tx" val="65"/>
-        <dgm:constr type="secFontSz" for="des" forName="childNode2tx" refType="secFontSz" refFor="des" refForName="childNode1tx" op="equ"/>
-        <dgm:constr type="w" for="des" ptType="sibTrans" refType="w" refFor="ch" refForName="composite1" op="equ" fact="0.05"/>
-      </dgm:constrLst>
-      <dgm:ruleLst/>
-      <dgm:forEach name="Name4" axis="ch" ptType="node" step="2">
-        <dgm:layoutNode name="composite1">
-          <dgm:alg type="composite">
-            <dgm:param type="ar" val="0.943"/>
-          </dgm:alg>
-          <dgm:shape xmlns:r="http://schemas.openxmlformats.org/officeDocument/2006/relationships" r:blip="">
-            <dgm:adjLst/>
-          </dgm:shape>
-          <dgm:presOf/>
-          <dgm:choose name="Name5">
-            <dgm:if name="Name6" func="var" arg="dir" op="equ" val="norm">
-              <dgm:constrLst>
-                <dgm:constr type="h" refType="w" fact="1.06"/>
-                <dgm:constr type="w" for="ch" forName="dummyNode1" refType="w"/>
-                <dgm:constr type="h" for="ch" forName="dummyNode1" refType="h"/>
-                <dgm:constr type="t" for="ch" forName="dummyNode1"/>
-                <dgm:constr type="l" for="ch" forName="dummyNode1"/>
-                <dgm:constr type="w" for="ch" forName="childNode1" refType="w" fact="0.9"/>
-                <dgm:constr type="h" for="ch" forName="childNode1" refType="h" fact="0.7"/>
-                <dgm:constr type="t" for="ch" forName="childNode1" refType="h" fact="0.15"/>
-                <dgm:constr type="l" for="ch" forName="childNode1"/>
-                <dgm:constr type="w" for="ch" forName="childNode1tx" refType="w" fact="0.9"/>
-                <dgm:constr type="h" for="ch" forName="childNode1tx" refType="h" fact="0.55"/>
-                <dgm:constr type="t" for="ch" forName="childNode1tx" refType="h" fact="0.15"/>
-                <dgm:constr type="l" for="ch" forName="childNode1tx"/>
-                <dgm:constr type="w" for="ch" forName="parentNode1" refType="w" fact="0.8"/>
-                <dgm:constr type="h" for="ch" forName="parentNode1" refType="h" fact="0.3"/>
-                <dgm:constr type="t" for="ch" forName="parentNode1" refType="h" fact="0.7"/>
-                <dgm:constr type="l" for="ch" forName="parentNode1" refType="w" fact="0.2"/>
-                <dgm:constr type="w" for="ch" forName="connSite1" refType="w" fact="0.01"/>
-                <dgm:constr type="h" for="ch" forName="connSite1" refType="h" fact="0.01"/>
-                <dgm:constr type="t" for="ch" forName="connSite1"/>
-                <dgm:constr type="l" for="ch" forName="connSite1" refType="w" fact="0.35"/>
-              </dgm:constrLst>
-            </dgm:if>
-            <dgm:else name="Name7">
-              <dgm:constrLst>
-                <dgm:constr type="h" refType="w" fact="1.06"/>
-                <dgm:constr type="w" for="ch" forName="dummyNode1" refType="w"/>
-                <dgm:constr type="h" for="ch" forName="dummyNode1" refType="h"/>
-                <dgm:constr type="t" for="ch" forName="dummyNode1"/>
-                <dgm:constr type="l" for="ch" forName="dummyNode1"/>
-                <dgm:constr type="w" for="ch" forName="childNode1" refType="w" fact="0.9"/>
-                <dgm:constr type="h" for="ch" forName="childNode1" refType="h" fact="0.7"/>
-                <dgm:constr type="t" for="ch" forName="childNode1" refType="h" fact="0.15"/>
-                <dgm:constr type="l" for="ch" forName="childNode1" refType="w" fact="0.1"/>
-                <dgm:constr type="w" for="ch" forName="childNode1tx" refType="w" fact="0.9"/>
-                <dgm:constr type="h" for="ch" forName="childNode1tx" refType="h" fact="0.55"/>
-                <dgm:constr type="t" for="ch" forName="childNode1tx" refType="h" fact="0.15"/>
-                <dgm:constr type="l" for="ch" forName="childNode1tx" refType="w" fact="0.1"/>
-                <dgm:constr type="w" for="ch" forName="parentNode1" refType="w" fact="0.8"/>
-                <dgm:constr type="h" for="ch" forName="parentNode1" refType="h" fact="0.3"/>
-                <dgm:constr type="t" for="ch" forName="parentNode1" refType="h" fact="0.7"/>
-                <dgm:constr type="l" for="ch" forName="parentNode1"/>
-                <dgm:constr type="w" for="ch" forName="connSite1" refType="w" fact="0.01"/>
-                <dgm:constr type="h" for="ch" forName="connSite1" refType="h" fact="0.01"/>
-                <dgm:constr type="t" for="ch" forName="connSite1"/>
-                <dgm:constr type="l" for="ch" forName="connSite1" refType="w" fact="0.65"/>
-              </dgm:constrLst>
-            </dgm:else>
-          </dgm:choose>
-          <dgm:ruleLst/>
-          <dgm:layoutNode name="dummyNode1">
-            <dgm:alg type="sp"/>
-            <dgm:shape xmlns:r="http://schemas.openxmlformats.org/officeDocument/2006/relationships" type="rect" r:blip="" hideGeom="1">
-              <dgm:adjLst/>
-            </dgm:shape>
-            <dgm:presOf/>
-            <dgm:constrLst/>
-            <dgm:ruleLst/>
-          </dgm:layoutNode>
-          <dgm:layoutNode name="childNode1" styleLbl="bgAcc1">
-            <dgm:varLst>
-              <dgm:bulletEnabled val="1"/>
-            </dgm:varLst>
-            <dgm:alg type="sp"/>
-            <dgm:shape xmlns:r="http://schemas.openxmlformats.org/officeDocument/2006/relationships" type="roundRect" r:blip="">
-              <dgm:adjLst>
-                <dgm:adj idx="1" val="0.1"/>
-              </dgm:adjLst>
-            </dgm:shape>
-            <dgm:presOf axis="des" ptType="node"/>
-            <dgm:constrLst/>
-            <dgm:ruleLst/>
-          </dgm:layoutNode>
-          <dgm:layoutNode name="childNode1tx" styleLbl="bgAcc1">
-            <dgm:varLst>
-              <dgm:bulletEnabled val="1"/>
-            </dgm:varLst>
-            <dgm:alg type="tx">
-              <dgm:param type="stBulletLvl" val="1"/>
-            </dgm:alg>
-            <dgm:shape xmlns:r="http://schemas.openxmlformats.org/officeDocument/2006/relationships" type="roundRect" r:blip="" hideGeom="1">
-              <dgm:adjLst>
-                <dgm:adj idx="1" val="0.1"/>
-              </dgm:adjLst>
-            </dgm:shape>
-            <dgm:presOf axis="des" ptType="node"/>
-            <dgm:constrLst>
-              <dgm:constr type="secFontSz" val="65"/>
-              <dgm:constr type="primFontSz" refType="secFontSz"/>
-              <dgm:constr type="tMarg" refType="secFontSz" fact="0.15"/>
-              <dgm:constr type="bMarg" refType="secFontSz" fact="0.15"/>
-              <dgm:constr type="lMarg" refType="secFontSz" fact="0.15"/>
-              <dgm:constr type="rMarg" refType="secFontSz" fact="0.15"/>
-            </dgm:constrLst>
-            <dgm:ruleLst>
-              <dgm:rule type="secFontSz" val="5" fact="NaN" max="NaN"/>
-            </dgm:ruleLst>
-          </dgm:layoutNode>
-          <dgm:layoutNode name="parentNode1" styleLbl="node1">
-            <dgm:varLst>
-              <dgm:chMax val="1"/>
-              <dgm:bulletEnabled val="1"/>
-            </dgm:varLst>
-            <dgm:alg type="tx"/>
-            <dgm:shape xmlns:r="http://schemas.openxmlformats.org/officeDocument/2006/relationships" type="roundRect" r:blip="">
-              <dgm:adjLst>
-                <dgm:adj idx="1" val="0.1"/>
-              </dgm:adjLst>
-            </dgm:shape>
-            <dgm:presOf axis="self"/>
-            <dgm:constrLst>
-              <dgm:constr type="tMarg" refType="primFontSz" fact="0.1"/>
-              <dgm:constr type="bMarg" refType="primFontSz" fact="0.1"/>
-              <dgm:constr type="lMarg" refType="primFontSz" fact="0.15"/>
-              <dgm:constr type="rMarg" refType="primFontSz" fact="0.15"/>
-            </dgm:constrLst>
-            <dgm:ruleLst>
-              <dgm:rule type="primFontSz" val="5" fact="NaN" max="NaN"/>
-            </dgm:ruleLst>
-          </dgm:layoutNode>
-          <dgm:layoutNode name="connSite1" moveWith="childNode1">
-            <dgm:alg type="sp"/>
-            <dgm:shape xmlns:r="http://schemas.openxmlformats.org/officeDocument/2006/relationships" r:blip="">
-              <dgm:adjLst/>
-            </dgm:shape>
-            <dgm:presOf/>
-            <dgm:constrLst/>
-            <dgm:ruleLst/>
-          </dgm:layoutNode>
-        </dgm:layoutNode>
-        <dgm:forEach name="Name8" axis="followSib" ptType="sibTrans" cnt="1">
-          <dgm:layoutNode name="Name9">
-            <dgm:alg type="conn">
-              <dgm:param type="connRout" val="curve"/>
-              <dgm:param type="srcNode" val="parentNode1"/>
-              <dgm:param type="dstNode" val="connSite2"/>
-              <dgm:param type="begPts" val="bCtr"/>
-              <dgm:param type="endPts" val="bCtr"/>
-            </dgm:alg>
-            <dgm:shape xmlns:r="http://schemas.openxmlformats.org/officeDocument/2006/relationships" type="conn" r:blip="" zOrderOff="-2">
-              <dgm:adjLst/>
-            </dgm:shape>
-            <dgm:presOf axis="self"/>
-            <dgm:choose name="Name10">
-              <dgm:if name="Name11" func="var" arg="dir" op="equ" val="norm">
-                <dgm:constrLst>
-                  <dgm:constr type="h" refType="w" fact="0.35"/>
-                  <dgm:constr type="wArH" refType="h"/>
-                  <dgm:constr type="hArH" refType="h"/>
-                  <dgm:constr type="connDist"/>
-                  <dgm:constr type="diam" refType="connDist" fact="-1.15"/>
-                  <dgm:constr type="begPad"/>
-                  <dgm:constr type="endPad"/>
-                </dgm:constrLst>
-              </dgm:if>
-              <dgm:else name="Name12">
-                <dgm:constrLst>
-                  <dgm:constr type="h" refType="w" fact="0.35"/>
-                  <dgm:constr type="wArH" refType="h"/>
-                  <dgm:constr type="hArH" refType="h"/>
-                  <dgm:constr type="connDist"/>
-                  <dgm:constr type="diam" refType="connDist" fact="1.15"/>
-                  <dgm:constr type="begPad"/>
-                  <dgm:constr type="endPad"/>
-                </dgm:constrLst>
-              </dgm:else>
-            </dgm:choose>
-            <dgm:ruleLst/>
-          </dgm:layoutNode>
-        </dgm:forEach>
-        <dgm:forEach name="Name13" axis="followSib" ptType="node" cnt="1">
-          <dgm:layoutNode name="composite2">
-            <dgm:alg type="composite">
-              <dgm:param type="ar" val="0.943"/>
-            </dgm:alg>
-            <dgm:shape xmlns:r="http://schemas.openxmlformats.org/officeDocument/2006/relationships" r:blip="">
-              <dgm:adjLst/>
-            </dgm:shape>
-            <dgm:presOf/>
-            <dgm:choose name="Name14">
-              <dgm:if name="Name15" func="var" arg="dir" op="equ" val="norm">
-                <dgm:constrLst>
-                  <dgm:constr type="h" refType="w" fact="1.06"/>
-                  <dgm:constr type="w" for="ch" forName="dummyNode2" refType="w"/>
-                  <dgm:constr type="h" for="ch" forName="dummyNode2" refType="h"/>
-                  <dgm:constr type="t" for="ch" forName="dummyNode2"/>
-                  <dgm:constr type="l" for="ch" forName="dummyNode2"/>
-                  <dgm:constr type="w" for="ch" forName="childNode2" refType="w" fact="0.9"/>
-                  <dgm:constr type="h" for="ch" forName="childNode2" refType="h" fact="0.7"/>
-                  <dgm:constr type="t" for="ch" forName="childNode2" refType="h" fact="0.15"/>
-                  <dgm:constr type="l" for="ch" forName="childNode2"/>
-                  <dgm:constr type="w" for="ch" forName="childNode2tx" refType="w" fact="0.9"/>
-                  <dgm:constr type="h" for="ch" forName="childNode2tx" refType="h" fact="0.55"/>
-                  <dgm:constr type="t" for="ch" forName="childNode2tx" refType="h" fact="0.3"/>
-                  <dgm:constr type="l" for="ch" forName="childNode2tx"/>
-                  <dgm:constr type="w" for="ch" forName="parentNode2" refType="w" fact="0.8"/>
-                  <dgm:constr type="h" for="ch" forName="parentNode2" refType="h" fact="0.3"/>
-                  <dgm:constr type="t" for="ch" forName="parentNode2"/>
-                  <dgm:constr type="l" for="ch" forName="parentNode2" refType="w" fact="0.2"/>
-                  <dgm:constr type="w" for="ch" forName="connSite2" refType="w" fact="0.01"/>
-                  <dgm:constr type="h" for="ch" forName="connSite2" refType="h" fact="0.01"/>
-                  <dgm:constr type="t" for="ch" forName="connSite2" refType="h" fact="0.99"/>
-                  <dgm:constr type="l" for="ch" forName="connSite2" refType="w" fact="0.25"/>
-                </dgm:constrLst>
-              </dgm:if>
-              <dgm:else name="Name16">
-                <dgm:constrLst>
-                  <dgm:constr type="h" refType="w" fact="1.06"/>
-                  <dgm:constr type="w" for="ch" forName="dummyNode2" refType="w"/>
-                  <dgm:constr type="h" for="ch" forName="dummyNode2" refType="h"/>
-                  <dgm:constr type="t" for="ch" forName="dummyNode2"/>
-                  <dgm:constr type="l" for="ch" forName="dummyNode2"/>
-                  <dgm:constr type="w" for="ch" forName="childNode2" refType="w" fact="0.9"/>
-                  <dgm:constr type="h" for="ch" forName="childNode2" refType="h" fact="0.7"/>
-                  <dgm:constr type="t" for="ch" forName="childNode2" refType="h" fact="0.15"/>
-                  <dgm:constr type="l" for="ch" forName="childNode2" refType="w" fact="0.1"/>
-                  <dgm:constr type="w" for="ch" forName="childNode2tx" refType="w" fact="0.9"/>
-                  <dgm:constr type="h" for="ch" forName="childNode2tx" refType="h" fact="0.55"/>
-                  <dgm:constr type="t" for="ch" forName="childNode2tx" refType="h" fact="0.3"/>
-                  <dgm:constr type="l" for="ch" forName="childNode2tx" refType="w" fact="0.1"/>
-                  <dgm:constr type="w" for="ch" forName="parentNode2" refType="w" fact="0.8"/>
-                  <dgm:constr type="h" for="ch" forName="parentNode2" refType="h" fact="0.3"/>
-                  <dgm:constr type="t" for="ch" forName="parentNode2"/>
-                  <dgm:constr type="l" for="ch" forName="parentNode2"/>
-                  <dgm:constr type="w" for="ch" forName="connSite2" refType="w" fact="0.01"/>
-                  <dgm:constr type="h" for="ch" forName="connSite2" refType="h" fact="0.01"/>
-                  <dgm:constr type="t" for="ch" forName="connSite2" refType="h" fact="0.99"/>
-                  <dgm:constr type="l" for="ch" forName="connSite2" refType="w" fact="0.85"/>
-                </dgm:constrLst>
-              </dgm:else>
-            </dgm:choose>
-            <dgm:ruleLst/>
-            <dgm:layoutNode name="dummyNode2">
-              <dgm:alg type="sp"/>
-              <dgm:shape xmlns:r="http://schemas.openxmlformats.org/officeDocument/2006/relationships" type="rect" r:blip="" hideGeom="1">
-                <dgm:adjLst/>
-              </dgm:shape>
-              <dgm:presOf/>
-              <dgm:constrLst/>
-              <dgm:ruleLst/>
-            </dgm:layoutNode>
-            <dgm:layoutNode name="childNode2" styleLbl="bgAcc1">
-              <dgm:varLst>
-                <dgm:bulletEnabled val="1"/>
-              </dgm:varLst>
-              <dgm:alg type="sp"/>
-              <dgm:shape xmlns:r="http://schemas.openxmlformats.org/officeDocument/2006/relationships" type="roundRect" r:blip="">
-                <dgm:adjLst>
-                  <dgm:adj idx="1" val="0.1"/>
-                </dgm:adjLst>
-              </dgm:shape>
-              <dgm:presOf axis="des" ptType="node"/>
-              <dgm:constrLst/>
-              <dgm:ruleLst/>
-            </dgm:layoutNode>
-            <dgm:layoutNode name="childNode2tx" styleLbl="bgAcc1">
-              <dgm:varLst>
-                <dgm:bulletEnabled val="1"/>
-              </dgm:varLst>
-              <dgm:alg type="tx">
-                <dgm:param type="stBulletLvl" val="1"/>
-              </dgm:alg>
-              <dgm:shape xmlns:r="http://schemas.openxmlformats.org/officeDocument/2006/relationships" type="roundRect" r:blip="" hideGeom="1">
-                <dgm:adjLst>
-                  <dgm:adj idx="1" val="0.1"/>
-                </dgm:adjLst>
-              </dgm:shape>
-              <dgm:presOf axis="des" ptType="node"/>
-              <dgm:constrLst>
-                <dgm:constr type="secFontSz" val="65"/>
-                <dgm:constr type="primFontSz" refType="secFontSz"/>
-                <dgm:constr type="tMarg" refType="secFontSz" fact="0.15"/>
-                <dgm:constr type="bMarg" refType="secFontSz" fact="0.15"/>
-                <dgm:constr type="lMarg" refType="secFontSz" fact="0.15"/>
-                <dgm:constr type="rMarg" refType="secFontSz" fact="0.15"/>
-              </dgm:constrLst>
-              <dgm:ruleLst>
-                <dgm:rule type="secFontSz" val="5" fact="NaN" max="NaN"/>
-              </dgm:ruleLst>
-            </dgm:layoutNode>
-            <dgm:layoutNode name="parentNode2" styleLbl="node1">
-              <dgm:varLst>
-                <dgm:chMax val="0"/>
-                <dgm:bulletEnabled val="1"/>
-              </dgm:varLst>
-              <dgm:alg type="tx"/>
-              <dgm:shape xmlns:r="http://schemas.openxmlformats.org/officeDocument/2006/relationships" type="roundRect" r:blip="">
-                <dgm:adjLst>
-                  <dgm:adj idx="1" val="0.1"/>
-                </dgm:adjLst>
-              </dgm:shape>
-              <dgm:presOf axis="self"/>
-              <dgm:constrLst>
-                <dgm:constr type="tMarg" refType="primFontSz" fact="0.1"/>
-                <dgm:constr type="bMarg" refType="primFontSz" fact="0.1"/>
-                <dgm:constr type="lMarg" refType="primFontSz" fact="0.15"/>
-                <dgm:constr type="rMarg" refType="primFontSz" fact="0.15"/>
-              </dgm:constrLst>
-              <dgm:ruleLst>
-                <dgm:rule type="primFontSz" val="5" fact="NaN" max="NaN"/>
-              </dgm:ruleLst>
-            </dgm:layoutNode>
-            <dgm:layoutNode name="connSite2" moveWith="childNode2">
-              <dgm:alg type="sp"/>
-              <dgm:shape xmlns:r="http://schemas.openxmlformats.org/officeDocument/2006/relationships" r:blip="">
-                <dgm:adjLst/>
-              </dgm:shape>
-              <dgm:presOf/>
-              <dgm:constrLst/>
-              <dgm:ruleLst/>
-            </dgm:layoutNode>
-          </dgm:layoutNode>
-          <dgm:forEach name="Name17" axis="followSib" ptType="sibTrans" cnt="1">
-            <dgm:layoutNode name="Name18">
-              <dgm:alg type="conn">
-                <dgm:param type="connRout" val="curve"/>
-                <dgm:param type="srcNode" val="parentNode2"/>
-                <dgm:param type="dstNode" val="connSite1"/>
-                <dgm:param type="begPts" val="tCtr"/>
-                <dgm:param type="endPts" val="tCtr"/>
-              </dgm:alg>
-              <dgm:shape xmlns:r="http://schemas.openxmlformats.org/officeDocument/2006/relationships" type="conn" r:blip="" zOrderOff="-2">
-                <dgm:adjLst/>
-              </dgm:shape>
-              <dgm:presOf axis="self"/>
-              <dgm:choose name="Name19">
-                <dgm:if name="Name20" func="var" arg="dir" op="equ" val="norm">
-                  <dgm:constrLst>
-                    <dgm:constr type="h" refType="w" fact="0.35"/>
-                    <dgm:constr type="wArH" refType="h"/>
-                    <dgm:constr type="hArH" refType="h"/>
-                    <dgm:constr type="connDist"/>
-                    <dgm:constr type="diam" refType="connDist" fact="1.15"/>
-                    <dgm:constr type="begPad"/>
-                    <dgm:constr type="endPad"/>
-                  </dgm:constrLst>
-                </dgm:if>
-                <dgm:else name="Name21">
-                  <dgm:constrLst>
-                    <dgm:constr type="h" refType="w" fact="0.35"/>
-                    <dgm:constr type="wArH" refType="h"/>
-                    <dgm:constr type="hArH" refType="h"/>
-                    <dgm:constr type="connDist"/>
-                    <dgm:constr type="diam" refType="connDist" fact="-1.15"/>
-                    <dgm:constr type="begPad"/>
-                    <dgm:constr type="endPad"/>
-                  </dgm:constrLst>
-                </dgm:else>
-              </dgm:choose>
-              <dgm:ruleLst/>
-            </dgm:layoutNode>
-          </dgm:forEach>
-        </dgm:forEach>
-      </dgm:forEach>
-    </dgm:layoutNode>
-  </dgm:layoutNode>
-</dgm:layoutDef>
-</file>
-
-<file path=ppt/diagrams/layout2.xml><?xml version="1.0" encoding="utf-8"?>
 <dgm:layoutDef xmlns:dgm="http://schemas.openxmlformats.org/drawingml/2006/diagram" xmlns:a="http://schemas.openxmlformats.org/drawingml/2006/main" uniqueId="urn:microsoft.com/office/officeart/2005/8/layout/process5">
   <dgm:title val=""/>
   <dgm:desc val=""/>
@@ -5582,1040 +3021,6 @@
 </dgm:styleDef>
 </file>
 
-<file path=ppt/diagrams/quickStyle2.xml><?xml version="1.0" encoding="utf-8"?>
-<dgm:styleDef xmlns:dgm="http://schemas.openxmlformats.org/drawingml/2006/diagram" xmlns:a="http://schemas.openxmlformats.org/drawingml/2006/main" uniqueId="urn:microsoft.com/office/officeart/2005/8/quickstyle/simple1">
-  <dgm:title val=""/>
-  <dgm:desc val=""/>
-  <dgm:catLst>
-    <dgm:cat type="simple" pri="10100"/>
-  </dgm:catLst>
-  <dgm:scene3d>
-    <a:camera prst="orthographicFront"/>
-    <a:lightRig rig="threePt" dir="t"/>
-  </dgm:scene3d>
-  <dgm:styleLbl name="node0">
-    <dgm:scene3d>
-      <a:camera prst="orthographicFront"/>
-      <a:lightRig rig="threePt" dir="t"/>
-    </dgm:scene3d>
-    <dgm:sp3d/>
-    <dgm:txPr/>
-    <dgm:style>
-      <a:lnRef idx="2">
-        <a:scrgbClr r="0" g="0" b="0"/>
-      </a:lnRef>
-      <a:fillRef idx="1">
-        <a:scrgbClr r="0" g="0" b="0"/>
-      </a:fillRef>
-      <a:effectRef idx="0">
-        <a:scrgbClr r="0" g="0" b="0"/>
-      </a:effectRef>
-      <a:fontRef idx="minor">
-        <a:schemeClr val="lt1"/>
-      </a:fontRef>
-    </dgm:style>
-  </dgm:styleLbl>
-  <dgm:styleLbl name="lnNode1">
-    <dgm:scene3d>
-      <a:camera prst="orthographicFront"/>
-      <a:lightRig rig="threePt" dir="t"/>
-    </dgm:scene3d>
-    <dgm:sp3d/>
-    <dgm:txPr/>
-    <dgm:style>
-      <a:lnRef idx="2">
-        <a:scrgbClr r="0" g="0" b="0"/>
-      </a:lnRef>
-      <a:fillRef idx="1">
-        <a:scrgbClr r="0" g="0" b="0"/>
-      </a:fillRef>
-      <a:effectRef idx="0">
-        <a:scrgbClr r="0" g="0" b="0"/>
-      </a:effectRef>
-      <a:fontRef idx="minor">
-        <a:schemeClr val="lt1"/>
-      </a:fontRef>
-    </dgm:style>
-  </dgm:styleLbl>
-  <dgm:styleLbl name="vennNode1">
-    <dgm:scene3d>
-      <a:camera prst="orthographicFront"/>
-      <a:lightRig rig="threePt" dir="t"/>
-    </dgm:scene3d>
-    <dgm:sp3d/>
-    <dgm:txPr/>
-    <dgm:style>
-      <a:lnRef idx="2">
-        <a:scrgbClr r="0" g="0" b="0"/>
-      </a:lnRef>
-      <a:fillRef idx="1">
-        <a:scrgbClr r="0" g="0" b="0"/>
-      </a:fillRef>
-      <a:effectRef idx="0">
-        <a:scrgbClr r="0" g="0" b="0"/>
-      </a:effectRef>
-      <a:fontRef idx="minor">
-        <a:schemeClr val="tx1"/>
-      </a:fontRef>
-    </dgm:style>
-  </dgm:styleLbl>
-  <dgm:styleLbl name="alignNode1">
-    <dgm:scene3d>
-      <a:camera prst="orthographicFront"/>
-      <a:lightRig rig="threePt" dir="t"/>
-    </dgm:scene3d>
-    <dgm:sp3d/>
-    <dgm:txPr/>
-    <dgm:style>
-      <a:lnRef idx="2">
-        <a:scrgbClr r="0" g="0" b="0"/>
-      </a:lnRef>
-      <a:fillRef idx="1">
-        <a:scrgbClr r="0" g="0" b="0"/>
-      </a:fillRef>
-      <a:effectRef idx="0">
-        <a:scrgbClr r="0" g="0" b="0"/>
-      </a:effectRef>
-      <a:fontRef idx="minor">
-        <a:schemeClr val="lt1"/>
-      </a:fontRef>
-    </dgm:style>
-  </dgm:styleLbl>
-  <dgm:styleLbl name="node1">
-    <dgm:scene3d>
-      <a:camera prst="orthographicFront"/>
-      <a:lightRig rig="threePt" dir="t"/>
-    </dgm:scene3d>
-    <dgm:sp3d/>
-    <dgm:txPr/>
-    <dgm:style>
-      <a:lnRef idx="2">
-        <a:scrgbClr r="0" g="0" b="0"/>
-      </a:lnRef>
-      <a:fillRef idx="1">
-        <a:scrgbClr r="0" g="0" b="0"/>
-      </a:fillRef>
-      <a:effectRef idx="0">
-        <a:scrgbClr r="0" g="0" b="0"/>
-      </a:effectRef>
-      <a:fontRef idx="minor">
-        <a:schemeClr val="lt1"/>
-      </a:fontRef>
-    </dgm:style>
-  </dgm:styleLbl>
-  <dgm:styleLbl name="node2">
-    <dgm:scene3d>
-      <a:camera prst="orthographicFront"/>
-      <a:lightRig rig="threePt" dir="t"/>
-    </dgm:scene3d>
-    <dgm:sp3d/>
-    <dgm:txPr/>
-    <dgm:style>
-      <a:lnRef idx="2">
-        <a:scrgbClr r="0" g="0" b="0"/>
-      </a:lnRef>
-      <a:fillRef idx="1">
-        <a:scrgbClr r="0" g="0" b="0"/>
-      </a:fillRef>
-      <a:effectRef idx="0">
-        <a:scrgbClr r="0" g="0" b="0"/>
-      </a:effectRef>
-      <a:fontRef idx="minor">
-        <a:schemeClr val="lt1"/>
-      </a:fontRef>
-    </dgm:style>
-  </dgm:styleLbl>
-  <dgm:styleLbl name="node3">
-    <dgm:scene3d>
-      <a:camera prst="orthographicFront"/>
-      <a:lightRig rig="threePt" dir="t"/>
-    </dgm:scene3d>
-    <dgm:sp3d/>
-    <dgm:txPr/>
-    <dgm:style>
-      <a:lnRef idx="2">
-        <a:scrgbClr r="0" g="0" b="0"/>
-      </a:lnRef>
-      <a:fillRef idx="1">
-        <a:scrgbClr r="0" g="0" b="0"/>
-      </a:fillRef>
-      <a:effectRef idx="0">
-        <a:scrgbClr r="0" g="0" b="0"/>
-      </a:effectRef>
-      <a:fontRef idx="minor">
-        <a:schemeClr val="lt1"/>
-      </a:fontRef>
-    </dgm:style>
-  </dgm:styleLbl>
-  <dgm:styleLbl name="node4">
-    <dgm:scene3d>
-      <a:camera prst="orthographicFront"/>
-      <a:lightRig rig="threePt" dir="t"/>
-    </dgm:scene3d>
-    <dgm:sp3d/>
-    <dgm:txPr/>
-    <dgm:style>
-      <a:lnRef idx="2">
-        <a:scrgbClr r="0" g="0" b="0"/>
-      </a:lnRef>
-      <a:fillRef idx="1">
-        <a:scrgbClr r="0" g="0" b="0"/>
-      </a:fillRef>
-      <a:effectRef idx="0">
-        <a:scrgbClr r="0" g="0" b="0"/>
-      </a:effectRef>
-      <a:fontRef idx="minor">
-        <a:schemeClr val="lt1"/>
-      </a:fontRef>
-    </dgm:style>
-  </dgm:styleLbl>
-  <dgm:styleLbl name="fgImgPlace1">
-    <dgm:scene3d>
-      <a:camera prst="orthographicFront"/>
-      <a:lightRig rig="threePt" dir="t"/>
-    </dgm:scene3d>
-    <dgm:sp3d/>
-    <dgm:txPr/>
-    <dgm:style>
-      <a:lnRef idx="2">
-        <a:scrgbClr r="0" g="0" b="0"/>
-      </a:lnRef>
-      <a:fillRef idx="1">
-        <a:scrgbClr r="0" g="0" b="0"/>
-      </a:fillRef>
-      <a:effectRef idx="0">
-        <a:scrgbClr r="0" g="0" b="0"/>
-      </a:effectRef>
-      <a:fontRef idx="minor"/>
-    </dgm:style>
-  </dgm:styleLbl>
-  <dgm:styleLbl name="alignImgPlace1">
-    <dgm:scene3d>
-      <a:camera prst="orthographicFront"/>
-      <a:lightRig rig="threePt" dir="t"/>
-    </dgm:scene3d>
-    <dgm:sp3d/>
-    <dgm:txPr/>
-    <dgm:style>
-      <a:lnRef idx="2">
-        <a:scrgbClr r="0" g="0" b="0"/>
-      </a:lnRef>
-      <a:fillRef idx="1">
-        <a:scrgbClr r="0" g="0" b="0"/>
-      </a:fillRef>
-      <a:effectRef idx="0">
-        <a:scrgbClr r="0" g="0" b="0"/>
-      </a:effectRef>
-      <a:fontRef idx="minor"/>
-    </dgm:style>
-  </dgm:styleLbl>
-  <dgm:styleLbl name="bgImgPlace1">
-    <dgm:scene3d>
-      <a:camera prst="orthographicFront"/>
-      <a:lightRig rig="threePt" dir="t"/>
-    </dgm:scene3d>
-    <dgm:sp3d/>
-    <dgm:txPr/>
-    <dgm:style>
-      <a:lnRef idx="2">
-        <a:scrgbClr r="0" g="0" b="0"/>
-      </a:lnRef>
-      <a:fillRef idx="1">
-        <a:scrgbClr r="0" g="0" b="0"/>
-      </a:fillRef>
-      <a:effectRef idx="0">
-        <a:scrgbClr r="0" g="0" b="0"/>
-      </a:effectRef>
-      <a:fontRef idx="minor"/>
-    </dgm:style>
-  </dgm:styleLbl>
-  <dgm:styleLbl name="sibTrans2D1">
-    <dgm:scene3d>
-      <a:camera prst="orthographicFront"/>
-      <a:lightRig rig="threePt" dir="t"/>
-    </dgm:scene3d>
-    <dgm:sp3d/>
-    <dgm:txPr/>
-    <dgm:style>
-      <a:lnRef idx="0">
-        <a:scrgbClr r="0" g="0" b="0"/>
-      </a:lnRef>
-      <a:fillRef idx="1">
-        <a:scrgbClr r="0" g="0" b="0"/>
-      </a:fillRef>
-      <a:effectRef idx="0">
-        <a:scrgbClr r="0" g="0" b="0"/>
-      </a:effectRef>
-      <a:fontRef idx="minor">
-        <a:schemeClr val="lt1"/>
-      </a:fontRef>
-    </dgm:style>
-  </dgm:styleLbl>
-  <dgm:styleLbl name="fgSibTrans2D1">
-    <dgm:scene3d>
-      <a:camera prst="orthographicFront"/>
-      <a:lightRig rig="threePt" dir="t"/>
-    </dgm:scene3d>
-    <dgm:sp3d/>
-    <dgm:txPr/>
-    <dgm:style>
-      <a:lnRef idx="0">
-        <a:scrgbClr r="0" g="0" b="0"/>
-      </a:lnRef>
-      <a:fillRef idx="1">
-        <a:scrgbClr r="0" g="0" b="0"/>
-      </a:fillRef>
-      <a:effectRef idx="0">
-        <a:scrgbClr r="0" g="0" b="0"/>
-      </a:effectRef>
-      <a:fontRef idx="minor">
-        <a:schemeClr val="lt1"/>
-      </a:fontRef>
-    </dgm:style>
-  </dgm:styleLbl>
-  <dgm:styleLbl name="bgSibTrans2D1">
-    <dgm:scene3d>
-      <a:camera prst="orthographicFront"/>
-      <a:lightRig rig="threePt" dir="t"/>
-    </dgm:scene3d>
-    <dgm:sp3d/>
-    <dgm:txPr/>
-    <dgm:style>
-      <a:lnRef idx="0">
-        <a:scrgbClr r="0" g="0" b="0"/>
-      </a:lnRef>
-      <a:fillRef idx="1">
-        <a:scrgbClr r="0" g="0" b="0"/>
-      </a:fillRef>
-      <a:effectRef idx="0">
-        <a:scrgbClr r="0" g="0" b="0"/>
-      </a:effectRef>
-      <a:fontRef idx="minor">
-        <a:schemeClr val="lt1"/>
-      </a:fontRef>
-    </dgm:style>
-  </dgm:styleLbl>
-  <dgm:styleLbl name="sibTrans1D1">
-    <dgm:scene3d>
-      <a:camera prst="orthographicFront"/>
-      <a:lightRig rig="threePt" dir="t"/>
-    </dgm:scene3d>
-    <dgm:sp3d/>
-    <dgm:txPr/>
-    <dgm:style>
-      <a:lnRef idx="1">
-        <a:scrgbClr r="0" g="0" b="0"/>
-      </a:lnRef>
-      <a:fillRef idx="0">
-        <a:scrgbClr r="0" g="0" b="0"/>
-      </a:fillRef>
-      <a:effectRef idx="0">
-        <a:scrgbClr r="0" g="0" b="0"/>
-      </a:effectRef>
-      <a:fontRef idx="minor"/>
-    </dgm:style>
-  </dgm:styleLbl>
-  <dgm:styleLbl name="callout">
-    <dgm:scene3d>
-      <a:camera prst="orthographicFront"/>
-      <a:lightRig rig="threePt" dir="t"/>
-    </dgm:scene3d>
-    <dgm:sp3d/>
-    <dgm:txPr/>
-    <dgm:style>
-      <a:lnRef idx="2">
-        <a:scrgbClr r="0" g="0" b="0"/>
-      </a:lnRef>
-      <a:fillRef idx="1">
-        <a:scrgbClr r="0" g="0" b="0"/>
-      </a:fillRef>
-      <a:effectRef idx="0">
-        <a:scrgbClr r="0" g="0" b="0"/>
-      </a:effectRef>
-      <a:fontRef idx="minor"/>
-    </dgm:style>
-  </dgm:styleLbl>
-  <dgm:styleLbl name="asst0">
-    <dgm:scene3d>
-      <a:camera prst="orthographicFront"/>
-      <a:lightRig rig="threePt" dir="t"/>
-    </dgm:scene3d>
-    <dgm:sp3d/>
-    <dgm:txPr/>
-    <dgm:style>
-      <a:lnRef idx="2">
-        <a:scrgbClr r="0" g="0" b="0"/>
-      </a:lnRef>
-      <a:fillRef idx="1">
-        <a:scrgbClr r="0" g="0" b="0"/>
-      </a:fillRef>
-      <a:effectRef idx="0">
-        <a:scrgbClr r="0" g="0" b="0"/>
-      </a:effectRef>
-      <a:fontRef idx="minor">
-        <a:schemeClr val="lt1"/>
-      </a:fontRef>
-    </dgm:style>
-  </dgm:styleLbl>
-  <dgm:styleLbl name="asst1">
-    <dgm:scene3d>
-      <a:camera prst="orthographicFront"/>
-      <a:lightRig rig="threePt" dir="t"/>
-    </dgm:scene3d>
-    <dgm:sp3d/>
-    <dgm:txPr/>
-    <dgm:style>
-      <a:lnRef idx="2">
-        <a:scrgbClr r="0" g="0" b="0"/>
-      </a:lnRef>
-      <a:fillRef idx="1">
-        <a:scrgbClr r="0" g="0" b="0"/>
-      </a:fillRef>
-      <a:effectRef idx="0">
-        <a:scrgbClr r="0" g="0" b="0"/>
-      </a:effectRef>
-      <a:fontRef idx="minor">
-        <a:schemeClr val="lt1"/>
-      </a:fontRef>
-    </dgm:style>
-  </dgm:styleLbl>
-  <dgm:styleLbl name="asst2">
-    <dgm:scene3d>
-      <a:camera prst="orthographicFront"/>
-      <a:lightRig rig="threePt" dir="t"/>
-    </dgm:scene3d>
-    <dgm:sp3d/>
-    <dgm:txPr/>
-    <dgm:style>
-      <a:lnRef idx="2">
-        <a:scrgbClr r="0" g="0" b="0"/>
-      </a:lnRef>
-      <a:fillRef idx="1">
-        <a:scrgbClr r="0" g="0" b="0"/>
-      </a:fillRef>
-      <a:effectRef idx="0">
-        <a:scrgbClr r="0" g="0" b="0"/>
-      </a:effectRef>
-      <a:fontRef idx="minor">
-        <a:schemeClr val="lt1"/>
-      </a:fontRef>
-    </dgm:style>
-  </dgm:styleLbl>
-  <dgm:styleLbl name="asst3">
-    <dgm:scene3d>
-      <a:camera prst="orthographicFront"/>
-      <a:lightRig rig="threePt" dir="t"/>
-    </dgm:scene3d>
-    <dgm:sp3d/>
-    <dgm:txPr/>
-    <dgm:style>
-      <a:lnRef idx="2">
-        <a:scrgbClr r="0" g="0" b="0"/>
-      </a:lnRef>
-      <a:fillRef idx="1">
-        <a:scrgbClr r="0" g="0" b="0"/>
-      </a:fillRef>
-      <a:effectRef idx="0">
-        <a:scrgbClr r="0" g="0" b="0"/>
-      </a:effectRef>
-      <a:fontRef idx="minor">
-        <a:schemeClr val="lt1"/>
-      </a:fontRef>
-    </dgm:style>
-  </dgm:styleLbl>
-  <dgm:styleLbl name="asst4">
-    <dgm:scene3d>
-      <a:camera prst="orthographicFront"/>
-      <a:lightRig rig="threePt" dir="t"/>
-    </dgm:scene3d>
-    <dgm:sp3d/>
-    <dgm:txPr/>
-    <dgm:style>
-      <a:lnRef idx="2">
-        <a:scrgbClr r="0" g="0" b="0"/>
-      </a:lnRef>
-      <a:fillRef idx="1">
-        <a:scrgbClr r="0" g="0" b="0"/>
-      </a:fillRef>
-      <a:effectRef idx="0">
-        <a:scrgbClr r="0" g="0" b="0"/>
-      </a:effectRef>
-      <a:fontRef idx="minor">
-        <a:schemeClr val="lt1"/>
-      </a:fontRef>
-    </dgm:style>
-  </dgm:styleLbl>
-  <dgm:styleLbl name="parChTrans2D1">
-    <dgm:scene3d>
-      <a:camera prst="orthographicFront"/>
-      <a:lightRig rig="threePt" dir="t"/>
-    </dgm:scene3d>
-    <dgm:sp3d/>
-    <dgm:txPr/>
-    <dgm:style>
-      <a:lnRef idx="2">
-        <a:scrgbClr r="0" g="0" b="0"/>
-      </a:lnRef>
-      <a:fillRef idx="1">
-        <a:scrgbClr r="0" g="0" b="0"/>
-      </a:fillRef>
-      <a:effectRef idx="0">
-        <a:scrgbClr r="0" g="0" b="0"/>
-      </a:effectRef>
-      <a:fontRef idx="minor">
-        <a:schemeClr val="lt1"/>
-      </a:fontRef>
-    </dgm:style>
-  </dgm:styleLbl>
-  <dgm:styleLbl name="parChTrans2D2">
-    <dgm:scene3d>
-      <a:camera prst="orthographicFront"/>
-      <a:lightRig rig="threePt" dir="t"/>
-    </dgm:scene3d>
-    <dgm:sp3d/>
-    <dgm:txPr/>
-    <dgm:style>
-      <a:lnRef idx="2">
-        <a:scrgbClr r="0" g="0" b="0"/>
-      </a:lnRef>
-      <a:fillRef idx="1">
-        <a:scrgbClr r="0" g="0" b="0"/>
-      </a:fillRef>
-      <a:effectRef idx="0">
-        <a:scrgbClr r="0" g="0" b="0"/>
-      </a:effectRef>
-      <a:fontRef idx="minor">
-        <a:schemeClr val="lt1"/>
-      </a:fontRef>
-    </dgm:style>
-  </dgm:styleLbl>
-  <dgm:styleLbl name="parChTrans2D3">
-    <dgm:scene3d>
-      <a:camera prst="orthographicFront"/>
-      <a:lightRig rig="threePt" dir="t"/>
-    </dgm:scene3d>
-    <dgm:sp3d/>
-    <dgm:txPr/>
-    <dgm:style>
-      <a:lnRef idx="2">
-        <a:scrgbClr r="0" g="0" b="0"/>
-      </a:lnRef>
-      <a:fillRef idx="1">
-        <a:scrgbClr r="0" g="0" b="0"/>
-      </a:fillRef>
-      <a:effectRef idx="0">
-        <a:scrgbClr r="0" g="0" b="0"/>
-      </a:effectRef>
-      <a:fontRef idx="minor">
-        <a:schemeClr val="lt1"/>
-      </a:fontRef>
-    </dgm:style>
-  </dgm:styleLbl>
-  <dgm:styleLbl name="parChTrans2D4">
-    <dgm:scene3d>
-      <a:camera prst="orthographicFront"/>
-      <a:lightRig rig="threePt" dir="t"/>
-    </dgm:scene3d>
-    <dgm:sp3d/>
-    <dgm:txPr/>
-    <dgm:style>
-      <a:lnRef idx="2">
-        <a:scrgbClr r="0" g="0" b="0"/>
-      </a:lnRef>
-      <a:fillRef idx="1">
-        <a:scrgbClr r="0" g="0" b="0"/>
-      </a:fillRef>
-      <a:effectRef idx="0">
-        <a:scrgbClr r="0" g="0" b="0"/>
-      </a:effectRef>
-      <a:fontRef idx="minor">
-        <a:schemeClr val="lt1"/>
-      </a:fontRef>
-    </dgm:style>
-  </dgm:styleLbl>
-  <dgm:styleLbl name="parChTrans1D1">
-    <dgm:scene3d>
-      <a:camera prst="orthographicFront"/>
-      <a:lightRig rig="threePt" dir="t"/>
-    </dgm:scene3d>
-    <dgm:sp3d/>
-    <dgm:txPr/>
-    <dgm:style>
-      <a:lnRef idx="2">
-        <a:scrgbClr r="0" g="0" b="0"/>
-      </a:lnRef>
-      <a:fillRef idx="0">
-        <a:scrgbClr r="0" g="0" b="0"/>
-      </a:fillRef>
-      <a:effectRef idx="0">
-        <a:scrgbClr r="0" g="0" b="0"/>
-      </a:effectRef>
-      <a:fontRef idx="minor"/>
-    </dgm:style>
-  </dgm:styleLbl>
-  <dgm:styleLbl name="parChTrans1D2">
-    <dgm:scene3d>
-      <a:camera prst="orthographicFront"/>
-      <a:lightRig rig="threePt" dir="t"/>
-    </dgm:scene3d>
-    <dgm:sp3d/>
-    <dgm:txPr/>
-    <dgm:style>
-      <a:lnRef idx="2">
-        <a:scrgbClr r="0" g="0" b="0"/>
-      </a:lnRef>
-      <a:fillRef idx="0">
-        <a:scrgbClr r="0" g="0" b="0"/>
-      </a:fillRef>
-      <a:effectRef idx="0">
-        <a:scrgbClr r="0" g="0" b="0"/>
-      </a:effectRef>
-      <a:fontRef idx="minor"/>
-    </dgm:style>
-  </dgm:styleLbl>
-  <dgm:styleLbl name="parChTrans1D3">
-    <dgm:scene3d>
-      <a:camera prst="orthographicFront"/>
-      <a:lightRig rig="threePt" dir="t"/>
-    </dgm:scene3d>
-    <dgm:sp3d/>
-    <dgm:txPr/>
-    <dgm:style>
-      <a:lnRef idx="2">
-        <a:scrgbClr r="0" g="0" b="0"/>
-      </a:lnRef>
-      <a:fillRef idx="0">
-        <a:scrgbClr r="0" g="0" b="0"/>
-      </a:fillRef>
-      <a:effectRef idx="0">
-        <a:scrgbClr r="0" g="0" b="0"/>
-      </a:effectRef>
-      <a:fontRef idx="minor"/>
-    </dgm:style>
-  </dgm:styleLbl>
-  <dgm:styleLbl name="parChTrans1D4">
-    <dgm:scene3d>
-      <a:camera prst="orthographicFront"/>
-      <a:lightRig rig="threePt" dir="t"/>
-    </dgm:scene3d>
-    <dgm:sp3d/>
-    <dgm:txPr/>
-    <dgm:style>
-      <a:lnRef idx="2">
-        <a:scrgbClr r="0" g="0" b="0"/>
-      </a:lnRef>
-      <a:fillRef idx="0">
-        <a:scrgbClr r="0" g="0" b="0"/>
-      </a:fillRef>
-      <a:effectRef idx="0">
-        <a:scrgbClr r="0" g="0" b="0"/>
-      </a:effectRef>
-      <a:fontRef idx="minor"/>
-    </dgm:style>
-  </dgm:styleLbl>
-  <dgm:styleLbl name="fgAcc1">
-    <dgm:scene3d>
-      <a:camera prst="orthographicFront"/>
-      <a:lightRig rig="threePt" dir="t"/>
-    </dgm:scene3d>
-    <dgm:sp3d/>
-    <dgm:txPr/>
-    <dgm:style>
-      <a:lnRef idx="2">
-        <a:scrgbClr r="0" g="0" b="0"/>
-      </a:lnRef>
-      <a:fillRef idx="1">
-        <a:scrgbClr r="0" g="0" b="0"/>
-      </a:fillRef>
-      <a:effectRef idx="0">
-        <a:scrgbClr r="0" g="0" b="0"/>
-      </a:effectRef>
-      <a:fontRef idx="minor"/>
-    </dgm:style>
-  </dgm:styleLbl>
-  <dgm:styleLbl name="conFgAcc1">
-    <dgm:scene3d>
-      <a:camera prst="orthographicFront"/>
-      <a:lightRig rig="threePt" dir="t"/>
-    </dgm:scene3d>
-    <dgm:sp3d/>
-    <dgm:txPr/>
-    <dgm:style>
-      <a:lnRef idx="2">
-        <a:scrgbClr r="0" g="0" b="0"/>
-      </a:lnRef>
-      <a:fillRef idx="1">
-        <a:scrgbClr r="0" g="0" b="0"/>
-      </a:fillRef>
-      <a:effectRef idx="0">
-        <a:scrgbClr r="0" g="0" b="0"/>
-      </a:effectRef>
-      <a:fontRef idx="minor"/>
-    </dgm:style>
-  </dgm:styleLbl>
-  <dgm:styleLbl name="alignAcc1">
-    <dgm:scene3d>
-      <a:camera prst="orthographicFront"/>
-      <a:lightRig rig="threePt" dir="t"/>
-    </dgm:scene3d>
-    <dgm:sp3d/>
-    <dgm:txPr/>
-    <dgm:style>
-      <a:lnRef idx="2">
-        <a:scrgbClr r="0" g="0" b="0"/>
-      </a:lnRef>
-      <a:fillRef idx="1">
-        <a:scrgbClr r="0" g="0" b="0"/>
-      </a:fillRef>
-      <a:effectRef idx="0">
-        <a:scrgbClr r="0" g="0" b="0"/>
-      </a:effectRef>
-      <a:fontRef idx="minor"/>
-    </dgm:style>
-  </dgm:styleLbl>
-  <dgm:styleLbl name="trAlignAcc1">
-    <dgm:scene3d>
-      <a:camera prst="orthographicFront"/>
-      <a:lightRig rig="threePt" dir="t"/>
-    </dgm:scene3d>
-    <dgm:sp3d/>
-    <dgm:txPr/>
-    <dgm:style>
-      <a:lnRef idx="1">
-        <a:scrgbClr r="0" g="0" b="0"/>
-      </a:lnRef>
-      <a:fillRef idx="1">
-        <a:scrgbClr r="0" g="0" b="0"/>
-      </a:fillRef>
-      <a:effectRef idx="0">
-        <a:scrgbClr r="0" g="0" b="0"/>
-      </a:effectRef>
-      <a:fontRef idx="minor"/>
-    </dgm:style>
-  </dgm:styleLbl>
-  <dgm:styleLbl name="bgAcc1">
-    <dgm:scene3d>
-      <a:camera prst="orthographicFront"/>
-      <a:lightRig rig="threePt" dir="t"/>
-    </dgm:scene3d>
-    <dgm:sp3d/>
-    <dgm:txPr/>
-    <dgm:style>
-      <a:lnRef idx="2">
-        <a:scrgbClr r="0" g="0" b="0"/>
-      </a:lnRef>
-      <a:fillRef idx="1">
-        <a:scrgbClr r="0" g="0" b="0"/>
-      </a:fillRef>
-      <a:effectRef idx="0">
-        <a:scrgbClr r="0" g="0" b="0"/>
-      </a:effectRef>
-      <a:fontRef idx="minor"/>
-    </dgm:style>
-  </dgm:styleLbl>
-  <dgm:styleLbl name="solidFgAcc1">
-    <dgm:scene3d>
-      <a:camera prst="orthographicFront"/>
-      <a:lightRig rig="threePt" dir="t"/>
-    </dgm:scene3d>
-    <dgm:sp3d/>
-    <dgm:txPr/>
-    <dgm:style>
-      <a:lnRef idx="2">
-        <a:scrgbClr r="0" g="0" b="0"/>
-      </a:lnRef>
-      <a:fillRef idx="1">
-        <a:scrgbClr r="0" g="0" b="0"/>
-      </a:fillRef>
-      <a:effectRef idx="0">
-        <a:scrgbClr r="0" g="0" b="0"/>
-      </a:effectRef>
-      <a:fontRef idx="minor"/>
-    </dgm:style>
-  </dgm:styleLbl>
-  <dgm:styleLbl name="solidAlignAcc1">
-    <dgm:scene3d>
-      <a:camera prst="orthographicFront"/>
-      <a:lightRig rig="threePt" dir="t"/>
-    </dgm:scene3d>
-    <dgm:sp3d/>
-    <dgm:txPr/>
-    <dgm:style>
-      <a:lnRef idx="2">
-        <a:scrgbClr r="0" g="0" b="0"/>
-      </a:lnRef>
-      <a:fillRef idx="1">
-        <a:scrgbClr r="0" g="0" b="0"/>
-      </a:fillRef>
-      <a:effectRef idx="0">
-        <a:scrgbClr r="0" g="0" b="0"/>
-      </a:effectRef>
-      <a:fontRef idx="minor"/>
-    </dgm:style>
-  </dgm:styleLbl>
-  <dgm:styleLbl name="solidBgAcc1">
-    <dgm:scene3d>
-      <a:camera prst="orthographicFront"/>
-      <a:lightRig rig="threePt" dir="t"/>
-    </dgm:scene3d>
-    <dgm:sp3d/>
-    <dgm:txPr/>
-    <dgm:style>
-      <a:lnRef idx="2">
-        <a:scrgbClr r="0" g="0" b="0"/>
-      </a:lnRef>
-      <a:fillRef idx="1">
-        <a:scrgbClr r="0" g="0" b="0"/>
-      </a:fillRef>
-      <a:effectRef idx="0">
-        <a:scrgbClr r="0" g="0" b="0"/>
-      </a:effectRef>
-      <a:fontRef idx="minor"/>
-    </dgm:style>
-  </dgm:styleLbl>
-  <dgm:styleLbl name="fgAccFollowNode1">
-    <dgm:scene3d>
-      <a:camera prst="orthographicFront"/>
-      <a:lightRig rig="threePt" dir="t"/>
-    </dgm:scene3d>
-    <dgm:sp3d/>
-    <dgm:txPr/>
-    <dgm:style>
-      <a:lnRef idx="2">
-        <a:scrgbClr r="0" g="0" b="0"/>
-      </a:lnRef>
-      <a:fillRef idx="1">
-        <a:scrgbClr r="0" g="0" b="0"/>
-      </a:fillRef>
-      <a:effectRef idx="0">
-        <a:scrgbClr r="0" g="0" b="0"/>
-      </a:effectRef>
-      <a:fontRef idx="minor"/>
-    </dgm:style>
-  </dgm:styleLbl>
-  <dgm:styleLbl name="alignAccFollowNode1">
-    <dgm:scene3d>
-      <a:camera prst="orthographicFront"/>
-      <a:lightRig rig="threePt" dir="t"/>
-    </dgm:scene3d>
-    <dgm:sp3d/>
-    <dgm:txPr/>
-    <dgm:style>
-      <a:lnRef idx="2">
-        <a:scrgbClr r="0" g="0" b="0"/>
-      </a:lnRef>
-      <a:fillRef idx="1">
-        <a:scrgbClr r="0" g="0" b="0"/>
-      </a:fillRef>
-      <a:effectRef idx="0">
-        <a:scrgbClr r="0" g="0" b="0"/>
-      </a:effectRef>
-      <a:fontRef idx="minor"/>
-    </dgm:style>
-  </dgm:styleLbl>
-  <dgm:styleLbl name="bgAccFollowNode1">
-    <dgm:scene3d>
-      <a:camera prst="orthographicFront"/>
-      <a:lightRig rig="threePt" dir="t"/>
-    </dgm:scene3d>
-    <dgm:sp3d/>
-    <dgm:txPr/>
-    <dgm:style>
-      <a:lnRef idx="2">
-        <a:scrgbClr r="0" g="0" b="0"/>
-      </a:lnRef>
-      <a:fillRef idx="1">
-        <a:scrgbClr r="0" g="0" b="0"/>
-      </a:fillRef>
-      <a:effectRef idx="0">
-        <a:scrgbClr r="0" g="0" b="0"/>
-      </a:effectRef>
-      <a:fontRef idx="minor"/>
-    </dgm:style>
-  </dgm:styleLbl>
-  <dgm:styleLbl name="fgAcc0">
-    <dgm:scene3d>
-      <a:camera prst="orthographicFront"/>
-      <a:lightRig rig="threePt" dir="t"/>
-    </dgm:scene3d>
-    <dgm:sp3d/>
-    <dgm:txPr/>
-    <dgm:style>
-      <a:lnRef idx="2">
-        <a:scrgbClr r="0" g="0" b="0"/>
-      </a:lnRef>
-      <a:fillRef idx="1">
-        <a:scrgbClr r="0" g="0" b="0"/>
-      </a:fillRef>
-      <a:effectRef idx="0">
-        <a:scrgbClr r="0" g="0" b="0"/>
-      </a:effectRef>
-      <a:fontRef idx="minor"/>
-    </dgm:style>
-  </dgm:styleLbl>
-  <dgm:styleLbl name="fgAcc2">
-    <dgm:scene3d>
-      <a:camera prst="orthographicFront"/>
-      <a:lightRig rig="threePt" dir="t"/>
-    </dgm:scene3d>
-    <dgm:sp3d/>
-    <dgm:txPr/>
-    <dgm:style>
-      <a:lnRef idx="2">
-        <a:scrgbClr r="0" g="0" b="0"/>
-      </a:lnRef>
-      <a:fillRef idx="1">
-        <a:scrgbClr r="0" g="0" b="0"/>
-      </a:fillRef>
-      <a:effectRef idx="0">
-        <a:scrgbClr r="0" g="0" b="0"/>
-      </a:effectRef>
-      <a:fontRef idx="minor"/>
-    </dgm:style>
-  </dgm:styleLbl>
-  <dgm:styleLbl name="fgAcc3">
-    <dgm:scene3d>
-      <a:camera prst="orthographicFront"/>
-      <a:lightRig rig="threePt" dir="t"/>
-    </dgm:scene3d>
-    <dgm:sp3d/>
-    <dgm:txPr/>
-    <dgm:style>
-      <a:lnRef idx="2">
-        <a:scrgbClr r="0" g="0" b="0"/>
-      </a:lnRef>
-      <a:fillRef idx="1">
-        <a:scrgbClr r="0" g="0" b="0"/>
-      </a:fillRef>
-      <a:effectRef idx="0">
-        <a:scrgbClr r="0" g="0" b="0"/>
-      </a:effectRef>
-      <a:fontRef idx="minor"/>
-    </dgm:style>
-  </dgm:styleLbl>
-  <dgm:styleLbl name="fgAcc4">
-    <dgm:scene3d>
-      <a:camera prst="orthographicFront"/>
-      <a:lightRig rig="threePt" dir="t"/>
-    </dgm:scene3d>
-    <dgm:sp3d/>
-    <dgm:txPr/>
-    <dgm:style>
-      <a:lnRef idx="2">
-        <a:scrgbClr r="0" g="0" b="0"/>
-      </a:lnRef>
-      <a:fillRef idx="1">
-        <a:scrgbClr r="0" g="0" b="0"/>
-      </a:fillRef>
-      <a:effectRef idx="0">
-        <a:scrgbClr r="0" g="0" b="0"/>
-      </a:effectRef>
-      <a:fontRef idx="minor"/>
-    </dgm:style>
-  </dgm:styleLbl>
-  <dgm:styleLbl name="bgShp">
-    <dgm:scene3d>
-      <a:camera prst="orthographicFront"/>
-      <a:lightRig rig="threePt" dir="t"/>
-    </dgm:scene3d>
-    <dgm:sp3d/>
-    <dgm:txPr/>
-    <dgm:style>
-      <a:lnRef idx="0">
-        <a:scrgbClr r="0" g="0" b="0"/>
-      </a:lnRef>
-      <a:fillRef idx="1">
-        <a:scrgbClr r="0" g="0" b="0"/>
-      </a:fillRef>
-      <a:effectRef idx="0">
-        <a:scrgbClr r="0" g="0" b="0"/>
-      </a:effectRef>
-      <a:fontRef idx="minor"/>
-    </dgm:style>
-  </dgm:styleLbl>
-  <dgm:styleLbl name="dkBgShp">
-    <dgm:scene3d>
-      <a:camera prst="orthographicFront"/>
-      <a:lightRig rig="threePt" dir="t"/>
-    </dgm:scene3d>
-    <dgm:sp3d/>
-    <dgm:txPr/>
-    <dgm:style>
-      <a:lnRef idx="0">
-        <a:scrgbClr r="0" g="0" b="0"/>
-      </a:lnRef>
-      <a:fillRef idx="1">
-        <a:scrgbClr r="0" g="0" b="0"/>
-      </a:fillRef>
-      <a:effectRef idx="0">
-        <a:scrgbClr r="0" g="0" b="0"/>
-      </a:effectRef>
-      <a:fontRef idx="minor"/>
-    </dgm:style>
-  </dgm:styleLbl>
-  <dgm:styleLbl name="trBgShp">
-    <dgm:scene3d>
-      <a:camera prst="orthographicFront"/>
-      <a:lightRig rig="threePt" dir="t"/>
-    </dgm:scene3d>
-    <dgm:sp3d/>
-    <dgm:txPr/>
-    <dgm:style>
-      <a:lnRef idx="0">
-        <a:scrgbClr r="0" g="0" b="0"/>
-      </a:lnRef>
-      <a:fillRef idx="1">
-        <a:scrgbClr r="0" g="0" b="0"/>
-      </a:fillRef>
-      <a:effectRef idx="0">
-        <a:scrgbClr r="0" g="0" b="0"/>
-      </a:effectRef>
-      <a:fontRef idx="minor"/>
-    </dgm:style>
-  </dgm:styleLbl>
-  <dgm:styleLbl name="fgShp">
-    <dgm:scene3d>
-      <a:camera prst="orthographicFront"/>
-      <a:lightRig rig="threePt" dir="t"/>
-    </dgm:scene3d>
-    <dgm:sp3d/>
-    <dgm:txPr/>
-    <dgm:style>
-      <a:lnRef idx="2">
-        <a:scrgbClr r="0" g="0" b="0"/>
-      </a:lnRef>
-      <a:fillRef idx="1">
-        <a:scrgbClr r="0" g="0" b="0"/>
-      </a:fillRef>
-      <a:effectRef idx="0">
-        <a:scrgbClr r="0" g="0" b="0"/>
-      </a:effectRef>
-      <a:fontRef idx="minor"/>
-    </dgm:style>
-  </dgm:styleLbl>
-  <dgm:styleLbl name="revTx">
-    <dgm:scene3d>
-      <a:camera prst="orthographicFront"/>
-      <a:lightRig rig="threePt" dir="t"/>
-    </dgm:scene3d>
-    <dgm:sp3d/>
-    <dgm:txPr/>
-    <dgm:style>
-      <a:lnRef idx="0">
-        <a:scrgbClr r="0" g="0" b="0"/>
-      </a:lnRef>
-      <a:fillRef idx="0">
-        <a:scrgbClr r="0" g="0" b="0"/>
-      </a:fillRef>
-      <a:effectRef idx="0">
-        <a:scrgbClr r="0" g="0" b="0"/>
-      </a:effectRef>
-      <a:fontRef idx="minor"/>
-    </dgm:style>
-  </dgm:styleLbl>
-</dgm:styleDef>
-</file>
-
 <file path=ppt/notesMasters/notesMaster1.xml><?xml version="1.0" encoding="utf-8"?>
 <p:notesMaster xmlns:a="http://schemas.openxmlformats.org/drawingml/2006/main" xmlns:r="http://schemas.openxmlformats.org/officeDocument/2006/relationships" xmlns:p="http://schemas.openxmlformats.org/presentationml/2006/main">
   <p:cSld>
@@ -8013,115 +4418,6 @@
     <p:extLst>
       <p:ext uri="{BB962C8B-B14F-4D97-AF65-F5344CB8AC3E}">
         <p14:creationId xmlns:p14="http://schemas.microsoft.com/office/powerpoint/2010/main" val="3212091098"/>
-      </p:ext>
-    </p:extLst>
-  </p:cSld>
-  <p:clrMapOvr>
-    <a:masterClrMapping/>
-  </p:clrMapOvr>
-</p:notes>
-</file>
-
-<file path=ppt/notesSlides/notesSlide3.xml><?xml version="1.0" encoding="utf-8"?>
-<p:notes xmlns:a="http://schemas.openxmlformats.org/drawingml/2006/main" xmlns:r="http://schemas.openxmlformats.org/officeDocument/2006/relationships" xmlns:p="http://schemas.openxmlformats.org/presentationml/2006/main">
-  <p:cSld>
-    <p:spTree>
-      <p:nvGrpSpPr>
-        <p:cNvPr id="1" name=""/>
-        <p:cNvGrpSpPr/>
-        <p:nvPr/>
-      </p:nvGrpSpPr>
-      <p:grpSpPr>
-        <a:xfrm>
-          <a:off x="0" y="0"/>
-          <a:ext cx="0" cy="0"/>
-          <a:chOff x="0" y="0"/>
-          <a:chExt cx="0" cy="0"/>
-        </a:xfrm>
-      </p:grpSpPr>
-      <p:sp>
-        <p:nvSpPr>
-          <p:cNvPr id="2" name="Slide Image Placeholder 1"/>
-          <p:cNvSpPr>
-            <a:spLocks noGrp="1" noRot="1" noChangeAspect="1"/>
-          </p:cNvSpPr>
-          <p:nvPr>
-            <p:ph type="sldImg"/>
-          </p:nvPr>
-        </p:nvSpPr>
-        <p:spPr/>
-      </p:sp>
-      <p:sp>
-        <p:nvSpPr>
-          <p:cNvPr id="3" name="Notes Placeholder 2"/>
-          <p:cNvSpPr>
-            <a:spLocks noGrp="1"/>
-          </p:cNvSpPr>
-          <p:nvPr>
-            <p:ph type="body" idx="1"/>
-          </p:nvPr>
-        </p:nvSpPr>
-        <p:spPr/>
-        <p:txBody>
-          <a:bodyPr/>
-          <a:lstStyle/>
-          <a:p>
-            <a:endParaRPr lang="en-US" dirty="0"/>
-          </a:p>
-        </p:txBody>
-      </p:sp>
-      <p:sp>
-        <p:nvSpPr>
-          <p:cNvPr id="4" name="Slide Number Placeholder 3"/>
-          <p:cNvSpPr>
-            <a:spLocks noGrp="1"/>
-          </p:cNvSpPr>
-          <p:nvPr>
-            <p:ph type="sldNum" idx="12"/>
-          </p:nvPr>
-        </p:nvSpPr>
-        <p:spPr/>
-        <p:txBody>
-          <a:bodyPr/>
-          <a:lstStyle/>
-          <a:p>
-            <a:pPr marL="0" marR="0" lvl="0" indent="0" algn="r" rtl="0">
-              <a:spcBef>
-                <a:spcPts val="0"/>
-              </a:spcBef>
-              <a:spcAft>
-                <a:spcPts val="0"/>
-              </a:spcAft>
-              <a:buNone/>
-            </a:pPr>
-            <a:fld id="{00000000-1234-1234-1234-123412341234}" type="slidenum">
-              <a:rPr lang="en-US" sz="1200" b="0" i="0" u="none" strike="noStrike" cap="none" smtClean="0">
-                <a:solidFill>
-                  <a:schemeClr val="dk1"/>
-                </a:solidFill>
-                <a:latin typeface="Calibri"/>
-                <a:ea typeface="Calibri"/>
-                <a:cs typeface="Calibri"/>
-                <a:sym typeface="Calibri"/>
-              </a:rPr>
-              <a:t>4</a:t>
-            </a:fld>
-            <a:endParaRPr lang="en-US" sz="1200" b="0" i="0" u="none" strike="noStrike" cap="none">
-              <a:solidFill>
-                <a:schemeClr val="dk1"/>
-              </a:solidFill>
-              <a:latin typeface="Calibri"/>
-              <a:ea typeface="Calibri"/>
-              <a:cs typeface="Calibri"/>
-              <a:sym typeface="Calibri"/>
-            </a:endParaRPr>
-          </a:p>
-        </p:txBody>
-      </p:sp>
-    </p:spTree>
-    <p:extLst>
-      <p:ext uri="{BB962C8B-B14F-4D97-AF65-F5344CB8AC3E}">
-        <p14:creationId xmlns:p14="http://schemas.microsoft.com/office/powerpoint/2010/main" val="1635886088"/>
       </p:ext>
     </p:extLst>
   </p:cSld>
@@ -16378,6 +12674,103 @@
       </p:sp>
       <p:sp>
         <p:nvSpPr>
+          <p:cNvPr id="2" name="Title 1">
+            <a:extLst>
+              <a:ext uri="{FF2B5EF4-FFF2-40B4-BE49-F238E27FC236}">
+                <a16:creationId xmlns:a16="http://schemas.microsoft.com/office/drawing/2014/main" id="{D6DC9CC8-397E-8445-B533-4C2FFC487128}"/>
+              </a:ext>
+            </a:extLst>
+          </p:cNvPr>
+          <p:cNvSpPr>
+            <a:spLocks noGrp="1"/>
+          </p:cNvSpPr>
+          <p:nvPr>
+            <p:ph type="title"/>
+          </p:nvPr>
+        </p:nvSpPr>
+        <p:spPr>
+          <a:xfrm>
+            <a:off x="831850" y="283779"/>
+            <a:ext cx="10515600" cy="662152"/>
+          </a:xfrm>
+        </p:spPr>
+        <p:txBody>
+          <a:bodyPr/>
+          <a:lstStyle/>
+          <a:p>
+            <a:r>
+              <a:rPr lang="en-US" sz="4400" dirty="0">
+                <a:latin typeface="Times New Roman" panose="02020603050405020304" pitchFamily="18" charset="0"/>
+                <a:cs typeface="Times New Roman" panose="02020603050405020304" pitchFamily="18" charset="0"/>
+              </a:rPr>
+              <a:t>Analyzing data </a:t>
+            </a:r>
+            <a:endParaRPr lang="en-US" sz="4400" dirty="0"/>
+          </a:p>
+        </p:txBody>
+      </p:sp>
+      <p:sp>
+        <p:nvSpPr>
+          <p:cNvPr id="3" name="Text Placeholder 2">
+            <a:extLst>
+              <a:ext uri="{FF2B5EF4-FFF2-40B4-BE49-F238E27FC236}">
+                <a16:creationId xmlns:a16="http://schemas.microsoft.com/office/drawing/2014/main" id="{4CC854CC-6D4E-B84F-B0FD-D87FBC60747D}"/>
+              </a:ext>
+            </a:extLst>
+          </p:cNvPr>
+          <p:cNvSpPr>
+            <a:spLocks noGrp="1"/>
+          </p:cNvSpPr>
+          <p:nvPr>
+            <p:ph type="body" idx="1"/>
+          </p:nvPr>
+        </p:nvSpPr>
+        <p:spPr>
+          <a:xfrm>
+            <a:off x="831850" y="1294379"/>
+            <a:ext cx="10515600" cy="4795271"/>
+          </a:xfrm>
+        </p:spPr>
+        <p:txBody>
+          <a:bodyPr/>
+          <a:lstStyle/>
+          <a:p>
+            <a:r>
+              <a:rPr lang="en-US" dirty="0"/>
+              <a:t>Step 1 - Convert categorical data into numerical</a:t>
+            </a:r>
+          </a:p>
+          <a:p>
+            <a:r>
+              <a:rPr lang="en-US" dirty="0"/>
+              <a:t>Step 2 - add new column in df for each categorical data</a:t>
+            </a:r>
+          </a:p>
+          <a:p>
+            <a:r>
+              <a:rPr lang="en-US" dirty="0"/>
+              <a:t>Step 3 - sum the score and divide by total number of scenarios considered</a:t>
+            </a:r>
+          </a:p>
+          <a:p>
+            <a:r>
+              <a:rPr lang="en-US" dirty="0"/>
+              <a:t>Step 4 - assign each row with campaign and malicious values</a:t>
+            </a:r>
+          </a:p>
+          <a:p>
+            <a:endParaRPr lang="en-US" dirty="0"/>
+          </a:p>
+          <a:p>
+            <a:endParaRPr lang="en-US" dirty="0"/>
+          </a:p>
+          <a:p>
+            <a:endParaRPr lang="en-US" dirty="0"/>
+          </a:p>
+        </p:txBody>
+      </p:sp>
+      <p:sp>
+        <p:nvSpPr>
           <p:cNvPr id="99" name="Google Shape;99;p14"/>
           <p:cNvSpPr txBox="1">
             <a:spLocks noGrp="1"/>
@@ -16387,10 +12780,6 @@
           </p:nvPr>
         </p:nvSpPr>
         <p:spPr>
-          <a:xfrm>
-            <a:off x="8610600" y="6356350"/>
-            <a:ext cx="2743200" cy="365125"/>
-          </a:xfrm>
           <a:prstGeom prst="rect">
             <a:avLst/>
           </a:prstGeom>
@@ -16548,34 +12937,36 @@
           </p:txBody>
         </p:sp>
       </p:grpSp>
-      <p:graphicFrame>
-        <p:nvGraphicFramePr>
-          <p:cNvPr id="6" name="Diagram 5">
+      <p:pic>
+        <p:nvPicPr>
+          <p:cNvPr id="7" name="Picture 6">
             <a:extLst>
               <a:ext uri="{FF2B5EF4-FFF2-40B4-BE49-F238E27FC236}">
-                <a16:creationId xmlns:a16="http://schemas.microsoft.com/office/drawing/2014/main" id="{2EB97523-4A76-3B46-8F43-37BF43F9E9DB}"/>
+                <a16:creationId xmlns:a16="http://schemas.microsoft.com/office/drawing/2014/main" id="{D36D8103-D20A-554F-8709-2E7F93B2D968}"/>
               </a:ext>
             </a:extLst>
           </p:cNvPr>
-          <p:cNvGraphicFramePr/>
-          <p:nvPr>
-            <p:extLst>
-              <p:ext uri="{D42A27DB-BD31-4B8C-83A1-F6EECF244321}">
-                <p14:modId xmlns:p14="http://schemas.microsoft.com/office/powerpoint/2010/main" val="1572161718"/>
-              </p:ext>
-            </p:extLst>
-          </p:nvPr>
-        </p:nvGraphicFramePr>
-        <p:xfrm>
-          <a:off x="501056" y="765624"/>
-          <a:ext cx="11189888" cy="4662378"/>
-        </p:xfrm>
-        <a:graphic>
-          <a:graphicData uri="http://schemas.openxmlformats.org/drawingml/2006/diagram">
-            <dgm:relIds xmlns:dgm="http://schemas.openxmlformats.org/drawingml/2006/diagram" xmlns:r="http://schemas.openxmlformats.org/officeDocument/2006/relationships" r:dm="rId3" r:lo="rId4" r:qs="rId5" r:cs="rId6"/>
-          </a:graphicData>
-        </a:graphic>
-      </p:graphicFrame>
+          <p:cNvPicPr>
+            <a:picLocks noChangeAspect="1"/>
+          </p:cNvPicPr>
+          <p:nvPr/>
+        </p:nvPicPr>
+        <p:blipFill>
+          <a:blip r:embed="rId3"/>
+          <a:stretch>
+            <a:fillRect/>
+          </a:stretch>
+        </p:blipFill>
+        <p:spPr>
+          <a:xfrm>
+            <a:off x="2848303" y="3168337"/>
+            <a:ext cx="4229099" cy="2908361"/>
+          </a:xfrm>
+          <a:prstGeom prst="rect">
+            <a:avLst/>
+          </a:prstGeom>
+        </p:spPr>
+      </p:pic>
     </p:spTree>
     <p:extLst>
       <p:ext uri="{BB962C8B-B14F-4D97-AF65-F5344CB8AC3E}">
@@ -16595,14 +12986,6 @@
 <file path=ppt/slides/slide4.xml><?xml version="1.0" encoding="utf-8"?>
 <p:sld xmlns:a="http://schemas.openxmlformats.org/drawingml/2006/main" xmlns:r="http://schemas.openxmlformats.org/officeDocument/2006/relationships" xmlns:p="http://schemas.openxmlformats.org/presentationml/2006/main">
   <p:cSld>
-    <p:bg>
-      <p:bgPr>
-        <a:solidFill>
-          <a:schemeClr val="bg1"/>
-        </a:solidFill>
-        <a:effectLst/>
-      </p:bgPr>
-    </p:bg>
     <p:spTree>
       <p:nvGrpSpPr>
         <p:cNvPr id="1" name=""/>
@@ -16617,171 +13000,12 @@
           <a:chExt cx="0" cy="0"/>
         </a:xfrm>
       </p:grpSpPr>
-      <p:sp useBgFill="1">
+      <p:sp>
         <p:nvSpPr>
-          <p:cNvPr id="82" name="Rectangle 81">
+          <p:cNvPr id="2" name="Title 1">
             <a:extLst>
               <a:ext uri="{FF2B5EF4-FFF2-40B4-BE49-F238E27FC236}">
-                <a16:creationId xmlns:a16="http://schemas.microsoft.com/office/drawing/2014/main" id="{385E1BDC-A9B0-4A87-82E3-F3187F69A802}"/>
-              </a:ext>
-              <a:ext uri="{C183D7F6-B498-43B3-948B-1728B52AA6E4}">
-                <adec:decorative xmlns:adec="http://schemas.microsoft.com/office/drawing/2017/decorative" val="1"/>
-              </a:ext>
-            </a:extLst>
-          </p:cNvPr>
-          <p:cNvSpPr>
-            <a:spLocks noGrp="1" noRot="1" noChangeAspect="1" noMove="1" noResize="1" noEditPoints="1" noAdjustHandles="1" noChangeArrowheads="1" noChangeShapeType="1" noTextEdit="1"/>
-          </p:cNvSpPr>
-          <p:nvPr>
-            <p:extLst>
-              <p:ext uri="{386F3935-93C4-4BCD-93E2-E3B085C9AB24}">
-                <p16:designElem xmlns:p16="http://schemas.microsoft.com/office/powerpoint/2015/main" val="1"/>
-              </p:ext>
-            </p:extLst>
-          </p:nvPr>
-        </p:nvSpPr>
-        <p:spPr>
-          <a:xfrm>
-            <a:off x="0" y="0"/>
-            <a:ext cx="12192000" cy="6858000"/>
-          </a:xfrm>
-          <a:prstGeom prst="rect">
-            <a:avLst/>
-          </a:prstGeom>
-          <a:ln>
-            <a:noFill/>
-          </a:ln>
-        </p:spPr>
-        <p:style>
-          <a:lnRef idx="2">
-            <a:schemeClr val="accent1">
-              <a:shade val="50000"/>
-            </a:schemeClr>
-          </a:lnRef>
-          <a:fillRef idx="1">
-            <a:schemeClr val="accent1"/>
-          </a:fillRef>
-          <a:effectRef idx="0">
-            <a:schemeClr val="accent1"/>
-          </a:effectRef>
-          <a:fontRef idx="minor">
-            <a:schemeClr val="lt1"/>
-          </a:fontRef>
-        </p:style>
-        <p:txBody>
-          <a:bodyPr rtlCol="0" anchor="ctr"/>
-          <a:lstStyle/>
-          <a:p>
-            <a:pPr algn="ctr"/>
-            <a:endParaRPr lang="en-US"/>
-          </a:p>
-        </p:txBody>
-      </p:sp>
-      <p:sp useBgFill="1">
-        <p:nvSpPr>
-          <p:cNvPr id="84" name="Rectangle 83">
-            <a:extLst>
-              <a:ext uri="{FF2B5EF4-FFF2-40B4-BE49-F238E27FC236}">
-                <a16:creationId xmlns:a16="http://schemas.microsoft.com/office/drawing/2014/main" id="{0990C621-3B8B-4820-8328-D47EF7CE823C}"/>
-              </a:ext>
-              <a:ext uri="{C183D7F6-B498-43B3-948B-1728B52AA6E4}">
-                <adec:decorative xmlns:adec="http://schemas.microsoft.com/office/drawing/2017/decorative" val="1"/>
-              </a:ext>
-            </a:extLst>
-          </p:cNvPr>
-          <p:cNvSpPr>
-            <a:spLocks noGrp="1" noRot="1" noChangeAspect="1" noMove="1" noResize="1" noEditPoints="1" noAdjustHandles="1" noChangeArrowheads="1" noChangeShapeType="1" noTextEdit="1"/>
-          </p:cNvSpPr>
-          <p:nvPr>
-            <p:extLst>
-              <p:ext uri="{386F3935-93C4-4BCD-93E2-E3B085C9AB24}">
-                <p16:designElem xmlns:p16="http://schemas.microsoft.com/office/powerpoint/2015/main" val="1"/>
-              </p:ext>
-            </p:extLst>
-          </p:nvPr>
-        </p:nvSpPr>
-        <p:spPr>
-          <a:xfrm>
-            <a:off x="554416" y="365125"/>
-            <a:ext cx="11167447" cy="2089317"/>
-          </a:xfrm>
-          <a:prstGeom prst="rect">
-            <a:avLst/>
-          </a:prstGeom>
-          <a:ln w="12700">
-            <a:solidFill>
-              <a:srgbClr val="DEDEDE"/>
-            </a:solidFill>
-          </a:ln>
-          <a:effectLst>
-            <a:outerShdw blurRad="50800" dist="38100" dir="2700000" algn="tl" rotWithShape="0">
-              <a:schemeClr val="bg2">
-                <a:lumMod val="85000"/>
-                <a:alpha val="50000"/>
-              </a:schemeClr>
-            </a:outerShdw>
-          </a:effectLst>
-        </p:spPr>
-        <p:style>
-          <a:lnRef idx="2">
-            <a:schemeClr val="accent1">
-              <a:shade val="50000"/>
-            </a:schemeClr>
-          </a:lnRef>
-          <a:fillRef idx="1">
-            <a:schemeClr val="accent1"/>
-          </a:fillRef>
-          <a:effectRef idx="0">
-            <a:schemeClr val="accent1"/>
-          </a:effectRef>
-          <a:fontRef idx="minor">
-            <a:schemeClr val="lt1"/>
-          </a:fontRef>
-        </p:style>
-        <p:txBody>
-          <a:bodyPr rtlCol="0" anchor="ctr"/>
-          <a:lstStyle/>
-          <a:p>
-            <a:pPr marL="0" marR="0" lvl="0" indent="0" algn="ctr" defTabSz="914400" rtl="0" eaLnBrk="1" fontAlgn="auto" latinLnBrk="0" hangingPunct="1">
-              <a:lnSpc>
-                <a:spcPct val="100000"/>
-              </a:lnSpc>
-              <a:spcBef>
-                <a:spcPts val="0"/>
-              </a:spcBef>
-              <a:spcAft>
-                <a:spcPts val="0"/>
-              </a:spcAft>
-              <a:buClrTx/>
-              <a:buSzTx/>
-              <a:buFontTx/>
-              <a:buNone/>
-              <a:tabLst/>
-              <a:defRPr/>
-            </a:pPr>
-            <a:endParaRPr kumimoji="0" lang="en-US" sz="1800" b="0" i="0" u="none" strike="noStrike" kern="1200" cap="none" spc="0" normalizeH="0" baseline="0" noProof="0">
-              <a:ln>
-                <a:noFill/>
-              </a:ln>
-              <a:solidFill>
-                <a:prstClr val="white"/>
-              </a:solidFill>
-              <a:effectLst/>
-              <a:uLnTx/>
-              <a:uFillTx/>
-              <a:latin typeface="Calibri" panose="020F0502020204030204"/>
-              <a:ea typeface="+mn-ea"/>
-              <a:cs typeface="+mn-cs"/>
-            </a:endParaRPr>
-          </a:p>
-        </p:txBody>
-      </p:sp>
-      <p:sp>
-        <p:nvSpPr>
-          <p:cNvPr id="4" name="Title 3">
-            <a:extLst>
-              <a:ext uri="{FF2B5EF4-FFF2-40B4-BE49-F238E27FC236}">
-                <a16:creationId xmlns:a16="http://schemas.microsoft.com/office/drawing/2014/main" id="{43B69290-6362-4AE4-AFFD-82A27208D69C}"/>
+                <a16:creationId xmlns:a16="http://schemas.microsoft.com/office/drawing/2014/main" id="{E0D0ABBC-28D4-B54D-B440-B74E18448C93}"/>
               </a:ext>
             </a:extLst>
           </p:cNvPr>
@@ -16794,526 +13018,127 @@
         </p:nvSpPr>
         <p:spPr>
           <a:xfrm>
-            <a:off x="1051560" y="586822"/>
-            <a:ext cx="3657600" cy="1645920"/>
+            <a:off x="831850" y="136526"/>
+            <a:ext cx="10515600" cy="1082674"/>
           </a:xfrm>
         </p:spPr>
         <p:txBody>
-          <a:bodyPr vert="horz" lIns="91440" tIns="45720" rIns="91440" bIns="45720" rtlCol="0" anchor="ctr">
-            <a:normAutofit/>
-          </a:bodyPr>
+          <a:bodyPr/>
           <a:lstStyle/>
           <a:p>
-            <a:pPr>
-              <a:spcBef>
-                <a:spcPct val="0"/>
-              </a:spcBef>
-            </a:pPr>
             <a:r>
-              <a:rPr lang="en-US" sz="3200" kern="1200" dirty="0">
-                <a:solidFill>
-                  <a:schemeClr val="tx1"/>
-                </a:solidFill>
-                <a:latin typeface="+mj-lt"/>
-                <a:ea typeface="+mj-ea"/>
-                <a:cs typeface="+mj-cs"/>
-              </a:rPr>
-              <a:t>Let’s understand the given dataset</a:t>
+              <a:rPr lang="en-US" sz="4400" dirty="0"/>
+              <a:t>Rules taken into consideration</a:t>
             </a:r>
           </a:p>
         </p:txBody>
       </p:sp>
       <p:sp>
         <p:nvSpPr>
-          <p:cNvPr id="86" name="Rectangle 85">
+          <p:cNvPr id="3" name="Text Placeholder 2">
             <a:extLst>
               <a:ext uri="{FF2B5EF4-FFF2-40B4-BE49-F238E27FC236}">
-                <a16:creationId xmlns:a16="http://schemas.microsoft.com/office/drawing/2014/main" id="{C1A2385B-1D2A-4E17-84FA-6CB7F0AAE473}"/>
-              </a:ext>
-              <a:ext uri="{C183D7F6-B498-43B3-948B-1728B52AA6E4}">
-                <adec:decorative xmlns:adec="http://schemas.microsoft.com/office/drawing/2017/decorative" val="1"/>
+                <a16:creationId xmlns:a16="http://schemas.microsoft.com/office/drawing/2014/main" id="{A36B54A9-6F03-B245-A326-5DE44BACC585}"/>
               </a:ext>
             </a:extLst>
           </p:cNvPr>
           <p:cNvSpPr>
-            <a:spLocks noGrp="1" noRot="1" noChangeAspect="1" noMove="1" noResize="1" noEditPoints="1" noAdjustHandles="1" noChangeArrowheads="1" noChangeShapeType="1" noTextEdit="1"/>
+            <a:spLocks noGrp="1"/>
           </p:cNvSpPr>
           <p:nvPr>
-            <p:extLst>
-              <p:ext uri="{386F3935-93C4-4BCD-93E2-E3B085C9AB24}">
-                <p16:designElem xmlns:p16="http://schemas.microsoft.com/office/powerpoint/2015/main" val="1"/>
-              </p:ext>
-            </p:extLst>
+            <p:ph type="body" idx="1"/>
           </p:nvPr>
         </p:nvSpPr>
         <p:spPr>
           <a:xfrm>
-            <a:off x="490408" y="1057739"/>
-            <a:ext cx="128016" cy="704088"/>
+            <a:off x="831850" y="1313793"/>
+            <a:ext cx="10515600" cy="4775857"/>
           </a:xfrm>
-          <a:prstGeom prst="rect">
-            <a:avLst/>
-          </a:prstGeom>
-          <a:solidFill>
-            <a:schemeClr val="accent2"/>
-          </a:solidFill>
-          <a:ln>
-            <a:noFill/>
-          </a:ln>
         </p:spPr>
-        <p:style>
-          <a:lnRef idx="2">
-            <a:schemeClr val="accent1">
-              <a:shade val="50000"/>
-            </a:schemeClr>
-          </a:lnRef>
-          <a:fillRef idx="1">
-            <a:schemeClr val="accent1"/>
-          </a:fillRef>
-          <a:effectRef idx="0">
-            <a:schemeClr val="accent1"/>
-          </a:effectRef>
-          <a:fontRef idx="minor">
-            <a:schemeClr val="lt1"/>
-          </a:fontRef>
-        </p:style>
         <p:txBody>
-          <a:bodyPr rtlCol="0" anchor="ctr"/>
+          <a:bodyPr/>
           <a:lstStyle/>
           <a:p>
-            <a:pPr algn="ctr"/>
-            <a:endParaRPr lang="en-US" dirty="0">
-              <a:solidFill>
-                <a:prstClr val="white"/>
-              </a:solidFill>
-              <a:latin typeface="Calibri" panose="020F0502020204030204"/>
-            </a:endParaRPr>
+            <a:r>
+              <a:rPr lang="en-US" dirty="0"/>
+              <a:t>( final values for score would be between 1 or 0 )</a:t>
+            </a:r>
+          </a:p>
+          <a:p>
+            <a:r>
+              <a:rPr lang="en-US" dirty="0"/>
+              <a:t>- Email score : valid or fake email address</a:t>
+            </a:r>
+          </a:p>
+          <a:p>
+            <a:r>
+              <a:rPr lang="en-US" dirty="0"/>
+              <a:t>- Geography score : look for </a:t>
+            </a:r>
+            <a:r>
+              <a:rPr lang="en-US" dirty="0" err="1"/>
+              <a:t>ip</a:t>
+            </a:r>
+            <a:r>
+              <a:rPr lang="en-US" dirty="0"/>
+              <a:t> address from which account is created valid or not</a:t>
+            </a:r>
+          </a:p>
+          <a:p>
+            <a:r>
+              <a:rPr lang="en-US" dirty="0"/>
+              <a:t>- Duplication score : if more than one account is created with same email and same account name</a:t>
+            </a:r>
+          </a:p>
+          <a:p>
+            <a:endParaRPr lang="en-US" dirty="0"/>
           </a:p>
         </p:txBody>
       </p:sp>
       <p:sp>
         <p:nvSpPr>
-          <p:cNvPr id="88" name="Rectangle 87">
+          <p:cNvPr id="4" name="Slide Number Placeholder 3">
             <a:extLst>
               <a:ext uri="{FF2B5EF4-FFF2-40B4-BE49-F238E27FC236}">
-                <a16:creationId xmlns:a16="http://schemas.microsoft.com/office/drawing/2014/main" id="{5E791F2F-79DB-4CC0-9FA1-001E3E91E8B7}"/>
-              </a:ext>
-              <a:ext uri="{C183D7F6-B498-43B3-948B-1728B52AA6E4}">
-                <adec:decorative xmlns:adec="http://schemas.microsoft.com/office/drawing/2017/decorative" val="1"/>
+                <a16:creationId xmlns:a16="http://schemas.microsoft.com/office/drawing/2014/main" id="{458A4DB0-47F6-D74E-B0D2-0A7F78A260DB}"/>
               </a:ext>
             </a:extLst>
           </p:cNvPr>
           <p:cNvSpPr>
-            <a:spLocks noGrp="1" noRot="1" noChangeAspect="1" noMove="1" noResize="1" noEditPoints="1" noAdjustHandles="1" noChangeArrowheads="1" noChangeShapeType="1" noTextEdit="1"/>
+            <a:spLocks noGrp="1"/>
           </p:cNvSpPr>
           <p:nvPr>
-            <p:extLst>
-              <p:ext uri="{386F3935-93C4-4BCD-93E2-E3B085C9AB24}">
-                <p16:designElem xmlns:p16="http://schemas.microsoft.com/office/powerpoint/2015/main" val="1"/>
-              </p:ext>
-            </p:extLst>
+            <p:ph type="sldNum" idx="12"/>
           </p:nvPr>
         </p:nvSpPr>
-        <p:spPr>
-          <a:xfrm rot="5400000">
-            <a:off x="4243541" y="1400638"/>
-            <a:ext cx="1463040" cy="18288"/>
-          </a:xfrm>
-          <a:prstGeom prst="rect">
-            <a:avLst/>
-          </a:prstGeom>
-          <a:solidFill>
-            <a:srgbClr val="D5D5D5"/>
-          </a:solidFill>
-          <a:ln w="3175">
-            <a:noFill/>
-          </a:ln>
-          <a:effectLst/>
-        </p:spPr>
-        <p:style>
-          <a:lnRef idx="2">
-            <a:schemeClr val="accent1">
-              <a:shade val="50000"/>
-            </a:schemeClr>
-          </a:lnRef>
-          <a:fillRef idx="1">
-            <a:schemeClr val="accent1"/>
-          </a:fillRef>
-          <a:effectRef idx="0">
-            <a:schemeClr val="accent1"/>
-          </a:effectRef>
-          <a:fontRef idx="minor">
-            <a:schemeClr val="lt1"/>
-          </a:fontRef>
-        </p:style>
+        <p:spPr/>
         <p:txBody>
-          <a:bodyPr rtlCol="0" anchor="ctr"/>
+          <a:bodyPr/>
           <a:lstStyle/>
           <a:p>
-            <a:pPr marL="0" marR="0" lvl="0" indent="0" algn="ctr" defTabSz="914400" rtl="0" eaLnBrk="1" fontAlgn="auto" latinLnBrk="0" hangingPunct="1">
-              <a:lnSpc>
-                <a:spcPct val="100000"/>
-              </a:lnSpc>
-              <a:spcBef>
-                <a:spcPts val="0"/>
-              </a:spcBef>
-              <a:spcAft>
-                <a:spcPts val="0"/>
-              </a:spcAft>
-              <a:buClrTx/>
-              <a:buSzTx/>
-              <a:buFontTx/>
-              <a:buNone/>
-              <a:tabLst/>
-              <a:defRPr/>
+            <a:pPr marL="0" lvl="0" indent="0" algn="r" rtl="0">
+              <a:spcBef>
+                <a:spcPts val="0"/>
+              </a:spcBef>
+              <a:spcAft>
+                <a:spcPts val="0"/>
+              </a:spcAft>
+              <a:buNone/>
             </a:pPr>
-            <a:endParaRPr kumimoji="0" lang="en-US" sz="1800" b="0" i="0" u="none" strike="noStrike" kern="1200" cap="none" spc="0" normalizeH="0" baseline="0" noProof="0">
-              <a:ln>
-                <a:noFill/>
-              </a:ln>
-              <a:solidFill>
-                <a:prstClr val="white"/>
-              </a:solidFill>
-              <a:effectLst/>
-              <a:uLnTx/>
-              <a:uFillTx/>
-              <a:latin typeface="Calibri" panose="020F0502020204030204"/>
-              <a:ea typeface="+mn-ea"/>
-              <a:cs typeface="+mn-cs"/>
-            </a:endParaRPr>
-          </a:p>
-        </p:txBody>
-      </p:sp>
-      <p:sp>
-        <p:nvSpPr>
-          <p:cNvPr id="33" name="Content Placeholder 4">
-            <a:extLst>
-              <a:ext uri="{FF2B5EF4-FFF2-40B4-BE49-F238E27FC236}">
-                <a16:creationId xmlns:a16="http://schemas.microsoft.com/office/drawing/2014/main" id="{4D222DE2-A2A4-EE4D-A829-E4ECA9E53690}"/>
-              </a:ext>
-            </a:extLst>
-          </p:cNvPr>
-          <p:cNvSpPr txBox="1">
-            <a:spLocks/>
-          </p:cNvSpPr>
-          <p:nvPr/>
-        </p:nvSpPr>
-        <p:spPr>
-          <a:xfrm>
-            <a:off x="5162140" y="307438"/>
-            <a:ext cx="6106742" cy="1645920"/>
-          </a:xfrm>
-          <a:prstGeom prst="rect">
-            <a:avLst/>
-          </a:prstGeom>
-        </p:spPr>
-        <p:txBody>
-          <a:bodyPr spcFirstLastPara="1" vert="horz" lIns="91440" tIns="45720" rIns="91440" bIns="45720" rtlCol="0" anchor="ctr" anchorCtr="0">
-            <a:normAutofit/>
-          </a:bodyPr>
-          <a:lstStyle>
-            <a:defPPr marR="0" lvl="0" algn="l" rtl="0">
-              <a:lnSpc>
-                <a:spcPct val="100000"/>
-              </a:lnSpc>
-              <a:spcBef>
-                <a:spcPts val="0"/>
-              </a:spcBef>
-              <a:spcAft>
-                <a:spcPts val="0"/>
-              </a:spcAft>
-            </a:defPPr>
-            <a:lvl1pPr marL="457200" marR="0" lvl="0" indent="-342900" algn="l" rtl="0">
-              <a:lnSpc>
-                <a:spcPct val="90000"/>
-              </a:lnSpc>
-              <a:spcBef>
-                <a:spcPts val="1000"/>
-              </a:spcBef>
-              <a:spcAft>
-                <a:spcPts val="0"/>
-              </a:spcAft>
-              <a:buClr>
-                <a:schemeClr val="dk1"/>
-              </a:buClr>
-              <a:buSzPts val="1800"/>
-              <a:buFont typeface="Arial"/>
-              <a:buChar char="•"/>
-              <a:defRPr sz="2800" b="0" i="0" u="none" strike="noStrike" cap="none">
-                <a:solidFill>
-                  <a:schemeClr val="dk1"/>
-                </a:solidFill>
-                <a:latin typeface="Calibri"/>
-                <a:ea typeface="Calibri"/>
-                <a:cs typeface="Calibri"/>
-                <a:sym typeface="Calibri"/>
-              </a:defRPr>
-            </a:lvl1pPr>
-            <a:lvl2pPr marL="914400" marR="0" lvl="1" indent="-342900" algn="l" rtl="0">
-              <a:lnSpc>
-                <a:spcPct val="90000"/>
-              </a:lnSpc>
-              <a:spcBef>
-                <a:spcPts val="500"/>
-              </a:spcBef>
-              <a:spcAft>
-                <a:spcPts val="0"/>
-              </a:spcAft>
-              <a:buClr>
-                <a:schemeClr val="dk1"/>
-              </a:buClr>
-              <a:buSzPts val="1800"/>
-              <a:buFont typeface="Arial"/>
-              <a:buChar char="•"/>
-              <a:defRPr sz="2400" b="0" i="0" u="none" strike="noStrike" cap="none">
-                <a:solidFill>
-                  <a:schemeClr val="dk1"/>
-                </a:solidFill>
-                <a:latin typeface="Calibri"/>
-                <a:ea typeface="Calibri"/>
-                <a:cs typeface="Calibri"/>
-                <a:sym typeface="Calibri"/>
-              </a:defRPr>
-            </a:lvl2pPr>
-            <a:lvl3pPr marL="1371600" marR="0" lvl="2" indent="-342900" algn="l" rtl="0">
-              <a:lnSpc>
-                <a:spcPct val="90000"/>
-              </a:lnSpc>
-              <a:spcBef>
-                <a:spcPts val="500"/>
-              </a:spcBef>
-              <a:spcAft>
-                <a:spcPts val="0"/>
-              </a:spcAft>
-              <a:buClr>
-                <a:schemeClr val="dk1"/>
-              </a:buClr>
-              <a:buSzPts val="1800"/>
-              <a:buFont typeface="Arial"/>
-              <a:buChar char="•"/>
-              <a:defRPr sz="2000" b="0" i="0" u="none" strike="noStrike" cap="none">
-                <a:solidFill>
-                  <a:schemeClr val="dk1"/>
-                </a:solidFill>
-                <a:latin typeface="Calibri"/>
-                <a:ea typeface="Calibri"/>
-                <a:cs typeface="Calibri"/>
-                <a:sym typeface="Calibri"/>
-              </a:defRPr>
-            </a:lvl3pPr>
-            <a:lvl4pPr marL="1828800" marR="0" lvl="3" indent="-342900" algn="l" rtl="0">
-              <a:lnSpc>
-                <a:spcPct val="90000"/>
-              </a:lnSpc>
-              <a:spcBef>
-                <a:spcPts val="500"/>
-              </a:spcBef>
-              <a:spcAft>
-                <a:spcPts val="0"/>
-              </a:spcAft>
-              <a:buClr>
-                <a:schemeClr val="dk1"/>
-              </a:buClr>
-              <a:buSzPts val="1800"/>
-              <a:buFont typeface="Arial"/>
-              <a:buChar char="•"/>
-              <a:defRPr sz="1800" b="0" i="0" u="none" strike="noStrike" cap="none">
-                <a:solidFill>
-                  <a:schemeClr val="dk1"/>
-                </a:solidFill>
-                <a:latin typeface="Calibri"/>
-                <a:ea typeface="Calibri"/>
-                <a:cs typeface="Calibri"/>
-                <a:sym typeface="Calibri"/>
-              </a:defRPr>
-            </a:lvl4pPr>
-            <a:lvl5pPr marL="2286000" marR="0" lvl="4" indent="-342900" algn="l" rtl="0">
-              <a:lnSpc>
-                <a:spcPct val="90000"/>
-              </a:lnSpc>
-              <a:spcBef>
-                <a:spcPts val="500"/>
-              </a:spcBef>
-              <a:spcAft>
-                <a:spcPts val="0"/>
-              </a:spcAft>
-              <a:buClr>
-                <a:schemeClr val="dk1"/>
-              </a:buClr>
-              <a:buSzPts val="1800"/>
-              <a:buFont typeface="Arial"/>
-              <a:buChar char="•"/>
-              <a:defRPr sz="1800" b="0" i="0" u="none" strike="noStrike" cap="none">
-                <a:solidFill>
-                  <a:schemeClr val="dk1"/>
-                </a:solidFill>
-                <a:latin typeface="Calibri"/>
-                <a:ea typeface="Calibri"/>
-                <a:cs typeface="Calibri"/>
-                <a:sym typeface="Calibri"/>
-              </a:defRPr>
-            </a:lvl5pPr>
-            <a:lvl6pPr marL="2743200" marR="0" lvl="5" indent="-342900" algn="l" rtl="0">
-              <a:lnSpc>
-                <a:spcPct val="90000"/>
-              </a:lnSpc>
-              <a:spcBef>
-                <a:spcPts val="500"/>
-              </a:spcBef>
-              <a:spcAft>
-                <a:spcPts val="0"/>
-              </a:spcAft>
-              <a:buClr>
-                <a:schemeClr val="dk1"/>
-              </a:buClr>
-              <a:buSzPts val="1800"/>
-              <a:buFont typeface="Arial"/>
-              <a:buChar char="•"/>
-              <a:defRPr sz="1800" b="0" i="0" u="none" strike="noStrike" cap="none">
-                <a:solidFill>
-                  <a:schemeClr val="dk1"/>
-                </a:solidFill>
-                <a:latin typeface="Calibri"/>
-                <a:ea typeface="Calibri"/>
-                <a:cs typeface="Calibri"/>
-                <a:sym typeface="Calibri"/>
-              </a:defRPr>
-            </a:lvl6pPr>
-            <a:lvl7pPr marL="3200400" marR="0" lvl="6" indent="-342900" algn="l" rtl="0">
-              <a:lnSpc>
-                <a:spcPct val="90000"/>
-              </a:lnSpc>
-              <a:spcBef>
-                <a:spcPts val="500"/>
-              </a:spcBef>
-              <a:spcAft>
-                <a:spcPts val="0"/>
-              </a:spcAft>
-              <a:buClr>
-                <a:schemeClr val="dk1"/>
-              </a:buClr>
-              <a:buSzPts val="1800"/>
-              <a:buFont typeface="Arial"/>
-              <a:buChar char="•"/>
-              <a:defRPr sz="1800" b="0" i="0" u="none" strike="noStrike" cap="none">
-                <a:solidFill>
-                  <a:schemeClr val="dk1"/>
-                </a:solidFill>
-                <a:latin typeface="Calibri"/>
-                <a:ea typeface="Calibri"/>
-                <a:cs typeface="Calibri"/>
-                <a:sym typeface="Calibri"/>
-              </a:defRPr>
-            </a:lvl7pPr>
-            <a:lvl8pPr marL="3657600" marR="0" lvl="7" indent="-342900" algn="l" rtl="0">
-              <a:lnSpc>
-                <a:spcPct val="90000"/>
-              </a:lnSpc>
-              <a:spcBef>
-                <a:spcPts val="500"/>
-              </a:spcBef>
-              <a:spcAft>
-                <a:spcPts val="0"/>
-              </a:spcAft>
-              <a:buClr>
-                <a:schemeClr val="dk1"/>
-              </a:buClr>
-              <a:buSzPts val="1800"/>
-              <a:buFont typeface="Arial"/>
-              <a:buChar char="•"/>
-              <a:defRPr sz="1800" b="0" i="0" u="none" strike="noStrike" cap="none">
-                <a:solidFill>
-                  <a:schemeClr val="dk1"/>
-                </a:solidFill>
-                <a:latin typeface="Calibri"/>
-                <a:ea typeface="Calibri"/>
-                <a:cs typeface="Calibri"/>
-                <a:sym typeface="Calibri"/>
-              </a:defRPr>
-            </a:lvl8pPr>
-            <a:lvl9pPr marL="4114800" marR="0" lvl="8" indent="-342900" algn="l" rtl="0">
-              <a:lnSpc>
-                <a:spcPct val="90000"/>
-              </a:lnSpc>
-              <a:spcBef>
-                <a:spcPts val="500"/>
-              </a:spcBef>
-              <a:spcAft>
-                <a:spcPts val="0"/>
-              </a:spcAft>
-              <a:buClr>
-                <a:schemeClr val="dk1"/>
-              </a:buClr>
-              <a:buSzPts val="1800"/>
-              <a:buFont typeface="Arial"/>
-              <a:buChar char="•"/>
-              <a:defRPr sz="1800" b="0" i="0" u="none" strike="noStrike" cap="none">
-                <a:solidFill>
-                  <a:schemeClr val="dk1"/>
-                </a:solidFill>
-                <a:latin typeface="Calibri"/>
-                <a:ea typeface="Calibri"/>
-                <a:cs typeface="Calibri"/>
-                <a:sym typeface="Calibri"/>
-              </a:defRPr>
-            </a:lvl9pPr>
-          </a:lstStyle>
-          <a:p>
-            <a:pPr marL="285750" indent="-285750"/>
-            <a:r>
-              <a:rPr lang="en-US" sz="1400" kern="1200" dirty="0">
-                <a:solidFill>
-                  <a:schemeClr val="tx1"/>
-                </a:solidFill>
-                <a:latin typeface="+mn-lt"/>
-                <a:ea typeface="+mn-ea"/>
-                <a:cs typeface="+mn-cs"/>
-              </a:rPr>
-              <a:t>The dataset was created partially from the Google public dataset of GitHub users.</a:t>
-            </a:r>
-          </a:p>
-          <a:p>
-            <a:pPr marL="114300" indent="-228600">
-              <a:buFont typeface="Arial" panose="020B0604020202020204" pitchFamily="34" charset="0"/>
-              <a:buChar char="•"/>
-            </a:pPr>
-            <a:r>
-              <a:rPr lang="en-US" sz="1400" kern="1200" dirty="0">
-                <a:solidFill>
-                  <a:schemeClr val="tx1"/>
-                </a:solidFill>
-                <a:latin typeface="+mn-lt"/>
-                <a:ea typeface="+mn-ea"/>
-                <a:cs typeface="+mn-cs"/>
-              </a:rPr>
-              <a:t> The given dataset contains information about accounts created on   GitHub in a day. Each account is called as a “case”. In most of this   dataset, each row contains information about an individual.</a:t>
-            </a:r>
-          </a:p>
-          <a:p>
-            <a:pPr marL="114300" indent="-228600">
-              <a:buFont typeface="Arial" panose="020B0604020202020204" pitchFamily="34" charset="0"/>
-              <a:buChar char="•"/>
-            </a:pPr>
-            <a:r>
-              <a:rPr lang="en-US" sz="1400" kern="1200" dirty="0">
-                <a:solidFill>
-                  <a:schemeClr val="tx1"/>
-                </a:solidFill>
-                <a:latin typeface="+mn-lt"/>
-                <a:ea typeface="+mn-ea"/>
-                <a:cs typeface="+mn-cs"/>
-              </a:rPr>
-              <a:t>We are dealing with 3844 cases in the given dataset</a:t>
-            </a:r>
+            <a:fld id="{00000000-1234-1234-1234-123412341234}" type="slidenum">
+              <a:rPr lang="en-US" smtClean="0"/>
+              <a:t>4</a:t>
+            </a:fld>
+            <a:endParaRPr lang="en-US"/>
           </a:p>
         </p:txBody>
       </p:sp>
       <p:pic>
         <p:nvPicPr>
-          <p:cNvPr id="10" name="Picture 9">
+          <p:cNvPr id="5" name="Picture 4">
             <a:extLst>
               <a:ext uri="{FF2B5EF4-FFF2-40B4-BE49-F238E27FC236}">
-                <a16:creationId xmlns:a16="http://schemas.microsoft.com/office/drawing/2014/main" id="{3720A882-0A2E-1A42-8DC2-3B422554C7CD}"/>
+                <a16:creationId xmlns:a16="http://schemas.microsoft.com/office/drawing/2014/main" id="{7894DC15-A940-6241-A8E6-12AB5135E489}"/>
               </a:ext>
             </a:extLst>
           </p:cNvPr>
@@ -17323,855 +13148,25 @@
           <p:nvPr/>
         </p:nvPicPr>
         <p:blipFill>
-          <a:blip r:embed="rId3"/>
+          <a:blip r:embed="rId2"/>
           <a:stretch>
             <a:fillRect/>
           </a:stretch>
         </p:blipFill>
         <p:spPr>
           <a:xfrm>
-            <a:off x="5886571" y="3272588"/>
-            <a:ext cx="5686483" cy="3282149"/>
+            <a:off x="844550" y="3208496"/>
+            <a:ext cx="10198100" cy="3009900"/>
           </a:xfrm>
           <a:prstGeom prst="rect">
             <a:avLst/>
           </a:prstGeom>
         </p:spPr>
       </p:pic>
-      <p:graphicFrame>
-        <p:nvGraphicFramePr>
-          <p:cNvPr id="8" name="Table 7">
-            <a:extLst>
-              <a:ext uri="{FF2B5EF4-FFF2-40B4-BE49-F238E27FC236}">
-                <a16:creationId xmlns:a16="http://schemas.microsoft.com/office/drawing/2014/main" id="{EE02F809-C24F-2D42-B51D-E75F7439A1F9}"/>
-              </a:ext>
-            </a:extLst>
-          </p:cNvPr>
-          <p:cNvGraphicFramePr>
-            <a:graphicFrameLocks noGrp="1"/>
-          </p:cNvGraphicFramePr>
-          <p:nvPr>
-            <p:extLst>
-              <p:ext uri="{D42A27DB-BD31-4B8C-83A1-F6EECF244321}">
-                <p14:modId xmlns:p14="http://schemas.microsoft.com/office/powerpoint/2010/main" val="1582740405"/>
-              </p:ext>
-            </p:extLst>
-          </p:nvPr>
-        </p:nvGraphicFramePr>
-        <p:xfrm>
-          <a:off x="490408" y="3070874"/>
-          <a:ext cx="5223731" cy="3483866"/>
-        </p:xfrm>
-        <a:graphic>
-          <a:graphicData uri="http://schemas.openxmlformats.org/drawingml/2006/table">
-            <a:tbl>
-              <a:tblPr firstRow="1" bandRow="1">
-                <a:tableStyleId>{5FD0F851-EC5A-4D38-B0AD-8093EC10F338}</a:tableStyleId>
-              </a:tblPr>
-              <a:tblGrid>
-                <a:gridCol w="2776245">
-                  <a:extLst>
-                    <a:ext uri="{9D8B030D-6E8A-4147-A177-3AD203B41FA5}">
-                      <a16:colId xmlns:a16="http://schemas.microsoft.com/office/drawing/2014/main" val="2007166194"/>
-                    </a:ext>
-                  </a:extLst>
-                </a:gridCol>
-                <a:gridCol w="2447486">
-                  <a:extLst>
-                    <a:ext uri="{9D8B030D-6E8A-4147-A177-3AD203B41FA5}">
-                      <a16:colId xmlns:a16="http://schemas.microsoft.com/office/drawing/2014/main" val="3133240156"/>
-                    </a:ext>
-                  </a:extLst>
-                </a:gridCol>
-              </a:tblGrid>
-              <a:tr h="520952">
-                <a:tc>
-                  <a:txBody>
-                    <a:bodyPr/>
-                    <a:lstStyle/>
-                    <a:p>
-                      <a:pPr algn="ctr" fontAlgn="ctr"/>
-                      <a:r>
-                        <a:rPr lang="en-US" sz="1600" b="1" u="none" strike="noStrike" cap="all" spc="60" dirty="0">
-                          <a:solidFill>
-                            <a:schemeClr val="tx1"/>
-                          </a:solidFill>
-                          <a:effectLst/>
-                        </a:rPr>
-                        <a:t>Data Field</a:t>
-                      </a:r>
-                      <a:endParaRPr lang="en-US" sz="1600" b="1" i="0" u="none" strike="noStrike" cap="all" spc="60" dirty="0">
-                        <a:solidFill>
-                          <a:schemeClr val="tx1"/>
-                        </a:solidFill>
-                        <a:effectLst/>
-                        <a:latin typeface="Arial Rounded MT Bold" panose="020F0704030504030204" pitchFamily="34" charset="77"/>
-                      </a:endParaRPr>
-                    </a:p>
-                  </a:txBody>
-                  <a:tcPr marL="12333" marR="12333" marT="118398" marB="118398" anchor="b"/>
-                </a:tc>
-                <a:tc>
-                  <a:txBody>
-                    <a:bodyPr/>
-                    <a:lstStyle/>
-                    <a:p>
-                      <a:pPr algn="ctr" fontAlgn="ctr"/>
-                      <a:r>
-                        <a:rPr lang="en-US" sz="1600" b="1" u="none" strike="noStrike" cap="all" spc="60" dirty="0">
-                          <a:solidFill>
-                            <a:schemeClr val="tx1"/>
-                          </a:solidFill>
-                          <a:effectLst/>
-                        </a:rPr>
-                        <a:t>FIELD Type</a:t>
-                      </a:r>
-                      <a:endParaRPr lang="en-US" sz="1600" b="1" i="0" u="none" strike="noStrike" cap="all" spc="60" dirty="0">
-                        <a:solidFill>
-                          <a:schemeClr val="tx1"/>
-                        </a:solidFill>
-                        <a:effectLst/>
-                        <a:latin typeface="Arial Rounded MT Bold" panose="020F0704030504030204" pitchFamily="34" charset="77"/>
-                      </a:endParaRPr>
-                    </a:p>
-                  </a:txBody>
-                  <a:tcPr marL="12333" marR="12333" marT="118398" marB="118398" anchor="b"/>
-                </a:tc>
-                <a:extLst>
-                  <a:ext uri="{0D108BD9-81ED-4DB2-BD59-A6C34878D82A}">
-                    <a16:rowId xmlns:a16="http://schemas.microsoft.com/office/drawing/2014/main" val="2407193303"/>
-                  </a:ext>
-                </a:extLst>
-              </a:tr>
-              <a:tr h="493819">
-                <a:tc>
-                  <a:txBody>
-                    <a:bodyPr/>
-                    <a:lstStyle/>
-                    <a:p>
-                      <a:pPr algn="ctr" fontAlgn="ctr"/>
-                      <a:r>
-                        <a:rPr lang="en-US" sz="2100" b="0" u="none" strike="noStrike" cap="none" spc="0" dirty="0">
-                          <a:solidFill>
-                            <a:schemeClr val="tx1"/>
-                          </a:solidFill>
-                          <a:effectLst/>
-                        </a:rPr>
-                        <a:t>created_at</a:t>
-                      </a:r>
-                      <a:endParaRPr lang="en-US" sz="2100" b="0" i="0" u="none" strike="noStrike" cap="none" spc="0" dirty="0">
-                        <a:solidFill>
-                          <a:schemeClr val="tx1"/>
-                        </a:solidFill>
-                        <a:effectLst/>
-                        <a:latin typeface="Calibri" panose="020F0502020204030204" pitchFamily="34" charset="0"/>
-                      </a:endParaRPr>
-                    </a:p>
-                  </a:txBody>
-                  <a:tcPr marL="12333" marR="12333" marT="12333" marB="118398" anchor="ctr"/>
-                </a:tc>
-                <a:tc>
-                  <a:txBody>
-                    <a:bodyPr/>
-                    <a:lstStyle/>
-                    <a:p>
-                      <a:pPr algn="ctr" fontAlgn="ctr"/>
-                      <a:r>
-                        <a:rPr lang="en-US" sz="2100" b="0" u="none" strike="noStrike" cap="none" spc="0" dirty="0">
-                          <a:solidFill>
-                            <a:schemeClr val="tx1"/>
-                          </a:solidFill>
-                          <a:effectLst/>
-                        </a:rPr>
-                        <a:t>Temporal</a:t>
-                      </a:r>
-                      <a:endParaRPr lang="en-US" sz="2100" b="0" i="0" u="none" strike="noStrike" cap="none" spc="0" dirty="0">
-                        <a:solidFill>
-                          <a:schemeClr val="tx1"/>
-                        </a:solidFill>
-                        <a:effectLst/>
-                        <a:latin typeface="Calibri" panose="020F0502020204030204" pitchFamily="34" charset="0"/>
-                      </a:endParaRPr>
-                    </a:p>
-                  </a:txBody>
-                  <a:tcPr marL="12333" marR="12333" marT="12333" marB="118398" anchor="ctr"/>
-                </a:tc>
-                <a:extLst>
-                  <a:ext uri="{0D108BD9-81ED-4DB2-BD59-A6C34878D82A}">
-                    <a16:rowId xmlns:a16="http://schemas.microsoft.com/office/drawing/2014/main" val="3246047731"/>
-                  </a:ext>
-                </a:extLst>
-              </a:tr>
-              <a:tr h="493819">
-                <a:tc>
-                  <a:txBody>
-                    <a:bodyPr/>
-                    <a:lstStyle/>
-                    <a:p>
-                      <a:pPr algn="ctr" fontAlgn="ctr"/>
-                      <a:r>
-                        <a:rPr lang="en-US" sz="2100" b="0" u="none" strike="noStrike" cap="none" spc="0" dirty="0">
-                          <a:solidFill>
-                            <a:schemeClr val="tx1"/>
-                          </a:solidFill>
-                          <a:effectLst/>
-                        </a:rPr>
-                        <a:t>account</a:t>
-                      </a:r>
-                      <a:endParaRPr lang="en-US" sz="2100" b="0" i="0" u="none" strike="noStrike" cap="none" spc="0" dirty="0">
-                        <a:solidFill>
-                          <a:schemeClr val="tx1"/>
-                        </a:solidFill>
-                        <a:effectLst/>
-                        <a:latin typeface="Calibri" panose="020F0502020204030204" pitchFamily="34" charset="0"/>
-                      </a:endParaRPr>
-                    </a:p>
-                  </a:txBody>
-                  <a:tcPr marL="12333" marR="12333" marT="12333" marB="118398" anchor="ctr"/>
-                </a:tc>
-                <a:tc>
-                  <a:txBody>
-                    <a:bodyPr/>
-                    <a:lstStyle/>
-                    <a:p>
-                      <a:pPr algn="ctr" fontAlgn="ctr"/>
-                      <a:r>
-                        <a:rPr lang="en-US" sz="2100" b="0" u="none" strike="noStrike" cap="none" spc="0" dirty="0">
-                          <a:solidFill>
-                            <a:schemeClr val="tx1"/>
-                          </a:solidFill>
-                          <a:effectLst/>
-                        </a:rPr>
-                        <a:t>Strings</a:t>
-                      </a:r>
-                      <a:endParaRPr lang="en-US" sz="2100" b="0" i="0" u="none" strike="noStrike" cap="none" spc="0" dirty="0">
-                        <a:solidFill>
-                          <a:schemeClr val="tx1"/>
-                        </a:solidFill>
-                        <a:effectLst/>
-                        <a:latin typeface="Calibri" panose="020F0502020204030204" pitchFamily="34" charset="0"/>
-                      </a:endParaRPr>
-                    </a:p>
-                  </a:txBody>
-                  <a:tcPr marL="12333" marR="12333" marT="12333" marB="118398" anchor="ctr"/>
-                </a:tc>
-                <a:extLst>
-                  <a:ext uri="{0D108BD9-81ED-4DB2-BD59-A6C34878D82A}">
-                    <a16:rowId xmlns:a16="http://schemas.microsoft.com/office/drawing/2014/main" val="567254175"/>
-                  </a:ext>
-                </a:extLst>
-              </a:tr>
-              <a:tr h="493819">
-                <a:tc>
-                  <a:txBody>
-                    <a:bodyPr/>
-                    <a:lstStyle/>
-                    <a:p>
-                      <a:pPr algn="ctr" fontAlgn="ctr"/>
-                      <a:r>
-                        <a:rPr lang="en-US" sz="2100" b="0" u="none" strike="noStrike" cap="none" spc="0" dirty="0">
-                          <a:solidFill>
-                            <a:schemeClr val="tx1"/>
-                          </a:solidFill>
-                          <a:effectLst/>
-                        </a:rPr>
-                        <a:t>name</a:t>
-                      </a:r>
-                      <a:endParaRPr lang="en-US" sz="2100" b="0" i="0" u="none" strike="noStrike" cap="none" spc="0" dirty="0">
-                        <a:solidFill>
-                          <a:schemeClr val="tx1"/>
-                        </a:solidFill>
-                        <a:effectLst/>
-                        <a:latin typeface="Calibri" panose="020F0502020204030204" pitchFamily="34" charset="0"/>
-                      </a:endParaRPr>
-                    </a:p>
-                  </a:txBody>
-                  <a:tcPr marL="12333" marR="12333" marT="12333" marB="118398" anchor="ctr"/>
-                </a:tc>
-                <a:tc>
-                  <a:txBody>
-                    <a:bodyPr/>
-                    <a:lstStyle/>
-                    <a:p>
-                      <a:pPr algn="ctr" fontAlgn="ctr"/>
-                      <a:r>
-                        <a:rPr lang="en-US" sz="2100" b="0" u="none" strike="noStrike" cap="none" spc="0">
-                          <a:solidFill>
-                            <a:schemeClr val="tx1"/>
-                          </a:solidFill>
-                          <a:effectLst/>
-                        </a:rPr>
-                        <a:t>Strings</a:t>
-                      </a:r>
-                      <a:endParaRPr lang="en-US" sz="2100" b="0" i="0" u="none" strike="noStrike" cap="none" spc="0">
-                        <a:solidFill>
-                          <a:schemeClr val="tx1"/>
-                        </a:solidFill>
-                        <a:effectLst/>
-                        <a:latin typeface="Calibri" panose="020F0502020204030204" pitchFamily="34" charset="0"/>
-                      </a:endParaRPr>
-                    </a:p>
-                  </a:txBody>
-                  <a:tcPr marL="12333" marR="12333" marT="12333" marB="118398" anchor="ctr"/>
-                </a:tc>
-                <a:extLst>
-                  <a:ext uri="{0D108BD9-81ED-4DB2-BD59-A6C34878D82A}">
-                    <a16:rowId xmlns:a16="http://schemas.microsoft.com/office/drawing/2014/main" val="2926976714"/>
-                  </a:ext>
-                </a:extLst>
-              </a:tr>
-              <a:tr h="493819">
-                <a:tc>
-                  <a:txBody>
-                    <a:bodyPr/>
-                    <a:lstStyle/>
-                    <a:p>
-                      <a:pPr algn="ctr" fontAlgn="ctr"/>
-                      <a:r>
-                        <a:rPr lang="en-US" sz="2100" b="0" u="none" strike="noStrike" cap="none" spc="0" dirty="0">
-                          <a:solidFill>
-                            <a:schemeClr val="tx1"/>
-                          </a:solidFill>
-                          <a:effectLst/>
-                        </a:rPr>
-                        <a:t>location</a:t>
-                      </a:r>
-                      <a:endParaRPr lang="en-US" sz="2100" b="0" i="0" u="none" strike="noStrike" cap="none" spc="0" dirty="0">
-                        <a:solidFill>
-                          <a:schemeClr val="tx1"/>
-                        </a:solidFill>
-                        <a:effectLst/>
-                        <a:latin typeface="Calibri" panose="020F0502020204030204" pitchFamily="34" charset="0"/>
-                      </a:endParaRPr>
-                    </a:p>
-                  </a:txBody>
-                  <a:tcPr marL="12333" marR="12333" marT="12333" marB="118398" anchor="ctr"/>
-                </a:tc>
-                <a:tc>
-                  <a:txBody>
-                    <a:bodyPr/>
-                    <a:lstStyle/>
-                    <a:p>
-                      <a:pPr algn="ctr" fontAlgn="ctr"/>
-                      <a:r>
-                        <a:rPr lang="en-US" sz="2100" b="0" u="none" strike="noStrike" cap="none" spc="0" dirty="0">
-                          <a:solidFill>
-                            <a:schemeClr val="tx1"/>
-                          </a:solidFill>
-                          <a:effectLst/>
-                        </a:rPr>
-                        <a:t>Strings</a:t>
-                      </a:r>
-                      <a:endParaRPr lang="en-US" sz="2100" b="0" i="0" u="none" strike="noStrike" cap="none" spc="0" dirty="0">
-                        <a:solidFill>
-                          <a:schemeClr val="tx1"/>
-                        </a:solidFill>
-                        <a:effectLst/>
-                        <a:latin typeface="Calibri" panose="020F0502020204030204" pitchFamily="34" charset="0"/>
-                      </a:endParaRPr>
-                    </a:p>
-                  </a:txBody>
-                  <a:tcPr marL="12333" marR="12333" marT="12333" marB="118398" anchor="ctr"/>
-                </a:tc>
-                <a:extLst>
-                  <a:ext uri="{0D108BD9-81ED-4DB2-BD59-A6C34878D82A}">
-                    <a16:rowId xmlns:a16="http://schemas.microsoft.com/office/drawing/2014/main" val="3463880074"/>
-                  </a:ext>
-                </a:extLst>
-              </a:tr>
-              <a:tr h="493819">
-                <a:tc>
-                  <a:txBody>
-                    <a:bodyPr/>
-                    <a:lstStyle/>
-                    <a:p>
-                      <a:pPr algn="ctr" fontAlgn="ctr"/>
-                      <a:r>
-                        <a:rPr lang="en-US" sz="2100" b="0" u="none" strike="noStrike" cap="none" spc="0" dirty="0">
-                          <a:solidFill>
-                            <a:schemeClr val="tx1"/>
-                          </a:solidFill>
-                          <a:effectLst/>
-                        </a:rPr>
-                        <a:t>email</a:t>
-                      </a:r>
-                      <a:endParaRPr lang="en-US" sz="2100" b="0" i="0" u="none" strike="noStrike" cap="none" spc="0" dirty="0">
-                        <a:solidFill>
-                          <a:schemeClr val="tx1"/>
-                        </a:solidFill>
-                        <a:effectLst/>
-                        <a:latin typeface="Calibri" panose="020F0502020204030204" pitchFamily="34" charset="0"/>
-                      </a:endParaRPr>
-                    </a:p>
-                  </a:txBody>
-                  <a:tcPr marL="12333" marR="12333" marT="12333" marB="118398" anchor="ctr"/>
-                </a:tc>
-                <a:tc>
-                  <a:txBody>
-                    <a:bodyPr/>
-                    <a:lstStyle/>
-                    <a:p>
-                      <a:pPr algn="ctr" fontAlgn="ctr"/>
-                      <a:r>
-                        <a:rPr lang="en-US" sz="2100" b="0" u="none" strike="noStrike" cap="none" spc="0">
-                          <a:solidFill>
-                            <a:schemeClr val="tx1"/>
-                          </a:solidFill>
-                          <a:effectLst/>
-                        </a:rPr>
-                        <a:t>Strings</a:t>
-                      </a:r>
-                      <a:endParaRPr lang="en-US" sz="2100" b="0" i="0" u="none" strike="noStrike" cap="none" spc="0">
-                        <a:solidFill>
-                          <a:schemeClr val="tx1"/>
-                        </a:solidFill>
-                        <a:effectLst/>
-                        <a:latin typeface="Calibri" panose="020F0502020204030204" pitchFamily="34" charset="0"/>
-                      </a:endParaRPr>
-                    </a:p>
-                  </a:txBody>
-                  <a:tcPr marL="12333" marR="12333" marT="12333" marB="118398" anchor="ctr"/>
-                </a:tc>
-                <a:extLst>
-                  <a:ext uri="{0D108BD9-81ED-4DB2-BD59-A6C34878D82A}">
-                    <a16:rowId xmlns:a16="http://schemas.microsoft.com/office/drawing/2014/main" val="910253179"/>
-                  </a:ext>
-                </a:extLst>
-              </a:tr>
-              <a:tr h="493819">
-                <a:tc>
-                  <a:txBody>
-                    <a:bodyPr/>
-                    <a:lstStyle/>
-                    <a:p>
-                      <a:pPr algn="ctr" fontAlgn="ctr"/>
-                      <a:r>
-                        <a:rPr lang="en-US" sz="2100" b="0" u="none" strike="noStrike" cap="none" spc="0" dirty="0">
-                          <a:solidFill>
-                            <a:schemeClr val="tx1"/>
-                          </a:solidFill>
-                          <a:effectLst/>
-                        </a:rPr>
-                        <a:t>ip_address</a:t>
-                      </a:r>
-                      <a:endParaRPr lang="en-US" sz="2100" b="0" i="0" u="none" strike="noStrike" cap="none" spc="0" dirty="0">
-                        <a:solidFill>
-                          <a:schemeClr val="tx1"/>
-                        </a:solidFill>
-                        <a:effectLst/>
-                        <a:latin typeface="Calibri" panose="020F0502020204030204" pitchFamily="34" charset="0"/>
-                      </a:endParaRPr>
-                    </a:p>
-                  </a:txBody>
-                  <a:tcPr marL="12333" marR="12333" marT="12333" marB="118398" anchor="ctr"/>
-                </a:tc>
-                <a:tc>
-                  <a:txBody>
-                    <a:bodyPr/>
-                    <a:lstStyle/>
-                    <a:p>
-                      <a:pPr algn="ctr" fontAlgn="ctr"/>
-                      <a:r>
-                        <a:rPr lang="en-US" sz="2100" b="0" u="none" strike="noStrike" cap="none" spc="0" dirty="0">
-                          <a:solidFill>
-                            <a:schemeClr val="tx1"/>
-                          </a:solidFill>
-                          <a:effectLst/>
-                        </a:rPr>
-                        <a:t>Strings</a:t>
-                      </a:r>
-                      <a:endParaRPr lang="en-US" sz="2100" b="0" i="0" u="none" strike="noStrike" cap="none" spc="0" dirty="0">
-                        <a:solidFill>
-                          <a:schemeClr val="tx1"/>
-                        </a:solidFill>
-                        <a:effectLst/>
-                        <a:latin typeface="Calibri" panose="020F0502020204030204" pitchFamily="34" charset="0"/>
-                      </a:endParaRPr>
-                    </a:p>
-                  </a:txBody>
-                  <a:tcPr marL="12333" marR="12333" marT="12333" marB="118398" anchor="ctr"/>
-                </a:tc>
-                <a:extLst>
-                  <a:ext uri="{0D108BD9-81ED-4DB2-BD59-A6C34878D82A}">
-                    <a16:rowId xmlns:a16="http://schemas.microsoft.com/office/drawing/2014/main" val="1641479151"/>
-                  </a:ext>
-                </a:extLst>
-              </a:tr>
-            </a:tbl>
-          </a:graphicData>
-        </a:graphic>
-      </p:graphicFrame>
-      <p:sp>
-        <p:nvSpPr>
-          <p:cNvPr id="11" name="Content Placeholder 4">
-            <a:extLst>
-              <a:ext uri="{FF2B5EF4-FFF2-40B4-BE49-F238E27FC236}">
-                <a16:creationId xmlns:a16="http://schemas.microsoft.com/office/drawing/2014/main" id="{A3041572-B3C8-CE42-9491-54F74A322D51}"/>
-              </a:ext>
-            </a:extLst>
-          </p:cNvPr>
-          <p:cNvSpPr txBox="1">
-            <a:spLocks/>
-          </p:cNvSpPr>
-          <p:nvPr/>
-        </p:nvSpPr>
-        <p:spPr>
-          <a:xfrm>
-            <a:off x="7734858" y="2811685"/>
-            <a:ext cx="2436422" cy="460903"/>
-          </a:xfrm>
-          <a:prstGeom prst="rect">
-            <a:avLst/>
-          </a:prstGeom>
-        </p:spPr>
-        <p:txBody>
-          <a:bodyPr spcFirstLastPara="1" vert="horz" lIns="91440" tIns="45720" rIns="91440" bIns="45720" rtlCol="0" anchor="ctr" anchorCtr="0">
-            <a:normAutofit fontScale="25000" lnSpcReduction="20000"/>
-          </a:bodyPr>
-          <a:lstStyle>
-            <a:defPPr marR="0" lvl="0" algn="l" rtl="0">
-              <a:lnSpc>
-                <a:spcPct val="100000"/>
-              </a:lnSpc>
-              <a:spcBef>
-                <a:spcPts val="0"/>
-              </a:spcBef>
-              <a:spcAft>
-                <a:spcPts val="0"/>
-              </a:spcAft>
-            </a:defPPr>
-            <a:lvl1pPr marL="457200" marR="0" lvl="0" indent="-342900" algn="l" rtl="0">
-              <a:lnSpc>
-                <a:spcPct val="90000"/>
-              </a:lnSpc>
-              <a:spcBef>
-                <a:spcPts val="1000"/>
-              </a:spcBef>
-              <a:spcAft>
-                <a:spcPts val="0"/>
-              </a:spcAft>
-              <a:buClr>
-                <a:schemeClr val="dk1"/>
-              </a:buClr>
-              <a:buSzPts val="1800"/>
-              <a:buFont typeface="Arial"/>
-              <a:buChar char="•"/>
-              <a:defRPr sz="2800" b="0" i="0" u="none" strike="noStrike" cap="none">
-                <a:solidFill>
-                  <a:schemeClr val="dk1"/>
-                </a:solidFill>
-                <a:latin typeface="Calibri"/>
-                <a:ea typeface="Calibri"/>
-                <a:cs typeface="Calibri"/>
-                <a:sym typeface="Calibri"/>
-              </a:defRPr>
-            </a:lvl1pPr>
-            <a:lvl2pPr marL="914400" marR="0" lvl="1" indent="-342900" algn="l" rtl="0">
-              <a:lnSpc>
-                <a:spcPct val="90000"/>
-              </a:lnSpc>
-              <a:spcBef>
-                <a:spcPts val="500"/>
-              </a:spcBef>
-              <a:spcAft>
-                <a:spcPts val="0"/>
-              </a:spcAft>
-              <a:buClr>
-                <a:schemeClr val="dk1"/>
-              </a:buClr>
-              <a:buSzPts val="1800"/>
-              <a:buFont typeface="Arial"/>
-              <a:buChar char="•"/>
-              <a:defRPr sz="2400" b="0" i="0" u="none" strike="noStrike" cap="none">
-                <a:solidFill>
-                  <a:schemeClr val="dk1"/>
-                </a:solidFill>
-                <a:latin typeface="Calibri"/>
-                <a:ea typeface="Calibri"/>
-                <a:cs typeface="Calibri"/>
-                <a:sym typeface="Calibri"/>
-              </a:defRPr>
-            </a:lvl2pPr>
-            <a:lvl3pPr marL="1371600" marR="0" lvl="2" indent="-342900" algn="l" rtl="0">
-              <a:lnSpc>
-                <a:spcPct val="90000"/>
-              </a:lnSpc>
-              <a:spcBef>
-                <a:spcPts val="500"/>
-              </a:spcBef>
-              <a:spcAft>
-                <a:spcPts val="0"/>
-              </a:spcAft>
-              <a:buClr>
-                <a:schemeClr val="dk1"/>
-              </a:buClr>
-              <a:buSzPts val="1800"/>
-              <a:buFont typeface="Arial"/>
-              <a:buChar char="•"/>
-              <a:defRPr sz="2000" b="0" i="0" u="none" strike="noStrike" cap="none">
-                <a:solidFill>
-                  <a:schemeClr val="dk1"/>
-                </a:solidFill>
-                <a:latin typeface="Calibri"/>
-                <a:ea typeface="Calibri"/>
-                <a:cs typeface="Calibri"/>
-                <a:sym typeface="Calibri"/>
-              </a:defRPr>
-            </a:lvl3pPr>
-            <a:lvl4pPr marL="1828800" marR="0" lvl="3" indent="-342900" algn="l" rtl="0">
-              <a:lnSpc>
-                <a:spcPct val="90000"/>
-              </a:lnSpc>
-              <a:spcBef>
-                <a:spcPts val="500"/>
-              </a:spcBef>
-              <a:spcAft>
-                <a:spcPts val="0"/>
-              </a:spcAft>
-              <a:buClr>
-                <a:schemeClr val="dk1"/>
-              </a:buClr>
-              <a:buSzPts val="1800"/>
-              <a:buFont typeface="Arial"/>
-              <a:buChar char="•"/>
-              <a:defRPr sz="1800" b="0" i="0" u="none" strike="noStrike" cap="none">
-                <a:solidFill>
-                  <a:schemeClr val="dk1"/>
-                </a:solidFill>
-                <a:latin typeface="Calibri"/>
-                <a:ea typeface="Calibri"/>
-                <a:cs typeface="Calibri"/>
-                <a:sym typeface="Calibri"/>
-              </a:defRPr>
-            </a:lvl4pPr>
-            <a:lvl5pPr marL="2286000" marR="0" lvl="4" indent="-342900" algn="l" rtl="0">
-              <a:lnSpc>
-                <a:spcPct val="90000"/>
-              </a:lnSpc>
-              <a:spcBef>
-                <a:spcPts val="500"/>
-              </a:spcBef>
-              <a:spcAft>
-                <a:spcPts val="0"/>
-              </a:spcAft>
-              <a:buClr>
-                <a:schemeClr val="dk1"/>
-              </a:buClr>
-              <a:buSzPts val="1800"/>
-              <a:buFont typeface="Arial"/>
-              <a:buChar char="•"/>
-              <a:defRPr sz="1800" b="0" i="0" u="none" strike="noStrike" cap="none">
-                <a:solidFill>
-                  <a:schemeClr val="dk1"/>
-                </a:solidFill>
-                <a:latin typeface="Calibri"/>
-                <a:ea typeface="Calibri"/>
-                <a:cs typeface="Calibri"/>
-                <a:sym typeface="Calibri"/>
-              </a:defRPr>
-            </a:lvl5pPr>
-            <a:lvl6pPr marL="2743200" marR="0" lvl="5" indent="-342900" algn="l" rtl="0">
-              <a:lnSpc>
-                <a:spcPct val="90000"/>
-              </a:lnSpc>
-              <a:spcBef>
-                <a:spcPts val="500"/>
-              </a:spcBef>
-              <a:spcAft>
-                <a:spcPts val="0"/>
-              </a:spcAft>
-              <a:buClr>
-                <a:schemeClr val="dk1"/>
-              </a:buClr>
-              <a:buSzPts val="1800"/>
-              <a:buFont typeface="Arial"/>
-              <a:buChar char="•"/>
-              <a:defRPr sz="1800" b="0" i="0" u="none" strike="noStrike" cap="none">
-                <a:solidFill>
-                  <a:schemeClr val="dk1"/>
-                </a:solidFill>
-                <a:latin typeface="Calibri"/>
-                <a:ea typeface="Calibri"/>
-                <a:cs typeface="Calibri"/>
-                <a:sym typeface="Calibri"/>
-              </a:defRPr>
-            </a:lvl6pPr>
-            <a:lvl7pPr marL="3200400" marR="0" lvl="6" indent="-342900" algn="l" rtl="0">
-              <a:lnSpc>
-                <a:spcPct val="90000"/>
-              </a:lnSpc>
-              <a:spcBef>
-                <a:spcPts val="500"/>
-              </a:spcBef>
-              <a:spcAft>
-                <a:spcPts val="0"/>
-              </a:spcAft>
-              <a:buClr>
-                <a:schemeClr val="dk1"/>
-              </a:buClr>
-              <a:buSzPts val="1800"/>
-              <a:buFont typeface="Arial"/>
-              <a:buChar char="•"/>
-              <a:defRPr sz="1800" b="0" i="0" u="none" strike="noStrike" cap="none">
-                <a:solidFill>
-                  <a:schemeClr val="dk1"/>
-                </a:solidFill>
-                <a:latin typeface="Calibri"/>
-                <a:ea typeface="Calibri"/>
-                <a:cs typeface="Calibri"/>
-                <a:sym typeface="Calibri"/>
-              </a:defRPr>
-            </a:lvl7pPr>
-            <a:lvl8pPr marL="3657600" marR="0" lvl="7" indent="-342900" algn="l" rtl="0">
-              <a:lnSpc>
-                <a:spcPct val="90000"/>
-              </a:lnSpc>
-              <a:spcBef>
-                <a:spcPts val="500"/>
-              </a:spcBef>
-              <a:spcAft>
-                <a:spcPts val="0"/>
-              </a:spcAft>
-              <a:buClr>
-                <a:schemeClr val="dk1"/>
-              </a:buClr>
-              <a:buSzPts val="1800"/>
-              <a:buFont typeface="Arial"/>
-              <a:buChar char="•"/>
-              <a:defRPr sz="1800" b="0" i="0" u="none" strike="noStrike" cap="none">
-                <a:solidFill>
-                  <a:schemeClr val="dk1"/>
-                </a:solidFill>
-                <a:latin typeface="Calibri"/>
-                <a:ea typeface="Calibri"/>
-                <a:cs typeface="Calibri"/>
-                <a:sym typeface="Calibri"/>
-              </a:defRPr>
-            </a:lvl8pPr>
-            <a:lvl9pPr marL="4114800" marR="0" lvl="8" indent="-342900" algn="l" rtl="0">
-              <a:lnSpc>
-                <a:spcPct val="90000"/>
-              </a:lnSpc>
-              <a:spcBef>
-                <a:spcPts val="500"/>
-              </a:spcBef>
-              <a:spcAft>
-                <a:spcPts val="0"/>
-              </a:spcAft>
-              <a:buClr>
-                <a:schemeClr val="dk1"/>
-              </a:buClr>
-              <a:buSzPts val="1800"/>
-              <a:buFont typeface="Arial"/>
-              <a:buChar char="•"/>
-              <a:defRPr sz="1800" b="0" i="0" u="none" strike="noStrike" cap="none">
-                <a:solidFill>
-                  <a:schemeClr val="dk1"/>
-                </a:solidFill>
-                <a:latin typeface="Calibri"/>
-                <a:ea typeface="Calibri"/>
-                <a:cs typeface="Calibri"/>
-                <a:sym typeface="Calibri"/>
-              </a:defRPr>
-            </a:lvl9pPr>
-          </a:lstStyle>
-          <a:p>
-            <a:pPr indent="-228600">
-              <a:buFont typeface="Arial" panose="020B0604020202020204" pitchFamily="34" charset="0"/>
-              <a:buChar char="•"/>
-            </a:pPr>
-            <a:endParaRPr lang="en-US" sz="1400" kern="1200" dirty="0">
-              <a:solidFill>
-                <a:schemeClr val="tx1"/>
-              </a:solidFill>
-              <a:latin typeface="+mn-lt"/>
-              <a:ea typeface="+mn-ea"/>
-              <a:cs typeface="+mn-cs"/>
-            </a:endParaRPr>
-          </a:p>
-          <a:p>
-            <a:pPr marL="228600" indent="0" algn="ctr">
-              <a:buNone/>
-            </a:pPr>
-            <a:r>
-              <a:rPr lang="en-US" sz="5600" b="1" kern="1200" dirty="0">
-                <a:solidFill>
-                  <a:schemeClr val="tx1"/>
-                </a:solidFill>
-                <a:latin typeface="+mn-lt"/>
-                <a:ea typeface="+mn-ea"/>
-                <a:cs typeface="+mn-cs"/>
-              </a:rPr>
-              <a:t>Email grouping</a:t>
-            </a:r>
-          </a:p>
-          <a:p>
-            <a:pPr indent="-228600">
-              <a:buFont typeface="Arial" panose="020B0604020202020204" pitchFamily="34" charset="0"/>
-              <a:buChar char="•"/>
-            </a:pPr>
-            <a:endParaRPr lang="en-US" sz="1400" kern="1200" dirty="0">
-              <a:solidFill>
-                <a:schemeClr val="tx1"/>
-              </a:solidFill>
-              <a:latin typeface="+mn-lt"/>
-              <a:ea typeface="+mn-ea"/>
-              <a:cs typeface="+mn-cs"/>
-            </a:endParaRPr>
-          </a:p>
-        </p:txBody>
-      </p:sp>
-      <p:pic>
-        <p:nvPicPr>
-          <p:cNvPr id="12" name="Picture 2" descr="Mercer University Logo Download Vector">
-            <a:extLst>
-              <a:ext uri="{FF2B5EF4-FFF2-40B4-BE49-F238E27FC236}">
-                <a16:creationId xmlns:a16="http://schemas.microsoft.com/office/drawing/2014/main" id="{1770D530-BF73-DA45-85F1-903F9C992431}"/>
-              </a:ext>
-            </a:extLst>
-          </p:cNvPr>
-          <p:cNvPicPr>
-            <a:picLocks noChangeAspect="1" noChangeArrowheads="1"/>
-          </p:cNvPicPr>
-          <p:nvPr/>
-        </p:nvPicPr>
-        <p:blipFill>
-          <a:blip r:embed="rId4">
-            <a:extLst>
-              <a:ext uri="{28A0092B-C50C-407E-A947-70E740481C1C}">
-                <a14:useLocalDpi xmlns:a14="http://schemas.microsoft.com/office/drawing/2010/main" val="0"/>
-              </a:ext>
-            </a:extLst>
-          </a:blip>
-          <a:srcRect/>
-          <a:stretch>
-            <a:fillRect/>
-          </a:stretch>
-        </p:blipFill>
-        <p:spPr bwMode="auto">
-          <a:xfrm rot="16200000">
-            <a:off x="10326709" y="4323441"/>
-            <a:ext cx="3133298" cy="597285"/>
-          </a:xfrm>
-          <a:prstGeom prst="rect">
-            <a:avLst/>
-          </a:prstGeom>
-          <a:noFill/>
-          <a:extLst>
-            <a:ext uri="{909E8E84-426E-40DD-AFC4-6F175D3DCCD1}">
-              <a14:hiddenFill xmlns:a14="http://schemas.microsoft.com/office/drawing/2010/main">
-                <a:solidFill>
-                  <a:srgbClr val="FFFFFF"/>
-                </a:solidFill>
-              </a14:hiddenFill>
-            </a:ext>
-          </a:extLst>
-        </p:spPr>
-      </p:pic>
     </p:spTree>
     <p:extLst>
       <p:ext uri="{BB962C8B-B14F-4D97-AF65-F5344CB8AC3E}">
-        <p14:creationId xmlns:p14="http://schemas.microsoft.com/office/powerpoint/2010/main" val="2771123653"/>
+        <p14:creationId xmlns:p14="http://schemas.microsoft.com/office/powerpoint/2010/main" val="3857390036"/>
       </p:ext>
     </p:extLst>
   </p:cSld>

--- a/Capstone_600.pptx
+++ b/Capstone_600.pptx
@@ -5,20 +5,19 @@
     <p:sldMasterId id="2147483659" r:id="rId1"/>
   </p:sldMasterIdLst>
   <p:notesMasterIdLst>
-    <p:notesMasterId r:id="rId13"/>
+    <p:notesMasterId r:id="rId12"/>
   </p:notesMasterIdLst>
   <p:sldIdLst>
     <p:sldId id="256" r:id="rId2"/>
     <p:sldId id="319" r:id="rId3"/>
     <p:sldId id="318" r:id="rId4"/>
     <p:sldId id="323" r:id="rId5"/>
-    <p:sldId id="305" r:id="rId6"/>
-    <p:sldId id="316" r:id="rId7"/>
-    <p:sldId id="306" r:id="rId8"/>
+    <p:sldId id="316" r:id="rId6"/>
+    <p:sldId id="325" r:id="rId7"/>
+    <p:sldId id="324" r:id="rId8"/>
     <p:sldId id="321" r:id="rId9"/>
     <p:sldId id="303" r:id="rId10"/>
-    <p:sldId id="322" r:id="rId11"/>
-    <p:sldId id="320" r:id="rId12"/>
+    <p:sldId id="320" r:id="rId11"/>
   </p:sldIdLst>
   <p:sldSz cx="12192000" cy="6858000"/>
   <p:notesSz cx="6858000" cy="9144000"/>
@@ -257,2768 +256,6 @@
     </p:ext>
   </p:extLst>
 </p:presentation>
-</file>
-
-<file path=ppt/diagrams/colors1.xml><?xml version="1.0" encoding="utf-8"?>
-<dgm:colorsDef xmlns:dgm="http://schemas.openxmlformats.org/drawingml/2006/diagram" xmlns:a="http://schemas.openxmlformats.org/drawingml/2006/main" uniqueId="urn:microsoft.com/office/officeart/2005/8/colors/accent1_2">
-  <dgm:title val=""/>
-  <dgm:desc val=""/>
-  <dgm:catLst>
-    <dgm:cat type="accent1" pri="11200"/>
-  </dgm:catLst>
-  <dgm:styleLbl name="node0">
-    <dgm:fillClrLst meth="repeat">
-      <a:schemeClr val="accent1"/>
-    </dgm:fillClrLst>
-    <dgm:linClrLst meth="repeat">
-      <a:schemeClr val="lt1"/>
-    </dgm:linClrLst>
-    <dgm:effectClrLst/>
-    <dgm:txLinClrLst/>
-    <dgm:txFillClrLst/>
-    <dgm:txEffectClrLst/>
-  </dgm:styleLbl>
-  <dgm:styleLbl name="alignNode1">
-    <dgm:fillClrLst meth="repeat">
-      <a:schemeClr val="accent1"/>
-    </dgm:fillClrLst>
-    <dgm:linClrLst meth="repeat">
-      <a:schemeClr val="accent1"/>
-    </dgm:linClrLst>
-    <dgm:effectClrLst/>
-    <dgm:txLinClrLst/>
-    <dgm:txFillClrLst/>
-    <dgm:txEffectClrLst/>
-  </dgm:styleLbl>
-  <dgm:styleLbl name="node1">
-    <dgm:fillClrLst meth="repeat">
-      <a:schemeClr val="accent1"/>
-    </dgm:fillClrLst>
-    <dgm:linClrLst meth="repeat">
-      <a:schemeClr val="lt1"/>
-    </dgm:linClrLst>
-    <dgm:effectClrLst/>
-    <dgm:txLinClrLst/>
-    <dgm:txFillClrLst/>
-    <dgm:txEffectClrLst/>
-  </dgm:styleLbl>
-  <dgm:styleLbl name="lnNode1">
-    <dgm:fillClrLst meth="repeat">
-      <a:schemeClr val="accent1"/>
-    </dgm:fillClrLst>
-    <dgm:linClrLst meth="repeat">
-      <a:schemeClr val="lt1"/>
-    </dgm:linClrLst>
-    <dgm:effectClrLst/>
-    <dgm:txLinClrLst/>
-    <dgm:txFillClrLst/>
-    <dgm:txEffectClrLst/>
-  </dgm:styleLbl>
-  <dgm:styleLbl name="vennNode1">
-    <dgm:fillClrLst meth="repeat">
-      <a:schemeClr val="accent1">
-        <a:alpha val="50000"/>
-      </a:schemeClr>
-    </dgm:fillClrLst>
-    <dgm:linClrLst meth="repeat">
-      <a:schemeClr val="lt1"/>
-    </dgm:linClrLst>
-    <dgm:effectClrLst/>
-    <dgm:txLinClrLst/>
-    <dgm:txFillClrLst/>
-    <dgm:txEffectClrLst/>
-  </dgm:styleLbl>
-  <dgm:styleLbl name="node2">
-    <dgm:fillClrLst meth="repeat">
-      <a:schemeClr val="accent1"/>
-    </dgm:fillClrLst>
-    <dgm:linClrLst meth="repeat">
-      <a:schemeClr val="lt1"/>
-    </dgm:linClrLst>
-    <dgm:effectClrLst/>
-    <dgm:txLinClrLst/>
-    <dgm:txFillClrLst/>
-    <dgm:txEffectClrLst/>
-  </dgm:styleLbl>
-  <dgm:styleLbl name="node3">
-    <dgm:fillClrLst meth="repeat">
-      <a:schemeClr val="accent1"/>
-    </dgm:fillClrLst>
-    <dgm:linClrLst meth="repeat">
-      <a:schemeClr val="lt1"/>
-    </dgm:linClrLst>
-    <dgm:effectClrLst/>
-    <dgm:txLinClrLst/>
-    <dgm:txFillClrLst/>
-    <dgm:txEffectClrLst/>
-  </dgm:styleLbl>
-  <dgm:styleLbl name="node4">
-    <dgm:fillClrLst meth="repeat">
-      <a:schemeClr val="accent1"/>
-    </dgm:fillClrLst>
-    <dgm:linClrLst meth="repeat">
-      <a:schemeClr val="lt1"/>
-    </dgm:linClrLst>
-    <dgm:effectClrLst/>
-    <dgm:txLinClrLst/>
-    <dgm:txFillClrLst/>
-    <dgm:txEffectClrLst/>
-  </dgm:styleLbl>
-  <dgm:styleLbl name="fgImgPlace1">
-    <dgm:fillClrLst meth="repeat">
-      <a:schemeClr val="accent1">
-        <a:tint val="50000"/>
-      </a:schemeClr>
-    </dgm:fillClrLst>
-    <dgm:linClrLst meth="repeat">
-      <a:schemeClr val="lt1"/>
-    </dgm:linClrLst>
-    <dgm:effectClrLst/>
-    <dgm:txLinClrLst/>
-    <dgm:txFillClrLst meth="repeat">
-      <a:schemeClr val="lt1"/>
-    </dgm:txFillClrLst>
-    <dgm:txEffectClrLst/>
-  </dgm:styleLbl>
-  <dgm:styleLbl name="alignImgPlace1">
-    <dgm:fillClrLst meth="repeat">
-      <a:schemeClr val="accent1">
-        <a:tint val="50000"/>
-      </a:schemeClr>
-    </dgm:fillClrLst>
-    <dgm:linClrLst meth="repeat">
-      <a:schemeClr val="lt1"/>
-    </dgm:linClrLst>
-    <dgm:effectClrLst/>
-    <dgm:txLinClrLst/>
-    <dgm:txFillClrLst meth="repeat">
-      <a:schemeClr val="lt1"/>
-    </dgm:txFillClrLst>
-    <dgm:txEffectClrLst/>
-  </dgm:styleLbl>
-  <dgm:styleLbl name="bgImgPlace1">
-    <dgm:fillClrLst meth="repeat">
-      <a:schemeClr val="accent1">
-        <a:tint val="50000"/>
-      </a:schemeClr>
-    </dgm:fillClrLst>
-    <dgm:linClrLst meth="repeat">
-      <a:schemeClr val="lt1"/>
-    </dgm:linClrLst>
-    <dgm:effectClrLst/>
-    <dgm:txLinClrLst/>
-    <dgm:txFillClrLst meth="repeat">
-      <a:schemeClr val="lt1"/>
-    </dgm:txFillClrLst>
-    <dgm:txEffectClrLst/>
-  </dgm:styleLbl>
-  <dgm:styleLbl name="sibTrans2D1">
-    <dgm:fillClrLst meth="repeat">
-      <a:schemeClr val="accent1">
-        <a:tint val="60000"/>
-      </a:schemeClr>
-    </dgm:fillClrLst>
-    <dgm:linClrLst meth="repeat">
-      <a:schemeClr val="accent1">
-        <a:tint val="60000"/>
-      </a:schemeClr>
-    </dgm:linClrLst>
-    <dgm:effectClrLst/>
-    <dgm:txLinClrLst/>
-    <dgm:txFillClrLst/>
-    <dgm:txEffectClrLst/>
-  </dgm:styleLbl>
-  <dgm:styleLbl name="fgSibTrans2D1">
-    <dgm:fillClrLst meth="repeat">
-      <a:schemeClr val="accent1">
-        <a:tint val="60000"/>
-      </a:schemeClr>
-    </dgm:fillClrLst>
-    <dgm:linClrLst meth="repeat">
-      <a:schemeClr val="accent1">
-        <a:tint val="60000"/>
-      </a:schemeClr>
-    </dgm:linClrLst>
-    <dgm:effectClrLst/>
-    <dgm:txLinClrLst/>
-    <dgm:txFillClrLst/>
-    <dgm:txEffectClrLst/>
-  </dgm:styleLbl>
-  <dgm:styleLbl name="bgSibTrans2D1">
-    <dgm:fillClrLst meth="repeat">
-      <a:schemeClr val="accent1">
-        <a:tint val="60000"/>
-      </a:schemeClr>
-    </dgm:fillClrLst>
-    <dgm:linClrLst meth="repeat">
-      <a:schemeClr val="accent1">
-        <a:tint val="60000"/>
-      </a:schemeClr>
-    </dgm:linClrLst>
-    <dgm:effectClrLst/>
-    <dgm:txLinClrLst/>
-    <dgm:txFillClrLst/>
-    <dgm:txEffectClrLst/>
-  </dgm:styleLbl>
-  <dgm:styleLbl name="sibTrans1D1">
-    <dgm:fillClrLst meth="repeat">
-      <a:schemeClr val="accent1"/>
-    </dgm:fillClrLst>
-    <dgm:linClrLst meth="repeat">
-      <a:schemeClr val="accent1"/>
-    </dgm:linClrLst>
-    <dgm:effectClrLst/>
-    <dgm:txLinClrLst/>
-    <dgm:txFillClrLst meth="repeat">
-      <a:schemeClr val="tx1"/>
-    </dgm:txFillClrLst>
-    <dgm:txEffectClrLst/>
-  </dgm:styleLbl>
-  <dgm:styleLbl name="callout">
-    <dgm:fillClrLst meth="repeat">
-      <a:schemeClr val="accent1"/>
-    </dgm:fillClrLst>
-    <dgm:linClrLst meth="repeat">
-      <a:schemeClr val="accent1">
-        <a:tint val="50000"/>
-      </a:schemeClr>
-    </dgm:linClrLst>
-    <dgm:effectClrLst/>
-    <dgm:txLinClrLst/>
-    <dgm:txFillClrLst meth="repeat">
-      <a:schemeClr val="tx1"/>
-    </dgm:txFillClrLst>
-    <dgm:txEffectClrLst/>
-  </dgm:styleLbl>
-  <dgm:styleLbl name="asst0">
-    <dgm:fillClrLst meth="repeat">
-      <a:schemeClr val="accent1"/>
-    </dgm:fillClrLst>
-    <dgm:linClrLst meth="repeat">
-      <a:schemeClr val="lt1"/>
-    </dgm:linClrLst>
-    <dgm:effectClrLst/>
-    <dgm:txLinClrLst/>
-    <dgm:txFillClrLst/>
-    <dgm:txEffectClrLst/>
-  </dgm:styleLbl>
-  <dgm:styleLbl name="asst1">
-    <dgm:fillClrLst meth="repeat">
-      <a:schemeClr val="accent1"/>
-    </dgm:fillClrLst>
-    <dgm:linClrLst meth="repeat">
-      <a:schemeClr val="lt1"/>
-    </dgm:linClrLst>
-    <dgm:effectClrLst/>
-    <dgm:txLinClrLst/>
-    <dgm:txFillClrLst/>
-    <dgm:txEffectClrLst/>
-  </dgm:styleLbl>
-  <dgm:styleLbl name="asst2">
-    <dgm:fillClrLst meth="repeat">
-      <a:schemeClr val="accent1"/>
-    </dgm:fillClrLst>
-    <dgm:linClrLst meth="repeat">
-      <a:schemeClr val="lt1"/>
-    </dgm:linClrLst>
-    <dgm:effectClrLst/>
-    <dgm:txLinClrLst/>
-    <dgm:txFillClrLst/>
-    <dgm:txEffectClrLst/>
-  </dgm:styleLbl>
-  <dgm:styleLbl name="asst3">
-    <dgm:fillClrLst meth="repeat">
-      <a:schemeClr val="accent1"/>
-    </dgm:fillClrLst>
-    <dgm:linClrLst meth="repeat">
-      <a:schemeClr val="lt1"/>
-    </dgm:linClrLst>
-    <dgm:effectClrLst/>
-    <dgm:txLinClrLst/>
-    <dgm:txFillClrLst/>
-    <dgm:txEffectClrLst/>
-  </dgm:styleLbl>
-  <dgm:styleLbl name="asst4">
-    <dgm:fillClrLst meth="repeat">
-      <a:schemeClr val="accent1"/>
-    </dgm:fillClrLst>
-    <dgm:linClrLst meth="repeat">
-      <a:schemeClr val="lt1"/>
-    </dgm:linClrLst>
-    <dgm:effectClrLst/>
-    <dgm:txLinClrLst/>
-    <dgm:txFillClrLst/>
-    <dgm:txEffectClrLst/>
-  </dgm:styleLbl>
-  <dgm:styleLbl name="parChTrans2D1">
-    <dgm:fillClrLst meth="repeat">
-      <a:schemeClr val="accent1">
-        <a:tint val="60000"/>
-      </a:schemeClr>
-    </dgm:fillClrLst>
-    <dgm:linClrLst meth="repeat">
-      <a:schemeClr val="accent1">
-        <a:tint val="60000"/>
-      </a:schemeClr>
-    </dgm:linClrLst>
-    <dgm:effectClrLst/>
-    <dgm:txLinClrLst/>
-    <dgm:txFillClrLst meth="repeat">
-      <a:schemeClr val="lt1"/>
-    </dgm:txFillClrLst>
-    <dgm:txEffectClrLst/>
-  </dgm:styleLbl>
-  <dgm:styleLbl name="parChTrans2D2">
-    <dgm:fillClrLst meth="repeat">
-      <a:schemeClr val="accent1"/>
-    </dgm:fillClrLst>
-    <dgm:linClrLst meth="repeat">
-      <a:schemeClr val="accent1"/>
-    </dgm:linClrLst>
-    <dgm:effectClrLst/>
-    <dgm:txLinClrLst/>
-    <dgm:txFillClrLst meth="repeat">
-      <a:schemeClr val="lt1"/>
-    </dgm:txFillClrLst>
-    <dgm:txEffectClrLst/>
-  </dgm:styleLbl>
-  <dgm:styleLbl name="parChTrans2D3">
-    <dgm:fillClrLst meth="repeat">
-      <a:schemeClr val="accent1"/>
-    </dgm:fillClrLst>
-    <dgm:linClrLst meth="repeat">
-      <a:schemeClr val="accent1"/>
-    </dgm:linClrLst>
-    <dgm:effectClrLst/>
-    <dgm:txLinClrLst/>
-    <dgm:txFillClrLst meth="repeat">
-      <a:schemeClr val="lt1"/>
-    </dgm:txFillClrLst>
-    <dgm:txEffectClrLst/>
-  </dgm:styleLbl>
-  <dgm:styleLbl name="parChTrans2D4">
-    <dgm:fillClrLst meth="repeat">
-      <a:schemeClr val="accent1"/>
-    </dgm:fillClrLst>
-    <dgm:linClrLst meth="repeat">
-      <a:schemeClr val="accent1"/>
-    </dgm:linClrLst>
-    <dgm:effectClrLst/>
-    <dgm:txLinClrLst/>
-    <dgm:txFillClrLst meth="repeat">
-      <a:schemeClr val="lt1"/>
-    </dgm:txFillClrLst>
-    <dgm:txEffectClrLst/>
-  </dgm:styleLbl>
-  <dgm:styleLbl name="parChTrans1D1">
-    <dgm:fillClrLst meth="repeat">
-      <a:schemeClr val="accent1"/>
-    </dgm:fillClrLst>
-    <dgm:linClrLst meth="repeat">
-      <a:schemeClr val="accent1">
-        <a:shade val="60000"/>
-      </a:schemeClr>
-    </dgm:linClrLst>
-    <dgm:effectClrLst/>
-    <dgm:txLinClrLst/>
-    <dgm:txFillClrLst meth="repeat">
-      <a:schemeClr val="tx1"/>
-    </dgm:txFillClrLst>
-    <dgm:txEffectClrLst/>
-  </dgm:styleLbl>
-  <dgm:styleLbl name="parChTrans1D2">
-    <dgm:fillClrLst meth="repeat">
-      <a:schemeClr val="accent1"/>
-    </dgm:fillClrLst>
-    <dgm:linClrLst meth="repeat">
-      <a:schemeClr val="accent1">
-        <a:shade val="60000"/>
-      </a:schemeClr>
-    </dgm:linClrLst>
-    <dgm:effectClrLst/>
-    <dgm:txLinClrLst/>
-    <dgm:txFillClrLst meth="repeat">
-      <a:schemeClr val="tx1"/>
-    </dgm:txFillClrLst>
-    <dgm:txEffectClrLst/>
-  </dgm:styleLbl>
-  <dgm:styleLbl name="parChTrans1D3">
-    <dgm:fillClrLst meth="repeat">
-      <a:schemeClr val="accent1"/>
-    </dgm:fillClrLst>
-    <dgm:linClrLst meth="repeat">
-      <a:schemeClr val="accent1">
-        <a:shade val="80000"/>
-      </a:schemeClr>
-    </dgm:linClrLst>
-    <dgm:effectClrLst/>
-    <dgm:txLinClrLst/>
-    <dgm:txFillClrLst meth="repeat">
-      <a:schemeClr val="tx1"/>
-    </dgm:txFillClrLst>
-    <dgm:txEffectClrLst/>
-  </dgm:styleLbl>
-  <dgm:styleLbl name="parChTrans1D4">
-    <dgm:fillClrLst meth="repeat">
-      <a:schemeClr val="accent1"/>
-    </dgm:fillClrLst>
-    <dgm:linClrLst meth="repeat">
-      <a:schemeClr val="accent1">
-        <a:shade val="80000"/>
-      </a:schemeClr>
-    </dgm:linClrLst>
-    <dgm:effectClrLst/>
-    <dgm:txLinClrLst/>
-    <dgm:txFillClrLst meth="repeat">
-      <a:schemeClr val="tx1"/>
-    </dgm:txFillClrLst>
-    <dgm:txEffectClrLst/>
-  </dgm:styleLbl>
-  <dgm:styleLbl name="fgAcc1">
-    <dgm:fillClrLst meth="repeat">
-      <a:schemeClr val="lt1">
-        <a:alpha val="90000"/>
-      </a:schemeClr>
-    </dgm:fillClrLst>
-    <dgm:linClrLst meth="repeat">
-      <a:schemeClr val="accent1"/>
-    </dgm:linClrLst>
-    <dgm:effectClrLst/>
-    <dgm:txLinClrLst/>
-    <dgm:txFillClrLst meth="repeat">
-      <a:schemeClr val="dk1"/>
-    </dgm:txFillClrLst>
-    <dgm:txEffectClrLst/>
-  </dgm:styleLbl>
-  <dgm:styleLbl name="conFgAcc1">
-    <dgm:fillClrLst meth="repeat">
-      <a:schemeClr val="lt1">
-        <a:alpha val="90000"/>
-      </a:schemeClr>
-    </dgm:fillClrLst>
-    <dgm:linClrLst meth="repeat">
-      <a:schemeClr val="accent1"/>
-    </dgm:linClrLst>
-    <dgm:effectClrLst/>
-    <dgm:txLinClrLst/>
-    <dgm:txFillClrLst meth="repeat">
-      <a:schemeClr val="dk1"/>
-    </dgm:txFillClrLst>
-    <dgm:txEffectClrLst/>
-  </dgm:styleLbl>
-  <dgm:styleLbl name="alignAcc1">
-    <dgm:fillClrLst meth="repeat">
-      <a:schemeClr val="lt1">
-        <a:alpha val="90000"/>
-      </a:schemeClr>
-    </dgm:fillClrLst>
-    <dgm:linClrLst meth="repeat">
-      <a:schemeClr val="accent1"/>
-    </dgm:linClrLst>
-    <dgm:effectClrLst/>
-    <dgm:txLinClrLst/>
-    <dgm:txFillClrLst meth="repeat">
-      <a:schemeClr val="dk1"/>
-    </dgm:txFillClrLst>
-    <dgm:txEffectClrLst/>
-  </dgm:styleLbl>
-  <dgm:styleLbl name="trAlignAcc1">
-    <dgm:fillClrLst meth="repeat">
-      <a:schemeClr val="lt1">
-        <a:alpha val="40000"/>
-      </a:schemeClr>
-    </dgm:fillClrLst>
-    <dgm:linClrLst meth="repeat">
-      <a:schemeClr val="accent1"/>
-    </dgm:linClrLst>
-    <dgm:effectClrLst/>
-    <dgm:txLinClrLst/>
-    <dgm:txFillClrLst meth="repeat">
-      <a:schemeClr val="dk1"/>
-    </dgm:txFillClrLst>
-    <dgm:txEffectClrLst/>
-  </dgm:styleLbl>
-  <dgm:styleLbl name="bgAcc1">
-    <dgm:fillClrLst meth="repeat">
-      <a:schemeClr val="lt1">
-        <a:alpha val="90000"/>
-      </a:schemeClr>
-    </dgm:fillClrLst>
-    <dgm:linClrLst meth="repeat">
-      <a:schemeClr val="accent1"/>
-    </dgm:linClrLst>
-    <dgm:effectClrLst/>
-    <dgm:txLinClrLst/>
-    <dgm:txFillClrLst meth="repeat">
-      <a:schemeClr val="dk1"/>
-    </dgm:txFillClrLst>
-    <dgm:txEffectClrLst/>
-  </dgm:styleLbl>
-  <dgm:styleLbl name="solidFgAcc1">
-    <dgm:fillClrLst meth="repeat">
-      <a:schemeClr val="lt1"/>
-    </dgm:fillClrLst>
-    <dgm:linClrLst meth="repeat">
-      <a:schemeClr val="accent1"/>
-    </dgm:linClrLst>
-    <dgm:effectClrLst/>
-    <dgm:txLinClrLst/>
-    <dgm:txFillClrLst meth="repeat">
-      <a:schemeClr val="dk1"/>
-    </dgm:txFillClrLst>
-    <dgm:txEffectClrLst/>
-  </dgm:styleLbl>
-  <dgm:styleLbl name="solidAlignAcc1">
-    <dgm:fillClrLst meth="repeat">
-      <a:schemeClr val="lt1"/>
-    </dgm:fillClrLst>
-    <dgm:linClrLst meth="repeat">
-      <a:schemeClr val="accent1"/>
-    </dgm:linClrLst>
-    <dgm:effectClrLst/>
-    <dgm:txLinClrLst/>
-    <dgm:txFillClrLst meth="repeat">
-      <a:schemeClr val="dk1"/>
-    </dgm:txFillClrLst>
-    <dgm:txEffectClrLst/>
-  </dgm:styleLbl>
-  <dgm:styleLbl name="solidBgAcc1">
-    <dgm:fillClrLst meth="repeat">
-      <a:schemeClr val="lt1"/>
-    </dgm:fillClrLst>
-    <dgm:linClrLst meth="repeat">
-      <a:schemeClr val="accent1"/>
-    </dgm:linClrLst>
-    <dgm:effectClrLst/>
-    <dgm:txLinClrLst/>
-    <dgm:txFillClrLst meth="repeat">
-      <a:schemeClr val="dk1"/>
-    </dgm:txFillClrLst>
-    <dgm:txEffectClrLst/>
-  </dgm:styleLbl>
-  <dgm:styleLbl name="fgAccFollowNode1">
-    <dgm:fillClrLst meth="repeat">
-      <a:schemeClr val="accent1">
-        <a:alpha val="90000"/>
-        <a:tint val="40000"/>
-      </a:schemeClr>
-    </dgm:fillClrLst>
-    <dgm:linClrLst meth="repeat">
-      <a:schemeClr val="accent1">
-        <a:alpha val="90000"/>
-        <a:tint val="40000"/>
-      </a:schemeClr>
-    </dgm:linClrLst>
-    <dgm:effectClrLst/>
-    <dgm:txLinClrLst/>
-    <dgm:txFillClrLst meth="repeat">
-      <a:schemeClr val="dk1"/>
-    </dgm:txFillClrLst>
-    <dgm:txEffectClrLst/>
-  </dgm:styleLbl>
-  <dgm:styleLbl name="alignAccFollowNode1">
-    <dgm:fillClrLst meth="repeat">
-      <a:schemeClr val="accent1">
-        <a:alpha val="90000"/>
-        <a:tint val="40000"/>
-      </a:schemeClr>
-    </dgm:fillClrLst>
-    <dgm:linClrLst meth="repeat">
-      <a:schemeClr val="accent1">
-        <a:alpha val="90000"/>
-        <a:tint val="40000"/>
-      </a:schemeClr>
-    </dgm:linClrLst>
-    <dgm:effectClrLst/>
-    <dgm:txLinClrLst/>
-    <dgm:txFillClrLst meth="repeat">
-      <a:schemeClr val="dk1"/>
-    </dgm:txFillClrLst>
-    <dgm:txEffectClrLst/>
-  </dgm:styleLbl>
-  <dgm:styleLbl name="bgAccFollowNode1">
-    <dgm:fillClrLst meth="repeat">
-      <a:schemeClr val="accent1">
-        <a:alpha val="90000"/>
-        <a:tint val="40000"/>
-      </a:schemeClr>
-    </dgm:fillClrLst>
-    <dgm:linClrLst meth="repeat">
-      <a:schemeClr val="accent1">
-        <a:alpha val="90000"/>
-        <a:tint val="40000"/>
-      </a:schemeClr>
-    </dgm:linClrLst>
-    <dgm:effectClrLst/>
-    <dgm:txLinClrLst/>
-    <dgm:txFillClrLst meth="repeat">
-      <a:schemeClr val="dk1"/>
-    </dgm:txFillClrLst>
-    <dgm:txEffectClrLst/>
-  </dgm:styleLbl>
-  <dgm:styleLbl name="fgAcc0">
-    <dgm:fillClrLst meth="repeat">
-      <a:schemeClr val="lt1">
-        <a:alpha val="90000"/>
-      </a:schemeClr>
-    </dgm:fillClrLst>
-    <dgm:linClrLst meth="repeat">
-      <a:schemeClr val="accent1"/>
-    </dgm:linClrLst>
-    <dgm:effectClrLst/>
-    <dgm:txLinClrLst/>
-    <dgm:txFillClrLst meth="repeat">
-      <a:schemeClr val="dk1"/>
-    </dgm:txFillClrLst>
-    <dgm:txEffectClrLst/>
-  </dgm:styleLbl>
-  <dgm:styleLbl name="fgAcc2">
-    <dgm:fillClrLst meth="repeat">
-      <a:schemeClr val="lt1">
-        <a:alpha val="90000"/>
-      </a:schemeClr>
-    </dgm:fillClrLst>
-    <dgm:linClrLst meth="repeat">
-      <a:schemeClr val="accent1"/>
-    </dgm:linClrLst>
-    <dgm:effectClrLst/>
-    <dgm:txLinClrLst/>
-    <dgm:txFillClrLst meth="repeat">
-      <a:schemeClr val="dk1"/>
-    </dgm:txFillClrLst>
-    <dgm:txEffectClrLst/>
-  </dgm:styleLbl>
-  <dgm:styleLbl name="fgAcc3">
-    <dgm:fillClrLst meth="repeat">
-      <a:schemeClr val="lt1">
-        <a:alpha val="90000"/>
-      </a:schemeClr>
-    </dgm:fillClrLst>
-    <dgm:linClrLst meth="repeat">
-      <a:schemeClr val="accent1"/>
-    </dgm:linClrLst>
-    <dgm:effectClrLst/>
-    <dgm:txLinClrLst/>
-    <dgm:txFillClrLst meth="repeat">
-      <a:schemeClr val="dk1"/>
-    </dgm:txFillClrLst>
-    <dgm:txEffectClrLst/>
-  </dgm:styleLbl>
-  <dgm:styleLbl name="fgAcc4">
-    <dgm:fillClrLst meth="repeat">
-      <a:schemeClr val="lt1">
-        <a:alpha val="90000"/>
-      </a:schemeClr>
-    </dgm:fillClrLst>
-    <dgm:linClrLst meth="repeat">
-      <a:schemeClr val="accent1"/>
-    </dgm:linClrLst>
-    <dgm:effectClrLst/>
-    <dgm:txLinClrLst/>
-    <dgm:txFillClrLst meth="repeat">
-      <a:schemeClr val="dk1"/>
-    </dgm:txFillClrLst>
-    <dgm:txEffectClrLst/>
-  </dgm:styleLbl>
-  <dgm:styleLbl name="bgShp">
-    <dgm:fillClrLst meth="repeat">
-      <a:schemeClr val="accent1">
-        <a:tint val="40000"/>
-      </a:schemeClr>
-    </dgm:fillClrLst>
-    <dgm:linClrLst meth="repeat">
-      <a:schemeClr val="accent1"/>
-    </dgm:linClrLst>
-    <dgm:effectClrLst/>
-    <dgm:txLinClrLst/>
-    <dgm:txFillClrLst meth="repeat">
-      <a:schemeClr val="dk1"/>
-    </dgm:txFillClrLst>
-    <dgm:txEffectClrLst/>
-  </dgm:styleLbl>
-  <dgm:styleLbl name="dkBgShp">
-    <dgm:fillClrLst meth="repeat">
-      <a:schemeClr val="accent1">
-        <a:shade val="80000"/>
-      </a:schemeClr>
-    </dgm:fillClrLst>
-    <dgm:linClrLst meth="repeat">
-      <a:schemeClr val="accent1"/>
-    </dgm:linClrLst>
-    <dgm:effectClrLst/>
-    <dgm:txLinClrLst/>
-    <dgm:txFillClrLst meth="repeat">
-      <a:schemeClr val="lt1"/>
-    </dgm:txFillClrLst>
-    <dgm:txEffectClrLst/>
-  </dgm:styleLbl>
-  <dgm:styleLbl name="trBgShp">
-    <dgm:fillClrLst meth="repeat">
-      <a:schemeClr val="accent1">
-        <a:tint val="50000"/>
-        <a:alpha val="40000"/>
-      </a:schemeClr>
-    </dgm:fillClrLst>
-    <dgm:linClrLst meth="repeat">
-      <a:schemeClr val="accent1"/>
-    </dgm:linClrLst>
-    <dgm:effectClrLst/>
-    <dgm:txLinClrLst/>
-    <dgm:txFillClrLst meth="repeat">
-      <a:schemeClr val="lt1"/>
-    </dgm:txFillClrLst>
-    <dgm:txEffectClrLst/>
-  </dgm:styleLbl>
-  <dgm:styleLbl name="fgShp">
-    <dgm:fillClrLst meth="repeat">
-      <a:schemeClr val="accent1">
-        <a:tint val="60000"/>
-      </a:schemeClr>
-    </dgm:fillClrLst>
-    <dgm:linClrLst meth="repeat">
-      <a:schemeClr val="lt1"/>
-    </dgm:linClrLst>
-    <dgm:effectClrLst/>
-    <dgm:txLinClrLst/>
-    <dgm:txFillClrLst meth="repeat">
-      <a:schemeClr val="dk1"/>
-    </dgm:txFillClrLst>
-    <dgm:txEffectClrLst/>
-  </dgm:styleLbl>
-  <dgm:styleLbl name="revTx">
-    <dgm:fillClrLst meth="repeat">
-      <a:schemeClr val="lt1">
-        <a:alpha val="0"/>
-      </a:schemeClr>
-    </dgm:fillClrLst>
-    <dgm:linClrLst meth="repeat">
-      <a:schemeClr val="dk1">
-        <a:alpha val="0"/>
-      </a:schemeClr>
-    </dgm:linClrLst>
-    <dgm:effectClrLst/>
-    <dgm:txLinClrLst/>
-    <dgm:txFillClrLst meth="repeat">
-      <a:schemeClr val="tx1"/>
-    </dgm:txFillClrLst>
-    <dgm:txEffectClrLst/>
-  </dgm:styleLbl>
-</dgm:colorsDef>
-</file>
-
-<file path=ppt/diagrams/data1.xml><?xml version="1.0" encoding="utf-8"?>
-<dgm:dataModel xmlns:dgm="http://schemas.openxmlformats.org/drawingml/2006/diagram" xmlns:a="http://schemas.openxmlformats.org/drawingml/2006/main">
-  <dgm:ptLst>
-    <dgm:pt modelId="{985ADDDB-3712-4E20-B9F7-757F441DBE79}" type="doc">
-      <dgm:prSet loTypeId="urn:microsoft.com/office/officeart/2005/8/layout/process5" loCatId="process" qsTypeId="urn:microsoft.com/office/officeart/2005/8/quickstyle/simple1" qsCatId="simple" csTypeId="urn:microsoft.com/office/officeart/2005/8/colors/accent1_2" csCatId="accent1" phldr="1"/>
-      <dgm:spPr/>
-      <dgm:t>
-        <a:bodyPr/>
-        <a:lstStyle/>
-        <a:p>
-          <a:endParaRPr lang="en-US"/>
-        </a:p>
-      </dgm:t>
-    </dgm:pt>
-    <dgm:pt modelId="{8E3C49B1-401E-4D47-AC8D-EC68D8028938}">
-      <dgm:prSet/>
-      <dgm:spPr>
-        <a:ln>
-          <a:solidFill>
-            <a:schemeClr val="accent5">
-              <a:lumMod val="40000"/>
-              <a:lumOff val="60000"/>
-            </a:schemeClr>
-          </a:solidFill>
-        </a:ln>
-      </dgm:spPr>
-      <dgm:t>
-        <a:bodyPr/>
-        <a:lstStyle/>
-        <a:p>
-          <a:r>
-            <a:rPr lang="en-US" b="0" i="0" dirty="0"/>
-            <a:t>Grouping accounts created from same IP address </a:t>
-          </a:r>
-          <a:endParaRPr lang="en-US" dirty="0"/>
-        </a:p>
-      </dgm:t>
-    </dgm:pt>
-    <dgm:pt modelId="{519D3386-165A-4122-ACE8-DF2678AB9AB3}" type="parTrans" cxnId="{7980C725-AE32-43B9-A6FD-D76DCFA2B953}">
-      <dgm:prSet/>
-      <dgm:spPr/>
-      <dgm:t>
-        <a:bodyPr/>
-        <a:lstStyle/>
-        <a:p>
-          <a:endParaRPr lang="en-US"/>
-        </a:p>
-      </dgm:t>
-    </dgm:pt>
-    <dgm:pt modelId="{FCF09675-AB36-40F0-B819-226DC68E1D0D}" type="sibTrans" cxnId="{7980C725-AE32-43B9-A6FD-D76DCFA2B953}">
-      <dgm:prSet/>
-      <dgm:spPr/>
-      <dgm:t>
-        <a:bodyPr/>
-        <a:lstStyle/>
-        <a:p>
-          <a:endParaRPr lang="en-US"/>
-        </a:p>
-      </dgm:t>
-    </dgm:pt>
-    <dgm:pt modelId="{D88920AF-F077-4BFE-B4D6-61C0A4428C04}">
-      <dgm:prSet/>
-      <dgm:spPr>
-        <a:solidFill>
-          <a:srgbClr val="F86800"/>
-        </a:solidFill>
-      </dgm:spPr>
-      <dgm:t>
-        <a:bodyPr/>
-        <a:lstStyle/>
-        <a:p>
-          <a:r>
-            <a:rPr lang="en-US" b="0" i="0" dirty="0"/>
-            <a:t>Sorting them by timestamp</a:t>
-          </a:r>
-          <a:endParaRPr lang="en-US" dirty="0"/>
-        </a:p>
-      </dgm:t>
-    </dgm:pt>
-    <dgm:pt modelId="{60D8A85F-024D-4B2A-AC10-5AC430410648}" type="parTrans" cxnId="{1E8F9AD5-02DE-4E99-B588-F024C61B107E}">
-      <dgm:prSet/>
-      <dgm:spPr/>
-      <dgm:t>
-        <a:bodyPr/>
-        <a:lstStyle/>
-        <a:p>
-          <a:endParaRPr lang="en-US"/>
-        </a:p>
-      </dgm:t>
-    </dgm:pt>
-    <dgm:pt modelId="{2529E98A-6839-455F-BEB2-640DF4072AAD}" type="sibTrans" cxnId="{1E8F9AD5-02DE-4E99-B588-F024C61B107E}">
-      <dgm:prSet/>
-      <dgm:spPr/>
-      <dgm:t>
-        <a:bodyPr/>
-        <a:lstStyle/>
-        <a:p>
-          <a:endParaRPr lang="en-US"/>
-        </a:p>
-      </dgm:t>
-    </dgm:pt>
-    <dgm:pt modelId="{2D8B536E-604B-4EEB-A806-E211AC98248C}">
-      <dgm:prSet/>
-      <dgm:spPr/>
-      <dgm:t>
-        <a:bodyPr/>
-        <a:lstStyle/>
-        <a:p>
-          <a:r>
-            <a:rPr lang="en-US" b="0" i="0" dirty="0"/>
-            <a:t>Validating time difference for these accounts</a:t>
-          </a:r>
-          <a:endParaRPr lang="en-US" dirty="0"/>
-        </a:p>
-      </dgm:t>
-    </dgm:pt>
-    <dgm:pt modelId="{5A689587-35FA-4714-B1D3-E9C0D7642E73}" type="parTrans" cxnId="{3A223534-ECC8-44E3-AB68-F13214F6987B}">
-      <dgm:prSet/>
-      <dgm:spPr/>
-      <dgm:t>
-        <a:bodyPr/>
-        <a:lstStyle/>
-        <a:p>
-          <a:endParaRPr lang="en-US"/>
-        </a:p>
-      </dgm:t>
-    </dgm:pt>
-    <dgm:pt modelId="{DDF01EA6-8CC8-45F3-91B6-42542A26146A}" type="sibTrans" cxnId="{3A223534-ECC8-44E3-AB68-F13214F6987B}">
-      <dgm:prSet/>
-      <dgm:spPr/>
-      <dgm:t>
-        <a:bodyPr/>
-        <a:lstStyle/>
-        <a:p>
-          <a:endParaRPr lang="en-US"/>
-        </a:p>
-      </dgm:t>
-    </dgm:pt>
-    <dgm:pt modelId="{849B6095-81D2-4A1C-A919-240BECC837B4}">
-      <dgm:prSet/>
-      <dgm:spPr>
-        <a:solidFill>
-          <a:srgbClr val="F86800"/>
-        </a:solidFill>
-      </dgm:spPr>
-      <dgm:t>
-        <a:bodyPr/>
-        <a:lstStyle/>
-        <a:p>
-          <a:r>
-            <a:rPr lang="en-US" dirty="0"/>
-            <a:t>Filtering out the accounts that were created in less than 3 minutes</a:t>
-          </a:r>
-        </a:p>
-      </dgm:t>
-    </dgm:pt>
-    <dgm:pt modelId="{6372B50E-1712-4052-AF61-D569EEC600B9}" type="parTrans" cxnId="{E6AEF04D-EEA9-4D68-8FB1-65E4F2CAEE3A}">
-      <dgm:prSet/>
-      <dgm:spPr/>
-      <dgm:t>
-        <a:bodyPr/>
-        <a:lstStyle/>
-        <a:p>
-          <a:endParaRPr lang="en-US"/>
-        </a:p>
-      </dgm:t>
-    </dgm:pt>
-    <dgm:pt modelId="{EE541749-E81F-4C00-9C9B-D352CA704D7A}" type="sibTrans" cxnId="{E6AEF04D-EEA9-4D68-8FB1-65E4F2CAEE3A}">
-      <dgm:prSet/>
-      <dgm:spPr/>
-      <dgm:t>
-        <a:bodyPr/>
-        <a:lstStyle/>
-        <a:p>
-          <a:endParaRPr lang="en-US"/>
-        </a:p>
-      </dgm:t>
-    </dgm:pt>
-    <dgm:pt modelId="{B11CCD31-76F2-3644-8858-26C20DBD3A4F}" type="pres">
-      <dgm:prSet presAssocID="{985ADDDB-3712-4E20-B9F7-757F441DBE79}" presName="diagram" presStyleCnt="0">
-        <dgm:presLayoutVars>
-          <dgm:dir/>
-          <dgm:resizeHandles val="exact"/>
-        </dgm:presLayoutVars>
-      </dgm:prSet>
-      <dgm:spPr/>
-    </dgm:pt>
-    <dgm:pt modelId="{D7ECB61C-E621-4E4D-A371-65481E548845}" type="pres">
-      <dgm:prSet presAssocID="{8E3C49B1-401E-4D47-AC8D-EC68D8028938}" presName="node" presStyleLbl="node1" presStyleIdx="0" presStyleCnt="4">
-        <dgm:presLayoutVars>
-          <dgm:bulletEnabled val="1"/>
-        </dgm:presLayoutVars>
-      </dgm:prSet>
-      <dgm:spPr/>
-    </dgm:pt>
-    <dgm:pt modelId="{9A92D3BA-53DE-6443-AF8D-486F5AB97D9E}" type="pres">
-      <dgm:prSet presAssocID="{FCF09675-AB36-40F0-B819-226DC68E1D0D}" presName="sibTrans" presStyleLbl="sibTrans2D1" presStyleIdx="0" presStyleCnt="3"/>
-      <dgm:spPr/>
-    </dgm:pt>
-    <dgm:pt modelId="{F8FBBC2F-0839-8145-92AC-4CF009DE17F8}" type="pres">
-      <dgm:prSet presAssocID="{FCF09675-AB36-40F0-B819-226DC68E1D0D}" presName="connectorText" presStyleLbl="sibTrans2D1" presStyleIdx="0" presStyleCnt="3"/>
-      <dgm:spPr/>
-    </dgm:pt>
-    <dgm:pt modelId="{5B62A70B-3A44-024D-BB84-A8A6465A0979}" type="pres">
-      <dgm:prSet presAssocID="{D88920AF-F077-4BFE-B4D6-61C0A4428C04}" presName="node" presStyleLbl="node1" presStyleIdx="1" presStyleCnt="4">
-        <dgm:presLayoutVars>
-          <dgm:bulletEnabled val="1"/>
-        </dgm:presLayoutVars>
-      </dgm:prSet>
-      <dgm:spPr/>
-    </dgm:pt>
-    <dgm:pt modelId="{5B342A96-0CAB-EE41-B1E4-1F09F6EBA99C}" type="pres">
-      <dgm:prSet presAssocID="{2529E98A-6839-455F-BEB2-640DF4072AAD}" presName="sibTrans" presStyleLbl="sibTrans2D1" presStyleIdx="1" presStyleCnt="3"/>
-      <dgm:spPr/>
-    </dgm:pt>
-    <dgm:pt modelId="{CBBF2762-AD49-5744-BAAF-AC4041F7F7F2}" type="pres">
-      <dgm:prSet presAssocID="{2529E98A-6839-455F-BEB2-640DF4072AAD}" presName="connectorText" presStyleLbl="sibTrans2D1" presStyleIdx="1" presStyleCnt="3"/>
-      <dgm:spPr/>
-    </dgm:pt>
-    <dgm:pt modelId="{E5CA8EE2-FFD3-7749-AF66-96C6D13EB06D}" type="pres">
-      <dgm:prSet presAssocID="{2D8B536E-604B-4EEB-A806-E211AC98248C}" presName="node" presStyleLbl="node1" presStyleIdx="2" presStyleCnt="4">
-        <dgm:presLayoutVars>
-          <dgm:bulletEnabled val="1"/>
-        </dgm:presLayoutVars>
-      </dgm:prSet>
-      <dgm:spPr/>
-    </dgm:pt>
-    <dgm:pt modelId="{7576D503-EE2F-B74C-B59F-3A8B9EB08FCC}" type="pres">
-      <dgm:prSet presAssocID="{DDF01EA6-8CC8-45F3-91B6-42542A26146A}" presName="sibTrans" presStyleLbl="sibTrans2D1" presStyleIdx="2" presStyleCnt="3"/>
-      <dgm:spPr/>
-    </dgm:pt>
-    <dgm:pt modelId="{4D0A328B-AB62-2E47-8030-EB3EDA4D3859}" type="pres">
-      <dgm:prSet presAssocID="{DDF01EA6-8CC8-45F3-91B6-42542A26146A}" presName="connectorText" presStyleLbl="sibTrans2D1" presStyleIdx="2" presStyleCnt="3"/>
-      <dgm:spPr/>
-    </dgm:pt>
-    <dgm:pt modelId="{A1931E3A-792A-784F-8E72-70256A791197}" type="pres">
-      <dgm:prSet presAssocID="{849B6095-81D2-4A1C-A919-240BECC837B4}" presName="node" presStyleLbl="node1" presStyleIdx="3" presStyleCnt="4">
-        <dgm:presLayoutVars>
-          <dgm:bulletEnabled val="1"/>
-        </dgm:presLayoutVars>
-      </dgm:prSet>
-      <dgm:spPr/>
-    </dgm:pt>
-  </dgm:ptLst>
-  <dgm:cxnLst>
-    <dgm:cxn modelId="{0B44BB18-E256-FE4F-AE09-EA4FB205BF19}" type="presOf" srcId="{FCF09675-AB36-40F0-B819-226DC68E1D0D}" destId="{9A92D3BA-53DE-6443-AF8D-486F5AB97D9E}" srcOrd="0" destOrd="0" presId="urn:microsoft.com/office/officeart/2005/8/layout/process5"/>
-    <dgm:cxn modelId="{DDFD4121-90BF-984C-AC49-8DE388875CDC}" type="presOf" srcId="{2529E98A-6839-455F-BEB2-640DF4072AAD}" destId="{CBBF2762-AD49-5744-BAAF-AC4041F7F7F2}" srcOrd="1" destOrd="0" presId="urn:microsoft.com/office/officeart/2005/8/layout/process5"/>
-    <dgm:cxn modelId="{50C55C22-0782-404E-B123-DF65D5B8B0CE}" type="presOf" srcId="{2D8B536E-604B-4EEB-A806-E211AC98248C}" destId="{E5CA8EE2-FFD3-7749-AF66-96C6D13EB06D}" srcOrd="0" destOrd="0" presId="urn:microsoft.com/office/officeart/2005/8/layout/process5"/>
-    <dgm:cxn modelId="{7980C725-AE32-43B9-A6FD-D76DCFA2B953}" srcId="{985ADDDB-3712-4E20-B9F7-757F441DBE79}" destId="{8E3C49B1-401E-4D47-AC8D-EC68D8028938}" srcOrd="0" destOrd="0" parTransId="{519D3386-165A-4122-ACE8-DF2678AB9AB3}" sibTransId="{FCF09675-AB36-40F0-B819-226DC68E1D0D}"/>
-    <dgm:cxn modelId="{3A223534-ECC8-44E3-AB68-F13214F6987B}" srcId="{985ADDDB-3712-4E20-B9F7-757F441DBE79}" destId="{2D8B536E-604B-4EEB-A806-E211AC98248C}" srcOrd="2" destOrd="0" parTransId="{5A689587-35FA-4714-B1D3-E9C0D7642E73}" sibTransId="{DDF01EA6-8CC8-45F3-91B6-42542A26146A}"/>
-    <dgm:cxn modelId="{DEFD4D41-AF9B-7048-ADF7-584CB10E3A64}" type="presOf" srcId="{FCF09675-AB36-40F0-B819-226DC68E1D0D}" destId="{F8FBBC2F-0839-8145-92AC-4CF009DE17F8}" srcOrd="1" destOrd="0" presId="urn:microsoft.com/office/officeart/2005/8/layout/process5"/>
-    <dgm:cxn modelId="{4D9D7644-83FA-5248-8860-0A138D09D7A3}" type="presOf" srcId="{849B6095-81D2-4A1C-A919-240BECC837B4}" destId="{A1931E3A-792A-784F-8E72-70256A791197}" srcOrd="0" destOrd="0" presId="urn:microsoft.com/office/officeart/2005/8/layout/process5"/>
-    <dgm:cxn modelId="{E6AEF04D-EEA9-4D68-8FB1-65E4F2CAEE3A}" srcId="{985ADDDB-3712-4E20-B9F7-757F441DBE79}" destId="{849B6095-81D2-4A1C-A919-240BECC837B4}" srcOrd="3" destOrd="0" parTransId="{6372B50E-1712-4052-AF61-D569EEC600B9}" sibTransId="{EE541749-E81F-4C00-9C9B-D352CA704D7A}"/>
-    <dgm:cxn modelId="{8E72D263-6A47-354C-97E2-EF3A47084E1A}" type="presOf" srcId="{8E3C49B1-401E-4D47-AC8D-EC68D8028938}" destId="{D7ECB61C-E621-4E4D-A371-65481E548845}" srcOrd="0" destOrd="0" presId="urn:microsoft.com/office/officeart/2005/8/layout/process5"/>
-    <dgm:cxn modelId="{92EAE373-F8C7-EA43-888A-CC1A969F1455}" type="presOf" srcId="{985ADDDB-3712-4E20-B9F7-757F441DBE79}" destId="{B11CCD31-76F2-3644-8858-26C20DBD3A4F}" srcOrd="0" destOrd="0" presId="urn:microsoft.com/office/officeart/2005/8/layout/process5"/>
-    <dgm:cxn modelId="{B25CF77D-EC8D-E54A-9F36-B6043F5ABC30}" type="presOf" srcId="{DDF01EA6-8CC8-45F3-91B6-42542A26146A}" destId="{7576D503-EE2F-B74C-B59F-3A8B9EB08FCC}" srcOrd="0" destOrd="0" presId="urn:microsoft.com/office/officeart/2005/8/layout/process5"/>
-    <dgm:cxn modelId="{22EC8BAB-F3AB-8C48-850B-FDBD804D2303}" type="presOf" srcId="{DDF01EA6-8CC8-45F3-91B6-42542A26146A}" destId="{4D0A328B-AB62-2E47-8030-EB3EDA4D3859}" srcOrd="1" destOrd="0" presId="urn:microsoft.com/office/officeart/2005/8/layout/process5"/>
-    <dgm:cxn modelId="{1E8F9AD5-02DE-4E99-B588-F024C61B107E}" srcId="{985ADDDB-3712-4E20-B9F7-757F441DBE79}" destId="{D88920AF-F077-4BFE-B4D6-61C0A4428C04}" srcOrd="1" destOrd="0" parTransId="{60D8A85F-024D-4B2A-AC10-5AC430410648}" sibTransId="{2529E98A-6839-455F-BEB2-640DF4072AAD}"/>
-    <dgm:cxn modelId="{92E8E4EE-90C5-774A-8A5B-86D1EE8EC72F}" type="presOf" srcId="{2529E98A-6839-455F-BEB2-640DF4072AAD}" destId="{5B342A96-0CAB-EE41-B1E4-1F09F6EBA99C}" srcOrd="0" destOrd="0" presId="urn:microsoft.com/office/officeart/2005/8/layout/process5"/>
-    <dgm:cxn modelId="{52EF16F6-155D-8443-99E7-180842978675}" type="presOf" srcId="{D88920AF-F077-4BFE-B4D6-61C0A4428C04}" destId="{5B62A70B-3A44-024D-BB84-A8A6465A0979}" srcOrd="0" destOrd="0" presId="urn:microsoft.com/office/officeart/2005/8/layout/process5"/>
-    <dgm:cxn modelId="{55292F2A-E7C2-7B4C-955C-27E2F893494B}" type="presParOf" srcId="{B11CCD31-76F2-3644-8858-26C20DBD3A4F}" destId="{D7ECB61C-E621-4E4D-A371-65481E548845}" srcOrd="0" destOrd="0" presId="urn:microsoft.com/office/officeart/2005/8/layout/process5"/>
-    <dgm:cxn modelId="{73DF8868-BA0F-5840-86F7-D8DACD04A8E0}" type="presParOf" srcId="{B11CCD31-76F2-3644-8858-26C20DBD3A4F}" destId="{9A92D3BA-53DE-6443-AF8D-486F5AB97D9E}" srcOrd="1" destOrd="0" presId="urn:microsoft.com/office/officeart/2005/8/layout/process5"/>
-    <dgm:cxn modelId="{17ABDCC5-9393-F844-8433-5469C13038C8}" type="presParOf" srcId="{9A92D3BA-53DE-6443-AF8D-486F5AB97D9E}" destId="{F8FBBC2F-0839-8145-92AC-4CF009DE17F8}" srcOrd="0" destOrd="0" presId="urn:microsoft.com/office/officeart/2005/8/layout/process5"/>
-    <dgm:cxn modelId="{BE60BEFE-28CC-CE4F-B2B6-ABDA3484F538}" type="presParOf" srcId="{B11CCD31-76F2-3644-8858-26C20DBD3A4F}" destId="{5B62A70B-3A44-024D-BB84-A8A6465A0979}" srcOrd="2" destOrd="0" presId="urn:microsoft.com/office/officeart/2005/8/layout/process5"/>
-    <dgm:cxn modelId="{081E668C-0654-E543-B848-923423A203BB}" type="presParOf" srcId="{B11CCD31-76F2-3644-8858-26C20DBD3A4F}" destId="{5B342A96-0CAB-EE41-B1E4-1F09F6EBA99C}" srcOrd="3" destOrd="0" presId="urn:microsoft.com/office/officeart/2005/8/layout/process5"/>
-    <dgm:cxn modelId="{1C38B7F2-EF67-3643-B43B-9F502F9C2876}" type="presParOf" srcId="{5B342A96-0CAB-EE41-B1E4-1F09F6EBA99C}" destId="{CBBF2762-AD49-5744-BAAF-AC4041F7F7F2}" srcOrd="0" destOrd="0" presId="urn:microsoft.com/office/officeart/2005/8/layout/process5"/>
-    <dgm:cxn modelId="{8796F480-35A4-344F-B364-9C10AAC81525}" type="presParOf" srcId="{B11CCD31-76F2-3644-8858-26C20DBD3A4F}" destId="{E5CA8EE2-FFD3-7749-AF66-96C6D13EB06D}" srcOrd="4" destOrd="0" presId="urn:microsoft.com/office/officeart/2005/8/layout/process5"/>
-    <dgm:cxn modelId="{E38AFB33-0CB3-A348-88A0-7A02874262F3}" type="presParOf" srcId="{B11CCD31-76F2-3644-8858-26C20DBD3A4F}" destId="{7576D503-EE2F-B74C-B59F-3A8B9EB08FCC}" srcOrd="5" destOrd="0" presId="urn:microsoft.com/office/officeart/2005/8/layout/process5"/>
-    <dgm:cxn modelId="{03F05417-BC74-DF40-A1F3-D8E3B7CD1263}" type="presParOf" srcId="{7576D503-EE2F-B74C-B59F-3A8B9EB08FCC}" destId="{4D0A328B-AB62-2E47-8030-EB3EDA4D3859}" srcOrd="0" destOrd="0" presId="urn:microsoft.com/office/officeart/2005/8/layout/process5"/>
-    <dgm:cxn modelId="{83F2F300-3CE7-594C-9C78-BD0A35E613D9}" type="presParOf" srcId="{B11CCD31-76F2-3644-8858-26C20DBD3A4F}" destId="{A1931E3A-792A-784F-8E72-70256A791197}" srcOrd="6" destOrd="0" presId="urn:microsoft.com/office/officeart/2005/8/layout/process5"/>
-  </dgm:cxnLst>
-  <dgm:bg/>
-  <dgm:whole/>
-  <dgm:extLst>
-    <a:ext uri="http://schemas.microsoft.com/office/drawing/2008/diagram">
-      <dsp:dataModelExt xmlns:dsp="http://schemas.microsoft.com/office/drawing/2008/diagram" relId="rId6" minVer="http://schemas.openxmlformats.org/drawingml/2006/diagram"/>
-    </a:ext>
-  </dgm:extLst>
-</dgm:dataModel>
-</file>
-
-<file path=ppt/diagrams/drawing1.xml><?xml version="1.0" encoding="utf-8"?>
-<dsp:drawing xmlns:dgm="http://schemas.openxmlformats.org/drawingml/2006/diagram" xmlns:dsp="http://schemas.microsoft.com/office/drawing/2008/diagram" xmlns:a="http://schemas.openxmlformats.org/drawingml/2006/main">
-  <dsp:spTree>
-    <dsp:nvGrpSpPr>
-      <dsp:cNvPr id="0" name=""/>
-      <dsp:cNvGrpSpPr/>
-    </dsp:nvGrpSpPr>
-    <dsp:grpSpPr/>
-    <dsp:sp modelId="{D7ECB61C-E621-4E4D-A371-65481E548845}">
-      <dsp:nvSpPr>
-        <dsp:cNvPr id="0" name=""/>
-        <dsp:cNvSpPr/>
-      </dsp:nvSpPr>
-      <dsp:spPr>
-        <a:xfrm>
-          <a:off x="846" y="1369907"/>
-          <a:ext cx="1805874" cy="1083524"/>
-        </a:xfrm>
-        <a:prstGeom prst="roundRect">
-          <a:avLst>
-            <a:gd name="adj" fmla="val 10000"/>
-          </a:avLst>
-        </a:prstGeom>
-        <a:solidFill>
-          <a:schemeClr val="accent1">
-            <a:hueOff val="0"/>
-            <a:satOff val="0"/>
-            <a:lumOff val="0"/>
-            <a:alphaOff val="0"/>
-          </a:schemeClr>
-        </a:solidFill>
-        <a:ln w="25400" cap="flat" cmpd="sng" algn="ctr">
-          <a:solidFill>
-            <a:schemeClr val="accent5">
-              <a:lumMod val="40000"/>
-              <a:lumOff val="60000"/>
-            </a:schemeClr>
-          </a:solidFill>
-          <a:prstDash val="solid"/>
-        </a:ln>
-        <a:effectLst/>
-      </dsp:spPr>
-      <dsp:style>
-        <a:lnRef idx="2">
-          <a:scrgbClr r="0" g="0" b="0"/>
-        </a:lnRef>
-        <a:fillRef idx="1">
-          <a:scrgbClr r="0" g="0" b="0"/>
-        </a:fillRef>
-        <a:effectRef idx="0">
-          <a:scrgbClr r="0" g="0" b="0"/>
-        </a:effectRef>
-        <a:fontRef idx="minor">
-          <a:schemeClr val="lt1"/>
-        </a:fontRef>
-      </dsp:style>
-      <dsp:txBody>
-        <a:bodyPr spcFirstLastPara="0" vert="horz" wrap="square" lIns="57150" tIns="57150" rIns="57150" bIns="57150" numCol="1" spcCol="1270" anchor="ctr" anchorCtr="0">
-          <a:noAutofit/>
-        </a:bodyPr>
-        <a:lstStyle/>
-        <a:p>
-          <a:pPr marL="0" lvl="0" indent="0" algn="ctr" defTabSz="666750">
-            <a:lnSpc>
-              <a:spcPct val="90000"/>
-            </a:lnSpc>
-            <a:spcBef>
-              <a:spcPct val="0"/>
-            </a:spcBef>
-            <a:spcAft>
-              <a:spcPct val="35000"/>
-            </a:spcAft>
-            <a:buNone/>
-          </a:pPr>
-          <a:r>
-            <a:rPr lang="en-US" sz="1500" b="0" i="0" kern="1200" dirty="0"/>
-            <a:t>Grouping accounts created from same IP address </a:t>
-          </a:r>
-          <a:endParaRPr lang="en-US" sz="1500" kern="1200" dirty="0"/>
-        </a:p>
-      </dsp:txBody>
-      <dsp:txXfrm>
-        <a:off x="32581" y="1401642"/>
-        <a:ext cx="1742404" cy="1020054"/>
-      </dsp:txXfrm>
-    </dsp:sp>
-    <dsp:sp modelId="{9A92D3BA-53DE-6443-AF8D-486F5AB97D9E}">
-      <dsp:nvSpPr>
-        <dsp:cNvPr id="0" name=""/>
-        <dsp:cNvSpPr/>
-      </dsp:nvSpPr>
-      <dsp:spPr>
-        <a:xfrm>
-          <a:off x="1965638" y="1687741"/>
-          <a:ext cx="382845" cy="447856"/>
-        </a:xfrm>
-        <a:prstGeom prst="rightArrow">
-          <a:avLst>
-            <a:gd name="adj1" fmla="val 60000"/>
-            <a:gd name="adj2" fmla="val 50000"/>
-          </a:avLst>
-        </a:prstGeom>
-        <a:solidFill>
-          <a:schemeClr val="accent1">
-            <a:tint val="60000"/>
-            <a:hueOff val="0"/>
-            <a:satOff val="0"/>
-            <a:lumOff val="0"/>
-            <a:alphaOff val="0"/>
-          </a:schemeClr>
-        </a:solidFill>
-        <a:ln>
-          <a:noFill/>
-        </a:ln>
-        <a:effectLst/>
-      </dsp:spPr>
-      <dsp:style>
-        <a:lnRef idx="0">
-          <a:scrgbClr r="0" g="0" b="0"/>
-        </a:lnRef>
-        <a:fillRef idx="1">
-          <a:scrgbClr r="0" g="0" b="0"/>
-        </a:fillRef>
-        <a:effectRef idx="0">
-          <a:scrgbClr r="0" g="0" b="0"/>
-        </a:effectRef>
-        <a:fontRef idx="minor">
-          <a:schemeClr val="lt1"/>
-        </a:fontRef>
-      </dsp:style>
-      <dsp:txBody>
-        <a:bodyPr spcFirstLastPara="0" vert="horz" wrap="square" lIns="0" tIns="0" rIns="0" bIns="0" numCol="1" spcCol="1270" anchor="ctr" anchorCtr="0">
-          <a:noAutofit/>
-        </a:bodyPr>
-        <a:lstStyle/>
-        <a:p>
-          <a:pPr marL="0" lvl="0" indent="0" algn="ctr" defTabSz="533400">
-            <a:lnSpc>
-              <a:spcPct val="90000"/>
-            </a:lnSpc>
-            <a:spcBef>
-              <a:spcPct val="0"/>
-            </a:spcBef>
-            <a:spcAft>
-              <a:spcPct val="35000"/>
-            </a:spcAft>
-            <a:buNone/>
-          </a:pPr>
-          <a:endParaRPr lang="en-US" sz="1200" kern="1200"/>
-        </a:p>
-      </dsp:txBody>
-      <dsp:txXfrm>
-        <a:off x="1965638" y="1777312"/>
-        <a:ext cx="267992" cy="268714"/>
-      </dsp:txXfrm>
-    </dsp:sp>
-    <dsp:sp modelId="{5B62A70B-3A44-024D-BB84-A8A6465A0979}">
-      <dsp:nvSpPr>
-        <dsp:cNvPr id="0" name=""/>
-        <dsp:cNvSpPr/>
-      </dsp:nvSpPr>
-      <dsp:spPr>
-        <a:xfrm>
-          <a:off x="2529071" y="1369907"/>
-          <a:ext cx="1805874" cy="1083524"/>
-        </a:xfrm>
-        <a:prstGeom prst="roundRect">
-          <a:avLst>
-            <a:gd name="adj" fmla="val 10000"/>
-          </a:avLst>
-        </a:prstGeom>
-        <a:solidFill>
-          <a:srgbClr val="F86800"/>
-        </a:solidFill>
-        <a:ln w="25400" cap="flat" cmpd="sng" algn="ctr">
-          <a:solidFill>
-            <a:schemeClr val="lt1">
-              <a:hueOff val="0"/>
-              <a:satOff val="0"/>
-              <a:lumOff val="0"/>
-              <a:alphaOff val="0"/>
-            </a:schemeClr>
-          </a:solidFill>
-          <a:prstDash val="solid"/>
-        </a:ln>
-        <a:effectLst/>
-      </dsp:spPr>
-      <dsp:style>
-        <a:lnRef idx="2">
-          <a:scrgbClr r="0" g="0" b="0"/>
-        </a:lnRef>
-        <a:fillRef idx="1">
-          <a:scrgbClr r="0" g="0" b="0"/>
-        </a:fillRef>
-        <a:effectRef idx="0">
-          <a:scrgbClr r="0" g="0" b="0"/>
-        </a:effectRef>
-        <a:fontRef idx="minor">
-          <a:schemeClr val="lt1"/>
-        </a:fontRef>
-      </dsp:style>
-      <dsp:txBody>
-        <a:bodyPr spcFirstLastPara="0" vert="horz" wrap="square" lIns="57150" tIns="57150" rIns="57150" bIns="57150" numCol="1" spcCol="1270" anchor="ctr" anchorCtr="0">
-          <a:noAutofit/>
-        </a:bodyPr>
-        <a:lstStyle/>
-        <a:p>
-          <a:pPr marL="0" lvl="0" indent="0" algn="ctr" defTabSz="666750">
-            <a:lnSpc>
-              <a:spcPct val="90000"/>
-            </a:lnSpc>
-            <a:spcBef>
-              <a:spcPct val="0"/>
-            </a:spcBef>
-            <a:spcAft>
-              <a:spcPct val="35000"/>
-            </a:spcAft>
-            <a:buNone/>
-          </a:pPr>
-          <a:r>
-            <a:rPr lang="en-US" sz="1500" b="0" i="0" kern="1200" dirty="0"/>
-            <a:t>Sorting them by timestamp</a:t>
-          </a:r>
-          <a:endParaRPr lang="en-US" sz="1500" kern="1200" dirty="0"/>
-        </a:p>
-      </dsp:txBody>
-      <dsp:txXfrm>
-        <a:off x="2560806" y="1401642"/>
-        <a:ext cx="1742404" cy="1020054"/>
-      </dsp:txXfrm>
-    </dsp:sp>
-    <dsp:sp modelId="{5B342A96-0CAB-EE41-B1E4-1F09F6EBA99C}">
-      <dsp:nvSpPr>
-        <dsp:cNvPr id="0" name=""/>
-        <dsp:cNvSpPr/>
-      </dsp:nvSpPr>
-      <dsp:spPr>
-        <a:xfrm rot="5400000">
-          <a:off x="3240586" y="2579843"/>
-          <a:ext cx="382845" cy="447856"/>
-        </a:xfrm>
-        <a:prstGeom prst="rightArrow">
-          <a:avLst>
-            <a:gd name="adj1" fmla="val 60000"/>
-            <a:gd name="adj2" fmla="val 50000"/>
-          </a:avLst>
-        </a:prstGeom>
-        <a:solidFill>
-          <a:schemeClr val="accent1">
-            <a:tint val="60000"/>
-            <a:hueOff val="0"/>
-            <a:satOff val="0"/>
-            <a:lumOff val="0"/>
-            <a:alphaOff val="0"/>
-          </a:schemeClr>
-        </a:solidFill>
-        <a:ln>
-          <a:noFill/>
-        </a:ln>
-        <a:effectLst/>
-      </dsp:spPr>
-      <dsp:style>
-        <a:lnRef idx="0">
-          <a:scrgbClr r="0" g="0" b="0"/>
-        </a:lnRef>
-        <a:fillRef idx="1">
-          <a:scrgbClr r="0" g="0" b="0"/>
-        </a:fillRef>
-        <a:effectRef idx="0">
-          <a:scrgbClr r="0" g="0" b="0"/>
-        </a:effectRef>
-        <a:fontRef idx="minor">
-          <a:schemeClr val="lt1"/>
-        </a:fontRef>
-      </dsp:style>
-      <dsp:txBody>
-        <a:bodyPr spcFirstLastPara="0" vert="horz" wrap="square" lIns="0" tIns="0" rIns="0" bIns="0" numCol="1" spcCol="1270" anchor="ctr" anchorCtr="0">
-          <a:noAutofit/>
-        </a:bodyPr>
-        <a:lstStyle/>
-        <a:p>
-          <a:pPr marL="0" lvl="0" indent="0" algn="ctr" defTabSz="533400">
-            <a:lnSpc>
-              <a:spcPct val="90000"/>
-            </a:lnSpc>
-            <a:spcBef>
-              <a:spcPct val="0"/>
-            </a:spcBef>
-            <a:spcAft>
-              <a:spcPct val="35000"/>
-            </a:spcAft>
-            <a:buNone/>
-          </a:pPr>
-          <a:endParaRPr lang="en-US" sz="1200" kern="1200"/>
-        </a:p>
-      </dsp:txBody>
-      <dsp:txXfrm rot="-5400000">
-        <a:off x="3297652" y="2612349"/>
-        <a:ext cx="268714" cy="267992"/>
-      </dsp:txXfrm>
-    </dsp:sp>
-    <dsp:sp modelId="{E5CA8EE2-FFD3-7749-AF66-96C6D13EB06D}">
-      <dsp:nvSpPr>
-        <dsp:cNvPr id="0" name=""/>
-        <dsp:cNvSpPr/>
-      </dsp:nvSpPr>
-      <dsp:spPr>
-        <a:xfrm>
-          <a:off x="2529071" y="3175781"/>
-          <a:ext cx="1805874" cy="1083524"/>
-        </a:xfrm>
-        <a:prstGeom prst="roundRect">
-          <a:avLst>
-            <a:gd name="adj" fmla="val 10000"/>
-          </a:avLst>
-        </a:prstGeom>
-        <a:solidFill>
-          <a:schemeClr val="accent1">
-            <a:hueOff val="0"/>
-            <a:satOff val="0"/>
-            <a:lumOff val="0"/>
-            <a:alphaOff val="0"/>
-          </a:schemeClr>
-        </a:solidFill>
-        <a:ln w="25400" cap="flat" cmpd="sng" algn="ctr">
-          <a:solidFill>
-            <a:schemeClr val="lt1">
-              <a:hueOff val="0"/>
-              <a:satOff val="0"/>
-              <a:lumOff val="0"/>
-              <a:alphaOff val="0"/>
-            </a:schemeClr>
-          </a:solidFill>
-          <a:prstDash val="solid"/>
-        </a:ln>
-        <a:effectLst/>
-      </dsp:spPr>
-      <dsp:style>
-        <a:lnRef idx="2">
-          <a:scrgbClr r="0" g="0" b="0"/>
-        </a:lnRef>
-        <a:fillRef idx="1">
-          <a:scrgbClr r="0" g="0" b="0"/>
-        </a:fillRef>
-        <a:effectRef idx="0">
-          <a:scrgbClr r="0" g="0" b="0"/>
-        </a:effectRef>
-        <a:fontRef idx="minor">
-          <a:schemeClr val="lt1"/>
-        </a:fontRef>
-      </dsp:style>
-      <dsp:txBody>
-        <a:bodyPr spcFirstLastPara="0" vert="horz" wrap="square" lIns="57150" tIns="57150" rIns="57150" bIns="57150" numCol="1" spcCol="1270" anchor="ctr" anchorCtr="0">
-          <a:noAutofit/>
-        </a:bodyPr>
-        <a:lstStyle/>
-        <a:p>
-          <a:pPr marL="0" lvl="0" indent="0" algn="ctr" defTabSz="666750">
-            <a:lnSpc>
-              <a:spcPct val="90000"/>
-            </a:lnSpc>
-            <a:spcBef>
-              <a:spcPct val="0"/>
-            </a:spcBef>
-            <a:spcAft>
-              <a:spcPct val="35000"/>
-            </a:spcAft>
-            <a:buNone/>
-          </a:pPr>
-          <a:r>
-            <a:rPr lang="en-US" sz="1500" b="0" i="0" kern="1200" dirty="0"/>
-            <a:t>Validating time difference for these accounts</a:t>
-          </a:r>
-          <a:endParaRPr lang="en-US" sz="1500" kern="1200" dirty="0"/>
-        </a:p>
-      </dsp:txBody>
-      <dsp:txXfrm>
-        <a:off x="2560806" y="3207516"/>
-        <a:ext cx="1742404" cy="1020054"/>
-      </dsp:txXfrm>
-    </dsp:sp>
-    <dsp:sp modelId="{7576D503-EE2F-B74C-B59F-3A8B9EB08FCC}">
-      <dsp:nvSpPr>
-        <dsp:cNvPr id="0" name=""/>
-        <dsp:cNvSpPr/>
-      </dsp:nvSpPr>
-      <dsp:spPr>
-        <a:xfrm rot="10800000">
-          <a:off x="1987309" y="3493615"/>
-          <a:ext cx="382845" cy="447856"/>
-        </a:xfrm>
-        <a:prstGeom prst="rightArrow">
-          <a:avLst>
-            <a:gd name="adj1" fmla="val 60000"/>
-            <a:gd name="adj2" fmla="val 50000"/>
-          </a:avLst>
-        </a:prstGeom>
-        <a:solidFill>
-          <a:schemeClr val="accent1">
-            <a:tint val="60000"/>
-            <a:hueOff val="0"/>
-            <a:satOff val="0"/>
-            <a:lumOff val="0"/>
-            <a:alphaOff val="0"/>
-          </a:schemeClr>
-        </a:solidFill>
-        <a:ln>
-          <a:noFill/>
-        </a:ln>
-        <a:effectLst/>
-      </dsp:spPr>
-      <dsp:style>
-        <a:lnRef idx="0">
-          <a:scrgbClr r="0" g="0" b="0"/>
-        </a:lnRef>
-        <a:fillRef idx="1">
-          <a:scrgbClr r="0" g="0" b="0"/>
-        </a:fillRef>
-        <a:effectRef idx="0">
-          <a:scrgbClr r="0" g="0" b="0"/>
-        </a:effectRef>
-        <a:fontRef idx="minor">
-          <a:schemeClr val="lt1"/>
-        </a:fontRef>
-      </dsp:style>
-      <dsp:txBody>
-        <a:bodyPr spcFirstLastPara="0" vert="horz" wrap="square" lIns="0" tIns="0" rIns="0" bIns="0" numCol="1" spcCol="1270" anchor="ctr" anchorCtr="0">
-          <a:noAutofit/>
-        </a:bodyPr>
-        <a:lstStyle/>
-        <a:p>
-          <a:pPr marL="0" lvl="0" indent="0" algn="ctr" defTabSz="533400">
-            <a:lnSpc>
-              <a:spcPct val="90000"/>
-            </a:lnSpc>
-            <a:spcBef>
-              <a:spcPct val="0"/>
-            </a:spcBef>
-            <a:spcAft>
-              <a:spcPct val="35000"/>
-            </a:spcAft>
-            <a:buNone/>
-          </a:pPr>
-          <a:endParaRPr lang="en-US" sz="1200" kern="1200"/>
-        </a:p>
-      </dsp:txBody>
-      <dsp:txXfrm rot="10800000">
-        <a:off x="2102162" y="3583186"/>
-        <a:ext cx="267992" cy="268714"/>
-      </dsp:txXfrm>
-    </dsp:sp>
-    <dsp:sp modelId="{A1931E3A-792A-784F-8E72-70256A791197}">
-      <dsp:nvSpPr>
-        <dsp:cNvPr id="0" name=""/>
-        <dsp:cNvSpPr/>
-      </dsp:nvSpPr>
-      <dsp:spPr>
-        <a:xfrm>
-          <a:off x="846" y="3175781"/>
-          <a:ext cx="1805874" cy="1083524"/>
-        </a:xfrm>
-        <a:prstGeom prst="roundRect">
-          <a:avLst>
-            <a:gd name="adj" fmla="val 10000"/>
-          </a:avLst>
-        </a:prstGeom>
-        <a:solidFill>
-          <a:srgbClr val="F86800"/>
-        </a:solidFill>
-        <a:ln w="25400" cap="flat" cmpd="sng" algn="ctr">
-          <a:solidFill>
-            <a:schemeClr val="lt1">
-              <a:hueOff val="0"/>
-              <a:satOff val="0"/>
-              <a:lumOff val="0"/>
-              <a:alphaOff val="0"/>
-            </a:schemeClr>
-          </a:solidFill>
-          <a:prstDash val="solid"/>
-        </a:ln>
-        <a:effectLst/>
-      </dsp:spPr>
-      <dsp:style>
-        <a:lnRef idx="2">
-          <a:scrgbClr r="0" g="0" b="0"/>
-        </a:lnRef>
-        <a:fillRef idx="1">
-          <a:scrgbClr r="0" g="0" b="0"/>
-        </a:fillRef>
-        <a:effectRef idx="0">
-          <a:scrgbClr r="0" g="0" b="0"/>
-        </a:effectRef>
-        <a:fontRef idx="minor">
-          <a:schemeClr val="lt1"/>
-        </a:fontRef>
-      </dsp:style>
-      <dsp:txBody>
-        <a:bodyPr spcFirstLastPara="0" vert="horz" wrap="square" lIns="57150" tIns="57150" rIns="57150" bIns="57150" numCol="1" spcCol="1270" anchor="ctr" anchorCtr="0">
-          <a:noAutofit/>
-        </a:bodyPr>
-        <a:lstStyle/>
-        <a:p>
-          <a:pPr marL="0" lvl="0" indent="0" algn="ctr" defTabSz="666750">
-            <a:lnSpc>
-              <a:spcPct val="90000"/>
-            </a:lnSpc>
-            <a:spcBef>
-              <a:spcPct val="0"/>
-            </a:spcBef>
-            <a:spcAft>
-              <a:spcPct val="35000"/>
-            </a:spcAft>
-            <a:buNone/>
-          </a:pPr>
-          <a:r>
-            <a:rPr lang="en-US" sz="1500" kern="1200" dirty="0"/>
-            <a:t>Filtering out the accounts that were created in less than 3 minutes</a:t>
-          </a:r>
-        </a:p>
-      </dsp:txBody>
-      <dsp:txXfrm>
-        <a:off x="32581" y="3207516"/>
-        <a:ext cx="1742404" cy="1020054"/>
-      </dsp:txXfrm>
-    </dsp:sp>
-  </dsp:spTree>
-</dsp:drawing>
-</file>
-
-<file path=ppt/diagrams/layout1.xml><?xml version="1.0" encoding="utf-8"?>
-<dgm:layoutDef xmlns:dgm="http://schemas.openxmlformats.org/drawingml/2006/diagram" xmlns:a="http://schemas.openxmlformats.org/drawingml/2006/main" uniqueId="urn:microsoft.com/office/officeart/2005/8/layout/process5">
-  <dgm:title val=""/>
-  <dgm:desc val=""/>
-  <dgm:catLst>
-    <dgm:cat type="process" pri="17000"/>
-  </dgm:catLst>
-  <dgm:sampData>
-    <dgm:dataModel>
-      <dgm:ptLst>
-        <dgm:pt modelId="0" type="doc"/>
-        <dgm:pt modelId="1">
-          <dgm:prSet phldr="1"/>
-        </dgm:pt>
-        <dgm:pt modelId="2">
-          <dgm:prSet phldr="1"/>
-        </dgm:pt>
-        <dgm:pt modelId="3">
-          <dgm:prSet phldr="1"/>
-        </dgm:pt>
-        <dgm:pt modelId="4">
-          <dgm:prSet phldr="1"/>
-        </dgm:pt>
-        <dgm:pt modelId="5">
-          <dgm:prSet phldr="1"/>
-        </dgm:pt>
-      </dgm:ptLst>
-      <dgm:cxnLst>
-        <dgm:cxn modelId="7" srcId="0" destId="1" srcOrd="0" destOrd="0"/>
-        <dgm:cxn modelId="8" srcId="0" destId="2" srcOrd="1" destOrd="0"/>
-        <dgm:cxn modelId="9" srcId="0" destId="3" srcOrd="2" destOrd="0"/>
-        <dgm:cxn modelId="10" srcId="0" destId="4" srcOrd="3" destOrd="0"/>
-        <dgm:cxn modelId="11" srcId="0" destId="5" srcOrd="4" destOrd="0"/>
-      </dgm:cxnLst>
-      <dgm:bg/>
-      <dgm:whole/>
-    </dgm:dataModel>
-  </dgm:sampData>
-  <dgm:styleData>
-    <dgm:dataModel>
-      <dgm:ptLst>
-        <dgm:pt modelId="0" type="doc"/>
-        <dgm:pt modelId="1"/>
-        <dgm:pt modelId="2"/>
-      </dgm:ptLst>
-      <dgm:cxnLst>
-        <dgm:cxn modelId="3" srcId="0" destId="1" srcOrd="0" destOrd="0"/>
-        <dgm:cxn modelId="4" srcId="0" destId="2" srcOrd="1" destOrd="0"/>
-      </dgm:cxnLst>
-      <dgm:bg/>
-      <dgm:whole/>
-    </dgm:dataModel>
-  </dgm:styleData>
-  <dgm:clrData>
-    <dgm:dataModel>
-      <dgm:ptLst>
-        <dgm:pt modelId="0" type="doc"/>
-        <dgm:pt modelId="1"/>
-        <dgm:pt modelId="2"/>
-        <dgm:pt modelId="3"/>
-        <dgm:pt modelId="4"/>
-      </dgm:ptLst>
-      <dgm:cxnLst>
-        <dgm:cxn modelId="5" srcId="0" destId="1" srcOrd="0" destOrd="0"/>
-        <dgm:cxn modelId="6" srcId="0" destId="2" srcOrd="1" destOrd="0"/>
-        <dgm:cxn modelId="7" srcId="0" destId="3" srcOrd="2" destOrd="0"/>
-        <dgm:cxn modelId="8" srcId="0" destId="4" srcOrd="3" destOrd="0"/>
-      </dgm:cxnLst>
-      <dgm:bg/>
-      <dgm:whole/>
-    </dgm:dataModel>
-  </dgm:clrData>
-  <dgm:layoutNode name="diagram">
-    <dgm:varLst>
-      <dgm:dir/>
-      <dgm:resizeHandles val="exact"/>
-    </dgm:varLst>
-    <dgm:choose name="Name0">
-      <dgm:if name="Name1" axis="self" func="var" arg="dir" op="equ" val="norm">
-        <dgm:alg type="snake">
-          <dgm:param type="grDir" val="tL"/>
-          <dgm:param type="flowDir" val="row"/>
-          <dgm:param type="contDir" val="revDir"/>
-          <dgm:param type="bkpt" val="endCnv"/>
-        </dgm:alg>
-      </dgm:if>
-      <dgm:else name="Name2">
-        <dgm:alg type="snake">
-          <dgm:param type="grDir" val="tR"/>
-          <dgm:param type="flowDir" val="row"/>
-          <dgm:param type="contDir" val="revDir"/>
-          <dgm:param type="bkpt" val="endCnv"/>
-        </dgm:alg>
-      </dgm:else>
-    </dgm:choose>
-    <dgm:shape xmlns:r="http://schemas.openxmlformats.org/officeDocument/2006/relationships" r:blip="">
-      <dgm:adjLst/>
-    </dgm:shape>
-    <dgm:presOf/>
-    <dgm:constrLst>
-      <dgm:constr type="w" for="ch" ptType="node" refType="w"/>
-      <dgm:constr type="w" for="ch" forName="sibTrans" refType="w" refFor="ch" refPtType="node" op="equ" fact="0.4"/>
-      <dgm:constr type="sp" refType="w" refFor="ch" refForName="sibTrans" op="equ"/>
-      <dgm:constr type="primFontSz" for="ch" ptType="node" op="equ" val="65"/>
-      <dgm:constr type="primFontSz" for="des" forName="connectorText" op="equ" val="55"/>
-      <dgm:constr type="primFontSz" for="des" forName="connectorText" refType="primFontSz" refFor="ch" refPtType="node" op="lte" fact="0.8"/>
-    </dgm:constrLst>
-    <dgm:ruleLst/>
-    <dgm:forEach name="nodesForEach" axis="ch" ptType="node">
-      <dgm:layoutNode name="node">
-        <dgm:varLst>
-          <dgm:bulletEnabled val="1"/>
-        </dgm:varLst>
-        <dgm:alg type="tx"/>
-        <dgm:shape xmlns:r="http://schemas.openxmlformats.org/officeDocument/2006/relationships" type="roundRect" r:blip="">
-          <dgm:adjLst>
-            <dgm:adj idx="1" val="0.1"/>
-          </dgm:adjLst>
-        </dgm:shape>
-        <dgm:presOf axis="desOrSelf" ptType="node"/>
-        <dgm:constrLst>
-          <dgm:constr type="h" refType="w" fact="0.6"/>
-          <dgm:constr type="tMarg" refType="primFontSz" fact="0.3"/>
-          <dgm:constr type="bMarg" refType="primFontSz" fact="0.3"/>
-          <dgm:constr type="lMarg" refType="primFontSz" fact="0.3"/>
-          <dgm:constr type="rMarg" refType="primFontSz" fact="0.3"/>
-        </dgm:constrLst>
-        <dgm:ruleLst>
-          <dgm:rule type="primFontSz" val="5" fact="NaN" max="NaN"/>
-        </dgm:ruleLst>
-      </dgm:layoutNode>
-      <dgm:forEach name="sibTransForEach" axis="followSib" ptType="sibTrans" cnt="1">
-        <dgm:layoutNode name="sibTrans">
-          <dgm:alg type="conn">
-            <dgm:param type="begPts" val="auto"/>
-            <dgm:param type="endPts" val="auto"/>
-          </dgm:alg>
-          <dgm:shape xmlns:r="http://schemas.openxmlformats.org/officeDocument/2006/relationships" type="conn" r:blip="">
-            <dgm:adjLst/>
-          </dgm:shape>
-          <dgm:presOf axis="self"/>
-          <dgm:constrLst>
-            <dgm:constr type="h" refType="w" fact="0.62"/>
-            <dgm:constr type="connDist"/>
-          </dgm:constrLst>
-          <dgm:ruleLst/>
-          <dgm:layoutNode name="connectorText">
-            <dgm:alg type="tx">
-              <dgm:param type="autoTxRot" val="upr"/>
-            </dgm:alg>
-            <dgm:shape xmlns:r="http://schemas.openxmlformats.org/officeDocument/2006/relationships" type="conn" r:blip="" hideGeom="1">
-              <dgm:adjLst/>
-            </dgm:shape>
-            <dgm:presOf axis="self"/>
-            <dgm:constrLst>
-              <dgm:constr type="lMarg"/>
-              <dgm:constr type="rMarg"/>
-              <dgm:constr type="tMarg"/>
-              <dgm:constr type="bMarg"/>
-            </dgm:constrLst>
-            <dgm:ruleLst>
-              <dgm:rule type="primFontSz" val="5" fact="NaN" max="NaN"/>
-            </dgm:ruleLst>
-          </dgm:layoutNode>
-        </dgm:layoutNode>
-      </dgm:forEach>
-    </dgm:forEach>
-  </dgm:layoutNode>
-</dgm:layoutDef>
-</file>
-
-<file path=ppt/diagrams/quickStyle1.xml><?xml version="1.0" encoding="utf-8"?>
-<dgm:styleDef xmlns:dgm="http://schemas.openxmlformats.org/drawingml/2006/diagram" xmlns:a="http://schemas.openxmlformats.org/drawingml/2006/main" uniqueId="urn:microsoft.com/office/officeart/2005/8/quickstyle/simple1">
-  <dgm:title val=""/>
-  <dgm:desc val=""/>
-  <dgm:catLst>
-    <dgm:cat type="simple" pri="10100"/>
-  </dgm:catLst>
-  <dgm:scene3d>
-    <a:camera prst="orthographicFront"/>
-    <a:lightRig rig="threePt" dir="t"/>
-  </dgm:scene3d>
-  <dgm:styleLbl name="node0">
-    <dgm:scene3d>
-      <a:camera prst="orthographicFront"/>
-      <a:lightRig rig="threePt" dir="t"/>
-    </dgm:scene3d>
-    <dgm:sp3d/>
-    <dgm:txPr/>
-    <dgm:style>
-      <a:lnRef idx="2">
-        <a:scrgbClr r="0" g="0" b="0"/>
-      </a:lnRef>
-      <a:fillRef idx="1">
-        <a:scrgbClr r="0" g="0" b="0"/>
-      </a:fillRef>
-      <a:effectRef idx="0">
-        <a:scrgbClr r="0" g="0" b="0"/>
-      </a:effectRef>
-      <a:fontRef idx="minor">
-        <a:schemeClr val="lt1"/>
-      </a:fontRef>
-    </dgm:style>
-  </dgm:styleLbl>
-  <dgm:styleLbl name="lnNode1">
-    <dgm:scene3d>
-      <a:camera prst="orthographicFront"/>
-      <a:lightRig rig="threePt" dir="t"/>
-    </dgm:scene3d>
-    <dgm:sp3d/>
-    <dgm:txPr/>
-    <dgm:style>
-      <a:lnRef idx="2">
-        <a:scrgbClr r="0" g="0" b="0"/>
-      </a:lnRef>
-      <a:fillRef idx="1">
-        <a:scrgbClr r="0" g="0" b="0"/>
-      </a:fillRef>
-      <a:effectRef idx="0">
-        <a:scrgbClr r="0" g="0" b="0"/>
-      </a:effectRef>
-      <a:fontRef idx="minor">
-        <a:schemeClr val="lt1"/>
-      </a:fontRef>
-    </dgm:style>
-  </dgm:styleLbl>
-  <dgm:styleLbl name="vennNode1">
-    <dgm:scene3d>
-      <a:camera prst="orthographicFront"/>
-      <a:lightRig rig="threePt" dir="t"/>
-    </dgm:scene3d>
-    <dgm:sp3d/>
-    <dgm:txPr/>
-    <dgm:style>
-      <a:lnRef idx="2">
-        <a:scrgbClr r="0" g="0" b="0"/>
-      </a:lnRef>
-      <a:fillRef idx="1">
-        <a:scrgbClr r="0" g="0" b="0"/>
-      </a:fillRef>
-      <a:effectRef idx="0">
-        <a:scrgbClr r="0" g="0" b="0"/>
-      </a:effectRef>
-      <a:fontRef idx="minor">
-        <a:schemeClr val="tx1"/>
-      </a:fontRef>
-    </dgm:style>
-  </dgm:styleLbl>
-  <dgm:styleLbl name="alignNode1">
-    <dgm:scene3d>
-      <a:camera prst="orthographicFront"/>
-      <a:lightRig rig="threePt" dir="t"/>
-    </dgm:scene3d>
-    <dgm:sp3d/>
-    <dgm:txPr/>
-    <dgm:style>
-      <a:lnRef idx="2">
-        <a:scrgbClr r="0" g="0" b="0"/>
-      </a:lnRef>
-      <a:fillRef idx="1">
-        <a:scrgbClr r="0" g="0" b="0"/>
-      </a:fillRef>
-      <a:effectRef idx="0">
-        <a:scrgbClr r="0" g="0" b="0"/>
-      </a:effectRef>
-      <a:fontRef idx="minor">
-        <a:schemeClr val="lt1"/>
-      </a:fontRef>
-    </dgm:style>
-  </dgm:styleLbl>
-  <dgm:styleLbl name="node1">
-    <dgm:scene3d>
-      <a:camera prst="orthographicFront"/>
-      <a:lightRig rig="threePt" dir="t"/>
-    </dgm:scene3d>
-    <dgm:sp3d/>
-    <dgm:txPr/>
-    <dgm:style>
-      <a:lnRef idx="2">
-        <a:scrgbClr r="0" g="0" b="0"/>
-      </a:lnRef>
-      <a:fillRef idx="1">
-        <a:scrgbClr r="0" g="0" b="0"/>
-      </a:fillRef>
-      <a:effectRef idx="0">
-        <a:scrgbClr r="0" g="0" b="0"/>
-      </a:effectRef>
-      <a:fontRef idx="minor">
-        <a:schemeClr val="lt1"/>
-      </a:fontRef>
-    </dgm:style>
-  </dgm:styleLbl>
-  <dgm:styleLbl name="node2">
-    <dgm:scene3d>
-      <a:camera prst="orthographicFront"/>
-      <a:lightRig rig="threePt" dir="t"/>
-    </dgm:scene3d>
-    <dgm:sp3d/>
-    <dgm:txPr/>
-    <dgm:style>
-      <a:lnRef idx="2">
-        <a:scrgbClr r="0" g="0" b="0"/>
-      </a:lnRef>
-      <a:fillRef idx="1">
-        <a:scrgbClr r="0" g="0" b="0"/>
-      </a:fillRef>
-      <a:effectRef idx="0">
-        <a:scrgbClr r="0" g="0" b="0"/>
-      </a:effectRef>
-      <a:fontRef idx="minor">
-        <a:schemeClr val="lt1"/>
-      </a:fontRef>
-    </dgm:style>
-  </dgm:styleLbl>
-  <dgm:styleLbl name="node3">
-    <dgm:scene3d>
-      <a:camera prst="orthographicFront"/>
-      <a:lightRig rig="threePt" dir="t"/>
-    </dgm:scene3d>
-    <dgm:sp3d/>
-    <dgm:txPr/>
-    <dgm:style>
-      <a:lnRef idx="2">
-        <a:scrgbClr r="0" g="0" b="0"/>
-      </a:lnRef>
-      <a:fillRef idx="1">
-        <a:scrgbClr r="0" g="0" b="0"/>
-      </a:fillRef>
-      <a:effectRef idx="0">
-        <a:scrgbClr r="0" g="0" b="0"/>
-      </a:effectRef>
-      <a:fontRef idx="minor">
-        <a:schemeClr val="lt1"/>
-      </a:fontRef>
-    </dgm:style>
-  </dgm:styleLbl>
-  <dgm:styleLbl name="node4">
-    <dgm:scene3d>
-      <a:camera prst="orthographicFront"/>
-      <a:lightRig rig="threePt" dir="t"/>
-    </dgm:scene3d>
-    <dgm:sp3d/>
-    <dgm:txPr/>
-    <dgm:style>
-      <a:lnRef idx="2">
-        <a:scrgbClr r="0" g="0" b="0"/>
-      </a:lnRef>
-      <a:fillRef idx="1">
-        <a:scrgbClr r="0" g="0" b="0"/>
-      </a:fillRef>
-      <a:effectRef idx="0">
-        <a:scrgbClr r="0" g="0" b="0"/>
-      </a:effectRef>
-      <a:fontRef idx="minor">
-        <a:schemeClr val="lt1"/>
-      </a:fontRef>
-    </dgm:style>
-  </dgm:styleLbl>
-  <dgm:styleLbl name="fgImgPlace1">
-    <dgm:scene3d>
-      <a:camera prst="orthographicFront"/>
-      <a:lightRig rig="threePt" dir="t"/>
-    </dgm:scene3d>
-    <dgm:sp3d/>
-    <dgm:txPr/>
-    <dgm:style>
-      <a:lnRef idx="2">
-        <a:scrgbClr r="0" g="0" b="0"/>
-      </a:lnRef>
-      <a:fillRef idx="1">
-        <a:scrgbClr r="0" g="0" b="0"/>
-      </a:fillRef>
-      <a:effectRef idx="0">
-        <a:scrgbClr r="0" g="0" b="0"/>
-      </a:effectRef>
-      <a:fontRef idx="minor"/>
-    </dgm:style>
-  </dgm:styleLbl>
-  <dgm:styleLbl name="alignImgPlace1">
-    <dgm:scene3d>
-      <a:camera prst="orthographicFront"/>
-      <a:lightRig rig="threePt" dir="t"/>
-    </dgm:scene3d>
-    <dgm:sp3d/>
-    <dgm:txPr/>
-    <dgm:style>
-      <a:lnRef idx="2">
-        <a:scrgbClr r="0" g="0" b="0"/>
-      </a:lnRef>
-      <a:fillRef idx="1">
-        <a:scrgbClr r="0" g="0" b="0"/>
-      </a:fillRef>
-      <a:effectRef idx="0">
-        <a:scrgbClr r="0" g="0" b="0"/>
-      </a:effectRef>
-      <a:fontRef idx="minor"/>
-    </dgm:style>
-  </dgm:styleLbl>
-  <dgm:styleLbl name="bgImgPlace1">
-    <dgm:scene3d>
-      <a:camera prst="orthographicFront"/>
-      <a:lightRig rig="threePt" dir="t"/>
-    </dgm:scene3d>
-    <dgm:sp3d/>
-    <dgm:txPr/>
-    <dgm:style>
-      <a:lnRef idx="2">
-        <a:scrgbClr r="0" g="0" b="0"/>
-      </a:lnRef>
-      <a:fillRef idx="1">
-        <a:scrgbClr r="0" g="0" b="0"/>
-      </a:fillRef>
-      <a:effectRef idx="0">
-        <a:scrgbClr r="0" g="0" b="0"/>
-      </a:effectRef>
-      <a:fontRef idx="minor"/>
-    </dgm:style>
-  </dgm:styleLbl>
-  <dgm:styleLbl name="sibTrans2D1">
-    <dgm:scene3d>
-      <a:camera prst="orthographicFront"/>
-      <a:lightRig rig="threePt" dir="t"/>
-    </dgm:scene3d>
-    <dgm:sp3d/>
-    <dgm:txPr/>
-    <dgm:style>
-      <a:lnRef idx="0">
-        <a:scrgbClr r="0" g="0" b="0"/>
-      </a:lnRef>
-      <a:fillRef idx="1">
-        <a:scrgbClr r="0" g="0" b="0"/>
-      </a:fillRef>
-      <a:effectRef idx="0">
-        <a:scrgbClr r="0" g="0" b="0"/>
-      </a:effectRef>
-      <a:fontRef idx="minor">
-        <a:schemeClr val="lt1"/>
-      </a:fontRef>
-    </dgm:style>
-  </dgm:styleLbl>
-  <dgm:styleLbl name="fgSibTrans2D1">
-    <dgm:scene3d>
-      <a:camera prst="orthographicFront"/>
-      <a:lightRig rig="threePt" dir="t"/>
-    </dgm:scene3d>
-    <dgm:sp3d/>
-    <dgm:txPr/>
-    <dgm:style>
-      <a:lnRef idx="0">
-        <a:scrgbClr r="0" g="0" b="0"/>
-      </a:lnRef>
-      <a:fillRef idx="1">
-        <a:scrgbClr r="0" g="0" b="0"/>
-      </a:fillRef>
-      <a:effectRef idx="0">
-        <a:scrgbClr r="0" g="0" b="0"/>
-      </a:effectRef>
-      <a:fontRef idx="minor">
-        <a:schemeClr val="lt1"/>
-      </a:fontRef>
-    </dgm:style>
-  </dgm:styleLbl>
-  <dgm:styleLbl name="bgSibTrans2D1">
-    <dgm:scene3d>
-      <a:camera prst="orthographicFront"/>
-      <a:lightRig rig="threePt" dir="t"/>
-    </dgm:scene3d>
-    <dgm:sp3d/>
-    <dgm:txPr/>
-    <dgm:style>
-      <a:lnRef idx="0">
-        <a:scrgbClr r="0" g="0" b="0"/>
-      </a:lnRef>
-      <a:fillRef idx="1">
-        <a:scrgbClr r="0" g="0" b="0"/>
-      </a:fillRef>
-      <a:effectRef idx="0">
-        <a:scrgbClr r="0" g="0" b="0"/>
-      </a:effectRef>
-      <a:fontRef idx="minor">
-        <a:schemeClr val="lt1"/>
-      </a:fontRef>
-    </dgm:style>
-  </dgm:styleLbl>
-  <dgm:styleLbl name="sibTrans1D1">
-    <dgm:scene3d>
-      <a:camera prst="orthographicFront"/>
-      <a:lightRig rig="threePt" dir="t"/>
-    </dgm:scene3d>
-    <dgm:sp3d/>
-    <dgm:txPr/>
-    <dgm:style>
-      <a:lnRef idx="1">
-        <a:scrgbClr r="0" g="0" b="0"/>
-      </a:lnRef>
-      <a:fillRef idx="0">
-        <a:scrgbClr r="0" g="0" b="0"/>
-      </a:fillRef>
-      <a:effectRef idx="0">
-        <a:scrgbClr r="0" g="0" b="0"/>
-      </a:effectRef>
-      <a:fontRef idx="minor"/>
-    </dgm:style>
-  </dgm:styleLbl>
-  <dgm:styleLbl name="callout">
-    <dgm:scene3d>
-      <a:camera prst="orthographicFront"/>
-      <a:lightRig rig="threePt" dir="t"/>
-    </dgm:scene3d>
-    <dgm:sp3d/>
-    <dgm:txPr/>
-    <dgm:style>
-      <a:lnRef idx="2">
-        <a:scrgbClr r="0" g="0" b="0"/>
-      </a:lnRef>
-      <a:fillRef idx="1">
-        <a:scrgbClr r="0" g="0" b="0"/>
-      </a:fillRef>
-      <a:effectRef idx="0">
-        <a:scrgbClr r="0" g="0" b="0"/>
-      </a:effectRef>
-      <a:fontRef idx="minor"/>
-    </dgm:style>
-  </dgm:styleLbl>
-  <dgm:styleLbl name="asst0">
-    <dgm:scene3d>
-      <a:camera prst="orthographicFront"/>
-      <a:lightRig rig="threePt" dir="t"/>
-    </dgm:scene3d>
-    <dgm:sp3d/>
-    <dgm:txPr/>
-    <dgm:style>
-      <a:lnRef idx="2">
-        <a:scrgbClr r="0" g="0" b="0"/>
-      </a:lnRef>
-      <a:fillRef idx="1">
-        <a:scrgbClr r="0" g="0" b="0"/>
-      </a:fillRef>
-      <a:effectRef idx="0">
-        <a:scrgbClr r="0" g="0" b="0"/>
-      </a:effectRef>
-      <a:fontRef idx="minor">
-        <a:schemeClr val="lt1"/>
-      </a:fontRef>
-    </dgm:style>
-  </dgm:styleLbl>
-  <dgm:styleLbl name="asst1">
-    <dgm:scene3d>
-      <a:camera prst="orthographicFront"/>
-      <a:lightRig rig="threePt" dir="t"/>
-    </dgm:scene3d>
-    <dgm:sp3d/>
-    <dgm:txPr/>
-    <dgm:style>
-      <a:lnRef idx="2">
-        <a:scrgbClr r="0" g="0" b="0"/>
-      </a:lnRef>
-      <a:fillRef idx="1">
-        <a:scrgbClr r="0" g="0" b="0"/>
-      </a:fillRef>
-      <a:effectRef idx="0">
-        <a:scrgbClr r="0" g="0" b="0"/>
-      </a:effectRef>
-      <a:fontRef idx="minor">
-        <a:schemeClr val="lt1"/>
-      </a:fontRef>
-    </dgm:style>
-  </dgm:styleLbl>
-  <dgm:styleLbl name="asst2">
-    <dgm:scene3d>
-      <a:camera prst="orthographicFront"/>
-      <a:lightRig rig="threePt" dir="t"/>
-    </dgm:scene3d>
-    <dgm:sp3d/>
-    <dgm:txPr/>
-    <dgm:style>
-      <a:lnRef idx="2">
-        <a:scrgbClr r="0" g="0" b="0"/>
-      </a:lnRef>
-      <a:fillRef idx="1">
-        <a:scrgbClr r="0" g="0" b="0"/>
-      </a:fillRef>
-      <a:effectRef idx="0">
-        <a:scrgbClr r="0" g="0" b="0"/>
-      </a:effectRef>
-      <a:fontRef idx="minor">
-        <a:schemeClr val="lt1"/>
-      </a:fontRef>
-    </dgm:style>
-  </dgm:styleLbl>
-  <dgm:styleLbl name="asst3">
-    <dgm:scene3d>
-      <a:camera prst="orthographicFront"/>
-      <a:lightRig rig="threePt" dir="t"/>
-    </dgm:scene3d>
-    <dgm:sp3d/>
-    <dgm:txPr/>
-    <dgm:style>
-      <a:lnRef idx="2">
-        <a:scrgbClr r="0" g="0" b="0"/>
-      </a:lnRef>
-      <a:fillRef idx="1">
-        <a:scrgbClr r="0" g="0" b="0"/>
-      </a:fillRef>
-      <a:effectRef idx="0">
-        <a:scrgbClr r="0" g="0" b="0"/>
-      </a:effectRef>
-      <a:fontRef idx="minor">
-        <a:schemeClr val="lt1"/>
-      </a:fontRef>
-    </dgm:style>
-  </dgm:styleLbl>
-  <dgm:styleLbl name="asst4">
-    <dgm:scene3d>
-      <a:camera prst="orthographicFront"/>
-      <a:lightRig rig="threePt" dir="t"/>
-    </dgm:scene3d>
-    <dgm:sp3d/>
-    <dgm:txPr/>
-    <dgm:style>
-      <a:lnRef idx="2">
-        <a:scrgbClr r="0" g="0" b="0"/>
-      </a:lnRef>
-      <a:fillRef idx="1">
-        <a:scrgbClr r="0" g="0" b="0"/>
-      </a:fillRef>
-      <a:effectRef idx="0">
-        <a:scrgbClr r="0" g="0" b="0"/>
-      </a:effectRef>
-      <a:fontRef idx="minor">
-        <a:schemeClr val="lt1"/>
-      </a:fontRef>
-    </dgm:style>
-  </dgm:styleLbl>
-  <dgm:styleLbl name="parChTrans2D1">
-    <dgm:scene3d>
-      <a:camera prst="orthographicFront"/>
-      <a:lightRig rig="threePt" dir="t"/>
-    </dgm:scene3d>
-    <dgm:sp3d/>
-    <dgm:txPr/>
-    <dgm:style>
-      <a:lnRef idx="2">
-        <a:scrgbClr r="0" g="0" b="0"/>
-      </a:lnRef>
-      <a:fillRef idx="1">
-        <a:scrgbClr r="0" g="0" b="0"/>
-      </a:fillRef>
-      <a:effectRef idx="0">
-        <a:scrgbClr r="0" g="0" b="0"/>
-      </a:effectRef>
-      <a:fontRef idx="minor">
-        <a:schemeClr val="lt1"/>
-      </a:fontRef>
-    </dgm:style>
-  </dgm:styleLbl>
-  <dgm:styleLbl name="parChTrans2D2">
-    <dgm:scene3d>
-      <a:camera prst="orthographicFront"/>
-      <a:lightRig rig="threePt" dir="t"/>
-    </dgm:scene3d>
-    <dgm:sp3d/>
-    <dgm:txPr/>
-    <dgm:style>
-      <a:lnRef idx="2">
-        <a:scrgbClr r="0" g="0" b="0"/>
-      </a:lnRef>
-      <a:fillRef idx="1">
-        <a:scrgbClr r="0" g="0" b="0"/>
-      </a:fillRef>
-      <a:effectRef idx="0">
-        <a:scrgbClr r="0" g="0" b="0"/>
-      </a:effectRef>
-      <a:fontRef idx="minor">
-        <a:schemeClr val="lt1"/>
-      </a:fontRef>
-    </dgm:style>
-  </dgm:styleLbl>
-  <dgm:styleLbl name="parChTrans2D3">
-    <dgm:scene3d>
-      <a:camera prst="orthographicFront"/>
-      <a:lightRig rig="threePt" dir="t"/>
-    </dgm:scene3d>
-    <dgm:sp3d/>
-    <dgm:txPr/>
-    <dgm:style>
-      <a:lnRef idx="2">
-        <a:scrgbClr r="0" g="0" b="0"/>
-      </a:lnRef>
-      <a:fillRef idx="1">
-        <a:scrgbClr r="0" g="0" b="0"/>
-      </a:fillRef>
-      <a:effectRef idx="0">
-        <a:scrgbClr r="0" g="0" b="0"/>
-      </a:effectRef>
-      <a:fontRef idx="minor">
-        <a:schemeClr val="lt1"/>
-      </a:fontRef>
-    </dgm:style>
-  </dgm:styleLbl>
-  <dgm:styleLbl name="parChTrans2D4">
-    <dgm:scene3d>
-      <a:camera prst="orthographicFront"/>
-      <a:lightRig rig="threePt" dir="t"/>
-    </dgm:scene3d>
-    <dgm:sp3d/>
-    <dgm:txPr/>
-    <dgm:style>
-      <a:lnRef idx="2">
-        <a:scrgbClr r="0" g="0" b="0"/>
-      </a:lnRef>
-      <a:fillRef idx="1">
-        <a:scrgbClr r="0" g="0" b="0"/>
-      </a:fillRef>
-      <a:effectRef idx="0">
-        <a:scrgbClr r="0" g="0" b="0"/>
-      </a:effectRef>
-      <a:fontRef idx="minor">
-        <a:schemeClr val="lt1"/>
-      </a:fontRef>
-    </dgm:style>
-  </dgm:styleLbl>
-  <dgm:styleLbl name="parChTrans1D1">
-    <dgm:scene3d>
-      <a:camera prst="orthographicFront"/>
-      <a:lightRig rig="threePt" dir="t"/>
-    </dgm:scene3d>
-    <dgm:sp3d/>
-    <dgm:txPr/>
-    <dgm:style>
-      <a:lnRef idx="2">
-        <a:scrgbClr r="0" g="0" b="0"/>
-      </a:lnRef>
-      <a:fillRef idx="0">
-        <a:scrgbClr r="0" g="0" b="0"/>
-      </a:fillRef>
-      <a:effectRef idx="0">
-        <a:scrgbClr r="0" g="0" b="0"/>
-      </a:effectRef>
-      <a:fontRef idx="minor"/>
-    </dgm:style>
-  </dgm:styleLbl>
-  <dgm:styleLbl name="parChTrans1D2">
-    <dgm:scene3d>
-      <a:camera prst="orthographicFront"/>
-      <a:lightRig rig="threePt" dir="t"/>
-    </dgm:scene3d>
-    <dgm:sp3d/>
-    <dgm:txPr/>
-    <dgm:style>
-      <a:lnRef idx="2">
-        <a:scrgbClr r="0" g="0" b="0"/>
-      </a:lnRef>
-      <a:fillRef idx="0">
-        <a:scrgbClr r="0" g="0" b="0"/>
-      </a:fillRef>
-      <a:effectRef idx="0">
-        <a:scrgbClr r="0" g="0" b="0"/>
-      </a:effectRef>
-      <a:fontRef idx="minor"/>
-    </dgm:style>
-  </dgm:styleLbl>
-  <dgm:styleLbl name="parChTrans1D3">
-    <dgm:scene3d>
-      <a:camera prst="orthographicFront"/>
-      <a:lightRig rig="threePt" dir="t"/>
-    </dgm:scene3d>
-    <dgm:sp3d/>
-    <dgm:txPr/>
-    <dgm:style>
-      <a:lnRef idx="2">
-        <a:scrgbClr r="0" g="0" b="0"/>
-      </a:lnRef>
-      <a:fillRef idx="0">
-        <a:scrgbClr r="0" g="0" b="0"/>
-      </a:fillRef>
-      <a:effectRef idx="0">
-        <a:scrgbClr r="0" g="0" b="0"/>
-      </a:effectRef>
-      <a:fontRef idx="minor"/>
-    </dgm:style>
-  </dgm:styleLbl>
-  <dgm:styleLbl name="parChTrans1D4">
-    <dgm:scene3d>
-      <a:camera prst="orthographicFront"/>
-      <a:lightRig rig="threePt" dir="t"/>
-    </dgm:scene3d>
-    <dgm:sp3d/>
-    <dgm:txPr/>
-    <dgm:style>
-      <a:lnRef idx="2">
-        <a:scrgbClr r="0" g="0" b="0"/>
-      </a:lnRef>
-      <a:fillRef idx="0">
-        <a:scrgbClr r="0" g="0" b="0"/>
-      </a:fillRef>
-      <a:effectRef idx="0">
-        <a:scrgbClr r="0" g="0" b="0"/>
-      </a:effectRef>
-      <a:fontRef idx="minor"/>
-    </dgm:style>
-  </dgm:styleLbl>
-  <dgm:styleLbl name="fgAcc1">
-    <dgm:scene3d>
-      <a:camera prst="orthographicFront"/>
-      <a:lightRig rig="threePt" dir="t"/>
-    </dgm:scene3d>
-    <dgm:sp3d/>
-    <dgm:txPr/>
-    <dgm:style>
-      <a:lnRef idx="2">
-        <a:scrgbClr r="0" g="0" b="0"/>
-      </a:lnRef>
-      <a:fillRef idx="1">
-        <a:scrgbClr r="0" g="0" b="0"/>
-      </a:fillRef>
-      <a:effectRef idx="0">
-        <a:scrgbClr r="0" g="0" b="0"/>
-      </a:effectRef>
-      <a:fontRef idx="minor"/>
-    </dgm:style>
-  </dgm:styleLbl>
-  <dgm:styleLbl name="conFgAcc1">
-    <dgm:scene3d>
-      <a:camera prst="orthographicFront"/>
-      <a:lightRig rig="threePt" dir="t"/>
-    </dgm:scene3d>
-    <dgm:sp3d/>
-    <dgm:txPr/>
-    <dgm:style>
-      <a:lnRef idx="2">
-        <a:scrgbClr r="0" g="0" b="0"/>
-      </a:lnRef>
-      <a:fillRef idx="1">
-        <a:scrgbClr r="0" g="0" b="0"/>
-      </a:fillRef>
-      <a:effectRef idx="0">
-        <a:scrgbClr r="0" g="0" b="0"/>
-      </a:effectRef>
-      <a:fontRef idx="minor"/>
-    </dgm:style>
-  </dgm:styleLbl>
-  <dgm:styleLbl name="alignAcc1">
-    <dgm:scene3d>
-      <a:camera prst="orthographicFront"/>
-      <a:lightRig rig="threePt" dir="t"/>
-    </dgm:scene3d>
-    <dgm:sp3d/>
-    <dgm:txPr/>
-    <dgm:style>
-      <a:lnRef idx="2">
-        <a:scrgbClr r="0" g="0" b="0"/>
-      </a:lnRef>
-      <a:fillRef idx="1">
-        <a:scrgbClr r="0" g="0" b="0"/>
-      </a:fillRef>
-      <a:effectRef idx="0">
-        <a:scrgbClr r="0" g="0" b="0"/>
-      </a:effectRef>
-      <a:fontRef idx="minor"/>
-    </dgm:style>
-  </dgm:styleLbl>
-  <dgm:styleLbl name="trAlignAcc1">
-    <dgm:scene3d>
-      <a:camera prst="orthographicFront"/>
-      <a:lightRig rig="threePt" dir="t"/>
-    </dgm:scene3d>
-    <dgm:sp3d/>
-    <dgm:txPr/>
-    <dgm:style>
-      <a:lnRef idx="1">
-        <a:scrgbClr r="0" g="0" b="0"/>
-      </a:lnRef>
-      <a:fillRef idx="1">
-        <a:scrgbClr r="0" g="0" b="0"/>
-      </a:fillRef>
-      <a:effectRef idx="0">
-        <a:scrgbClr r="0" g="0" b="0"/>
-      </a:effectRef>
-      <a:fontRef idx="minor"/>
-    </dgm:style>
-  </dgm:styleLbl>
-  <dgm:styleLbl name="bgAcc1">
-    <dgm:scene3d>
-      <a:camera prst="orthographicFront"/>
-      <a:lightRig rig="threePt" dir="t"/>
-    </dgm:scene3d>
-    <dgm:sp3d/>
-    <dgm:txPr/>
-    <dgm:style>
-      <a:lnRef idx="2">
-        <a:scrgbClr r="0" g="0" b="0"/>
-      </a:lnRef>
-      <a:fillRef idx="1">
-        <a:scrgbClr r="0" g="0" b="0"/>
-      </a:fillRef>
-      <a:effectRef idx="0">
-        <a:scrgbClr r="0" g="0" b="0"/>
-      </a:effectRef>
-      <a:fontRef idx="minor"/>
-    </dgm:style>
-  </dgm:styleLbl>
-  <dgm:styleLbl name="solidFgAcc1">
-    <dgm:scene3d>
-      <a:camera prst="orthographicFront"/>
-      <a:lightRig rig="threePt" dir="t"/>
-    </dgm:scene3d>
-    <dgm:sp3d/>
-    <dgm:txPr/>
-    <dgm:style>
-      <a:lnRef idx="2">
-        <a:scrgbClr r="0" g="0" b="0"/>
-      </a:lnRef>
-      <a:fillRef idx="1">
-        <a:scrgbClr r="0" g="0" b="0"/>
-      </a:fillRef>
-      <a:effectRef idx="0">
-        <a:scrgbClr r="0" g="0" b="0"/>
-      </a:effectRef>
-      <a:fontRef idx="minor"/>
-    </dgm:style>
-  </dgm:styleLbl>
-  <dgm:styleLbl name="solidAlignAcc1">
-    <dgm:scene3d>
-      <a:camera prst="orthographicFront"/>
-      <a:lightRig rig="threePt" dir="t"/>
-    </dgm:scene3d>
-    <dgm:sp3d/>
-    <dgm:txPr/>
-    <dgm:style>
-      <a:lnRef idx="2">
-        <a:scrgbClr r="0" g="0" b="0"/>
-      </a:lnRef>
-      <a:fillRef idx="1">
-        <a:scrgbClr r="0" g="0" b="0"/>
-      </a:fillRef>
-      <a:effectRef idx="0">
-        <a:scrgbClr r="0" g="0" b="0"/>
-      </a:effectRef>
-      <a:fontRef idx="minor"/>
-    </dgm:style>
-  </dgm:styleLbl>
-  <dgm:styleLbl name="solidBgAcc1">
-    <dgm:scene3d>
-      <a:camera prst="orthographicFront"/>
-      <a:lightRig rig="threePt" dir="t"/>
-    </dgm:scene3d>
-    <dgm:sp3d/>
-    <dgm:txPr/>
-    <dgm:style>
-      <a:lnRef idx="2">
-        <a:scrgbClr r="0" g="0" b="0"/>
-      </a:lnRef>
-      <a:fillRef idx="1">
-        <a:scrgbClr r="0" g="0" b="0"/>
-      </a:fillRef>
-      <a:effectRef idx="0">
-        <a:scrgbClr r="0" g="0" b="0"/>
-      </a:effectRef>
-      <a:fontRef idx="minor"/>
-    </dgm:style>
-  </dgm:styleLbl>
-  <dgm:styleLbl name="fgAccFollowNode1">
-    <dgm:scene3d>
-      <a:camera prst="orthographicFront"/>
-      <a:lightRig rig="threePt" dir="t"/>
-    </dgm:scene3d>
-    <dgm:sp3d/>
-    <dgm:txPr/>
-    <dgm:style>
-      <a:lnRef idx="2">
-        <a:scrgbClr r="0" g="0" b="0"/>
-      </a:lnRef>
-      <a:fillRef idx="1">
-        <a:scrgbClr r="0" g="0" b="0"/>
-      </a:fillRef>
-      <a:effectRef idx="0">
-        <a:scrgbClr r="0" g="0" b="0"/>
-      </a:effectRef>
-      <a:fontRef idx="minor"/>
-    </dgm:style>
-  </dgm:styleLbl>
-  <dgm:styleLbl name="alignAccFollowNode1">
-    <dgm:scene3d>
-      <a:camera prst="orthographicFront"/>
-      <a:lightRig rig="threePt" dir="t"/>
-    </dgm:scene3d>
-    <dgm:sp3d/>
-    <dgm:txPr/>
-    <dgm:style>
-      <a:lnRef idx="2">
-        <a:scrgbClr r="0" g="0" b="0"/>
-      </a:lnRef>
-      <a:fillRef idx="1">
-        <a:scrgbClr r="0" g="0" b="0"/>
-      </a:fillRef>
-      <a:effectRef idx="0">
-        <a:scrgbClr r="0" g="0" b="0"/>
-      </a:effectRef>
-      <a:fontRef idx="minor"/>
-    </dgm:style>
-  </dgm:styleLbl>
-  <dgm:styleLbl name="bgAccFollowNode1">
-    <dgm:scene3d>
-      <a:camera prst="orthographicFront"/>
-      <a:lightRig rig="threePt" dir="t"/>
-    </dgm:scene3d>
-    <dgm:sp3d/>
-    <dgm:txPr/>
-    <dgm:style>
-      <a:lnRef idx="2">
-        <a:scrgbClr r="0" g="0" b="0"/>
-      </a:lnRef>
-      <a:fillRef idx="1">
-        <a:scrgbClr r="0" g="0" b="0"/>
-      </a:fillRef>
-      <a:effectRef idx="0">
-        <a:scrgbClr r="0" g="0" b="0"/>
-      </a:effectRef>
-      <a:fontRef idx="minor"/>
-    </dgm:style>
-  </dgm:styleLbl>
-  <dgm:styleLbl name="fgAcc0">
-    <dgm:scene3d>
-      <a:camera prst="orthographicFront"/>
-      <a:lightRig rig="threePt" dir="t"/>
-    </dgm:scene3d>
-    <dgm:sp3d/>
-    <dgm:txPr/>
-    <dgm:style>
-      <a:lnRef idx="2">
-        <a:scrgbClr r="0" g="0" b="0"/>
-      </a:lnRef>
-      <a:fillRef idx="1">
-        <a:scrgbClr r="0" g="0" b="0"/>
-      </a:fillRef>
-      <a:effectRef idx="0">
-        <a:scrgbClr r="0" g="0" b="0"/>
-      </a:effectRef>
-      <a:fontRef idx="minor"/>
-    </dgm:style>
-  </dgm:styleLbl>
-  <dgm:styleLbl name="fgAcc2">
-    <dgm:scene3d>
-      <a:camera prst="orthographicFront"/>
-      <a:lightRig rig="threePt" dir="t"/>
-    </dgm:scene3d>
-    <dgm:sp3d/>
-    <dgm:txPr/>
-    <dgm:style>
-      <a:lnRef idx="2">
-        <a:scrgbClr r="0" g="0" b="0"/>
-      </a:lnRef>
-      <a:fillRef idx="1">
-        <a:scrgbClr r="0" g="0" b="0"/>
-      </a:fillRef>
-      <a:effectRef idx="0">
-        <a:scrgbClr r="0" g="0" b="0"/>
-      </a:effectRef>
-      <a:fontRef idx="minor"/>
-    </dgm:style>
-  </dgm:styleLbl>
-  <dgm:styleLbl name="fgAcc3">
-    <dgm:scene3d>
-      <a:camera prst="orthographicFront"/>
-      <a:lightRig rig="threePt" dir="t"/>
-    </dgm:scene3d>
-    <dgm:sp3d/>
-    <dgm:txPr/>
-    <dgm:style>
-      <a:lnRef idx="2">
-        <a:scrgbClr r="0" g="0" b="0"/>
-      </a:lnRef>
-      <a:fillRef idx="1">
-        <a:scrgbClr r="0" g="0" b="0"/>
-      </a:fillRef>
-      <a:effectRef idx="0">
-        <a:scrgbClr r="0" g="0" b="0"/>
-      </a:effectRef>
-      <a:fontRef idx="minor"/>
-    </dgm:style>
-  </dgm:styleLbl>
-  <dgm:styleLbl name="fgAcc4">
-    <dgm:scene3d>
-      <a:camera prst="orthographicFront"/>
-      <a:lightRig rig="threePt" dir="t"/>
-    </dgm:scene3d>
-    <dgm:sp3d/>
-    <dgm:txPr/>
-    <dgm:style>
-      <a:lnRef idx="2">
-        <a:scrgbClr r="0" g="0" b="0"/>
-      </a:lnRef>
-      <a:fillRef idx="1">
-        <a:scrgbClr r="0" g="0" b="0"/>
-      </a:fillRef>
-      <a:effectRef idx="0">
-        <a:scrgbClr r="0" g="0" b="0"/>
-      </a:effectRef>
-      <a:fontRef idx="minor"/>
-    </dgm:style>
-  </dgm:styleLbl>
-  <dgm:styleLbl name="bgShp">
-    <dgm:scene3d>
-      <a:camera prst="orthographicFront"/>
-      <a:lightRig rig="threePt" dir="t"/>
-    </dgm:scene3d>
-    <dgm:sp3d/>
-    <dgm:txPr/>
-    <dgm:style>
-      <a:lnRef idx="0">
-        <a:scrgbClr r="0" g="0" b="0"/>
-      </a:lnRef>
-      <a:fillRef idx="1">
-        <a:scrgbClr r="0" g="0" b="0"/>
-      </a:fillRef>
-      <a:effectRef idx="0">
-        <a:scrgbClr r="0" g="0" b="0"/>
-      </a:effectRef>
-      <a:fontRef idx="minor"/>
-    </dgm:style>
-  </dgm:styleLbl>
-  <dgm:styleLbl name="dkBgShp">
-    <dgm:scene3d>
-      <a:camera prst="orthographicFront"/>
-      <a:lightRig rig="threePt" dir="t"/>
-    </dgm:scene3d>
-    <dgm:sp3d/>
-    <dgm:txPr/>
-    <dgm:style>
-      <a:lnRef idx="0">
-        <a:scrgbClr r="0" g="0" b="0"/>
-      </a:lnRef>
-      <a:fillRef idx="1">
-        <a:scrgbClr r="0" g="0" b="0"/>
-      </a:fillRef>
-      <a:effectRef idx="0">
-        <a:scrgbClr r="0" g="0" b="0"/>
-      </a:effectRef>
-      <a:fontRef idx="minor"/>
-    </dgm:style>
-  </dgm:styleLbl>
-  <dgm:styleLbl name="trBgShp">
-    <dgm:scene3d>
-      <a:camera prst="orthographicFront"/>
-      <a:lightRig rig="threePt" dir="t"/>
-    </dgm:scene3d>
-    <dgm:sp3d/>
-    <dgm:txPr/>
-    <dgm:style>
-      <a:lnRef idx="0">
-        <a:scrgbClr r="0" g="0" b="0"/>
-      </a:lnRef>
-      <a:fillRef idx="1">
-        <a:scrgbClr r="0" g="0" b="0"/>
-      </a:fillRef>
-      <a:effectRef idx="0">
-        <a:scrgbClr r="0" g="0" b="0"/>
-      </a:effectRef>
-      <a:fontRef idx="minor"/>
-    </dgm:style>
-  </dgm:styleLbl>
-  <dgm:styleLbl name="fgShp">
-    <dgm:scene3d>
-      <a:camera prst="orthographicFront"/>
-      <a:lightRig rig="threePt" dir="t"/>
-    </dgm:scene3d>
-    <dgm:sp3d/>
-    <dgm:txPr/>
-    <dgm:style>
-      <a:lnRef idx="2">
-        <a:scrgbClr r="0" g="0" b="0"/>
-      </a:lnRef>
-      <a:fillRef idx="1">
-        <a:scrgbClr r="0" g="0" b="0"/>
-      </a:fillRef>
-      <a:effectRef idx="0">
-        <a:scrgbClr r="0" g="0" b="0"/>
-      </a:effectRef>
-      <a:fontRef idx="minor"/>
-    </dgm:style>
-  </dgm:styleLbl>
-  <dgm:styleLbl name="revTx">
-    <dgm:scene3d>
-      <a:camera prst="orthographicFront"/>
-      <a:lightRig rig="threePt" dir="t"/>
-    </dgm:scene3d>
-    <dgm:sp3d/>
-    <dgm:txPr/>
-    <dgm:style>
-      <a:lnRef idx="0">
-        <a:scrgbClr r="0" g="0" b="0"/>
-      </a:lnRef>
-      <a:fillRef idx="0">
-        <a:scrgbClr r="0" g="0" b="0"/>
-      </a:fillRef>
-      <a:effectRef idx="0">
-        <a:scrgbClr r="0" g="0" b="0"/>
-      </a:effectRef>
-      <a:fontRef idx="minor"/>
-    </dgm:style>
-  </dgm:styleLbl>
-</dgm:styleDef>
 </file>
 
 <file path=ppt/notesMasters/notesMaster1.xml><?xml version="1.0" encoding="utf-8"?>
@@ -12189,171 +9426,6 @@
       </p:grpSpPr>
       <p:sp>
         <p:nvSpPr>
-          <p:cNvPr id="2" name="Title 1">
-            <a:extLst>
-              <a:ext uri="{FF2B5EF4-FFF2-40B4-BE49-F238E27FC236}">
-                <a16:creationId xmlns:a16="http://schemas.microsoft.com/office/drawing/2014/main" id="{C3066282-4A9B-214D-9E66-1DEC09077A2C}"/>
-              </a:ext>
-            </a:extLst>
-          </p:cNvPr>
-          <p:cNvSpPr>
-            <a:spLocks noGrp="1"/>
-          </p:cNvSpPr>
-          <p:nvPr>
-            <p:ph type="title"/>
-          </p:nvPr>
-        </p:nvSpPr>
-        <p:spPr/>
-        <p:txBody>
-          <a:bodyPr/>
-          <a:lstStyle/>
-          <a:p>
-            <a:pPr algn="ctr"/>
-            <a:r>
-              <a:rPr lang="en-US" dirty="0"/>
-              <a:t>Recommendations</a:t>
-            </a:r>
-          </a:p>
-        </p:txBody>
-      </p:sp>
-      <p:sp>
-        <p:nvSpPr>
-          <p:cNvPr id="3" name="Text Placeholder 2">
-            <a:extLst>
-              <a:ext uri="{FF2B5EF4-FFF2-40B4-BE49-F238E27FC236}">
-                <a16:creationId xmlns:a16="http://schemas.microsoft.com/office/drawing/2014/main" id="{F6C67DF8-B477-F442-859F-FC3A02FBAA96}"/>
-              </a:ext>
-            </a:extLst>
-          </p:cNvPr>
-          <p:cNvSpPr>
-            <a:spLocks noGrp="1"/>
-          </p:cNvSpPr>
-          <p:nvPr>
-            <p:ph type="body" idx="1"/>
-          </p:nvPr>
-        </p:nvSpPr>
-        <p:spPr>
-          <a:xfrm>
-            <a:off x="838200" y="2005012"/>
-            <a:ext cx="10515600" cy="4351338"/>
-          </a:xfrm>
-        </p:spPr>
-        <p:txBody>
-          <a:bodyPr/>
-          <a:lstStyle/>
-          <a:p>
-            <a:pPr marL="114300" indent="0">
-              <a:buNone/>
-            </a:pPr>
-            <a:r>
-              <a:rPr lang="en-US" dirty="0"/>
-              <a:t>To avoid getting numerous fake accounts into </a:t>
-            </a:r>
-            <a:r>
-              <a:rPr lang="en-US" dirty="0" err="1"/>
-              <a:t>Github</a:t>
-            </a:r>
-            <a:r>
-              <a:rPr lang="en-US" dirty="0"/>
-              <a:t>, we recommend:</a:t>
-            </a:r>
-          </a:p>
-          <a:p>
-            <a:pPr marL="114300" indent="0">
-              <a:buNone/>
-            </a:pPr>
-            <a:endParaRPr lang="en-US" dirty="0"/>
-          </a:p>
-          <a:p>
-            <a:r>
-              <a:rPr lang="en-US" dirty="0"/>
-              <a:t>Adding an email validation system to filter out fake email at first.</a:t>
-            </a:r>
-          </a:p>
-          <a:p>
-            <a:r>
-              <a:rPr lang="en-US" dirty="0"/>
-              <a:t>We need to make sure the user has a valid location.</a:t>
-            </a:r>
-          </a:p>
-          <a:p>
-            <a:r>
-              <a:rPr lang="en-US" dirty="0"/>
-              <a:t>Not allowing user to create multiple accounts using the same account name and same email. </a:t>
-            </a:r>
-          </a:p>
-        </p:txBody>
-      </p:sp>
-      <p:sp>
-        <p:nvSpPr>
-          <p:cNvPr id="4" name="Slide Number Placeholder 3">
-            <a:extLst>
-              <a:ext uri="{FF2B5EF4-FFF2-40B4-BE49-F238E27FC236}">
-                <a16:creationId xmlns:a16="http://schemas.microsoft.com/office/drawing/2014/main" id="{BB3B041D-4508-CE41-8723-106FE9F7DC50}"/>
-              </a:ext>
-            </a:extLst>
-          </p:cNvPr>
-          <p:cNvSpPr>
-            <a:spLocks noGrp="1"/>
-          </p:cNvSpPr>
-          <p:nvPr>
-            <p:ph type="sldNum" idx="12"/>
-          </p:nvPr>
-        </p:nvSpPr>
-        <p:spPr/>
-        <p:txBody>
-          <a:bodyPr/>
-          <a:lstStyle/>
-          <a:p>
-            <a:pPr marL="0" lvl="0" indent="0" algn="r" rtl="0">
-              <a:spcBef>
-                <a:spcPts val="0"/>
-              </a:spcBef>
-              <a:spcAft>
-                <a:spcPts val="0"/>
-              </a:spcAft>
-              <a:buNone/>
-            </a:pPr>
-            <a:fld id="{00000000-1234-1234-1234-123412341234}" type="slidenum">
-              <a:rPr lang="en-US" smtClean="0"/>
-              <a:t>10</a:t>
-            </a:fld>
-            <a:endParaRPr lang="en-US"/>
-          </a:p>
-        </p:txBody>
-      </p:sp>
-    </p:spTree>
-    <p:extLst>
-      <p:ext uri="{BB962C8B-B14F-4D97-AF65-F5344CB8AC3E}">
-        <p14:creationId xmlns:p14="http://schemas.microsoft.com/office/powerpoint/2010/main" val="284209973"/>
-      </p:ext>
-    </p:extLst>
-  </p:cSld>
-  <p:clrMapOvr>
-    <a:masterClrMapping/>
-  </p:clrMapOvr>
-</p:sld>
-</file>
-
-<file path=ppt/slides/slide11.xml><?xml version="1.0" encoding="utf-8"?>
-<p:sld xmlns:a="http://schemas.openxmlformats.org/drawingml/2006/main" xmlns:r="http://schemas.openxmlformats.org/officeDocument/2006/relationships" xmlns:p="http://schemas.openxmlformats.org/presentationml/2006/main">
-  <p:cSld>
-    <p:spTree>
-      <p:nvGrpSpPr>
-        <p:cNvPr id="1" name=""/>
-        <p:cNvGrpSpPr/>
-        <p:nvPr/>
-      </p:nvGrpSpPr>
-      <p:grpSpPr>
-        <a:xfrm>
-          <a:off x="0" y="0"/>
-          <a:ext cx="0" cy="0"/>
-          <a:chOff x="0" y="0"/>
-          <a:chExt cx="0" cy="0"/>
-        </a:xfrm>
-      </p:grpSpPr>
-      <p:sp>
-        <p:nvSpPr>
           <p:cNvPr id="4" name="Slide Number Placeholder 3">
             <a:extLst>
               <a:ext uri="{FF2B5EF4-FFF2-40B4-BE49-F238E27FC236}">
@@ -12384,7 +9456,7 @@
             </a:pPr>
             <a:fld id="{00000000-1234-1234-1234-123412341234}" type="slidenum">
               <a:rPr lang="en-US" smtClean="0"/>
-              <a:t>11</a:t>
+              <a:t>10</a:t>
             </a:fld>
             <a:endParaRPr lang="en-US"/>
           </a:p>
@@ -12939,10 +10011,10 @@
       </p:grpSp>
       <p:pic>
         <p:nvPicPr>
-          <p:cNvPr id="7" name="Picture 6">
+          <p:cNvPr id="4" name="Picture 3">
             <a:extLst>
               <a:ext uri="{FF2B5EF4-FFF2-40B4-BE49-F238E27FC236}">
-                <a16:creationId xmlns:a16="http://schemas.microsoft.com/office/drawing/2014/main" id="{D36D8103-D20A-554F-8709-2E7F93B2D968}"/>
+                <a16:creationId xmlns:a16="http://schemas.microsoft.com/office/drawing/2014/main" id="{5893FBCA-7A3D-8347-8BC5-471B2FEE5EDF}"/>
               </a:ext>
             </a:extLst>
           </p:cNvPr>
@@ -12959,8 +10031,8 @@
         </p:blipFill>
         <p:spPr>
           <a:xfrm>
-            <a:off x="2848303" y="3168337"/>
-            <a:ext cx="4229099" cy="2908361"/>
+            <a:off x="3489435" y="3400097"/>
+            <a:ext cx="3339224" cy="2877276"/>
           </a:xfrm>
           <a:prstGeom prst="rect">
             <a:avLst/>
@@ -13135,10 +10207,10 @@
       </p:sp>
       <p:pic>
         <p:nvPicPr>
-          <p:cNvPr id="5" name="Picture 4">
+          <p:cNvPr id="6" name="Picture 5">
             <a:extLst>
               <a:ext uri="{FF2B5EF4-FFF2-40B4-BE49-F238E27FC236}">
-                <a16:creationId xmlns:a16="http://schemas.microsoft.com/office/drawing/2014/main" id="{7894DC15-A940-6241-A8E6-12AB5135E489}"/>
+                <a16:creationId xmlns:a16="http://schemas.microsoft.com/office/drawing/2014/main" id="{1325E437-505E-2741-8B09-C40577A84393}"/>
               </a:ext>
             </a:extLst>
           </p:cNvPr>
@@ -13155,8 +10227,8 @@
         </p:blipFill>
         <p:spPr>
           <a:xfrm>
-            <a:off x="844550" y="3208496"/>
-            <a:ext cx="10198100" cy="3009900"/>
+            <a:off x="1917700" y="3546474"/>
+            <a:ext cx="8064500" cy="3175000"/>
           </a:xfrm>
           <a:prstGeom prst="rect">
             <a:avLst/>
@@ -13177,1250 +10249,6 @@
 </file>
 
 <file path=ppt/slides/slide5.xml><?xml version="1.0" encoding="utf-8"?>
-<p:sld xmlns:a="http://schemas.openxmlformats.org/drawingml/2006/main" xmlns:r="http://schemas.openxmlformats.org/officeDocument/2006/relationships" xmlns:p="http://schemas.openxmlformats.org/presentationml/2006/main">
-  <p:cSld>
-    <p:bg>
-      <p:bgPr>
-        <a:solidFill>
-          <a:schemeClr val="bg1"/>
-        </a:solidFill>
-        <a:effectLst/>
-      </p:bgPr>
-    </p:bg>
-    <p:spTree>
-      <p:nvGrpSpPr>
-        <p:cNvPr id="1" name=""/>
-        <p:cNvGrpSpPr/>
-        <p:nvPr/>
-      </p:nvGrpSpPr>
-      <p:grpSpPr>
-        <a:xfrm>
-          <a:off x="0" y="0"/>
-          <a:ext cx="0" cy="0"/>
-          <a:chOff x="0" y="0"/>
-          <a:chExt cx="0" cy="0"/>
-        </a:xfrm>
-      </p:grpSpPr>
-      <p:sp useBgFill="1">
-        <p:nvSpPr>
-          <p:cNvPr id="17" name="Rectangle 12">
-            <a:extLst>
-              <a:ext uri="{FF2B5EF4-FFF2-40B4-BE49-F238E27FC236}">
-                <a16:creationId xmlns:a16="http://schemas.microsoft.com/office/drawing/2014/main" id="{8761DDFE-071F-4200-B0AA-394476C2D2D6}"/>
-              </a:ext>
-              <a:ext uri="{C183D7F6-B498-43B3-948B-1728B52AA6E4}">
-                <adec:decorative xmlns:adec="http://schemas.microsoft.com/office/drawing/2017/decorative" val="1"/>
-              </a:ext>
-            </a:extLst>
-          </p:cNvPr>
-          <p:cNvSpPr>
-            <a:spLocks noGrp="1" noRot="1" noChangeAspect="1" noMove="1" noResize="1" noEditPoints="1" noAdjustHandles="1" noChangeArrowheads="1" noChangeShapeType="1" noTextEdit="1"/>
-          </p:cNvSpPr>
-          <p:nvPr>
-            <p:extLst>
-              <p:ext uri="{386F3935-93C4-4BCD-93E2-E3B085C9AB24}">
-                <p16:designElem xmlns:p16="http://schemas.microsoft.com/office/powerpoint/2015/main" val="1"/>
-              </p:ext>
-            </p:extLst>
-          </p:nvPr>
-        </p:nvSpPr>
-        <p:spPr>
-          <a:xfrm>
-            <a:off x="-1" y="0"/>
-            <a:ext cx="12188952" cy="6858000"/>
-          </a:xfrm>
-          <a:prstGeom prst="rect">
-            <a:avLst/>
-          </a:prstGeom>
-          <a:ln>
-            <a:noFill/>
-          </a:ln>
-        </p:spPr>
-        <p:style>
-          <a:lnRef idx="2">
-            <a:schemeClr val="accent1">
-              <a:shade val="50000"/>
-            </a:schemeClr>
-          </a:lnRef>
-          <a:fillRef idx="1">
-            <a:schemeClr val="accent1"/>
-          </a:fillRef>
-          <a:effectRef idx="0">
-            <a:schemeClr val="accent1"/>
-          </a:effectRef>
-          <a:fontRef idx="minor">
-            <a:schemeClr val="lt1"/>
-          </a:fontRef>
-        </p:style>
-        <p:txBody>
-          <a:bodyPr rtlCol="0" anchor="ctr"/>
-          <a:lstStyle/>
-          <a:p>
-            <a:pPr algn="ctr"/>
-            <a:endParaRPr lang="en-US"/>
-          </a:p>
-        </p:txBody>
-      </p:sp>
-      <p:sp>
-        <p:nvSpPr>
-          <p:cNvPr id="2" name="Title 1">
-            <a:extLst>
-              <a:ext uri="{FF2B5EF4-FFF2-40B4-BE49-F238E27FC236}">
-                <a16:creationId xmlns:a16="http://schemas.microsoft.com/office/drawing/2014/main" id="{9B85EE67-9972-4F28-9343-3E6F27FDBC60}"/>
-              </a:ext>
-            </a:extLst>
-          </p:cNvPr>
-          <p:cNvSpPr>
-            <a:spLocks noGrp="1"/>
-          </p:cNvSpPr>
-          <p:nvPr>
-            <p:ph type="title"/>
-          </p:nvPr>
-        </p:nvSpPr>
-        <p:spPr>
-          <a:xfrm>
-            <a:off x="915751" y="397567"/>
-            <a:ext cx="4737734" cy="397567"/>
-          </a:xfrm>
-        </p:spPr>
-        <p:txBody>
-          <a:bodyPr>
-            <a:normAutofit fontScale="90000"/>
-          </a:bodyPr>
-          <a:lstStyle/>
-          <a:p>
-            <a:r>
-              <a:rPr lang="en-US" sz="3100" dirty="0"/>
-              <a:t>Map based on original country </a:t>
-            </a:r>
-            <a:br>
-              <a:rPr lang="en-US" sz="4000" dirty="0"/>
-            </a:br>
-            <a:endParaRPr lang="en-US" sz="4000" dirty="0"/>
-          </a:p>
-        </p:txBody>
-      </p:sp>
-      <p:sp>
-        <p:nvSpPr>
-          <p:cNvPr id="4" name="Slide Number Placeholder 3">
-            <a:extLst>
-              <a:ext uri="{FF2B5EF4-FFF2-40B4-BE49-F238E27FC236}">
-                <a16:creationId xmlns:a16="http://schemas.microsoft.com/office/drawing/2014/main" id="{826A09BE-94DB-47A7-9FD3-DD64A98F54F6}"/>
-              </a:ext>
-            </a:extLst>
-          </p:cNvPr>
-          <p:cNvSpPr>
-            <a:spLocks noGrp="1"/>
-          </p:cNvSpPr>
-          <p:nvPr>
-            <p:ph type="sldNum" idx="12"/>
-          </p:nvPr>
-        </p:nvSpPr>
-        <p:spPr>
-          <a:xfrm>
-            <a:off x="8610600" y="6356350"/>
-            <a:ext cx="2743200" cy="365125"/>
-          </a:xfrm>
-        </p:spPr>
-        <p:txBody>
-          <a:bodyPr>
-            <a:normAutofit/>
-          </a:bodyPr>
-          <a:lstStyle/>
-          <a:p>
-            <a:pPr marL="0" lvl="0" indent="0" rtl="0">
-              <a:spcBef>
-                <a:spcPts val="0"/>
-              </a:spcBef>
-              <a:spcAft>
-                <a:spcPts val="600"/>
-              </a:spcAft>
-              <a:buNone/>
-            </a:pPr>
-            <a:fld id="{00000000-1234-1234-1234-123412341234}" type="slidenum">
-              <a:rPr lang="en-US" smtClean="0"/>
-              <a:pPr marL="0" lvl="0" indent="0" rtl="0">
-                <a:spcBef>
-                  <a:spcPts val="0"/>
-                </a:spcBef>
-                <a:spcAft>
-                  <a:spcPts val="600"/>
-                </a:spcAft>
-                <a:buNone/>
-              </a:pPr>
-              <a:t>5</a:t>
-            </a:fld>
-            <a:endParaRPr lang="en-US"/>
-          </a:p>
-        </p:txBody>
-      </p:sp>
-      <p:pic>
-        <p:nvPicPr>
-          <p:cNvPr id="5" name="Picture 4">
-            <a:extLst>
-              <a:ext uri="{FF2B5EF4-FFF2-40B4-BE49-F238E27FC236}">
-                <a16:creationId xmlns:a16="http://schemas.microsoft.com/office/drawing/2014/main" id="{1FA23758-A0EB-7F43-AEF1-DD177298CE60}"/>
-              </a:ext>
-            </a:extLst>
-          </p:cNvPr>
-          <p:cNvPicPr>
-            <a:picLocks noChangeAspect="1"/>
-          </p:cNvPicPr>
-          <p:nvPr/>
-        </p:nvPicPr>
-        <p:blipFill>
-          <a:blip r:embed="rId2"/>
-          <a:stretch>
-            <a:fillRect/>
-          </a:stretch>
-        </p:blipFill>
-        <p:spPr>
-          <a:xfrm>
-            <a:off x="339720" y="2625898"/>
-            <a:ext cx="5475326" cy="3834535"/>
-          </a:xfrm>
-          <a:prstGeom prst="rect">
-            <a:avLst/>
-          </a:prstGeom>
-        </p:spPr>
-      </p:pic>
-      <p:cxnSp>
-        <p:nvCxnSpPr>
-          <p:cNvPr id="11" name="Google Shape;113;p14">
-            <a:extLst>
-              <a:ext uri="{FF2B5EF4-FFF2-40B4-BE49-F238E27FC236}">
-                <a16:creationId xmlns:a16="http://schemas.microsoft.com/office/drawing/2014/main" id="{6D4362B6-8340-394C-9566-3CE09B232903}"/>
-              </a:ext>
-            </a:extLst>
-          </p:cNvPr>
-          <p:cNvCxnSpPr>
-            <a:cxnSpLocks/>
-          </p:cNvCxnSpPr>
-          <p:nvPr/>
-        </p:nvCxnSpPr>
-        <p:spPr>
-          <a:xfrm flipH="1">
-            <a:off x="6143846" y="134694"/>
-            <a:ext cx="1527" cy="6586781"/>
-          </a:xfrm>
-          <a:prstGeom prst="straightConnector1">
-            <a:avLst/>
-          </a:prstGeom>
-          <a:noFill/>
-          <a:ln w="28575" cap="flat" cmpd="sng">
-            <a:solidFill>
-              <a:schemeClr val="accent2"/>
-            </a:solidFill>
-            <a:prstDash val="solid"/>
-            <a:miter lim="800000"/>
-            <a:headEnd type="none" w="sm" len="sm"/>
-            <a:tailEnd type="none" w="sm" len="sm"/>
-          </a:ln>
-        </p:spPr>
-      </p:cxnSp>
-      <p:cxnSp>
-        <p:nvCxnSpPr>
-          <p:cNvPr id="14" name="Google Shape;113;p14">
-            <a:extLst>
-              <a:ext uri="{FF2B5EF4-FFF2-40B4-BE49-F238E27FC236}">
-                <a16:creationId xmlns:a16="http://schemas.microsoft.com/office/drawing/2014/main" id="{F9A477ED-3A31-5747-BE22-00F09CB6BFB8}"/>
-              </a:ext>
-            </a:extLst>
-          </p:cNvPr>
-          <p:cNvCxnSpPr>
-            <a:cxnSpLocks/>
-          </p:cNvCxnSpPr>
-          <p:nvPr/>
-        </p:nvCxnSpPr>
-        <p:spPr>
-          <a:xfrm flipH="1">
-            <a:off x="6040906" y="134694"/>
-            <a:ext cx="1527" cy="6586781"/>
-          </a:xfrm>
-          <a:prstGeom prst="straightConnector1">
-            <a:avLst/>
-          </a:prstGeom>
-          <a:noFill/>
-          <a:ln w="28575" cap="flat" cmpd="sng">
-            <a:solidFill>
-              <a:schemeClr val="accent2"/>
-            </a:solidFill>
-            <a:prstDash val="solid"/>
-            <a:miter lim="800000"/>
-            <a:headEnd type="none" w="sm" len="sm"/>
-            <a:tailEnd type="none" w="sm" len="sm"/>
-          </a:ln>
-        </p:spPr>
-      </p:cxnSp>
-      <p:pic>
-        <p:nvPicPr>
-          <p:cNvPr id="13" name="Picture 12">
-            <a:extLst>
-              <a:ext uri="{FF2B5EF4-FFF2-40B4-BE49-F238E27FC236}">
-                <a16:creationId xmlns:a16="http://schemas.microsoft.com/office/drawing/2014/main" id="{A4B94D15-2176-9E41-AADD-A095062FFA05}"/>
-              </a:ext>
-            </a:extLst>
-          </p:cNvPr>
-          <p:cNvPicPr>
-            <a:picLocks noChangeAspect="1"/>
-          </p:cNvPicPr>
-          <p:nvPr/>
-        </p:nvPicPr>
-        <p:blipFill>
-          <a:blip r:embed="rId3"/>
-          <a:stretch>
-            <a:fillRect/>
-          </a:stretch>
-        </p:blipFill>
-        <p:spPr>
-          <a:xfrm>
-            <a:off x="6268293" y="2625898"/>
-            <a:ext cx="5501608" cy="3730452"/>
-          </a:xfrm>
-          <a:prstGeom prst="rect">
-            <a:avLst/>
-          </a:prstGeom>
-        </p:spPr>
-      </p:pic>
-      <p:sp>
-        <p:nvSpPr>
-          <p:cNvPr id="20" name="Title 1">
-            <a:extLst>
-              <a:ext uri="{FF2B5EF4-FFF2-40B4-BE49-F238E27FC236}">
-                <a16:creationId xmlns:a16="http://schemas.microsoft.com/office/drawing/2014/main" id="{1CA7EBD7-D496-1F46-A17C-0D66412FBA70}"/>
-              </a:ext>
-            </a:extLst>
-          </p:cNvPr>
-          <p:cNvSpPr txBox="1">
-            <a:spLocks/>
-          </p:cNvSpPr>
-          <p:nvPr/>
-        </p:nvSpPr>
-        <p:spPr>
-          <a:xfrm>
-            <a:off x="6500567" y="590"/>
-            <a:ext cx="5167185" cy="1038900"/>
-          </a:xfrm>
-          <a:prstGeom prst="rect">
-            <a:avLst/>
-          </a:prstGeom>
-          <a:noFill/>
-          <a:ln>
-            <a:noFill/>
-          </a:ln>
-        </p:spPr>
-        <p:txBody>
-          <a:bodyPr spcFirstLastPara="1" wrap="square" lIns="91425" tIns="45700" rIns="91425" bIns="45700" anchor="ctr" anchorCtr="0">
-            <a:normAutofit fontScale="97500"/>
-          </a:bodyPr>
-          <a:lstStyle>
-            <a:defPPr marR="0" lvl="0" algn="l" rtl="0">
-              <a:lnSpc>
-                <a:spcPct val="100000"/>
-              </a:lnSpc>
-              <a:spcBef>
-                <a:spcPts val="0"/>
-              </a:spcBef>
-              <a:spcAft>
-                <a:spcPts val="0"/>
-              </a:spcAft>
-            </a:defPPr>
-            <a:lvl1pPr marR="0" lvl="0" algn="l" rtl="0">
-              <a:lnSpc>
-                <a:spcPct val="90000"/>
-              </a:lnSpc>
-              <a:spcBef>
-                <a:spcPts val="0"/>
-              </a:spcBef>
-              <a:spcAft>
-                <a:spcPts val="0"/>
-              </a:spcAft>
-              <a:buClr>
-                <a:schemeClr val="dk1"/>
-              </a:buClr>
-              <a:buSzPts val="1800"/>
-              <a:buFont typeface="Calibri"/>
-              <a:buNone/>
-              <a:defRPr sz="4400" b="0" i="0" u="none" strike="noStrike" cap="none">
-                <a:solidFill>
-                  <a:schemeClr val="dk1"/>
-                </a:solidFill>
-                <a:latin typeface="Calibri"/>
-                <a:ea typeface="Calibri"/>
-                <a:cs typeface="Calibri"/>
-                <a:sym typeface="Calibri"/>
-              </a:defRPr>
-            </a:lvl1pPr>
-            <a:lvl2pPr marR="0" lvl="1" algn="l" rtl="0">
-              <a:lnSpc>
-                <a:spcPct val="100000"/>
-              </a:lnSpc>
-              <a:spcBef>
-                <a:spcPts val="0"/>
-              </a:spcBef>
-              <a:spcAft>
-                <a:spcPts val="0"/>
-              </a:spcAft>
-              <a:buClr>
-                <a:srgbClr val="000000"/>
-              </a:buClr>
-              <a:buSzPts val="1400"/>
-              <a:buFont typeface="Arial"/>
-              <a:buNone/>
-              <a:defRPr sz="1800" b="0" i="0" u="none" strike="noStrike" cap="none">
-                <a:solidFill>
-                  <a:srgbClr val="000000"/>
-                </a:solidFill>
-                <a:latin typeface="Arial"/>
-                <a:ea typeface="Arial"/>
-                <a:cs typeface="Arial"/>
-                <a:sym typeface="Arial"/>
-              </a:defRPr>
-            </a:lvl2pPr>
-            <a:lvl3pPr marR="0" lvl="2" algn="l" rtl="0">
-              <a:lnSpc>
-                <a:spcPct val="100000"/>
-              </a:lnSpc>
-              <a:spcBef>
-                <a:spcPts val="0"/>
-              </a:spcBef>
-              <a:spcAft>
-                <a:spcPts val="0"/>
-              </a:spcAft>
-              <a:buClr>
-                <a:srgbClr val="000000"/>
-              </a:buClr>
-              <a:buSzPts val="1400"/>
-              <a:buFont typeface="Arial"/>
-              <a:buNone/>
-              <a:defRPr sz="1800" b="0" i="0" u="none" strike="noStrike" cap="none">
-                <a:solidFill>
-                  <a:srgbClr val="000000"/>
-                </a:solidFill>
-                <a:latin typeface="Arial"/>
-                <a:ea typeface="Arial"/>
-                <a:cs typeface="Arial"/>
-                <a:sym typeface="Arial"/>
-              </a:defRPr>
-            </a:lvl3pPr>
-            <a:lvl4pPr marR="0" lvl="3" algn="l" rtl="0">
-              <a:lnSpc>
-                <a:spcPct val="100000"/>
-              </a:lnSpc>
-              <a:spcBef>
-                <a:spcPts val="0"/>
-              </a:spcBef>
-              <a:spcAft>
-                <a:spcPts val="0"/>
-              </a:spcAft>
-              <a:buClr>
-                <a:srgbClr val="000000"/>
-              </a:buClr>
-              <a:buSzPts val="1400"/>
-              <a:buFont typeface="Arial"/>
-              <a:buNone/>
-              <a:defRPr sz="1800" b="0" i="0" u="none" strike="noStrike" cap="none">
-                <a:solidFill>
-                  <a:srgbClr val="000000"/>
-                </a:solidFill>
-                <a:latin typeface="Arial"/>
-                <a:ea typeface="Arial"/>
-                <a:cs typeface="Arial"/>
-                <a:sym typeface="Arial"/>
-              </a:defRPr>
-            </a:lvl4pPr>
-            <a:lvl5pPr marR="0" lvl="4" algn="l" rtl="0">
-              <a:lnSpc>
-                <a:spcPct val="100000"/>
-              </a:lnSpc>
-              <a:spcBef>
-                <a:spcPts val="0"/>
-              </a:spcBef>
-              <a:spcAft>
-                <a:spcPts val="0"/>
-              </a:spcAft>
-              <a:buClr>
-                <a:srgbClr val="000000"/>
-              </a:buClr>
-              <a:buSzPts val="1400"/>
-              <a:buFont typeface="Arial"/>
-              <a:buNone/>
-              <a:defRPr sz="1800" b="0" i="0" u="none" strike="noStrike" cap="none">
-                <a:solidFill>
-                  <a:srgbClr val="000000"/>
-                </a:solidFill>
-                <a:latin typeface="Arial"/>
-                <a:ea typeface="Arial"/>
-                <a:cs typeface="Arial"/>
-                <a:sym typeface="Arial"/>
-              </a:defRPr>
-            </a:lvl5pPr>
-            <a:lvl6pPr marR="0" lvl="5" algn="l" rtl="0">
-              <a:lnSpc>
-                <a:spcPct val="100000"/>
-              </a:lnSpc>
-              <a:spcBef>
-                <a:spcPts val="0"/>
-              </a:spcBef>
-              <a:spcAft>
-                <a:spcPts val="0"/>
-              </a:spcAft>
-              <a:buClr>
-                <a:srgbClr val="000000"/>
-              </a:buClr>
-              <a:buSzPts val="1400"/>
-              <a:buFont typeface="Arial"/>
-              <a:buNone/>
-              <a:defRPr sz="1800" b="0" i="0" u="none" strike="noStrike" cap="none">
-                <a:solidFill>
-                  <a:srgbClr val="000000"/>
-                </a:solidFill>
-                <a:latin typeface="Arial"/>
-                <a:ea typeface="Arial"/>
-                <a:cs typeface="Arial"/>
-                <a:sym typeface="Arial"/>
-              </a:defRPr>
-            </a:lvl6pPr>
-            <a:lvl7pPr marR="0" lvl="6" algn="l" rtl="0">
-              <a:lnSpc>
-                <a:spcPct val="100000"/>
-              </a:lnSpc>
-              <a:spcBef>
-                <a:spcPts val="0"/>
-              </a:spcBef>
-              <a:spcAft>
-                <a:spcPts val="0"/>
-              </a:spcAft>
-              <a:buClr>
-                <a:srgbClr val="000000"/>
-              </a:buClr>
-              <a:buSzPts val="1400"/>
-              <a:buFont typeface="Arial"/>
-              <a:buNone/>
-              <a:defRPr sz="1800" b="0" i="0" u="none" strike="noStrike" cap="none">
-                <a:solidFill>
-                  <a:srgbClr val="000000"/>
-                </a:solidFill>
-                <a:latin typeface="Arial"/>
-                <a:ea typeface="Arial"/>
-                <a:cs typeface="Arial"/>
-                <a:sym typeface="Arial"/>
-              </a:defRPr>
-            </a:lvl7pPr>
-            <a:lvl8pPr marR="0" lvl="7" algn="l" rtl="0">
-              <a:lnSpc>
-                <a:spcPct val="100000"/>
-              </a:lnSpc>
-              <a:spcBef>
-                <a:spcPts val="0"/>
-              </a:spcBef>
-              <a:spcAft>
-                <a:spcPts val="0"/>
-              </a:spcAft>
-              <a:buClr>
-                <a:srgbClr val="000000"/>
-              </a:buClr>
-              <a:buSzPts val="1400"/>
-              <a:buFont typeface="Arial"/>
-              <a:buNone/>
-              <a:defRPr sz="1800" b="0" i="0" u="none" strike="noStrike" cap="none">
-                <a:solidFill>
-                  <a:srgbClr val="000000"/>
-                </a:solidFill>
-                <a:latin typeface="Arial"/>
-                <a:ea typeface="Arial"/>
-                <a:cs typeface="Arial"/>
-                <a:sym typeface="Arial"/>
-              </a:defRPr>
-            </a:lvl8pPr>
-            <a:lvl9pPr marR="0" lvl="8" algn="l" rtl="0">
-              <a:lnSpc>
-                <a:spcPct val="100000"/>
-              </a:lnSpc>
-              <a:spcBef>
-                <a:spcPts val="0"/>
-              </a:spcBef>
-              <a:spcAft>
-                <a:spcPts val="0"/>
-              </a:spcAft>
-              <a:buClr>
-                <a:srgbClr val="000000"/>
-              </a:buClr>
-              <a:buSzPts val="1400"/>
-              <a:buFont typeface="Arial"/>
-              <a:buNone/>
-              <a:defRPr sz="1800" b="0" i="0" u="none" strike="noStrike" cap="none">
-                <a:solidFill>
-                  <a:srgbClr val="000000"/>
-                </a:solidFill>
-                <a:latin typeface="Arial"/>
-                <a:ea typeface="Arial"/>
-                <a:cs typeface="Arial"/>
-                <a:sym typeface="Arial"/>
-              </a:defRPr>
-            </a:lvl9pPr>
-          </a:lstStyle>
-          <a:p>
-            <a:pPr algn="ctr"/>
-            <a:r>
-              <a:rPr lang="en-US" sz="2800" dirty="0"/>
-              <a:t>Map based on country from external data sources</a:t>
-            </a:r>
-          </a:p>
-        </p:txBody>
-      </p:sp>
-      <p:pic>
-        <p:nvPicPr>
-          <p:cNvPr id="22" name="Picture 21">
-            <a:extLst>
-              <a:ext uri="{FF2B5EF4-FFF2-40B4-BE49-F238E27FC236}">
-                <a16:creationId xmlns:a16="http://schemas.microsoft.com/office/drawing/2014/main" id="{EF30B817-347C-734D-9C09-7697A161CAC8}"/>
-              </a:ext>
-            </a:extLst>
-          </p:cNvPr>
-          <p:cNvPicPr>
-            <a:picLocks noChangeAspect="1"/>
-          </p:cNvPicPr>
-          <p:nvPr/>
-        </p:nvPicPr>
-        <p:blipFill>
-          <a:blip r:embed="rId4"/>
-          <a:stretch>
-            <a:fillRect/>
-          </a:stretch>
-        </p:blipFill>
-        <p:spPr>
-          <a:xfrm>
-            <a:off x="4879073" y="6120398"/>
-            <a:ext cx="997433" cy="235952"/>
-          </a:xfrm>
-          <a:prstGeom prst="rect">
-            <a:avLst/>
-          </a:prstGeom>
-        </p:spPr>
-      </p:pic>
-      <p:sp>
-        <p:nvSpPr>
-          <p:cNvPr id="24" name="Content Placeholder 4">
-            <a:extLst>
-              <a:ext uri="{FF2B5EF4-FFF2-40B4-BE49-F238E27FC236}">
-                <a16:creationId xmlns:a16="http://schemas.microsoft.com/office/drawing/2014/main" id="{608E9315-840C-8147-9C89-68374BA335EE}"/>
-              </a:ext>
-            </a:extLst>
-          </p:cNvPr>
-          <p:cNvSpPr txBox="1">
-            <a:spLocks/>
-          </p:cNvSpPr>
-          <p:nvPr/>
-        </p:nvSpPr>
-        <p:spPr>
-          <a:xfrm>
-            <a:off x="535961" y="711963"/>
-            <a:ext cx="5220464" cy="1678362"/>
-          </a:xfrm>
-          <a:prstGeom prst="rect">
-            <a:avLst/>
-          </a:prstGeom>
-        </p:spPr>
-        <p:txBody>
-          <a:bodyPr spcFirstLastPara="1" vert="horz" lIns="91440" tIns="45720" rIns="91440" bIns="45720" rtlCol="0" anchor="ctr" anchorCtr="0">
-            <a:normAutofit/>
-          </a:bodyPr>
-          <a:lstStyle>
-            <a:defPPr marR="0" lvl="0" algn="l" rtl="0">
-              <a:lnSpc>
-                <a:spcPct val="100000"/>
-              </a:lnSpc>
-              <a:spcBef>
-                <a:spcPts val="0"/>
-              </a:spcBef>
-              <a:spcAft>
-                <a:spcPts val="0"/>
-              </a:spcAft>
-            </a:defPPr>
-            <a:lvl1pPr marL="457200" marR="0" lvl="0" indent="-342900" algn="l" rtl="0">
-              <a:lnSpc>
-                <a:spcPct val="90000"/>
-              </a:lnSpc>
-              <a:spcBef>
-                <a:spcPts val="1000"/>
-              </a:spcBef>
-              <a:spcAft>
-                <a:spcPts val="0"/>
-              </a:spcAft>
-              <a:buClr>
-                <a:schemeClr val="dk1"/>
-              </a:buClr>
-              <a:buSzPts val="1800"/>
-              <a:buFont typeface="Arial"/>
-              <a:buChar char="•"/>
-              <a:defRPr sz="2800" b="0" i="0" u="none" strike="noStrike" cap="none">
-                <a:solidFill>
-                  <a:schemeClr val="dk1"/>
-                </a:solidFill>
-                <a:latin typeface="Calibri"/>
-                <a:ea typeface="Calibri"/>
-                <a:cs typeface="Calibri"/>
-                <a:sym typeface="Calibri"/>
-              </a:defRPr>
-            </a:lvl1pPr>
-            <a:lvl2pPr marL="914400" marR="0" lvl="1" indent="-342900" algn="l" rtl="0">
-              <a:lnSpc>
-                <a:spcPct val="90000"/>
-              </a:lnSpc>
-              <a:spcBef>
-                <a:spcPts val="500"/>
-              </a:spcBef>
-              <a:spcAft>
-                <a:spcPts val="0"/>
-              </a:spcAft>
-              <a:buClr>
-                <a:schemeClr val="dk1"/>
-              </a:buClr>
-              <a:buSzPts val="1800"/>
-              <a:buFont typeface="Arial"/>
-              <a:buChar char="•"/>
-              <a:defRPr sz="2400" b="0" i="0" u="none" strike="noStrike" cap="none">
-                <a:solidFill>
-                  <a:schemeClr val="dk1"/>
-                </a:solidFill>
-                <a:latin typeface="Calibri"/>
-                <a:ea typeface="Calibri"/>
-                <a:cs typeface="Calibri"/>
-                <a:sym typeface="Calibri"/>
-              </a:defRPr>
-            </a:lvl2pPr>
-            <a:lvl3pPr marL="1371600" marR="0" lvl="2" indent="-342900" algn="l" rtl="0">
-              <a:lnSpc>
-                <a:spcPct val="90000"/>
-              </a:lnSpc>
-              <a:spcBef>
-                <a:spcPts val="500"/>
-              </a:spcBef>
-              <a:spcAft>
-                <a:spcPts val="0"/>
-              </a:spcAft>
-              <a:buClr>
-                <a:schemeClr val="dk1"/>
-              </a:buClr>
-              <a:buSzPts val="1800"/>
-              <a:buFont typeface="Arial"/>
-              <a:buChar char="•"/>
-              <a:defRPr sz="2000" b="0" i="0" u="none" strike="noStrike" cap="none">
-                <a:solidFill>
-                  <a:schemeClr val="dk1"/>
-                </a:solidFill>
-                <a:latin typeface="Calibri"/>
-                <a:ea typeface="Calibri"/>
-                <a:cs typeface="Calibri"/>
-                <a:sym typeface="Calibri"/>
-              </a:defRPr>
-            </a:lvl3pPr>
-            <a:lvl4pPr marL="1828800" marR="0" lvl="3" indent="-342900" algn="l" rtl="0">
-              <a:lnSpc>
-                <a:spcPct val="90000"/>
-              </a:lnSpc>
-              <a:spcBef>
-                <a:spcPts val="500"/>
-              </a:spcBef>
-              <a:spcAft>
-                <a:spcPts val="0"/>
-              </a:spcAft>
-              <a:buClr>
-                <a:schemeClr val="dk1"/>
-              </a:buClr>
-              <a:buSzPts val="1800"/>
-              <a:buFont typeface="Arial"/>
-              <a:buChar char="•"/>
-              <a:defRPr sz="1800" b="0" i="0" u="none" strike="noStrike" cap="none">
-                <a:solidFill>
-                  <a:schemeClr val="dk1"/>
-                </a:solidFill>
-                <a:latin typeface="Calibri"/>
-                <a:ea typeface="Calibri"/>
-                <a:cs typeface="Calibri"/>
-                <a:sym typeface="Calibri"/>
-              </a:defRPr>
-            </a:lvl4pPr>
-            <a:lvl5pPr marL="2286000" marR="0" lvl="4" indent="-342900" algn="l" rtl="0">
-              <a:lnSpc>
-                <a:spcPct val="90000"/>
-              </a:lnSpc>
-              <a:spcBef>
-                <a:spcPts val="500"/>
-              </a:spcBef>
-              <a:spcAft>
-                <a:spcPts val="0"/>
-              </a:spcAft>
-              <a:buClr>
-                <a:schemeClr val="dk1"/>
-              </a:buClr>
-              <a:buSzPts val="1800"/>
-              <a:buFont typeface="Arial"/>
-              <a:buChar char="•"/>
-              <a:defRPr sz="1800" b="0" i="0" u="none" strike="noStrike" cap="none">
-                <a:solidFill>
-                  <a:schemeClr val="dk1"/>
-                </a:solidFill>
-                <a:latin typeface="Calibri"/>
-                <a:ea typeface="Calibri"/>
-                <a:cs typeface="Calibri"/>
-                <a:sym typeface="Calibri"/>
-              </a:defRPr>
-            </a:lvl5pPr>
-            <a:lvl6pPr marL="2743200" marR="0" lvl="5" indent="-342900" algn="l" rtl="0">
-              <a:lnSpc>
-                <a:spcPct val="90000"/>
-              </a:lnSpc>
-              <a:spcBef>
-                <a:spcPts val="500"/>
-              </a:spcBef>
-              <a:spcAft>
-                <a:spcPts val="0"/>
-              </a:spcAft>
-              <a:buClr>
-                <a:schemeClr val="dk1"/>
-              </a:buClr>
-              <a:buSzPts val="1800"/>
-              <a:buFont typeface="Arial"/>
-              <a:buChar char="•"/>
-              <a:defRPr sz="1800" b="0" i="0" u="none" strike="noStrike" cap="none">
-                <a:solidFill>
-                  <a:schemeClr val="dk1"/>
-                </a:solidFill>
-                <a:latin typeface="Calibri"/>
-                <a:ea typeface="Calibri"/>
-                <a:cs typeface="Calibri"/>
-                <a:sym typeface="Calibri"/>
-              </a:defRPr>
-            </a:lvl6pPr>
-            <a:lvl7pPr marL="3200400" marR="0" lvl="6" indent="-342900" algn="l" rtl="0">
-              <a:lnSpc>
-                <a:spcPct val="90000"/>
-              </a:lnSpc>
-              <a:spcBef>
-                <a:spcPts val="500"/>
-              </a:spcBef>
-              <a:spcAft>
-                <a:spcPts val="0"/>
-              </a:spcAft>
-              <a:buClr>
-                <a:schemeClr val="dk1"/>
-              </a:buClr>
-              <a:buSzPts val="1800"/>
-              <a:buFont typeface="Arial"/>
-              <a:buChar char="•"/>
-              <a:defRPr sz="1800" b="0" i="0" u="none" strike="noStrike" cap="none">
-                <a:solidFill>
-                  <a:schemeClr val="dk1"/>
-                </a:solidFill>
-                <a:latin typeface="Calibri"/>
-                <a:ea typeface="Calibri"/>
-                <a:cs typeface="Calibri"/>
-                <a:sym typeface="Calibri"/>
-              </a:defRPr>
-            </a:lvl7pPr>
-            <a:lvl8pPr marL="3657600" marR="0" lvl="7" indent="-342900" algn="l" rtl="0">
-              <a:lnSpc>
-                <a:spcPct val="90000"/>
-              </a:lnSpc>
-              <a:spcBef>
-                <a:spcPts val="500"/>
-              </a:spcBef>
-              <a:spcAft>
-                <a:spcPts val="0"/>
-              </a:spcAft>
-              <a:buClr>
-                <a:schemeClr val="dk1"/>
-              </a:buClr>
-              <a:buSzPts val="1800"/>
-              <a:buFont typeface="Arial"/>
-              <a:buChar char="•"/>
-              <a:defRPr sz="1800" b="0" i="0" u="none" strike="noStrike" cap="none">
-                <a:solidFill>
-                  <a:schemeClr val="dk1"/>
-                </a:solidFill>
-                <a:latin typeface="Calibri"/>
-                <a:ea typeface="Calibri"/>
-                <a:cs typeface="Calibri"/>
-                <a:sym typeface="Calibri"/>
-              </a:defRPr>
-            </a:lvl8pPr>
-            <a:lvl9pPr marL="4114800" marR="0" lvl="8" indent="-342900" algn="l" rtl="0">
-              <a:lnSpc>
-                <a:spcPct val="90000"/>
-              </a:lnSpc>
-              <a:spcBef>
-                <a:spcPts val="500"/>
-              </a:spcBef>
-              <a:spcAft>
-                <a:spcPts val="0"/>
-              </a:spcAft>
-              <a:buClr>
-                <a:schemeClr val="dk1"/>
-              </a:buClr>
-              <a:buSzPts val="1800"/>
-              <a:buFont typeface="Arial"/>
-              <a:buChar char="•"/>
-              <a:defRPr sz="1800" b="0" i="0" u="none" strike="noStrike" cap="none">
-                <a:solidFill>
-                  <a:schemeClr val="dk1"/>
-                </a:solidFill>
-                <a:latin typeface="Calibri"/>
-                <a:ea typeface="Calibri"/>
-                <a:cs typeface="Calibri"/>
-                <a:sym typeface="Calibri"/>
-              </a:defRPr>
-            </a:lvl9pPr>
-          </a:lstStyle>
-          <a:p>
-            <a:pPr marL="285750" indent="-285750"/>
-            <a:r>
-              <a:rPr lang="en-US" sz="1400" kern="1200" dirty="0">
-                <a:solidFill>
-                  <a:schemeClr val="tx1"/>
-                </a:solidFill>
-                <a:latin typeface="+mn-lt"/>
-                <a:ea typeface="+mn-ea"/>
-                <a:cs typeface="+mn-cs"/>
-              </a:rPr>
-              <a:t>Accounts plotted against locations provided in original dataset</a:t>
-            </a:r>
-          </a:p>
-          <a:p>
-            <a:pPr marL="285750" indent="-285750"/>
-            <a:r>
-              <a:rPr lang="en-US" sz="1400" kern="1200" dirty="0">
-                <a:solidFill>
-                  <a:schemeClr val="tx1"/>
-                </a:solidFill>
-                <a:latin typeface="+mn-lt"/>
-                <a:ea typeface="+mn-ea"/>
-                <a:cs typeface="+mn-cs"/>
-              </a:rPr>
-              <a:t>Please note that there are 769 unknown entries, which means, location was missing for these accounts</a:t>
-            </a:r>
-          </a:p>
-        </p:txBody>
-      </p:sp>
-      <p:sp>
-        <p:nvSpPr>
-          <p:cNvPr id="26" name="Content Placeholder 4">
-            <a:extLst>
-              <a:ext uri="{FF2B5EF4-FFF2-40B4-BE49-F238E27FC236}">
-                <a16:creationId xmlns:a16="http://schemas.microsoft.com/office/drawing/2014/main" id="{F4441DB5-C920-D340-93FF-942B4605AC6B}"/>
-              </a:ext>
-            </a:extLst>
-          </p:cNvPr>
-          <p:cNvSpPr txBox="1">
-            <a:spLocks/>
-          </p:cNvSpPr>
-          <p:nvPr/>
-        </p:nvSpPr>
-        <p:spPr>
-          <a:xfrm>
-            <a:off x="6473928" y="767054"/>
-            <a:ext cx="5220464" cy="1678362"/>
-          </a:xfrm>
-          <a:prstGeom prst="rect">
-            <a:avLst/>
-          </a:prstGeom>
-        </p:spPr>
-        <p:txBody>
-          <a:bodyPr spcFirstLastPara="1" vert="horz" lIns="91440" tIns="45720" rIns="91440" bIns="45720" rtlCol="0" anchor="ctr" anchorCtr="0">
-            <a:normAutofit/>
-          </a:bodyPr>
-          <a:lstStyle>
-            <a:defPPr marR="0" lvl="0" algn="l" rtl="0">
-              <a:lnSpc>
-                <a:spcPct val="100000"/>
-              </a:lnSpc>
-              <a:spcBef>
-                <a:spcPts val="0"/>
-              </a:spcBef>
-              <a:spcAft>
-                <a:spcPts val="0"/>
-              </a:spcAft>
-            </a:defPPr>
-            <a:lvl1pPr marL="457200" marR="0" lvl="0" indent="-342900" algn="l" rtl="0">
-              <a:lnSpc>
-                <a:spcPct val="90000"/>
-              </a:lnSpc>
-              <a:spcBef>
-                <a:spcPts val="1000"/>
-              </a:spcBef>
-              <a:spcAft>
-                <a:spcPts val="0"/>
-              </a:spcAft>
-              <a:buClr>
-                <a:schemeClr val="dk1"/>
-              </a:buClr>
-              <a:buSzPts val="1800"/>
-              <a:buFont typeface="Arial"/>
-              <a:buChar char="•"/>
-              <a:defRPr sz="2800" b="0" i="0" u="none" strike="noStrike" cap="none">
-                <a:solidFill>
-                  <a:schemeClr val="dk1"/>
-                </a:solidFill>
-                <a:latin typeface="Calibri"/>
-                <a:ea typeface="Calibri"/>
-                <a:cs typeface="Calibri"/>
-                <a:sym typeface="Calibri"/>
-              </a:defRPr>
-            </a:lvl1pPr>
-            <a:lvl2pPr marL="914400" marR="0" lvl="1" indent="-342900" algn="l" rtl="0">
-              <a:lnSpc>
-                <a:spcPct val="90000"/>
-              </a:lnSpc>
-              <a:spcBef>
-                <a:spcPts val="500"/>
-              </a:spcBef>
-              <a:spcAft>
-                <a:spcPts val="0"/>
-              </a:spcAft>
-              <a:buClr>
-                <a:schemeClr val="dk1"/>
-              </a:buClr>
-              <a:buSzPts val="1800"/>
-              <a:buFont typeface="Arial"/>
-              <a:buChar char="•"/>
-              <a:defRPr sz="2400" b="0" i="0" u="none" strike="noStrike" cap="none">
-                <a:solidFill>
-                  <a:schemeClr val="dk1"/>
-                </a:solidFill>
-                <a:latin typeface="Calibri"/>
-                <a:ea typeface="Calibri"/>
-                <a:cs typeface="Calibri"/>
-                <a:sym typeface="Calibri"/>
-              </a:defRPr>
-            </a:lvl2pPr>
-            <a:lvl3pPr marL="1371600" marR="0" lvl="2" indent="-342900" algn="l" rtl="0">
-              <a:lnSpc>
-                <a:spcPct val="90000"/>
-              </a:lnSpc>
-              <a:spcBef>
-                <a:spcPts val="500"/>
-              </a:spcBef>
-              <a:spcAft>
-                <a:spcPts val="0"/>
-              </a:spcAft>
-              <a:buClr>
-                <a:schemeClr val="dk1"/>
-              </a:buClr>
-              <a:buSzPts val="1800"/>
-              <a:buFont typeface="Arial"/>
-              <a:buChar char="•"/>
-              <a:defRPr sz="2000" b="0" i="0" u="none" strike="noStrike" cap="none">
-                <a:solidFill>
-                  <a:schemeClr val="dk1"/>
-                </a:solidFill>
-                <a:latin typeface="Calibri"/>
-                <a:ea typeface="Calibri"/>
-                <a:cs typeface="Calibri"/>
-                <a:sym typeface="Calibri"/>
-              </a:defRPr>
-            </a:lvl3pPr>
-            <a:lvl4pPr marL="1828800" marR="0" lvl="3" indent="-342900" algn="l" rtl="0">
-              <a:lnSpc>
-                <a:spcPct val="90000"/>
-              </a:lnSpc>
-              <a:spcBef>
-                <a:spcPts val="500"/>
-              </a:spcBef>
-              <a:spcAft>
-                <a:spcPts val="0"/>
-              </a:spcAft>
-              <a:buClr>
-                <a:schemeClr val="dk1"/>
-              </a:buClr>
-              <a:buSzPts val="1800"/>
-              <a:buFont typeface="Arial"/>
-              <a:buChar char="•"/>
-              <a:defRPr sz="1800" b="0" i="0" u="none" strike="noStrike" cap="none">
-                <a:solidFill>
-                  <a:schemeClr val="dk1"/>
-                </a:solidFill>
-                <a:latin typeface="Calibri"/>
-                <a:ea typeface="Calibri"/>
-                <a:cs typeface="Calibri"/>
-                <a:sym typeface="Calibri"/>
-              </a:defRPr>
-            </a:lvl4pPr>
-            <a:lvl5pPr marL="2286000" marR="0" lvl="4" indent="-342900" algn="l" rtl="0">
-              <a:lnSpc>
-                <a:spcPct val="90000"/>
-              </a:lnSpc>
-              <a:spcBef>
-                <a:spcPts val="500"/>
-              </a:spcBef>
-              <a:spcAft>
-                <a:spcPts val="0"/>
-              </a:spcAft>
-              <a:buClr>
-                <a:schemeClr val="dk1"/>
-              </a:buClr>
-              <a:buSzPts val="1800"/>
-              <a:buFont typeface="Arial"/>
-              <a:buChar char="•"/>
-              <a:defRPr sz="1800" b="0" i="0" u="none" strike="noStrike" cap="none">
-                <a:solidFill>
-                  <a:schemeClr val="dk1"/>
-                </a:solidFill>
-                <a:latin typeface="Calibri"/>
-                <a:ea typeface="Calibri"/>
-                <a:cs typeface="Calibri"/>
-                <a:sym typeface="Calibri"/>
-              </a:defRPr>
-            </a:lvl5pPr>
-            <a:lvl6pPr marL="2743200" marR="0" lvl="5" indent="-342900" algn="l" rtl="0">
-              <a:lnSpc>
-                <a:spcPct val="90000"/>
-              </a:lnSpc>
-              <a:spcBef>
-                <a:spcPts val="500"/>
-              </a:spcBef>
-              <a:spcAft>
-                <a:spcPts val="0"/>
-              </a:spcAft>
-              <a:buClr>
-                <a:schemeClr val="dk1"/>
-              </a:buClr>
-              <a:buSzPts val="1800"/>
-              <a:buFont typeface="Arial"/>
-              <a:buChar char="•"/>
-              <a:defRPr sz="1800" b="0" i="0" u="none" strike="noStrike" cap="none">
-                <a:solidFill>
-                  <a:schemeClr val="dk1"/>
-                </a:solidFill>
-                <a:latin typeface="Calibri"/>
-                <a:ea typeface="Calibri"/>
-                <a:cs typeface="Calibri"/>
-                <a:sym typeface="Calibri"/>
-              </a:defRPr>
-            </a:lvl6pPr>
-            <a:lvl7pPr marL="3200400" marR="0" lvl="6" indent="-342900" algn="l" rtl="0">
-              <a:lnSpc>
-                <a:spcPct val="90000"/>
-              </a:lnSpc>
-              <a:spcBef>
-                <a:spcPts val="500"/>
-              </a:spcBef>
-              <a:spcAft>
-                <a:spcPts val="0"/>
-              </a:spcAft>
-              <a:buClr>
-                <a:schemeClr val="dk1"/>
-              </a:buClr>
-              <a:buSzPts val="1800"/>
-              <a:buFont typeface="Arial"/>
-              <a:buChar char="•"/>
-              <a:defRPr sz="1800" b="0" i="0" u="none" strike="noStrike" cap="none">
-                <a:solidFill>
-                  <a:schemeClr val="dk1"/>
-                </a:solidFill>
-                <a:latin typeface="Calibri"/>
-                <a:ea typeface="Calibri"/>
-                <a:cs typeface="Calibri"/>
-                <a:sym typeface="Calibri"/>
-              </a:defRPr>
-            </a:lvl7pPr>
-            <a:lvl8pPr marL="3657600" marR="0" lvl="7" indent="-342900" algn="l" rtl="0">
-              <a:lnSpc>
-                <a:spcPct val="90000"/>
-              </a:lnSpc>
-              <a:spcBef>
-                <a:spcPts val="500"/>
-              </a:spcBef>
-              <a:spcAft>
-                <a:spcPts val="0"/>
-              </a:spcAft>
-              <a:buClr>
-                <a:schemeClr val="dk1"/>
-              </a:buClr>
-              <a:buSzPts val="1800"/>
-              <a:buFont typeface="Arial"/>
-              <a:buChar char="•"/>
-              <a:defRPr sz="1800" b="0" i="0" u="none" strike="noStrike" cap="none">
-                <a:solidFill>
-                  <a:schemeClr val="dk1"/>
-                </a:solidFill>
-                <a:latin typeface="Calibri"/>
-                <a:ea typeface="Calibri"/>
-                <a:cs typeface="Calibri"/>
-                <a:sym typeface="Calibri"/>
-              </a:defRPr>
-            </a:lvl8pPr>
-            <a:lvl9pPr marL="4114800" marR="0" lvl="8" indent="-342900" algn="l" rtl="0">
-              <a:lnSpc>
-                <a:spcPct val="90000"/>
-              </a:lnSpc>
-              <a:spcBef>
-                <a:spcPts val="500"/>
-              </a:spcBef>
-              <a:spcAft>
-                <a:spcPts val="0"/>
-              </a:spcAft>
-              <a:buClr>
-                <a:schemeClr val="dk1"/>
-              </a:buClr>
-              <a:buSzPts val="1800"/>
-              <a:buFont typeface="Arial"/>
-              <a:buChar char="•"/>
-              <a:defRPr sz="1800" b="0" i="0" u="none" strike="noStrike" cap="none">
-                <a:solidFill>
-                  <a:schemeClr val="dk1"/>
-                </a:solidFill>
-                <a:latin typeface="Calibri"/>
-                <a:ea typeface="Calibri"/>
-                <a:cs typeface="Calibri"/>
-                <a:sym typeface="Calibri"/>
-              </a:defRPr>
-            </a:lvl9pPr>
-          </a:lstStyle>
-          <a:p>
-            <a:pPr marL="285750" indent="-285750"/>
-            <a:r>
-              <a:rPr lang="en-US" sz="1400" kern="1200" dirty="0">
-                <a:solidFill>
-                  <a:schemeClr val="tx1"/>
-                </a:solidFill>
-                <a:latin typeface="+mn-lt"/>
-                <a:ea typeface="+mn-ea"/>
-                <a:cs typeface="+mn-cs"/>
-              </a:rPr>
-              <a:t>Accounts plotted against locations identified based on IP address by applying data manipulation techniques using external data source (ip2location)</a:t>
-            </a:r>
-          </a:p>
-          <a:p>
-            <a:pPr marL="285750" indent="-285750"/>
-            <a:r>
-              <a:rPr lang="en-US" sz="1400" kern="1200" dirty="0">
-                <a:solidFill>
-                  <a:schemeClr val="tx1"/>
-                </a:solidFill>
-                <a:latin typeface="+mn-lt"/>
-                <a:ea typeface="+mn-ea"/>
-                <a:cs typeface="+mn-cs"/>
-              </a:rPr>
-              <a:t>IP address was converted to IP number and location was plotted with the range identified for each location</a:t>
-            </a:r>
-          </a:p>
-        </p:txBody>
-      </p:sp>
-    </p:spTree>
-    <p:extLst>
-      <p:ext uri="{BB962C8B-B14F-4D97-AF65-F5344CB8AC3E}">
-        <p14:creationId xmlns:p14="http://schemas.microsoft.com/office/powerpoint/2010/main" val="1988307451"/>
-      </p:ext>
-    </p:extLst>
-  </p:cSld>
-  <p:clrMapOvr>
-    <a:masterClrMapping/>
-  </p:clrMapOvr>
-</p:sld>
-</file>
-
-<file path=ppt/slides/slide6.xml><?xml version="1.0" encoding="utf-8"?>
 <p:sld xmlns:a="http://schemas.openxmlformats.org/drawingml/2006/main" xmlns:r="http://schemas.openxmlformats.org/officeDocument/2006/relationships" xmlns:p="http://schemas.openxmlformats.org/presentationml/2006/main">
   <p:cSld>
     <p:spTree>
@@ -14615,17 +10443,9 @@
 </p:sld>
 </file>
 
-<file path=ppt/slides/slide7.xml><?xml version="1.0" encoding="utf-8"?>
+<file path=ppt/slides/slide6.xml><?xml version="1.0" encoding="utf-8"?>
 <p:sld xmlns:a="http://schemas.openxmlformats.org/drawingml/2006/main" xmlns:r="http://schemas.openxmlformats.org/officeDocument/2006/relationships" xmlns:p="http://schemas.openxmlformats.org/presentationml/2006/main">
   <p:cSld>
-    <p:bg>
-      <p:bgPr>
-        <a:solidFill>
-          <a:schemeClr val="bg1"/>
-        </a:solidFill>
-        <a:effectLst/>
-      </p:bgPr>
-    </p:bg>
     <p:spTree>
       <p:nvGrpSpPr>
         <p:cNvPr id="1" name=""/>
@@ -14642,10 +10462,10 @@
       </p:grpSpPr>
       <p:sp>
         <p:nvSpPr>
-          <p:cNvPr id="4" name="Title 3">
+          <p:cNvPr id="2" name="Title 1">
             <a:extLst>
               <a:ext uri="{FF2B5EF4-FFF2-40B4-BE49-F238E27FC236}">
-                <a16:creationId xmlns:a16="http://schemas.microsoft.com/office/drawing/2014/main" id="{14EA760D-35C4-4767-9FFA-025A9CB00C86}"/>
+                <a16:creationId xmlns:a16="http://schemas.microsoft.com/office/drawing/2014/main" id="{0235DAC8-602E-5848-A8DF-C94F627360EB}"/>
               </a:ext>
             </a:extLst>
           </p:cNvPr>
@@ -14656,197 +10476,24 @@
             <p:ph type="title"/>
           </p:nvPr>
         </p:nvSpPr>
-        <p:spPr>
-          <a:xfrm>
-            <a:off x="123390" y="309452"/>
-            <a:ext cx="10106526" cy="1325563"/>
-          </a:xfrm>
-        </p:spPr>
+        <p:spPr/>
         <p:txBody>
-          <a:bodyPr>
-            <a:normAutofit/>
-          </a:bodyPr>
+          <a:bodyPr/>
           <a:lstStyle/>
           <a:p>
             <a:r>
               <a:rPr lang="en-US" dirty="0"/>
-              <a:t>Diagnostic Approach</a:t>
+              <a:t>Detecting edge case</a:t>
             </a:r>
-            <a:br>
-              <a:rPr lang="en-US" dirty="0"/>
-            </a:br>
-            <a:r>
-              <a:rPr lang="en-US" dirty="0"/>
-              <a:t>                                     </a:t>
-            </a:r>
-          </a:p>
-        </p:txBody>
-      </p:sp>
-      <p:graphicFrame>
-        <p:nvGraphicFramePr>
-          <p:cNvPr id="16" name="Content Placeholder 4">
-            <a:extLst>
-              <a:ext uri="{FF2B5EF4-FFF2-40B4-BE49-F238E27FC236}">
-                <a16:creationId xmlns:a16="http://schemas.microsoft.com/office/drawing/2014/main" id="{9FF4D099-ACA5-4CFB-928A-66B7050E3953}"/>
-              </a:ext>
-            </a:extLst>
-          </p:cNvPr>
-          <p:cNvGraphicFramePr>
-            <a:graphicFrameLocks noGrp="1"/>
-          </p:cNvGraphicFramePr>
-          <p:nvPr>
-            <p:ph idx="1"/>
-            <p:extLst>
-              <p:ext uri="{D42A27DB-BD31-4B8C-83A1-F6EECF244321}">
-                <p14:modId xmlns:p14="http://schemas.microsoft.com/office/powerpoint/2010/main" val="3733567241"/>
-              </p:ext>
-            </p:extLst>
-          </p:nvPr>
-        </p:nvGraphicFramePr>
-        <p:xfrm>
-          <a:off x="324465" y="699397"/>
-          <a:ext cx="4335793" cy="5629214"/>
-        </p:xfrm>
-        <a:graphic>
-          <a:graphicData uri="http://schemas.openxmlformats.org/drawingml/2006/diagram">
-            <dgm:relIds xmlns:dgm="http://schemas.openxmlformats.org/drawingml/2006/diagram" xmlns:r="http://schemas.openxmlformats.org/officeDocument/2006/relationships" r:dm="rId2" r:lo="rId3" r:qs="rId4" r:cs="rId5"/>
-          </a:graphicData>
-        </a:graphic>
-      </p:graphicFrame>
-      <p:sp>
-        <p:nvSpPr>
-          <p:cNvPr id="12" name="Rectangle 11">
-            <a:extLst>
-              <a:ext uri="{FF2B5EF4-FFF2-40B4-BE49-F238E27FC236}">
-                <a16:creationId xmlns:a16="http://schemas.microsoft.com/office/drawing/2014/main" id="{59A309A7-1751-4ABE-A3C1-EEC40366AD89}"/>
-              </a:ext>
-              <a:ext uri="{C183D7F6-B498-43B3-948B-1728B52AA6E4}">
-                <adec:decorative xmlns:adec="http://schemas.microsoft.com/office/drawing/2017/decorative" val="1"/>
-              </a:ext>
-            </a:extLst>
-          </p:cNvPr>
-          <p:cNvSpPr>
-            <a:spLocks noGrp="1" noRot="1" noChangeAspect="1" noMove="1" noResize="1" noEditPoints="1" noAdjustHandles="1" noChangeArrowheads="1" noChangeShapeType="1" noTextEdit="1"/>
-          </p:cNvSpPr>
-          <p:nvPr>
-            <p:extLst>
-              <p:ext uri="{386F3935-93C4-4BCD-93E2-E3B085C9AB24}">
-                <p16:designElem xmlns:p16="http://schemas.microsoft.com/office/powerpoint/2015/main" val="1"/>
-              </p:ext>
-            </p:extLst>
-          </p:nvPr>
-        </p:nvSpPr>
-        <p:spPr>
-          <a:xfrm>
-            <a:off x="10088880" y="0"/>
-            <a:ext cx="2103120" cy="6858000"/>
-          </a:xfrm>
-          <a:prstGeom prst="rect">
-            <a:avLst/>
-          </a:prstGeom>
-          <a:solidFill>
-            <a:schemeClr val="accent1"/>
-          </a:solidFill>
-          <a:ln>
-            <a:noFill/>
-          </a:ln>
-        </p:spPr>
-        <p:style>
-          <a:lnRef idx="2">
-            <a:schemeClr val="accent1">
-              <a:shade val="50000"/>
-            </a:schemeClr>
-          </a:lnRef>
-          <a:fillRef idx="1">
-            <a:schemeClr val="accent1"/>
-          </a:fillRef>
-          <a:effectRef idx="0">
-            <a:schemeClr val="accent1"/>
-          </a:effectRef>
-          <a:fontRef idx="minor">
-            <a:schemeClr val="lt1"/>
-          </a:fontRef>
-        </p:style>
-        <p:txBody>
-          <a:bodyPr rtlCol="0" anchor="ctr"/>
-          <a:lstStyle/>
-          <a:p>
-            <a:pPr algn="ctr"/>
-            <a:endParaRPr lang="en-US"/>
-          </a:p>
-        </p:txBody>
-      </p:sp>
-      <p:sp>
-        <p:nvSpPr>
-          <p:cNvPr id="14" name="Oval 13">
-            <a:extLst>
-              <a:ext uri="{FF2B5EF4-FFF2-40B4-BE49-F238E27FC236}">
-                <a16:creationId xmlns:a16="http://schemas.microsoft.com/office/drawing/2014/main" id="{967D8EB6-EAE1-4F9C-B398-83321E287204}"/>
-              </a:ext>
-              <a:ext uri="{C183D7F6-B498-43B3-948B-1728B52AA6E4}">
-                <adec:decorative xmlns:adec="http://schemas.microsoft.com/office/drawing/2017/decorative" val="1"/>
-              </a:ext>
-            </a:extLst>
-          </p:cNvPr>
-          <p:cNvSpPr>
-            <a:spLocks noGrp="1" noRot="1" noChangeAspect="1" noMove="1" noResize="1" noEditPoints="1" noAdjustHandles="1" noChangeArrowheads="1" noChangeShapeType="1" noTextEdit="1"/>
-          </p:cNvSpPr>
-          <p:nvPr>
-            <p:extLst>
-              <p:ext uri="{386F3935-93C4-4BCD-93E2-E3B085C9AB24}">
-                <p16:designElem xmlns:p16="http://schemas.microsoft.com/office/powerpoint/2015/main" val="1"/>
-              </p:ext>
-            </p:extLst>
-          </p:nvPr>
-        </p:nvSpPr>
-        <p:spPr>
-          <a:xfrm>
-            <a:off x="8915400" y="2358913"/>
-            <a:ext cx="2140172" cy="2140172"/>
-          </a:xfrm>
-          <a:prstGeom prst="ellipse">
-            <a:avLst/>
-          </a:prstGeom>
-          <a:solidFill>
-            <a:srgbClr val="FFFFFF"/>
-          </a:solidFill>
-          <a:ln w="22225">
-            <a:solidFill>
-              <a:schemeClr val="accent1"/>
-            </a:solidFill>
-          </a:ln>
-        </p:spPr>
-        <p:style>
-          <a:lnRef idx="2">
-            <a:schemeClr val="accent1">
-              <a:shade val="50000"/>
-            </a:schemeClr>
-          </a:lnRef>
-          <a:fillRef idx="1">
-            <a:schemeClr val="accent1"/>
-          </a:fillRef>
-          <a:effectRef idx="0">
-            <a:schemeClr val="accent1"/>
-          </a:effectRef>
-          <a:fontRef idx="minor">
-            <a:schemeClr val="lt1"/>
-          </a:fontRef>
-        </p:style>
-        <p:txBody>
-          <a:bodyPr rtlCol="0" anchor="ctr"/>
-          <a:lstStyle/>
-          <a:p>
-            <a:pPr algn="ctr"/>
-            <a:endParaRPr lang="en-US"/>
           </a:p>
         </p:txBody>
       </p:sp>
       <p:pic>
         <p:nvPicPr>
-          <p:cNvPr id="9" name="Graphic 8" descr="Light Bulb and Gear">
+          <p:cNvPr id="5" name="Picture 4">
             <a:extLst>
               <a:ext uri="{FF2B5EF4-FFF2-40B4-BE49-F238E27FC236}">
-                <a16:creationId xmlns:a16="http://schemas.microsoft.com/office/drawing/2014/main" id="{786033DD-D380-4162-9A3D-31AEEA1CA77F}"/>
+                <a16:creationId xmlns:a16="http://schemas.microsoft.com/office/drawing/2014/main" id="{88DBB22E-75AB-0E49-B6F3-05DF4F2C2FCF}"/>
               </a:ext>
             </a:extLst>
           </p:cNvPr>
@@ -14856,24 +10503,15 @@
           <p:nvPr/>
         </p:nvPicPr>
         <p:blipFill>
-          <a:blip r:embed="rId7">
-            <a:extLst>
-              <a:ext uri="{28A0092B-C50C-407E-A947-70E740481C1C}">
-                <a14:useLocalDpi xmlns:a14="http://schemas.microsoft.com/office/drawing/2010/main" val="0"/>
-              </a:ext>
-              <a:ext uri="{96DAC541-7B7A-43D3-8B79-37D633B846F1}">
-                <asvg:svgBlip xmlns:asvg="http://schemas.microsoft.com/office/drawing/2016/SVG/main" r:embed="rId8"/>
-              </a:ext>
-            </a:extLst>
-          </a:blip>
+          <a:blip r:embed="rId2"/>
           <a:stretch>
             <a:fillRect/>
           </a:stretch>
         </p:blipFill>
         <p:spPr>
           <a:xfrm>
-            <a:off x="9413987" y="2857501"/>
-            <a:ext cx="1142998" cy="1142998"/>
+            <a:off x="838200" y="2932386"/>
+            <a:ext cx="11346276" cy="2888168"/>
           </a:xfrm>
           <a:prstGeom prst="rect">
             <a:avLst/>
@@ -14882,327 +10520,321 @@
       </p:pic>
       <p:sp>
         <p:nvSpPr>
-          <p:cNvPr id="2" name="Rounded Rectangle 1">
+          <p:cNvPr id="3" name="Text Placeholder 2">
             <a:extLst>
               <a:ext uri="{FF2B5EF4-FFF2-40B4-BE49-F238E27FC236}">
-                <a16:creationId xmlns:a16="http://schemas.microsoft.com/office/drawing/2014/main" id="{CD3C5AEE-0489-E84C-BFAF-7CE4E43878FA}"/>
+                <a16:creationId xmlns:a16="http://schemas.microsoft.com/office/drawing/2014/main" id="{5347953D-22C9-9E43-AEA4-881C0E132431}"/>
               </a:ext>
             </a:extLst>
           </p:cNvPr>
-          <p:cNvSpPr/>
-          <p:nvPr/>
+          <p:cNvSpPr>
+            <a:spLocks noGrp="1"/>
+          </p:cNvSpPr>
+          <p:nvPr>
+            <p:ph type="body" idx="1"/>
+          </p:nvPr>
         </p:nvSpPr>
-        <p:spPr>
-          <a:xfrm>
-            <a:off x="5091043" y="845498"/>
-            <a:ext cx="3575064" cy="2838978"/>
-          </a:xfrm>
-          <a:prstGeom prst="roundRect">
-            <a:avLst/>
-          </a:prstGeom>
-          <a:solidFill>
-            <a:schemeClr val="accent5">
-              <a:lumMod val="40000"/>
-              <a:lumOff val="60000"/>
-            </a:schemeClr>
-          </a:solidFill>
-          <a:ln>
-            <a:solidFill>
-              <a:srgbClr val="F86800"/>
-            </a:solidFill>
-          </a:ln>
-        </p:spPr>
-        <p:style>
-          <a:lnRef idx="2">
-            <a:schemeClr val="accent1">
-              <a:shade val="50000"/>
-            </a:schemeClr>
-          </a:lnRef>
-          <a:fillRef idx="1">
-            <a:schemeClr val="accent1"/>
-          </a:fillRef>
-          <a:effectRef idx="0">
-            <a:schemeClr val="accent1"/>
-          </a:effectRef>
-          <a:fontRef idx="minor">
-            <a:schemeClr val="lt1"/>
-          </a:fontRef>
-        </p:style>
+        <p:spPr/>
         <p:txBody>
-          <a:bodyPr rtlCol="0" anchor="ctr"/>
+          <a:bodyPr/>
           <a:lstStyle/>
           <a:p>
-            <a:pPr algn="ctr"/>
             <a:r>
-              <a:rPr lang="en-US" sz="1600" b="1" dirty="0">
-                <a:solidFill>
-                  <a:schemeClr val="accent5">
-                    <a:lumMod val="75000"/>
-                  </a:schemeClr>
-                </a:solidFill>
-              </a:rPr>
-              <a:t>Other validations applied</a:t>
-            </a:r>
-          </a:p>
-          <a:p>
-            <a:endParaRPr lang="en-US" sz="1600" b="1" dirty="0">
-              <a:solidFill>
-                <a:schemeClr val="accent5">
-                  <a:lumMod val="75000"/>
-                </a:schemeClr>
-              </a:solidFill>
-            </a:endParaRPr>
-          </a:p>
-          <a:p>
-            <a:pPr marL="285750" indent="-285750">
-              <a:buFont typeface="Arial" panose="020B0604020202020204" pitchFamily="34" charset="0"/>
-              <a:buChar char="•"/>
-            </a:pPr>
-            <a:r>
-              <a:rPr lang="en-US" b="1" dirty="0">
-                <a:solidFill>
-                  <a:schemeClr val="accent5">
-                    <a:lumMod val="75000"/>
-                  </a:schemeClr>
-                </a:solidFill>
-              </a:rPr>
-              <a:t>Email Validation – </a:t>
-            </a:r>
-            <a:r>
-              <a:rPr lang="en-US" dirty="0">
-                <a:solidFill>
-                  <a:schemeClr val="accent5">
-                    <a:lumMod val="75000"/>
-                  </a:schemeClr>
-                </a:solidFill>
-              </a:rPr>
-              <a:t>Format (Abc@Abc.Abc) with minimum of 2 letters after ‘.’</a:t>
-            </a:r>
-          </a:p>
-          <a:p>
-            <a:pPr marL="285750" indent="-285750">
-              <a:buFont typeface="Arial" panose="020B0604020202020204" pitchFamily="34" charset="0"/>
-              <a:buChar char="•"/>
-            </a:pPr>
-            <a:endParaRPr lang="en-US" dirty="0">
-              <a:solidFill>
-                <a:schemeClr val="accent5">
-                  <a:lumMod val="75000"/>
-                </a:schemeClr>
-              </a:solidFill>
-            </a:endParaRPr>
-          </a:p>
-          <a:p>
-            <a:pPr marL="285750" indent="-285750">
-              <a:buFont typeface="Arial" panose="020B0604020202020204" pitchFamily="34" charset="0"/>
-              <a:buChar char="•"/>
-            </a:pPr>
-            <a:r>
-              <a:rPr lang="en-US" b="1" dirty="0">
-                <a:solidFill>
-                  <a:schemeClr val="accent5">
-                    <a:lumMod val="75000"/>
-                  </a:schemeClr>
-                </a:solidFill>
-              </a:rPr>
-              <a:t>IP Address Validation – </a:t>
-            </a:r>
-            <a:r>
-              <a:rPr lang="en-US" dirty="0">
-                <a:solidFill>
-                  <a:schemeClr val="accent5">
-                    <a:lumMod val="75000"/>
-                  </a:schemeClr>
-                </a:solidFill>
-              </a:rPr>
-              <a:t>Four segments separated by a ‘.’ and each segment &lt;= 255 </a:t>
+              <a:rPr lang="en-US" dirty="0"/>
+              <a:t>We found that some accounts were created with same patterns so it means there might be a bot who is creating those.</a:t>
             </a:r>
           </a:p>
         </p:txBody>
       </p:sp>
       <p:sp>
         <p:nvSpPr>
-          <p:cNvPr id="10" name="Rounded Rectangle 9">
+          <p:cNvPr id="4" name="Slide Number Placeholder 3">
             <a:extLst>
               <a:ext uri="{FF2B5EF4-FFF2-40B4-BE49-F238E27FC236}">
-                <a16:creationId xmlns:a16="http://schemas.microsoft.com/office/drawing/2014/main" id="{C4FD6452-D607-4A4F-AB5D-E0DE556F20B3}"/>
+                <a16:creationId xmlns:a16="http://schemas.microsoft.com/office/drawing/2014/main" id="{8CCC7929-6515-1B46-B806-6A7068C43016}"/>
               </a:ext>
             </a:extLst>
           </p:cNvPr>
-          <p:cNvSpPr/>
-          <p:nvPr/>
+          <p:cNvSpPr>
+            <a:spLocks noGrp="1"/>
+          </p:cNvSpPr>
+          <p:nvPr>
+            <p:ph type="sldNum" idx="12"/>
+          </p:nvPr>
         </p:nvSpPr>
-        <p:spPr>
-          <a:xfrm>
-            <a:off x="5091043" y="3880183"/>
-            <a:ext cx="3575064" cy="2838978"/>
-          </a:xfrm>
-          <a:prstGeom prst="roundRect">
-            <a:avLst/>
-          </a:prstGeom>
-          <a:solidFill>
-            <a:schemeClr val="accent5">
-              <a:lumMod val="40000"/>
-              <a:lumOff val="60000"/>
-            </a:schemeClr>
-          </a:solidFill>
-          <a:ln>
-            <a:solidFill>
-              <a:srgbClr val="F86800"/>
-            </a:solidFill>
-          </a:ln>
-        </p:spPr>
-        <p:style>
-          <a:lnRef idx="2">
-            <a:schemeClr val="accent1">
-              <a:shade val="50000"/>
-            </a:schemeClr>
-          </a:lnRef>
-          <a:fillRef idx="1">
-            <a:schemeClr val="accent1"/>
-          </a:fillRef>
-          <a:effectRef idx="0">
-            <a:schemeClr val="accent1"/>
-          </a:effectRef>
-          <a:fontRef idx="minor">
-            <a:schemeClr val="lt1"/>
-          </a:fontRef>
-        </p:style>
+        <p:spPr/>
         <p:txBody>
-          <a:bodyPr rtlCol="0" anchor="ctr"/>
+          <a:bodyPr/>
           <a:lstStyle/>
           <a:p>
-            <a:pPr algn="ctr"/>
-            <a:r>
-              <a:rPr lang="en-US" sz="1600" b="1" dirty="0">
-                <a:solidFill>
-                  <a:schemeClr val="accent5">
-                    <a:lumMod val="75000"/>
-                  </a:schemeClr>
-                </a:solidFill>
-              </a:rPr>
-              <a:t>Other validations applied but excluded</a:t>
-            </a:r>
-          </a:p>
-          <a:p>
-            <a:endParaRPr lang="en-US" dirty="0">
-              <a:solidFill>
-                <a:schemeClr val="accent5">
-                  <a:lumMod val="75000"/>
-                </a:schemeClr>
-              </a:solidFill>
-            </a:endParaRPr>
-          </a:p>
-          <a:p>
-            <a:pPr marL="285750" indent="-285750">
-              <a:buFont typeface="Arial" panose="020B0604020202020204" pitchFamily="34" charset="0"/>
-              <a:buChar char="•"/>
+            <a:pPr marL="0" lvl="0" indent="0" algn="r" rtl="0">
+              <a:spcBef>
+                <a:spcPts val="0"/>
+              </a:spcBef>
+              <a:spcAft>
+                <a:spcPts val="0"/>
+              </a:spcAft>
+              <a:buNone/>
             </a:pPr>
-            <a:r>
-              <a:rPr lang="en-US" b="1" dirty="0">
-                <a:solidFill>
-                  <a:schemeClr val="accent5">
-                    <a:lumMod val="75000"/>
-                  </a:schemeClr>
-                </a:solidFill>
-              </a:rPr>
-              <a:t>Name Validation - </a:t>
-            </a:r>
-            <a:r>
-              <a:rPr lang="en-US" dirty="0">
-                <a:solidFill>
-                  <a:schemeClr val="accent5">
-                    <a:lumMod val="75000"/>
-                  </a:schemeClr>
-                </a:solidFill>
-              </a:rPr>
-              <a:t>Removing numbers and special characters</a:t>
-            </a:r>
-          </a:p>
-          <a:p>
-            <a:pPr marL="285750" indent="-285750">
-              <a:buFont typeface="Arial" panose="020B0604020202020204" pitchFamily="34" charset="0"/>
-              <a:buChar char="•"/>
-            </a:pPr>
-            <a:endParaRPr lang="en-US" dirty="0">
-              <a:solidFill>
-                <a:schemeClr val="accent5">
-                  <a:lumMod val="75000"/>
-                </a:schemeClr>
-              </a:solidFill>
-            </a:endParaRPr>
-          </a:p>
-          <a:p>
-            <a:pPr marL="285750" indent="-285750">
-              <a:buFont typeface="Arial" panose="020B0604020202020204" pitchFamily="34" charset="0"/>
-              <a:buChar char="•"/>
-            </a:pPr>
-            <a:r>
-              <a:rPr lang="en-US" b="1" dirty="0">
-                <a:solidFill>
-                  <a:schemeClr val="accent5">
-                    <a:lumMod val="75000"/>
-                  </a:schemeClr>
-                </a:solidFill>
-              </a:rPr>
-              <a:t>Location</a:t>
-            </a:r>
-            <a:r>
-              <a:rPr lang="en-US" dirty="0">
-                <a:solidFill>
-                  <a:schemeClr val="accent5">
-                    <a:lumMod val="75000"/>
-                  </a:schemeClr>
-                </a:solidFill>
-              </a:rPr>
-              <a:t> – No numbers and special characters</a:t>
-            </a:r>
-          </a:p>
-          <a:p>
-            <a:pPr marL="285750" indent="-285750">
-              <a:buFont typeface="Arial" panose="020B0604020202020204" pitchFamily="34" charset="0"/>
-              <a:buChar char="•"/>
-            </a:pPr>
-            <a:endParaRPr lang="en-US" dirty="0">
-              <a:solidFill>
-                <a:schemeClr val="accent5">
-                  <a:lumMod val="75000"/>
-                </a:schemeClr>
-              </a:solidFill>
-            </a:endParaRPr>
-          </a:p>
-          <a:p>
-            <a:pPr marL="285750" indent="-285750">
-              <a:buFont typeface="Arial" panose="020B0604020202020204" pitchFamily="34" charset="0"/>
-              <a:buChar char="•"/>
-            </a:pPr>
-            <a:r>
-              <a:rPr lang="en-US" b="1" dirty="0">
-                <a:solidFill>
-                  <a:schemeClr val="accent5">
-                    <a:lumMod val="75000"/>
-                  </a:schemeClr>
-                </a:solidFill>
-              </a:rPr>
-              <a:t>IP Address Validation – </a:t>
-            </a:r>
-            <a:r>
-              <a:rPr lang="en-US" dirty="0">
-                <a:solidFill>
-                  <a:schemeClr val="accent5">
-                    <a:lumMod val="75000"/>
-                  </a:schemeClr>
-                </a:solidFill>
-              </a:rPr>
-              <a:t>Validating IP address against location</a:t>
-            </a:r>
+            <a:fld id="{00000000-1234-1234-1234-123412341234}" type="slidenum">
+              <a:rPr lang="en-US" smtClean="0"/>
+              <a:t>6</a:t>
+            </a:fld>
+            <a:endParaRPr lang="en-US"/>
           </a:p>
         </p:txBody>
       </p:sp>
     </p:spTree>
     <p:extLst>
       <p:ext uri="{BB962C8B-B14F-4D97-AF65-F5344CB8AC3E}">
-        <p14:creationId xmlns:p14="http://schemas.microsoft.com/office/powerpoint/2010/main" val="1011575560"/>
+        <p14:creationId xmlns:p14="http://schemas.microsoft.com/office/powerpoint/2010/main" val="162296234"/>
+      </p:ext>
+    </p:extLst>
+  </p:cSld>
+  <p:clrMapOvr>
+    <a:masterClrMapping/>
+  </p:clrMapOvr>
+</p:sld>
+</file>
+
+<file path=ppt/slides/slide7.xml><?xml version="1.0" encoding="utf-8"?>
+<p:sld xmlns:a="http://schemas.openxmlformats.org/drawingml/2006/main" xmlns:r="http://schemas.openxmlformats.org/officeDocument/2006/relationships" xmlns:p="http://schemas.openxmlformats.org/presentationml/2006/main">
+  <p:cSld>
+    <p:spTree>
+      <p:nvGrpSpPr>
+        <p:cNvPr id="1" name=""/>
+        <p:cNvGrpSpPr/>
+        <p:nvPr/>
+      </p:nvGrpSpPr>
+      <p:grpSpPr>
+        <a:xfrm>
+          <a:off x="0" y="0"/>
+          <a:ext cx="0" cy="0"/>
+          <a:chOff x="0" y="0"/>
+          <a:chExt cx="0" cy="0"/>
+        </a:xfrm>
+      </p:grpSpPr>
+      <p:sp>
+        <p:nvSpPr>
+          <p:cNvPr id="2" name="Title 1">
+            <a:extLst>
+              <a:ext uri="{FF2B5EF4-FFF2-40B4-BE49-F238E27FC236}">
+                <a16:creationId xmlns:a16="http://schemas.microsoft.com/office/drawing/2014/main" id="{6F497F8F-6AEC-AA44-A0E3-8118735547A1}"/>
+              </a:ext>
+            </a:extLst>
+          </p:cNvPr>
+          <p:cNvSpPr>
+            <a:spLocks noGrp="1"/>
+          </p:cNvSpPr>
+          <p:nvPr>
+            <p:ph type="title"/>
+          </p:nvPr>
+        </p:nvSpPr>
+        <p:spPr/>
+        <p:txBody>
+          <a:bodyPr/>
+          <a:lstStyle/>
+          <a:p>
+            <a:r>
+              <a:rPr lang="en-US" dirty="0"/>
+              <a:t>Visualization</a:t>
+            </a:r>
+          </a:p>
+        </p:txBody>
+      </p:sp>
+      <p:sp>
+        <p:nvSpPr>
+          <p:cNvPr id="3" name="Text Placeholder 2">
+            <a:extLst>
+              <a:ext uri="{FF2B5EF4-FFF2-40B4-BE49-F238E27FC236}">
+                <a16:creationId xmlns:a16="http://schemas.microsoft.com/office/drawing/2014/main" id="{6AD25216-EC69-1C4D-9B1D-5FB31897B85D}"/>
+              </a:ext>
+            </a:extLst>
+          </p:cNvPr>
+          <p:cNvSpPr>
+            <a:spLocks noGrp="1"/>
+          </p:cNvSpPr>
+          <p:nvPr>
+            <p:ph type="body" idx="1"/>
+          </p:nvPr>
+        </p:nvSpPr>
+        <p:spPr/>
+        <p:txBody>
+          <a:bodyPr/>
+          <a:lstStyle/>
+          <a:p>
+            <a:endParaRPr lang="en-US" dirty="0"/>
+          </a:p>
+          <a:p>
+            <a:endParaRPr lang="en-US" dirty="0"/>
+          </a:p>
+          <a:p>
+            <a:endParaRPr lang="en-US" dirty="0"/>
+          </a:p>
+        </p:txBody>
+      </p:sp>
+      <p:sp>
+        <p:nvSpPr>
+          <p:cNvPr id="4" name="Slide Number Placeholder 3">
+            <a:extLst>
+              <a:ext uri="{FF2B5EF4-FFF2-40B4-BE49-F238E27FC236}">
+                <a16:creationId xmlns:a16="http://schemas.microsoft.com/office/drawing/2014/main" id="{FBCAC81B-DA29-A14E-8AF8-921FA9EACC3C}"/>
+              </a:ext>
+            </a:extLst>
+          </p:cNvPr>
+          <p:cNvSpPr>
+            <a:spLocks noGrp="1"/>
+          </p:cNvSpPr>
+          <p:nvPr>
+            <p:ph type="sldNum" idx="12"/>
+          </p:nvPr>
+        </p:nvSpPr>
+        <p:spPr/>
+        <p:txBody>
+          <a:bodyPr/>
+          <a:lstStyle/>
+          <a:p>
+            <a:pPr marL="0" lvl="0" indent="0" algn="r" rtl="0">
+              <a:spcBef>
+                <a:spcPts val="0"/>
+              </a:spcBef>
+              <a:spcAft>
+                <a:spcPts val="0"/>
+              </a:spcAft>
+              <a:buNone/>
+            </a:pPr>
+            <a:fld id="{00000000-1234-1234-1234-123412341234}" type="slidenum">
+              <a:rPr lang="en-US" smtClean="0"/>
+              <a:t>7</a:t>
+            </a:fld>
+            <a:endParaRPr lang="en-US"/>
+          </a:p>
+        </p:txBody>
+      </p:sp>
+      <p:pic>
+        <p:nvPicPr>
+          <p:cNvPr id="11" name="Picture 10">
+            <a:extLst>
+              <a:ext uri="{FF2B5EF4-FFF2-40B4-BE49-F238E27FC236}">
+                <a16:creationId xmlns:a16="http://schemas.microsoft.com/office/drawing/2014/main" id="{FF025A3E-A563-784B-B43C-15EB0D4B9C80}"/>
+              </a:ext>
+            </a:extLst>
+          </p:cNvPr>
+          <p:cNvPicPr>
+            <a:picLocks noChangeAspect="1"/>
+          </p:cNvPicPr>
+          <p:nvPr/>
+        </p:nvPicPr>
+        <p:blipFill>
+          <a:blip r:embed="rId2"/>
+          <a:stretch>
+            <a:fillRect/>
+          </a:stretch>
+        </p:blipFill>
+        <p:spPr>
+          <a:xfrm>
+            <a:off x="6750985" y="4266455"/>
+            <a:ext cx="3613420" cy="2050271"/>
+          </a:xfrm>
+          <a:prstGeom prst="rect">
+            <a:avLst/>
+          </a:prstGeom>
+        </p:spPr>
+      </p:pic>
+      <p:pic>
+        <p:nvPicPr>
+          <p:cNvPr id="12" name="Picture 11">
+            <a:extLst>
+              <a:ext uri="{FF2B5EF4-FFF2-40B4-BE49-F238E27FC236}">
+                <a16:creationId xmlns:a16="http://schemas.microsoft.com/office/drawing/2014/main" id="{B12062C0-B8B4-7147-B71E-636267FB579D}"/>
+              </a:ext>
+            </a:extLst>
+          </p:cNvPr>
+          <p:cNvPicPr>
+            <a:picLocks noChangeAspect="1"/>
+          </p:cNvPicPr>
+          <p:nvPr/>
+        </p:nvPicPr>
+        <p:blipFill>
+          <a:blip r:embed="rId3"/>
+          <a:stretch>
+            <a:fillRect/>
+          </a:stretch>
+        </p:blipFill>
+        <p:spPr>
+          <a:xfrm>
+            <a:off x="1307146" y="1608076"/>
+            <a:ext cx="4331384" cy="2570942"/>
+          </a:xfrm>
+          <a:prstGeom prst="rect">
+            <a:avLst/>
+          </a:prstGeom>
+        </p:spPr>
+      </p:pic>
+      <p:pic>
+        <p:nvPicPr>
+          <p:cNvPr id="13" name="Picture 12">
+            <a:extLst>
+              <a:ext uri="{FF2B5EF4-FFF2-40B4-BE49-F238E27FC236}">
+                <a16:creationId xmlns:a16="http://schemas.microsoft.com/office/drawing/2014/main" id="{C6D90ECC-4838-FC41-B065-CC12F77A38E4}"/>
+              </a:ext>
+            </a:extLst>
+          </p:cNvPr>
+          <p:cNvPicPr>
+            <a:picLocks noChangeAspect="1"/>
+          </p:cNvPicPr>
+          <p:nvPr/>
+        </p:nvPicPr>
+        <p:blipFill>
+          <a:blip r:embed="rId4"/>
+          <a:stretch>
+            <a:fillRect/>
+          </a:stretch>
+        </p:blipFill>
+        <p:spPr>
+          <a:xfrm>
+            <a:off x="6623244" y="1099033"/>
+            <a:ext cx="4261610" cy="3147610"/>
+          </a:xfrm>
+          <a:prstGeom prst="rect">
+            <a:avLst/>
+          </a:prstGeom>
+        </p:spPr>
+      </p:pic>
+      <p:pic>
+        <p:nvPicPr>
+          <p:cNvPr id="14" name="Picture 13">
+            <a:extLst>
+              <a:ext uri="{FF2B5EF4-FFF2-40B4-BE49-F238E27FC236}">
+                <a16:creationId xmlns:a16="http://schemas.microsoft.com/office/drawing/2014/main" id="{E7A2C344-5771-B944-8378-41DE945CACCC}"/>
+              </a:ext>
+            </a:extLst>
+          </p:cNvPr>
+          <p:cNvPicPr>
+            <a:picLocks noChangeAspect="1"/>
+          </p:cNvPicPr>
+          <p:nvPr/>
+        </p:nvPicPr>
+        <p:blipFill>
+          <a:blip r:embed="rId5"/>
+          <a:stretch>
+            <a:fillRect/>
+          </a:stretch>
+        </p:blipFill>
+        <p:spPr>
+          <a:xfrm>
+            <a:off x="1650719" y="4179018"/>
+            <a:ext cx="3194550" cy="2462275"/>
+          </a:xfrm>
+          <a:prstGeom prst="rect">
+            <a:avLst/>
+          </a:prstGeom>
+        </p:spPr>
+      </p:pic>
+    </p:spTree>
+    <p:extLst>
+      <p:ext uri="{BB962C8B-B14F-4D97-AF65-F5344CB8AC3E}">
+        <p14:creationId xmlns:p14="http://schemas.microsoft.com/office/powerpoint/2010/main" val="1834117261"/>
       </p:ext>
     </p:extLst>
   </p:cSld>
@@ -15253,7 +10885,7 @@
             <a:pPr algn="ctr"/>
             <a:r>
               <a:rPr lang="en-US" dirty="0"/>
-              <a:t>How did we proceed ?</a:t>
+              <a:t>Recommendations</a:t>
             </a:r>
           </a:p>
         </p:txBody>
@@ -15279,33 +10911,20 @@
           <a:bodyPr anchor="ctr"/>
           <a:lstStyle/>
           <a:p>
+            <a:pPr marL="114300" indent="0">
+              <a:buNone/>
+            </a:pPr>
             <a:r>
               <a:rPr lang="en-US" sz="2000" dirty="0"/>
-              <a:t>Step 1 - Convert categorical data into numerical</a:t>
+              <a:t>To avoid getting numerous fake accounts into </a:t>
             </a:r>
-          </a:p>
-          <a:p>
+            <a:r>
+              <a:rPr lang="en-US" sz="2000" dirty="0" err="1"/>
+              <a:t>Github</a:t>
+            </a:r>
             <a:r>
               <a:rPr lang="en-US" sz="2000" dirty="0"/>
-              <a:t>Step 2 - add new column in df for each categorical data</a:t>
-            </a:r>
-          </a:p>
-          <a:p>
-            <a:r>
-              <a:rPr lang="en-US" sz="2000" dirty="0"/>
-              <a:t>Step 3 - sum the score and divide by total number of scenarios considered</a:t>
-            </a:r>
-          </a:p>
-          <a:p>
-            <a:r>
-              <a:rPr lang="en-US" sz="2000" dirty="0"/>
-              <a:t>Step 4 - assign each row with campaign and malicious values</a:t>
-            </a:r>
-          </a:p>
-          <a:p>
-            <a:r>
-              <a:rPr lang="en-US" sz="2000" dirty="0"/>
-              <a:t>                                                                       - - -</a:t>
+              <a:t>, we recommend:</a:t>
             </a:r>
           </a:p>
           <a:p>
@@ -15314,33 +10933,25 @@
           <a:p>
             <a:r>
               <a:rPr lang="en-US" sz="2000" dirty="0"/>
-              <a:t>Rules ( final values for score would be between 1 or 0 )</a:t>
+              <a:t>Add email validation into system.</a:t>
             </a:r>
           </a:p>
           <a:p>
             <a:r>
               <a:rPr lang="en-US" sz="2000" dirty="0"/>
-              <a:t>- Email score : valid or fake email address</a:t>
+              <a:t>we should not allow system to create multiple accounts with in x minute. ( to make sure it’s not a boot )</a:t>
             </a:r>
           </a:p>
           <a:p>
             <a:r>
               <a:rPr lang="en-US" sz="2000" dirty="0"/>
-              <a:t>- Geography score : look for </a:t>
-            </a:r>
-            <a:r>
-              <a:rPr lang="en-US" sz="2000" dirty="0" err="1"/>
-              <a:t>ip</a:t>
-            </a:r>
-            <a:r>
-              <a:rPr lang="en-US" sz="2000" dirty="0"/>
-              <a:t> address from which account is created valid or not</a:t>
+              <a:t>Before allowing user to enter into system we should check if user is not using VPN to fake the location.</a:t>
             </a:r>
           </a:p>
           <a:p>
             <a:r>
               <a:rPr lang="en-US" sz="2000" dirty="0"/>
-              <a:t>- Duplication score : if more than one account is created with same email and same account name</a:t>
+              <a:t>Not allowed user to create account with same account name and same email.</a:t>
             </a:r>
           </a:p>
         </p:txBody>
@@ -15878,7 +11489,19 @@
               <a:rPr lang="en-US" sz="1600" dirty="0">
                 <a:latin typeface="+mn-lt"/>
               </a:rPr>
-              <a:t>The given data has 647 malicious accounts</a:t>
+              <a:t>The given data </a:t>
+            </a:r>
+            <a:r>
+              <a:rPr lang="en-US" sz="1600">
+                <a:latin typeface="+mn-lt"/>
+              </a:rPr>
+              <a:t>has 213 </a:t>
+            </a:r>
+            <a:r>
+              <a:rPr lang="en-US" sz="1600" dirty="0">
+                <a:latin typeface="+mn-lt"/>
+              </a:rPr>
+              <a:t>malicious accounts</a:t>
             </a:r>
           </a:p>
           <a:p>

--- a/Capstone_600.pptx
+++ b/Capstone_600.pptx
@@ -10157,10 +10157,31 @@
             </a:r>
           </a:p>
           <a:p>
+            <a:pPr marL="571500" indent="-342900">
+              <a:buFontTx/>
+              <a:buChar char="-"/>
+            </a:pPr>
             <a:r>
               <a:rPr lang="en-US" dirty="0"/>
-              <a:t>- Duplication score : if more than one account is created with same email and same account name</a:t>
+              <a:t>Duplication score : if more than one account is created with same email and same account name</a:t>
             </a:r>
+          </a:p>
+          <a:p>
+            <a:pPr marL="571500" indent="-342900">
+              <a:buFontTx/>
+              <a:buChar char="-"/>
+            </a:pPr>
+            <a:r>
+              <a:rPr lang="en-US" dirty="0"/>
+              <a:t>Bot score : look for patterns in name account name, and email if found the it might be script running against system</a:t>
+            </a:r>
+          </a:p>
+          <a:p>
+            <a:pPr marL="571500" indent="-342900">
+              <a:buFontTx/>
+              <a:buChar char="-"/>
+            </a:pPr>
+            <a:endParaRPr lang="en-US" dirty="0"/>
           </a:p>
           <a:p>
             <a:endParaRPr lang="en-US" dirty="0"/>
@@ -10227,8 +10248,8 @@
         </p:blipFill>
         <p:spPr>
           <a:xfrm>
-            <a:off x="1917700" y="3546474"/>
-            <a:ext cx="8064500" cy="3175000"/>
+            <a:off x="2895601" y="4288914"/>
+            <a:ext cx="4913585" cy="1934482"/>
           </a:xfrm>
           <a:prstGeom prst="rect">
             <a:avLst/>
@@ -10939,7 +10960,7 @@
           <a:p>
             <a:r>
               <a:rPr lang="en-US" sz="2000" dirty="0"/>
-              <a:t>we should not allow system to create multiple accounts with in x minute. ( to make sure it’s not a boot )</a:t>
+              <a:t>we should not allow user to create multiple accounts with in x minute. ( to make sure it’s not a bot or script )</a:t>
             </a:r>
           </a:p>
           <a:p>
@@ -11489,19 +11510,7 @@
               <a:rPr lang="en-US" sz="1600" dirty="0">
                 <a:latin typeface="+mn-lt"/>
               </a:rPr>
-              <a:t>The given data </a:t>
-            </a:r>
-            <a:r>
-              <a:rPr lang="en-US" sz="1600">
-                <a:latin typeface="+mn-lt"/>
-              </a:rPr>
-              <a:t>has 213 </a:t>
-            </a:r>
-            <a:r>
-              <a:rPr lang="en-US" sz="1600" dirty="0">
-                <a:latin typeface="+mn-lt"/>
-              </a:rPr>
-              <a:t>malicious accounts</a:t>
+              <a:t>The given data has 213 malicious accounts</a:t>
             </a:r>
           </a:p>
           <a:p>

--- a/Capstone_600.pptx
+++ b/Capstone_600.pptx
@@ -11544,6 +11544,75 @@
                 <a:ea typeface="+mn-ea"/>
                 <a:cs typeface="+mn-cs"/>
               </a:rPr>
+              <a:t>Source code https://</a:t>
+            </a:r>
+            <a:r>
+              <a:rPr lang="en-US" sz="1600" kern="1200" dirty="0" err="1">
+                <a:solidFill>
+                  <a:schemeClr val="tx1"/>
+                </a:solidFill>
+                <a:latin typeface="+mn-lt"/>
+                <a:ea typeface="+mn-ea"/>
+                <a:cs typeface="+mn-cs"/>
+              </a:rPr>
+              <a:t>github.com</a:t>
+            </a:r>
+            <a:r>
+              <a:rPr lang="en-US" sz="1600" kern="1200" dirty="0">
+                <a:solidFill>
+                  <a:schemeClr val="tx1"/>
+                </a:solidFill>
+                <a:latin typeface="+mn-lt"/>
+                <a:ea typeface="+mn-ea"/>
+                <a:cs typeface="+mn-cs"/>
+              </a:rPr>
+              <a:t>/</a:t>
+            </a:r>
+            <a:r>
+              <a:rPr lang="en-US" sz="1600" kern="1200" dirty="0" err="1">
+                <a:solidFill>
+                  <a:schemeClr val="tx1"/>
+                </a:solidFill>
+                <a:latin typeface="+mn-lt"/>
+                <a:ea typeface="+mn-ea"/>
+                <a:cs typeface="+mn-cs"/>
+              </a:rPr>
+              <a:t>karimkhamwani</a:t>
+            </a:r>
+            <a:r>
+              <a:rPr lang="en-US" sz="1600" kern="1200">
+                <a:solidFill>
+                  <a:schemeClr val="tx1"/>
+                </a:solidFill>
+                <a:latin typeface="+mn-lt"/>
+                <a:ea typeface="+mn-ea"/>
+                <a:cs typeface="+mn-cs"/>
+              </a:rPr>
+              <a:t>/python-data-analysis</a:t>
+            </a:r>
+            <a:endParaRPr lang="en-US" sz="1600" kern="1200" dirty="0">
+              <a:solidFill>
+                <a:schemeClr val="tx1"/>
+              </a:solidFill>
+              <a:latin typeface="+mn-lt"/>
+              <a:ea typeface="+mn-ea"/>
+              <a:cs typeface="+mn-cs"/>
+            </a:endParaRPr>
+          </a:p>
+          <a:p>
+            <a:pPr>
+              <a:buFont typeface="Wingdings" panose="05000000000000000000" pitchFamily="2" charset="2"/>
+              <a:buChar char="v"/>
+            </a:pPr>
+            <a:r>
+              <a:rPr lang="en-US" sz="1600" kern="1200" dirty="0">
+                <a:solidFill>
+                  <a:schemeClr val="tx1"/>
+                </a:solidFill>
+                <a:latin typeface="+mn-lt"/>
+                <a:ea typeface="+mn-ea"/>
+                <a:cs typeface="+mn-cs"/>
+              </a:rPr>
               <a:t> </a:t>
             </a:r>
           </a:p>

--- a/Capstone_600.pptx
+++ b/Capstone_600.pptx
@@ -11580,7 +11580,7 @@
               <a:t>karimkhamwani</a:t>
             </a:r>
             <a:r>
-              <a:rPr lang="en-US" sz="1600" kern="1200">
+              <a:rPr lang="en-US" sz="1600" kern="1200" dirty="0">
                 <a:solidFill>
                   <a:schemeClr val="tx1"/>
                 </a:solidFill>
@@ -11590,14 +11590,6 @@
               </a:rPr>
               <a:t>/python-data-analysis</a:t>
             </a:r>
-            <a:endParaRPr lang="en-US" sz="1600" kern="1200" dirty="0">
-              <a:solidFill>
-                <a:schemeClr val="tx1"/>
-              </a:solidFill>
-              <a:latin typeface="+mn-lt"/>
-              <a:ea typeface="+mn-ea"/>
-              <a:cs typeface="+mn-cs"/>
-            </a:endParaRPr>
           </a:p>
           <a:p>
             <a:pPr>

--- a/Capstone_600.pptx
+++ b/Capstone_600.pptx
@@ -5,7 +5,7 @@
     <p:sldMasterId id="2147483659" r:id="rId1"/>
   </p:sldMasterIdLst>
   <p:notesMasterIdLst>
-    <p:notesMasterId r:id="rId12"/>
+    <p:notesMasterId r:id="rId13"/>
   </p:notesMasterIdLst>
   <p:sldIdLst>
     <p:sldId id="256" r:id="rId2"/>
@@ -14,10 +14,11 @@
     <p:sldId id="323" r:id="rId5"/>
     <p:sldId id="316" r:id="rId6"/>
     <p:sldId id="325" r:id="rId7"/>
-    <p:sldId id="324" r:id="rId8"/>
-    <p:sldId id="321" r:id="rId9"/>
-    <p:sldId id="303" r:id="rId10"/>
-    <p:sldId id="320" r:id="rId11"/>
+    <p:sldId id="326" r:id="rId8"/>
+    <p:sldId id="324" r:id="rId9"/>
+    <p:sldId id="321" r:id="rId10"/>
+    <p:sldId id="303" r:id="rId11"/>
+    <p:sldId id="320" r:id="rId12"/>
   </p:sldIdLst>
   <p:sldSz cx="12192000" cy="6858000"/>
   <p:notesSz cx="6858000" cy="9144000"/>
@@ -9410,1627 +9411,6 @@
 <file path=ppt/slides/slide10.xml><?xml version="1.0" encoding="utf-8"?>
 <p:sld xmlns:a="http://schemas.openxmlformats.org/drawingml/2006/main" xmlns:r="http://schemas.openxmlformats.org/officeDocument/2006/relationships" xmlns:p="http://schemas.openxmlformats.org/presentationml/2006/main">
   <p:cSld>
-    <p:spTree>
-      <p:nvGrpSpPr>
-        <p:cNvPr id="1" name=""/>
-        <p:cNvGrpSpPr/>
-        <p:nvPr/>
-      </p:nvGrpSpPr>
-      <p:grpSpPr>
-        <a:xfrm>
-          <a:off x="0" y="0"/>
-          <a:ext cx="0" cy="0"/>
-          <a:chOff x="0" y="0"/>
-          <a:chExt cx="0" cy="0"/>
-        </a:xfrm>
-      </p:grpSpPr>
-      <p:sp>
-        <p:nvSpPr>
-          <p:cNvPr id="4" name="Slide Number Placeholder 3">
-            <a:extLst>
-              <a:ext uri="{FF2B5EF4-FFF2-40B4-BE49-F238E27FC236}">
-                <a16:creationId xmlns:a16="http://schemas.microsoft.com/office/drawing/2014/main" id="{6A494CDC-BBE1-4F65-B218-5484DBF33BD2}"/>
-              </a:ext>
-            </a:extLst>
-          </p:cNvPr>
-          <p:cNvSpPr>
-            <a:spLocks noGrp="1"/>
-          </p:cNvSpPr>
-          <p:nvPr>
-            <p:ph type="sldNum" idx="12"/>
-          </p:nvPr>
-        </p:nvSpPr>
-        <p:spPr/>
-        <p:txBody>
-          <a:bodyPr/>
-          <a:lstStyle/>
-          <a:p>
-            <a:pPr marL="0" lvl="0" indent="0" algn="r" rtl="0">
-              <a:spcBef>
-                <a:spcPts val="0"/>
-              </a:spcBef>
-              <a:spcAft>
-                <a:spcPts val="0"/>
-              </a:spcAft>
-              <a:buNone/>
-            </a:pPr>
-            <a:fld id="{00000000-1234-1234-1234-123412341234}" type="slidenum">
-              <a:rPr lang="en-US" smtClean="0"/>
-              <a:t>10</a:t>
-            </a:fld>
-            <a:endParaRPr lang="en-US"/>
-          </a:p>
-        </p:txBody>
-      </p:sp>
-      <p:pic>
-        <p:nvPicPr>
-          <p:cNvPr id="8" name="Picture 7" descr="Logo, company name&#10;&#10;Description automatically generated">
-            <a:extLst>
-              <a:ext uri="{FF2B5EF4-FFF2-40B4-BE49-F238E27FC236}">
-                <a16:creationId xmlns:a16="http://schemas.microsoft.com/office/drawing/2014/main" id="{D6DDC53F-E4E2-411B-A186-5D4FA2AAE5EA}"/>
-              </a:ext>
-            </a:extLst>
-          </p:cNvPr>
-          <p:cNvPicPr>
-            <a:picLocks noChangeAspect="1"/>
-          </p:cNvPicPr>
-          <p:nvPr/>
-        </p:nvPicPr>
-        <p:blipFill>
-          <a:blip r:embed="rId2"/>
-          <a:stretch>
-            <a:fillRect/>
-          </a:stretch>
-        </p:blipFill>
-        <p:spPr>
-          <a:xfrm>
-            <a:off x="1763486" y="136525"/>
-            <a:ext cx="8725988" cy="6584949"/>
-          </a:xfrm>
-          <a:prstGeom prst="rect">
-            <a:avLst/>
-          </a:prstGeom>
-        </p:spPr>
-      </p:pic>
-    </p:spTree>
-    <p:extLst>
-      <p:ext uri="{BB962C8B-B14F-4D97-AF65-F5344CB8AC3E}">
-        <p14:creationId xmlns:p14="http://schemas.microsoft.com/office/powerpoint/2010/main" val="2975328333"/>
-      </p:ext>
-    </p:extLst>
-  </p:cSld>
-  <p:clrMapOvr>
-    <a:masterClrMapping/>
-  </p:clrMapOvr>
-</p:sld>
-</file>
-
-<file path=ppt/slides/slide2.xml><?xml version="1.0" encoding="utf-8"?>
-<p:sld xmlns:a="http://schemas.openxmlformats.org/drawingml/2006/main" xmlns:r="http://schemas.openxmlformats.org/officeDocument/2006/relationships" xmlns:p="http://schemas.openxmlformats.org/presentationml/2006/main">
-  <p:cSld>
-    <p:spTree>
-      <p:nvGrpSpPr>
-        <p:cNvPr id="1" name=""/>
-        <p:cNvGrpSpPr/>
-        <p:nvPr/>
-      </p:nvGrpSpPr>
-      <p:grpSpPr>
-        <a:xfrm>
-          <a:off x="0" y="0"/>
-          <a:ext cx="0" cy="0"/>
-          <a:chOff x="0" y="0"/>
-          <a:chExt cx="0" cy="0"/>
-        </a:xfrm>
-      </p:grpSpPr>
-      <p:sp>
-        <p:nvSpPr>
-          <p:cNvPr id="2" name="Title 1">
-            <a:extLst>
-              <a:ext uri="{FF2B5EF4-FFF2-40B4-BE49-F238E27FC236}">
-                <a16:creationId xmlns:a16="http://schemas.microsoft.com/office/drawing/2014/main" id="{2738F573-3F00-4ED3-9238-386861594F12}"/>
-              </a:ext>
-            </a:extLst>
-          </p:cNvPr>
-          <p:cNvSpPr>
-            <a:spLocks noGrp="1"/>
-          </p:cNvSpPr>
-          <p:nvPr>
-            <p:ph type="title"/>
-          </p:nvPr>
-        </p:nvSpPr>
-        <p:spPr/>
-        <p:txBody>
-          <a:bodyPr/>
-          <a:lstStyle/>
-          <a:p>
-            <a:r>
-              <a:rPr lang="en-US" dirty="0">
-                <a:latin typeface="Times New Roman" panose="02020603050405020304" pitchFamily="18" charset="0"/>
-                <a:cs typeface="Times New Roman" panose="02020603050405020304" pitchFamily="18" charset="0"/>
-              </a:rPr>
-              <a:t>Introduction </a:t>
-            </a:r>
-          </a:p>
-        </p:txBody>
-      </p:sp>
-      <p:sp>
-        <p:nvSpPr>
-          <p:cNvPr id="3" name="Text Placeholder 2">
-            <a:extLst>
-              <a:ext uri="{FF2B5EF4-FFF2-40B4-BE49-F238E27FC236}">
-                <a16:creationId xmlns:a16="http://schemas.microsoft.com/office/drawing/2014/main" id="{66628407-E450-401E-93C9-B87BF3392D79}"/>
-              </a:ext>
-            </a:extLst>
-          </p:cNvPr>
-          <p:cNvSpPr>
-            <a:spLocks noGrp="1"/>
-          </p:cNvSpPr>
-          <p:nvPr>
-            <p:ph type="body" idx="1"/>
-          </p:nvPr>
-        </p:nvSpPr>
-        <p:spPr/>
-        <p:txBody>
-          <a:bodyPr/>
-          <a:lstStyle/>
-          <a:p>
-            <a:r>
-              <a:rPr lang="en-US" sz="2000" dirty="0">
-                <a:latin typeface="Times New Roman" panose="02020603050405020304" pitchFamily="18" charset="0"/>
-                <a:cs typeface="Times New Roman" panose="02020603050405020304" pitchFamily="18" charset="0"/>
-              </a:rPr>
-              <a:t>The threat profile that businesses face is continuously moving, and the cybersecurity landscape is ever-changing.</a:t>
-            </a:r>
-          </a:p>
-          <a:p>
-            <a:pPr marL="114300" indent="0">
-              <a:buNone/>
-            </a:pPr>
-            <a:endParaRPr lang="en-US" sz="2000" dirty="0">
-              <a:latin typeface="Times New Roman" panose="02020603050405020304" pitchFamily="18" charset="0"/>
-              <a:cs typeface="Times New Roman" panose="02020603050405020304" pitchFamily="18" charset="0"/>
-            </a:endParaRPr>
-          </a:p>
-          <a:p>
-            <a:r>
-              <a:rPr lang="en-US" sz="2000" dirty="0">
-                <a:latin typeface="Times New Roman" panose="02020603050405020304" pitchFamily="18" charset="0"/>
-                <a:cs typeface="Times New Roman" panose="02020603050405020304" pitchFamily="18" charset="0"/>
-              </a:rPr>
-              <a:t>The introduction of captcha and the widespread use of two-factor authentication appeared to have reduced account creation fraud.</a:t>
-            </a:r>
-          </a:p>
-          <a:p>
-            <a:pPr marL="114300" indent="0">
-              <a:buNone/>
-            </a:pPr>
-            <a:endParaRPr lang="en-US" sz="2000" dirty="0">
-              <a:latin typeface="Times New Roman" panose="02020603050405020304" pitchFamily="18" charset="0"/>
-              <a:cs typeface="Times New Roman" panose="02020603050405020304" pitchFamily="18" charset="0"/>
-            </a:endParaRPr>
-          </a:p>
-          <a:p>
-            <a:r>
-              <a:rPr lang="en-US" sz="2000" dirty="0">
-                <a:latin typeface="Times New Roman" panose="02020603050405020304" pitchFamily="18" charset="0"/>
-                <a:cs typeface="Times New Roman" panose="02020603050405020304" pitchFamily="18" charset="0"/>
-              </a:rPr>
-              <a:t>Fraudulent account creation is on the rise once more, mainly to the advent of sophisticated and inexpensive hacking tools.</a:t>
-            </a:r>
-          </a:p>
-        </p:txBody>
-      </p:sp>
-      <p:sp>
-        <p:nvSpPr>
-          <p:cNvPr id="4" name="Slide Number Placeholder 3">
-            <a:extLst>
-              <a:ext uri="{FF2B5EF4-FFF2-40B4-BE49-F238E27FC236}">
-                <a16:creationId xmlns:a16="http://schemas.microsoft.com/office/drawing/2014/main" id="{1A68725D-66BC-42E1-8F19-10359638D4AD}"/>
-              </a:ext>
-            </a:extLst>
-          </p:cNvPr>
-          <p:cNvSpPr>
-            <a:spLocks noGrp="1"/>
-          </p:cNvSpPr>
-          <p:nvPr>
-            <p:ph type="sldNum" idx="12"/>
-          </p:nvPr>
-        </p:nvSpPr>
-        <p:spPr/>
-        <p:txBody>
-          <a:bodyPr/>
-          <a:lstStyle/>
-          <a:p>
-            <a:pPr marL="0" lvl="0" indent="0" algn="r" rtl="0">
-              <a:spcBef>
-                <a:spcPts val="0"/>
-              </a:spcBef>
-              <a:spcAft>
-                <a:spcPts val="0"/>
-              </a:spcAft>
-              <a:buNone/>
-            </a:pPr>
-            <a:fld id="{00000000-1234-1234-1234-123412341234}" type="slidenum">
-              <a:rPr lang="en-US" smtClean="0"/>
-              <a:t>2</a:t>
-            </a:fld>
-            <a:endParaRPr lang="en-US"/>
-          </a:p>
-        </p:txBody>
-      </p:sp>
-    </p:spTree>
-    <p:extLst>
-      <p:ext uri="{BB962C8B-B14F-4D97-AF65-F5344CB8AC3E}">
-        <p14:creationId xmlns:p14="http://schemas.microsoft.com/office/powerpoint/2010/main" val="659258137"/>
-      </p:ext>
-    </p:extLst>
-  </p:cSld>
-  <p:clrMapOvr>
-    <a:masterClrMapping/>
-  </p:clrMapOvr>
-</p:sld>
-</file>
-
-<file path=ppt/slides/slide3.xml><?xml version="1.0" encoding="utf-8"?>
-<p:sld xmlns:a="http://schemas.openxmlformats.org/drawingml/2006/main" xmlns:r="http://schemas.openxmlformats.org/officeDocument/2006/relationships" xmlns:p="http://schemas.openxmlformats.org/presentationml/2006/main">
-  <p:cSld>
-    <p:spTree>
-      <p:nvGrpSpPr>
-        <p:cNvPr id="1" name="Shape 96"/>
-        <p:cNvGrpSpPr/>
-        <p:nvPr/>
-      </p:nvGrpSpPr>
-      <p:grpSpPr>
-        <a:xfrm>
-          <a:off x="0" y="0"/>
-          <a:ext cx="0" cy="0"/>
-          <a:chOff x="0" y="0"/>
-          <a:chExt cx="0" cy="0"/>
-        </a:xfrm>
-      </p:grpSpPr>
-      <p:sp>
-        <p:nvSpPr>
-          <p:cNvPr id="98" name="Google Shape;98;p14"/>
-          <p:cNvSpPr/>
-          <p:nvPr/>
-        </p:nvSpPr>
-        <p:spPr>
-          <a:xfrm>
-            <a:off x="0" y="0"/>
-            <a:ext cx="126124" cy="6858000"/>
-          </a:xfrm>
-          <a:prstGeom prst="rect">
-            <a:avLst/>
-          </a:prstGeom>
-          <a:solidFill>
-            <a:srgbClr val="F86800"/>
-          </a:solidFill>
-          <a:ln>
-            <a:noFill/>
-          </a:ln>
-        </p:spPr>
-        <p:txBody>
-          <a:bodyPr spcFirstLastPara="1" wrap="square" lIns="91425" tIns="45700" rIns="91425" bIns="45700" anchor="ctr" anchorCtr="0">
-            <a:noAutofit/>
-          </a:bodyPr>
-          <a:lstStyle/>
-          <a:p>
-            <a:pPr marL="0" marR="0" lvl="0" indent="0" algn="ctr" rtl="0">
-              <a:lnSpc>
-                <a:spcPct val="100000"/>
-              </a:lnSpc>
-              <a:spcBef>
-                <a:spcPts val="0"/>
-              </a:spcBef>
-              <a:spcAft>
-                <a:spcPts val="0"/>
-              </a:spcAft>
-              <a:buClr>
-                <a:schemeClr val="dk1"/>
-              </a:buClr>
-              <a:buSzPts val="1800"/>
-              <a:buFont typeface="Calibri"/>
-              <a:buNone/>
-            </a:pPr>
-            <a:endParaRPr sz="1800" b="0" i="0" u="none" strike="noStrike" cap="none">
-              <a:solidFill>
-                <a:srgbClr val="FFFFFF"/>
-              </a:solidFill>
-              <a:latin typeface="Calibri"/>
-              <a:ea typeface="Calibri"/>
-              <a:cs typeface="Calibri"/>
-              <a:sym typeface="Calibri"/>
-            </a:endParaRPr>
-          </a:p>
-        </p:txBody>
-      </p:sp>
-      <p:sp>
-        <p:nvSpPr>
-          <p:cNvPr id="2" name="Title 1">
-            <a:extLst>
-              <a:ext uri="{FF2B5EF4-FFF2-40B4-BE49-F238E27FC236}">
-                <a16:creationId xmlns:a16="http://schemas.microsoft.com/office/drawing/2014/main" id="{D6DC9CC8-397E-8445-B533-4C2FFC487128}"/>
-              </a:ext>
-            </a:extLst>
-          </p:cNvPr>
-          <p:cNvSpPr>
-            <a:spLocks noGrp="1"/>
-          </p:cNvSpPr>
-          <p:nvPr>
-            <p:ph type="title"/>
-          </p:nvPr>
-        </p:nvSpPr>
-        <p:spPr>
-          <a:xfrm>
-            <a:off x="831850" y="283779"/>
-            <a:ext cx="10515600" cy="662152"/>
-          </a:xfrm>
-        </p:spPr>
-        <p:txBody>
-          <a:bodyPr/>
-          <a:lstStyle/>
-          <a:p>
-            <a:r>
-              <a:rPr lang="en-US" sz="4400" dirty="0">
-                <a:latin typeface="Times New Roman" panose="02020603050405020304" pitchFamily="18" charset="0"/>
-                <a:cs typeface="Times New Roman" panose="02020603050405020304" pitchFamily="18" charset="0"/>
-              </a:rPr>
-              <a:t>Analyzing data </a:t>
-            </a:r>
-            <a:endParaRPr lang="en-US" sz="4400" dirty="0"/>
-          </a:p>
-        </p:txBody>
-      </p:sp>
-      <p:sp>
-        <p:nvSpPr>
-          <p:cNvPr id="3" name="Text Placeholder 2">
-            <a:extLst>
-              <a:ext uri="{FF2B5EF4-FFF2-40B4-BE49-F238E27FC236}">
-                <a16:creationId xmlns:a16="http://schemas.microsoft.com/office/drawing/2014/main" id="{4CC854CC-6D4E-B84F-B0FD-D87FBC60747D}"/>
-              </a:ext>
-            </a:extLst>
-          </p:cNvPr>
-          <p:cNvSpPr>
-            <a:spLocks noGrp="1"/>
-          </p:cNvSpPr>
-          <p:nvPr>
-            <p:ph type="body" idx="1"/>
-          </p:nvPr>
-        </p:nvSpPr>
-        <p:spPr>
-          <a:xfrm>
-            <a:off x="831850" y="1294379"/>
-            <a:ext cx="10515600" cy="4795271"/>
-          </a:xfrm>
-        </p:spPr>
-        <p:txBody>
-          <a:bodyPr/>
-          <a:lstStyle/>
-          <a:p>
-            <a:r>
-              <a:rPr lang="en-US" dirty="0"/>
-              <a:t>Step 1 - Convert categorical data into numerical</a:t>
-            </a:r>
-          </a:p>
-          <a:p>
-            <a:r>
-              <a:rPr lang="en-US" dirty="0"/>
-              <a:t>Step 2 - add new column in df for each categorical data</a:t>
-            </a:r>
-          </a:p>
-          <a:p>
-            <a:r>
-              <a:rPr lang="en-US" dirty="0"/>
-              <a:t>Step 3 - sum the score and divide by total number of scenarios considered</a:t>
-            </a:r>
-          </a:p>
-          <a:p>
-            <a:r>
-              <a:rPr lang="en-US" dirty="0"/>
-              <a:t>Step 4 - assign each row with campaign and malicious values</a:t>
-            </a:r>
-          </a:p>
-          <a:p>
-            <a:endParaRPr lang="en-US" dirty="0"/>
-          </a:p>
-          <a:p>
-            <a:endParaRPr lang="en-US" dirty="0"/>
-          </a:p>
-          <a:p>
-            <a:endParaRPr lang="en-US" dirty="0"/>
-          </a:p>
-        </p:txBody>
-      </p:sp>
-      <p:sp>
-        <p:nvSpPr>
-          <p:cNvPr id="99" name="Google Shape;99;p14"/>
-          <p:cNvSpPr txBox="1">
-            <a:spLocks noGrp="1"/>
-          </p:cNvSpPr>
-          <p:nvPr>
-            <p:ph type="sldNum" idx="12"/>
-          </p:nvPr>
-        </p:nvSpPr>
-        <p:spPr>
-          <a:prstGeom prst="rect">
-            <a:avLst/>
-          </a:prstGeom>
-          <a:noFill/>
-          <a:ln>
-            <a:noFill/>
-          </a:ln>
-        </p:spPr>
-        <p:txBody>
-          <a:bodyPr spcFirstLastPara="1" wrap="square" lIns="91425" tIns="45700" rIns="91425" bIns="45700" anchor="ctr" anchorCtr="0">
-            <a:noAutofit/>
-          </a:bodyPr>
-          <a:lstStyle/>
-          <a:p>
-            <a:pPr marL="0" lvl="0" indent="0" algn="r" rtl="0">
-              <a:spcBef>
-                <a:spcPts val="0"/>
-              </a:spcBef>
-              <a:spcAft>
-                <a:spcPts val="0"/>
-              </a:spcAft>
-              <a:buNone/>
-            </a:pPr>
-            <a:fld id="{00000000-1234-1234-1234-123412341234}" type="slidenum">
-              <a:rPr lang="en-US"/>
-              <a:t>3</a:t>
-            </a:fld>
-            <a:endParaRPr/>
-          </a:p>
-        </p:txBody>
-      </p:sp>
-      <p:grpSp>
-        <p:nvGrpSpPr>
-          <p:cNvPr id="20" name="Google Shape;196;p27">
-            <a:extLst>
-              <a:ext uri="{FF2B5EF4-FFF2-40B4-BE49-F238E27FC236}">
-                <a16:creationId xmlns:a16="http://schemas.microsoft.com/office/drawing/2014/main" id="{3363DA65-F9B8-418B-9627-0E809082D02C}"/>
-              </a:ext>
-            </a:extLst>
-          </p:cNvPr>
-          <p:cNvGrpSpPr/>
-          <p:nvPr/>
-        </p:nvGrpSpPr>
-        <p:grpSpPr>
-          <a:xfrm>
-            <a:off x="1813651" y="1294379"/>
-            <a:ext cx="8848758" cy="3604869"/>
-            <a:chOff x="1191295" y="2273"/>
-            <a:chExt cx="8848758" cy="3721065"/>
-          </a:xfrm>
-        </p:grpSpPr>
-        <p:sp>
-          <p:nvSpPr>
-            <p:cNvPr id="22" name="Google Shape;199;p27">
-              <a:extLst>
-                <a:ext uri="{FF2B5EF4-FFF2-40B4-BE49-F238E27FC236}">
-                  <a16:creationId xmlns:a16="http://schemas.microsoft.com/office/drawing/2014/main" id="{13971ECB-6E22-419B-9CE3-CEF9D0E12200}"/>
-                </a:ext>
-              </a:extLst>
-            </p:cNvPr>
-            <p:cNvSpPr/>
-            <p:nvPr/>
-          </p:nvSpPr>
-          <p:spPr>
-            <a:xfrm>
-              <a:off x="1191295" y="2273"/>
-              <a:ext cx="8848758" cy="1063161"/>
-            </a:xfrm>
-            <a:prstGeom prst="rect">
-              <a:avLst/>
-            </a:prstGeom>
-            <a:noFill/>
-            <a:ln>
-              <a:noFill/>
-            </a:ln>
-          </p:spPr>
-          <p:txBody>
-            <a:bodyPr spcFirstLastPara="1" wrap="square" lIns="91433" tIns="91433" rIns="91433" bIns="91433" anchor="ctr" anchorCtr="0">
-              <a:noAutofit/>
-            </a:bodyPr>
-            <a:lstStyle/>
-            <a:p>
-              <a:endParaRPr sz="2400"/>
-            </a:p>
-          </p:txBody>
-        </p:sp>
-        <p:sp>
-          <p:nvSpPr>
-            <p:cNvPr id="26" name="Google Shape;203;p27">
-              <a:extLst>
-                <a:ext uri="{FF2B5EF4-FFF2-40B4-BE49-F238E27FC236}">
-                  <a16:creationId xmlns:a16="http://schemas.microsoft.com/office/drawing/2014/main" id="{D878F6F2-734D-4BBD-95B9-E8E3CF6BB0D6}"/>
-                </a:ext>
-              </a:extLst>
-            </p:cNvPr>
-            <p:cNvSpPr/>
-            <p:nvPr/>
-          </p:nvSpPr>
-          <p:spPr>
-            <a:xfrm>
-              <a:off x="1191295" y="1331225"/>
-              <a:ext cx="8848758" cy="1063161"/>
-            </a:xfrm>
-            <a:prstGeom prst="rect">
-              <a:avLst/>
-            </a:prstGeom>
-            <a:noFill/>
-            <a:ln>
-              <a:noFill/>
-            </a:ln>
-          </p:spPr>
-          <p:txBody>
-            <a:bodyPr spcFirstLastPara="1" wrap="square" lIns="91433" tIns="91433" rIns="91433" bIns="91433" anchor="ctr" anchorCtr="0">
-              <a:noAutofit/>
-            </a:bodyPr>
-            <a:lstStyle/>
-            <a:p>
-              <a:endParaRPr sz="2400"/>
-            </a:p>
-          </p:txBody>
-        </p:sp>
-        <p:sp>
-          <p:nvSpPr>
-            <p:cNvPr id="30" name="Google Shape;207;p27">
-              <a:extLst>
-                <a:ext uri="{FF2B5EF4-FFF2-40B4-BE49-F238E27FC236}">
-                  <a16:creationId xmlns:a16="http://schemas.microsoft.com/office/drawing/2014/main" id="{D67D5429-7930-4414-B08C-3A5FA87506C5}"/>
-                </a:ext>
-              </a:extLst>
-            </p:cNvPr>
-            <p:cNvSpPr/>
-            <p:nvPr/>
-          </p:nvSpPr>
-          <p:spPr>
-            <a:xfrm>
-              <a:off x="1191295" y="2660177"/>
-              <a:ext cx="8848758" cy="1063161"/>
-            </a:xfrm>
-            <a:prstGeom prst="rect">
-              <a:avLst/>
-            </a:prstGeom>
-            <a:noFill/>
-            <a:ln>
-              <a:noFill/>
-            </a:ln>
-          </p:spPr>
-          <p:txBody>
-            <a:bodyPr spcFirstLastPara="1" wrap="square" lIns="91433" tIns="91433" rIns="91433" bIns="91433" anchor="ctr" anchorCtr="0">
-              <a:noAutofit/>
-            </a:bodyPr>
-            <a:lstStyle/>
-            <a:p>
-              <a:endParaRPr sz="2400"/>
-            </a:p>
-          </p:txBody>
-        </p:sp>
-      </p:grpSp>
-      <p:pic>
-        <p:nvPicPr>
-          <p:cNvPr id="4" name="Picture 3">
-            <a:extLst>
-              <a:ext uri="{FF2B5EF4-FFF2-40B4-BE49-F238E27FC236}">
-                <a16:creationId xmlns:a16="http://schemas.microsoft.com/office/drawing/2014/main" id="{5893FBCA-7A3D-8347-8BC5-471B2FEE5EDF}"/>
-              </a:ext>
-            </a:extLst>
-          </p:cNvPr>
-          <p:cNvPicPr>
-            <a:picLocks noChangeAspect="1"/>
-          </p:cNvPicPr>
-          <p:nvPr/>
-        </p:nvPicPr>
-        <p:blipFill>
-          <a:blip r:embed="rId3"/>
-          <a:stretch>
-            <a:fillRect/>
-          </a:stretch>
-        </p:blipFill>
-        <p:spPr>
-          <a:xfrm>
-            <a:off x="3489435" y="3400097"/>
-            <a:ext cx="3339224" cy="2877276"/>
-          </a:xfrm>
-          <a:prstGeom prst="rect">
-            <a:avLst/>
-          </a:prstGeom>
-        </p:spPr>
-      </p:pic>
-    </p:spTree>
-    <p:extLst>
-      <p:ext uri="{BB962C8B-B14F-4D97-AF65-F5344CB8AC3E}">
-        <p14:creationId xmlns:p14="http://schemas.microsoft.com/office/powerpoint/2010/main" val="3951051699"/>
-      </p:ext>
-    </p:extLst>
-  </p:cSld>
-  <p:clrMapOvr>
-    <a:masterClrMapping/>
-  </p:clrMapOvr>
-  <p:transition spd="slow">
-    <p:push dir="u"/>
-  </p:transition>
-</p:sld>
-</file>
-
-<file path=ppt/slides/slide4.xml><?xml version="1.0" encoding="utf-8"?>
-<p:sld xmlns:a="http://schemas.openxmlformats.org/drawingml/2006/main" xmlns:r="http://schemas.openxmlformats.org/officeDocument/2006/relationships" xmlns:p="http://schemas.openxmlformats.org/presentationml/2006/main">
-  <p:cSld>
-    <p:spTree>
-      <p:nvGrpSpPr>
-        <p:cNvPr id="1" name=""/>
-        <p:cNvGrpSpPr/>
-        <p:nvPr/>
-      </p:nvGrpSpPr>
-      <p:grpSpPr>
-        <a:xfrm>
-          <a:off x="0" y="0"/>
-          <a:ext cx="0" cy="0"/>
-          <a:chOff x="0" y="0"/>
-          <a:chExt cx="0" cy="0"/>
-        </a:xfrm>
-      </p:grpSpPr>
-      <p:sp>
-        <p:nvSpPr>
-          <p:cNvPr id="2" name="Title 1">
-            <a:extLst>
-              <a:ext uri="{FF2B5EF4-FFF2-40B4-BE49-F238E27FC236}">
-                <a16:creationId xmlns:a16="http://schemas.microsoft.com/office/drawing/2014/main" id="{E0D0ABBC-28D4-B54D-B440-B74E18448C93}"/>
-              </a:ext>
-            </a:extLst>
-          </p:cNvPr>
-          <p:cNvSpPr>
-            <a:spLocks noGrp="1"/>
-          </p:cNvSpPr>
-          <p:nvPr>
-            <p:ph type="title"/>
-          </p:nvPr>
-        </p:nvSpPr>
-        <p:spPr>
-          <a:xfrm>
-            <a:off x="831850" y="136526"/>
-            <a:ext cx="10515600" cy="1082674"/>
-          </a:xfrm>
-        </p:spPr>
-        <p:txBody>
-          <a:bodyPr/>
-          <a:lstStyle/>
-          <a:p>
-            <a:r>
-              <a:rPr lang="en-US" sz="4400" dirty="0"/>
-              <a:t>Rules taken into consideration</a:t>
-            </a:r>
-          </a:p>
-        </p:txBody>
-      </p:sp>
-      <p:sp>
-        <p:nvSpPr>
-          <p:cNvPr id="3" name="Text Placeholder 2">
-            <a:extLst>
-              <a:ext uri="{FF2B5EF4-FFF2-40B4-BE49-F238E27FC236}">
-                <a16:creationId xmlns:a16="http://schemas.microsoft.com/office/drawing/2014/main" id="{A36B54A9-6F03-B245-A326-5DE44BACC585}"/>
-              </a:ext>
-            </a:extLst>
-          </p:cNvPr>
-          <p:cNvSpPr>
-            <a:spLocks noGrp="1"/>
-          </p:cNvSpPr>
-          <p:nvPr>
-            <p:ph type="body" idx="1"/>
-          </p:nvPr>
-        </p:nvSpPr>
-        <p:spPr>
-          <a:xfrm>
-            <a:off x="831850" y="1313793"/>
-            <a:ext cx="10515600" cy="4775857"/>
-          </a:xfrm>
-        </p:spPr>
-        <p:txBody>
-          <a:bodyPr/>
-          <a:lstStyle/>
-          <a:p>
-            <a:r>
-              <a:rPr lang="en-US" dirty="0"/>
-              <a:t>( final values for score would be between 1 or 0 )</a:t>
-            </a:r>
-          </a:p>
-          <a:p>
-            <a:r>
-              <a:rPr lang="en-US" dirty="0"/>
-              <a:t>- Email score : valid or fake email address</a:t>
-            </a:r>
-          </a:p>
-          <a:p>
-            <a:r>
-              <a:rPr lang="en-US" dirty="0"/>
-              <a:t>- Geography score : look for </a:t>
-            </a:r>
-            <a:r>
-              <a:rPr lang="en-US" dirty="0" err="1"/>
-              <a:t>ip</a:t>
-            </a:r>
-            <a:r>
-              <a:rPr lang="en-US" dirty="0"/>
-              <a:t> address from which account is created valid or not</a:t>
-            </a:r>
-          </a:p>
-          <a:p>
-            <a:pPr marL="571500" indent="-342900">
-              <a:buFontTx/>
-              <a:buChar char="-"/>
-            </a:pPr>
-            <a:r>
-              <a:rPr lang="en-US" dirty="0"/>
-              <a:t>Duplication score : if more than one account is created with same email and same account name</a:t>
-            </a:r>
-          </a:p>
-          <a:p>
-            <a:pPr marL="571500" indent="-342900">
-              <a:buFontTx/>
-              <a:buChar char="-"/>
-            </a:pPr>
-            <a:r>
-              <a:rPr lang="en-US" dirty="0"/>
-              <a:t>Bot score : look for patterns in name account name, and email if found the it might be script running against system</a:t>
-            </a:r>
-          </a:p>
-          <a:p>
-            <a:pPr marL="571500" indent="-342900">
-              <a:buFontTx/>
-              <a:buChar char="-"/>
-            </a:pPr>
-            <a:endParaRPr lang="en-US" dirty="0"/>
-          </a:p>
-          <a:p>
-            <a:endParaRPr lang="en-US" dirty="0"/>
-          </a:p>
-        </p:txBody>
-      </p:sp>
-      <p:sp>
-        <p:nvSpPr>
-          <p:cNvPr id="4" name="Slide Number Placeholder 3">
-            <a:extLst>
-              <a:ext uri="{FF2B5EF4-FFF2-40B4-BE49-F238E27FC236}">
-                <a16:creationId xmlns:a16="http://schemas.microsoft.com/office/drawing/2014/main" id="{458A4DB0-47F6-D74E-B0D2-0A7F78A260DB}"/>
-              </a:ext>
-            </a:extLst>
-          </p:cNvPr>
-          <p:cNvSpPr>
-            <a:spLocks noGrp="1"/>
-          </p:cNvSpPr>
-          <p:nvPr>
-            <p:ph type="sldNum" idx="12"/>
-          </p:nvPr>
-        </p:nvSpPr>
-        <p:spPr/>
-        <p:txBody>
-          <a:bodyPr/>
-          <a:lstStyle/>
-          <a:p>
-            <a:pPr marL="0" lvl="0" indent="0" algn="r" rtl="0">
-              <a:spcBef>
-                <a:spcPts val="0"/>
-              </a:spcBef>
-              <a:spcAft>
-                <a:spcPts val="0"/>
-              </a:spcAft>
-              <a:buNone/>
-            </a:pPr>
-            <a:fld id="{00000000-1234-1234-1234-123412341234}" type="slidenum">
-              <a:rPr lang="en-US" smtClean="0"/>
-              <a:t>4</a:t>
-            </a:fld>
-            <a:endParaRPr lang="en-US"/>
-          </a:p>
-        </p:txBody>
-      </p:sp>
-      <p:pic>
-        <p:nvPicPr>
-          <p:cNvPr id="6" name="Picture 5">
-            <a:extLst>
-              <a:ext uri="{FF2B5EF4-FFF2-40B4-BE49-F238E27FC236}">
-                <a16:creationId xmlns:a16="http://schemas.microsoft.com/office/drawing/2014/main" id="{1325E437-505E-2741-8B09-C40577A84393}"/>
-              </a:ext>
-            </a:extLst>
-          </p:cNvPr>
-          <p:cNvPicPr>
-            <a:picLocks noChangeAspect="1"/>
-          </p:cNvPicPr>
-          <p:nvPr/>
-        </p:nvPicPr>
-        <p:blipFill>
-          <a:blip r:embed="rId2"/>
-          <a:stretch>
-            <a:fillRect/>
-          </a:stretch>
-        </p:blipFill>
-        <p:spPr>
-          <a:xfrm>
-            <a:off x="2895601" y="4288914"/>
-            <a:ext cx="4913585" cy="1934482"/>
-          </a:xfrm>
-          <a:prstGeom prst="rect">
-            <a:avLst/>
-          </a:prstGeom>
-        </p:spPr>
-      </p:pic>
-    </p:spTree>
-    <p:extLst>
-      <p:ext uri="{BB962C8B-B14F-4D97-AF65-F5344CB8AC3E}">
-        <p14:creationId xmlns:p14="http://schemas.microsoft.com/office/powerpoint/2010/main" val="3857390036"/>
-      </p:ext>
-    </p:extLst>
-  </p:cSld>
-  <p:clrMapOvr>
-    <a:masterClrMapping/>
-  </p:clrMapOvr>
-</p:sld>
-</file>
-
-<file path=ppt/slides/slide5.xml><?xml version="1.0" encoding="utf-8"?>
-<p:sld xmlns:a="http://schemas.openxmlformats.org/drawingml/2006/main" xmlns:r="http://schemas.openxmlformats.org/officeDocument/2006/relationships" xmlns:p="http://schemas.openxmlformats.org/presentationml/2006/main">
-  <p:cSld>
-    <p:spTree>
-      <p:nvGrpSpPr>
-        <p:cNvPr id="1" name=""/>
-        <p:cNvGrpSpPr/>
-        <p:nvPr/>
-      </p:nvGrpSpPr>
-      <p:grpSpPr>
-        <a:xfrm>
-          <a:off x="0" y="0"/>
-          <a:ext cx="0" cy="0"/>
-          <a:chOff x="0" y="0"/>
-          <a:chExt cx="0" cy="0"/>
-        </a:xfrm>
-      </p:grpSpPr>
-      <p:sp>
-        <p:nvSpPr>
-          <p:cNvPr id="4" name="Title 3">
-            <a:extLst>
-              <a:ext uri="{FF2B5EF4-FFF2-40B4-BE49-F238E27FC236}">
-                <a16:creationId xmlns:a16="http://schemas.microsoft.com/office/drawing/2014/main" id="{43B69290-6362-4AE4-AFFD-82A27208D69C}"/>
-              </a:ext>
-            </a:extLst>
-          </p:cNvPr>
-          <p:cNvSpPr>
-            <a:spLocks noGrp="1"/>
-          </p:cNvSpPr>
-          <p:nvPr>
-            <p:ph type="title"/>
-          </p:nvPr>
-        </p:nvSpPr>
-        <p:spPr>
-          <a:xfrm>
-            <a:off x="0" y="4357600"/>
-            <a:ext cx="4848725" cy="2025621"/>
-          </a:xfrm>
-        </p:spPr>
-        <p:txBody>
-          <a:bodyPr anchor="ctr">
-            <a:normAutofit/>
-          </a:bodyPr>
-          <a:lstStyle/>
-          <a:p>
-            <a:r>
-              <a:rPr lang="en-US" sz="3600" dirty="0"/>
-              <a:t>Data Cleaning &amp; Underlying Assumptions</a:t>
-            </a:r>
-          </a:p>
-        </p:txBody>
-      </p:sp>
-      <p:sp>
-        <p:nvSpPr>
-          <p:cNvPr id="5" name="Content Placeholder 4">
-            <a:extLst>
-              <a:ext uri="{FF2B5EF4-FFF2-40B4-BE49-F238E27FC236}">
-                <a16:creationId xmlns:a16="http://schemas.microsoft.com/office/drawing/2014/main" id="{FE4829F4-E62E-4279-AE16-F696A74EF94A}"/>
-              </a:ext>
-            </a:extLst>
-          </p:cNvPr>
-          <p:cNvSpPr>
-            <a:spLocks noGrp="1"/>
-          </p:cNvSpPr>
-          <p:nvPr>
-            <p:ph idx="1"/>
-          </p:nvPr>
-        </p:nvSpPr>
-        <p:spPr>
-          <a:xfrm>
-            <a:off x="4576010" y="4357600"/>
-            <a:ext cx="5367033" cy="2270070"/>
-          </a:xfrm>
-        </p:spPr>
-        <p:txBody>
-          <a:bodyPr anchor="ctr">
-            <a:normAutofit/>
-          </a:bodyPr>
-          <a:lstStyle/>
-          <a:p>
-            <a:pPr>
-              <a:buFont typeface="Wingdings" panose="05000000000000000000" pitchFamily="2" charset="2"/>
-              <a:buChar char="§"/>
-            </a:pPr>
-            <a:endParaRPr lang="en-US" sz="1800" dirty="0"/>
-          </a:p>
-          <a:p>
-            <a:pPr>
-              <a:buFont typeface="Wingdings" panose="05000000000000000000" pitchFamily="2" charset="2"/>
-              <a:buChar char="§"/>
-            </a:pPr>
-            <a:r>
-              <a:rPr lang="en-US" sz="1800" dirty="0"/>
-              <a:t>Accounts with missing IP address are considered invalid</a:t>
-            </a:r>
-          </a:p>
-          <a:p>
-            <a:pPr>
-              <a:buFont typeface="Wingdings" panose="05000000000000000000" pitchFamily="2" charset="2"/>
-              <a:buChar char="§"/>
-            </a:pPr>
-            <a:r>
-              <a:rPr lang="en-US" sz="1800" dirty="0"/>
-              <a:t>All the IP addresses are validated based on numerical values not exceeding 255 in each segment of the IP address format</a:t>
-            </a:r>
-          </a:p>
-          <a:p>
-            <a:pPr marL="114300" indent="0">
-              <a:buNone/>
-            </a:pPr>
-            <a:endParaRPr lang="en-US" sz="1800" dirty="0"/>
-          </a:p>
-          <a:p>
-            <a:endParaRPr lang="en-US" sz="1800" dirty="0"/>
-          </a:p>
-        </p:txBody>
-      </p:sp>
-      <p:pic>
-        <p:nvPicPr>
-          <p:cNvPr id="6" name="Graphic 5" descr="Mop and bucket outline">
-            <a:extLst>
-              <a:ext uri="{FF2B5EF4-FFF2-40B4-BE49-F238E27FC236}">
-                <a16:creationId xmlns:a16="http://schemas.microsoft.com/office/drawing/2014/main" id="{11318C26-58C5-6B46-901D-A8BDEF8D8E06}"/>
-              </a:ext>
-            </a:extLst>
-          </p:cNvPr>
-          <p:cNvPicPr>
-            <a:picLocks noChangeAspect="1"/>
-          </p:cNvPicPr>
-          <p:nvPr/>
-        </p:nvPicPr>
-        <p:blipFill>
-          <a:blip r:embed="rId2">
-            <a:extLst>
-              <a:ext uri="{96DAC541-7B7A-43D3-8B79-37D633B846F1}">
-                <asvg:svgBlip xmlns:asvg="http://schemas.microsoft.com/office/drawing/2016/SVG/main" r:embed="rId3"/>
-              </a:ext>
-            </a:extLst>
-          </a:blip>
-          <a:stretch>
-            <a:fillRect/>
-          </a:stretch>
-        </p:blipFill>
-        <p:spPr>
-          <a:xfrm>
-            <a:off x="9943043" y="577514"/>
-            <a:ext cx="1604211" cy="2765973"/>
-          </a:xfrm>
-          <a:prstGeom prst="rect">
-            <a:avLst/>
-          </a:prstGeom>
-        </p:spPr>
-      </p:pic>
-      <p:pic>
-        <p:nvPicPr>
-          <p:cNvPr id="7" name="Picture 6" descr="Graphical user interface, text, application, email&#10;&#10;Description automatically generated">
-            <a:extLst>
-              <a:ext uri="{FF2B5EF4-FFF2-40B4-BE49-F238E27FC236}">
-                <a16:creationId xmlns:a16="http://schemas.microsoft.com/office/drawing/2014/main" id="{8621CE27-924C-EA4B-A006-D5B79287053F}"/>
-              </a:ext>
-            </a:extLst>
-          </p:cNvPr>
-          <p:cNvPicPr>
-            <a:picLocks noChangeAspect="1"/>
-          </p:cNvPicPr>
-          <p:nvPr/>
-        </p:nvPicPr>
-        <p:blipFill rotWithShape="1">
-          <a:blip r:embed="rId4"/>
-          <a:srcRect l="3776" r="32183"/>
-          <a:stretch/>
-        </p:blipFill>
-        <p:spPr>
-          <a:xfrm>
-            <a:off x="637675" y="474779"/>
-            <a:ext cx="9312441" cy="3543767"/>
-          </a:xfrm>
-          <a:prstGeom prst="rect">
-            <a:avLst/>
-          </a:prstGeom>
-        </p:spPr>
-      </p:pic>
-    </p:spTree>
-    <p:extLst>
-      <p:ext uri="{BB962C8B-B14F-4D97-AF65-F5344CB8AC3E}">
-        <p14:creationId xmlns:p14="http://schemas.microsoft.com/office/powerpoint/2010/main" val="2919692393"/>
-      </p:ext>
-    </p:extLst>
-  </p:cSld>
-  <p:clrMapOvr>
-    <a:masterClrMapping/>
-  </p:clrMapOvr>
-</p:sld>
-</file>
-
-<file path=ppt/slides/slide6.xml><?xml version="1.0" encoding="utf-8"?>
-<p:sld xmlns:a="http://schemas.openxmlformats.org/drawingml/2006/main" xmlns:r="http://schemas.openxmlformats.org/officeDocument/2006/relationships" xmlns:p="http://schemas.openxmlformats.org/presentationml/2006/main">
-  <p:cSld>
-    <p:spTree>
-      <p:nvGrpSpPr>
-        <p:cNvPr id="1" name=""/>
-        <p:cNvGrpSpPr/>
-        <p:nvPr/>
-      </p:nvGrpSpPr>
-      <p:grpSpPr>
-        <a:xfrm>
-          <a:off x="0" y="0"/>
-          <a:ext cx="0" cy="0"/>
-          <a:chOff x="0" y="0"/>
-          <a:chExt cx="0" cy="0"/>
-        </a:xfrm>
-      </p:grpSpPr>
-      <p:sp>
-        <p:nvSpPr>
-          <p:cNvPr id="2" name="Title 1">
-            <a:extLst>
-              <a:ext uri="{FF2B5EF4-FFF2-40B4-BE49-F238E27FC236}">
-                <a16:creationId xmlns:a16="http://schemas.microsoft.com/office/drawing/2014/main" id="{0235DAC8-602E-5848-A8DF-C94F627360EB}"/>
-              </a:ext>
-            </a:extLst>
-          </p:cNvPr>
-          <p:cNvSpPr>
-            <a:spLocks noGrp="1"/>
-          </p:cNvSpPr>
-          <p:nvPr>
-            <p:ph type="title"/>
-          </p:nvPr>
-        </p:nvSpPr>
-        <p:spPr/>
-        <p:txBody>
-          <a:bodyPr/>
-          <a:lstStyle/>
-          <a:p>
-            <a:r>
-              <a:rPr lang="en-US" dirty="0"/>
-              <a:t>Detecting edge case</a:t>
-            </a:r>
-          </a:p>
-        </p:txBody>
-      </p:sp>
-      <p:pic>
-        <p:nvPicPr>
-          <p:cNvPr id="5" name="Picture 4">
-            <a:extLst>
-              <a:ext uri="{FF2B5EF4-FFF2-40B4-BE49-F238E27FC236}">
-                <a16:creationId xmlns:a16="http://schemas.microsoft.com/office/drawing/2014/main" id="{88DBB22E-75AB-0E49-B6F3-05DF4F2C2FCF}"/>
-              </a:ext>
-            </a:extLst>
-          </p:cNvPr>
-          <p:cNvPicPr>
-            <a:picLocks noChangeAspect="1"/>
-          </p:cNvPicPr>
-          <p:nvPr/>
-        </p:nvPicPr>
-        <p:blipFill>
-          <a:blip r:embed="rId2"/>
-          <a:stretch>
-            <a:fillRect/>
-          </a:stretch>
-        </p:blipFill>
-        <p:spPr>
-          <a:xfrm>
-            <a:off x="838200" y="2932386"/>
-            <a:ext cx="11346276" cy="2888168"/>
-          </a:xfrm>
-          <a:prstGeom prst="rect">
-            <a:avLst/>
-          </a:prstGeom>
-        </p:spPr>
-      </p:pic>
-      <p:sp>
-        <p:nvSpPr>
-          <p:cNvPr id="3" name="Text Placeholder 2">
-            <a:extLst>
-              <a:ext uri="{FF2B5EF4-FFF2-40B4-BE49-F238E27FC236}">
-                <a16:creationId xmlns:a16="http://schemas.microsoft.com/office/drawing/2014/main" id="{5347953D-22C9-9E43-AEA4-881C0E132431}"/>
-              </a:ext>
-            </a:extLst>
-          </p:cNvPr>
-          <p:cNvSpPr>
-            <a:spLocks noGrp="1"/>
-          </p:cNvSpPr>
-          <p:nvPr>
-            <p:ph type="body" idx="1"/>
-          </p:nvPr>
-        </p:nvSpPr>
-        <p:spPr/>
-        <p:txBody>
-          <a:bodyPr/>
-          <a:lstStyle/>
-          <a:p>
-            <a:r>
-              <a:rPr lang="en-US" dirty="0"/>
-              <a:t>We found that some accounts were created with same patterns so it means there might be a bot who is creating those.</a:t>
-            </a:r>
-          </a:p>
-        </p:txBody>
-      </p:sp>
-      <p:sp>
-        <p:nvSpPr>
-          <p:cNvPr id="4" name="Slide Number Placeholder 3">
-            <a:extLst>
-              <a:ext uri="{FF2B5EF4-FFF2-40B4-BE49-F238E27FC236}">
-                <a16:creationId xmlns:a16="http://schemas.microsoft.com/office/drawing/2014/main" id="{8CCC7929-6515-1B46-B806-6A7068C43016}"/>
-              </a:ext>
-            </a:extLst>
-          </p:cNvPr>
-          <p:cNvSpPr>
-            <a:spLocks noGrp="1"/>
-          </p:cNvSpPr>
-          <p:nvPr>
-            <p:ph type="sldNum" idx="12"/>
-          </p:nvPr>
-        </p:nvSpPr>
-        <p:spPr/>
-        <p:txBody>
-          <a:bodyPr/>
-          <a:lstStyle/>
-          <a:p>
-            <a:pPr marL="0" lvl="0" indent="0" algn="r" rtl="0">
-              <a:spcBef>
-                <a:spcPts val="0"/>
-              </a:spcBef>
-              <a:spcAft>
-                <a:spcPts val="0"/>
-              </a:spcAft>
-              <a:buNone/>
-            </a:pPr>
-            <a:fld id="{00000000-1234-1234-1234-123412341234}" type="slidenum">
-              <a:rPr lang="en-US" smtClean="0"/>
-              <a:t>6</a:t>
-            </a:fld>
-            <a:endParaRPr lang="en-US"/>
-          </a:p>
-        </p:txBody>
-      </p:sp>
-    </p:spTree>
-    <p:extLst>
-      <p:ext uri="{BB962C8B-B14F-4D97-AF65-F5344CB8AC3E}">
-        <p14:creationId xmlns:p14="http://schemas.microsoft.com/office/powerpoint/2010/main" val="162296234"/>
-      </p:ext>
-    </p:extLst>
-  </p:cSld>
-  <p:clrMapOvr>
-    <a:masterClrMapping/>
-  </p:clrMapOvr>
-</p:sld>
-</file>
-
-<file path=ppt/slides/slide7.xml><?xml version="1.0" encoding="utf-8"?>
-<p:sld xmlns:a="http://schemas.openxmlformats.org/drawingml/2006/main" xmlns:r="http://schemas.openxmlformats.org/officeDocument/2006/relationships" xmlns:p="http://schemas.openxmlformats.org/presentationml/2006/main">
-  <p:cSld>
-    <p:spTree>
-      <p:nvGrpSpPr>
-        <p:cNvPr id="1" name=""/>
-        <p:cNvGrpSpPr/>
-        <p:nvPr/>
-      </p:nvGrpSpPr>
-      <p:grpSpPr>
-        <a:xfrm>
-          <a:off x="0" y="0"/>
-          <a:ext cx="0" cy="0"/>
-          <a:chOff x="0" y="0"/>
-          <a:chExt cx="0" cy="0"/>
-        </a:xfrm>
-      </p:grpSpPr>
-      <p:sp>
-        <p:nvSpPr>
-          <p:cNvPr id="2" name="Title 1">
-            <a:extLst>
-              <a:ext uri="{FF2B5EF4-FFF2-40B4-BE49-F238E27FC236}">
-                <a16:creationId xmlns:a16="http://schemas.microsoft.com/office/drawing/2014/main" id="{6F497F8F-6AEC-AA44-A0E3-8118735547A1}"/>
-              </a:ext>
-            </a:extLst>
-          </p:cNvPr>
-          <p:cNvSpPr>
-            <a:spLocks noGrp="1"/>
-          </p:cNvSpPr>
-          <p:nvPr>
-            <p:ph type="title"/>
-          </p:nvPr>
-        </p:nvSpPr>
-        <p:spPr/>
-        <p:txBody>
-          <a:bodyPr/>
-          <a:lstStyle/>
-          <a:p>
-            <a:r>
-              <a:rPr lang="en-US" dirty="0"/>
-              <a:t>Visualization</a:t>
-            </a:r>
-          </a:p>
-        </p:txBody>
-      </p:sp>
-      <p:sp>
-        <p:nvSpPr>
-          <p:cNvPr id="3" name="Text Placeholder 2">
-            <a:extLst>
-              <a:ext uri="{FF2B5EF4-FFF2-40B4-BE49-F238E27FC236}">
-                <a16:creationId xmlns:a16="http://schemas.microsoft.com/office/drawing/2014/main" id="{6AD25216-EC69-1C4D-9B1D-5FB31897B85D}"/>
-              </a:ext>
-            </a:extLst>
-          </p:cNvPr>
-          <p:cNvSpPr>
-            <a:spLocks noGrp="1"/>
-          </p:cNvSpPr>
-          <p:nvPr>
-            <p:ph type="body" idx="1"/>
-          </p:nvPr>
-        </p:nvSpPr>
-        <p:spPr/>
-        <p:txBody>
-          <a:bodyPr/>
-          <a:lstStyle/>
-          <a:p>
-            <a:endParaRPr lang="en-US" dirty="0"/>
-          </a:p>
-          <a:p>
-            <a:endParaRPr lang="en-US" dirty="0"/>
-          </a:p>
-          <a:p>
-            <a:endParaRPr lang="en-US" dirty="0"/>
-          </a:p>
-        </p:txBody>
-      </p:sp>
-      <p:sp>
-        <p:nvSpPr>
-          <p:cNvPr id="4" name="Slide Number Placeholder 3">
-            <a:extLst>
-              <a:ext uri="{FF2B5EF4-FFF2-40B4-BE49-F238E27FC236}">
-                <a16:creationId xmlns:a16="http://schemas.microsoft.com/office/drawing/2014/main" id="{FBCAC81B-DA29-A14E-8AF8-921FA9EACC3C}"/>
-              </a:ext>
-            </a:extLst>
-          </p:cNvPr>
-          <p:cNvSpPr>
-            <a:spLocks noGrp="1"/>
-          </p:cNvSpPr>
-          <p:nvPr>
-            <p:ph type="sldNum" idx="12"/>
-          </p:nvPr>
-        </p:nvSpPr>
-        <p:spPr/>
-        <p:txBody>
-          <a:bodyPr/>
-          <a:lstStyle/>
-          <a:p>
-            <a:pPr marL="0" lvl="0" indent="0" algn="r" rtl="0">
-              <a:spcBef>
-                <a:spcPts val="0"/>
-              </a:spcBef>
-              <a:spcAft>
-                <a:spcPts val="0"/>
-              </a:spcAft>
-              <a:buNone/>
-            </a:pPr>
-            <a:fld id="{00000000-1234-1234-1234-123412341234}" type="slidenum">
-              <a:rPr lang="en-US" smtClean="0"/>
-              <a:t>7</a:t>
-            </a:fld>
-            <a:endParaRPr lang="en-US"/>
-          </a:p>
-        </p:txBody>
-      </p:sp>
-      <p:pic>
-        <p:nvPicPr>
-          <p:cNvPr id="11" name="Picture 10">
-            <a:extLst>
-              <a:ext uri="{FF2B5EF4-FFF2-40B4-BE49-F238E27FC236}">
-                <a16:creationId xmlns:a16="http://schemas.microsoft.com/office/drawing/2014/main" id="{FF025A3E-A563-784B-B43C-15EB0D4B9C80}"/>
-              </a:ext>
-            </a:extLst>
-          </p:cNvPr>
-          <p:cNvPicPr>
-            <a:picLocks noChangeAspect="1"/>
-          </p:cNvPicPr>
-          <p:nvPr/>
-        </p:nvPicPr>
-        <p:blipFill>
-          <a:blip r:embed="rId2"/>
-          <a:stretch>
-            <a:fillRect/>
-          </a:stretch>
-        </p:blipFill>
-        <p:spPr>
-          <a:xfrm>
-            <a:off x="6750985" y="4266455"/>
-            <a:ext cx="3613420" cy="2050271"/>
-          </a:xfrm>
-          <a:prstGeom prst="rect">
-            <a:avLst/>
-          </a:prstGeom>
-        </p:spPr>
-      </p:pic>
-      <p:pic>
-        <p:nvPicPr>
-          <p:cNvPr id="12" name="Picture 11">
-            <a:extLst>
-              <a:ext uri="{FF2B5EF4-FFF2-40B4-BE49-F238E27FC236}">
-                <a16:creationId xmlns:a16="http://schemas.microsoft.com/office/drawing/2014/main" id="{B12062C0-B8B4-7147-B71E-636267FB579D}"/>
-              </a:ext>
-            </a:extLst>
-          </p:cNvPr>
-          <p:cNvPicPr>
-            <a:picLocks noChangeAspect="1"/>
-          </p:cNvPicPr>
-          <p:nvPr/>
-        </p:nvPicPr>
-        <p:blipFill>
-          <a:blip r:embed="rId3"/>
-          <a:stretch>
-            <a:fillRect/>
-          </a:stretch>
-        </p:blipFill>
-        <p:spPr>
-          <a:xfrm>
-            <a:off x="1307146" y="1608076"/>
-            <a:ext cx="4331384" cy="2570942"/>
-          </a:xfrm>
-          <a:prstGeom prst="rect">
-            <a:avLst/>
-          </a:prstGeom>
-        </p:spPr>
-      </p:pic>
-      <p:pic>
-        <p:nvPicPr>
-          <p:cNvPr id="13" name="Picture 12">
-            <a:extLst>
-              <a:ext uri="{FF2B5EF4-FFF2-40B4-BE49-F238E27FC236}">
-                <a16:creationId xmlns:a16="http://schemas.microsoft.com/office/drawing/2014/main" id="{C6D90ECC-4838-FC41-B065-CC12F77A38E4}"/>
-              </a:ext>
-            </a:extLst>
-          </p:cNvPr>
-          <p:cNvPicPr>
-            <a:picLocks noChangeAspect="1"/>
-          </p:cNvPicPr>
-          <p:nvPr/>
-        </p:nvPicPr>
-        <p:blipFill>
-          <a:blip r:embed="rId4"/>
-          <a:stretch>
-            <a:fillRect/>
-          </a:stretch>
-        </p:blipFill>
-        <p:spPr>
-          <a:xfrm>
-            <a:off x="6623244" y="1099033"/>
-            <a:ext cx="4261610" cy="3147610"/>
-          </a:xfrm>
-          <a:prstGeom prst="rect">
-            <a:avLst/>
-          </a:prstGeom>
-        </p:spPr>
-      </p:pic>
-      <p:pic>
-        <p:nvPicPr>
-          <p:cNvPr id="14" name="Picture 13">
-            <a:extLst>
-              <a:ext uri="{FF2B5EF4-FFF2-40B4-BE49-F238E27FC236}">
-                <a16:creationId xmlns:a16="http://schemas.microsoft.com/office/drawing/2014/main" id="{E7A2C344-5771-B944-8378-41DE945CACCC}"/>
-              </a:ext>
-            </a:extLst>
-          </p:cNvPr>
-          <p:cNvPicPr>
-            <a:picLocks noChangeAspect="1"/>
-          </p:cNvPicPr>
-          <p:nvPr/>
-        </p:nvPicPr>
-        <p:blipFill>
-          <a:blip r:embed="rId5"/>
-          <a:stretch>
-            <a:fillRect/>
-          </a:stretch>
-        </p:blipFill>
-        <p:spPr>
-          <a:xfrm>
-            <a:off x="1650719" y="4179018"/>
-            <a:ext cx="3194550" cy="2462275"/>
-          </a:xfrm>
-          <a:prstGeom prst="rect">
-            <a:avLst/>
-          </a:prstGeom>
-        </p:spPr>
-      </p:pic>
-    </p:spTree>
-    <p:extLst>
-      <p:ext uri="{BB962C8B-B14F-4D97-AF65-F5344CB8AC3E}">
-        <p14:creationId xmlns:p14="http://schemas.microsoft.com/office/powerpoint/2010/main" val="1834117261"/>
-      </p:ext>
-    </p:extLst>
-  </p:cSld>
-  <p:clrMapOvr>
-    <a:masterClrMapping/>
-  </p:clrMapOvr>
-</p:sld>
-</file>
-
-<file path=ppt/slides/slide8.xml><?xml version="1.0" encoding="utf-8"?>
-<p:sld xmlns:a="http://schemas.openxmlformats.org/drawingml/2006/main" xmlns:r="http://schemas.openxmlformats.org/officeDocument/2006/relationships" xmlns:p="http://schemas.openxmlformats.org/presentationml/2006/main">
-  <p:cSld>
-    <p:spTree>
-      <p:nvGrpSpPr>
-        <p:cNvPr id="1" name=""/>
-        <p:cNvGrpSpPr/>
-        <p:nvPr/>
-      </p:nvGrpSpPr>
-      <p:grpSpPr>
-        <a:xfrm>
-          <a:off x="0" y="0"/>
-          <a:ext cx="0" cy="0"/>
-          <a:chOff x="0" y="0"/>
-          <a:chExt cx="0" cy="0"/>
-        </a:xfrm>
-      </p:grpSpPr>
-      <p:sp>
-        <p:nvSpPr>
-          <p:cNvPr id="2" name="Title 1">
-            <a:extLst>
-              <a:ext uri="{FF2B5EF4-FFF2-40B4-BE49-F238E27FC236}">
-                <a16:creationId xmlns:a16="http://schemas.microsoft.com/office/drawing/2014/main" id="{E046232D-10B3-604A-91F4-AF997AF52CC8}"/>
-              </a:ext>
-            </a:extLst>
-          </p:cNvPr>
-          <p:cNvSpPr>
-            <a:spLocks noGrp="1"/>
-          </p:cNvSpPr>
-          <p:nvPr>
-            <p:ph type="title"/>
-          </p:nvPr>
-        </p:nvSpPr>
-        <p:spPr/>
-        <p:txBody>
-          <a:bodyPr/>
-          <a:lstStyle/>
-          <a:p>
-            <a:pPr algn="ctr"/>
-            <a:r>
-              <a:rPr lang="en-US" dirty="0"/>
-              <a:t>Recommendations</a:t>
-            </a:r>
-          </a:p>
-        </p:txBody>
-      </p:sp>
-      <p:sp>
-        <p:nvSpPr>
-          <p:cNvPr id="3" name="Text Placeholder 2">
-            <a:extLst>
-              <a:ext uri="{FF2B5EF4-FFF2-40B4-BE49-F238E27FC236}">
-                <a16:creationId xmlns:a16="http://schemas.microsoft.com/office/drawing/2014/main" id="{A1BAB928-36A2-EA48-9435-2DE7D24470C0}"/>
-              </a:ext>
-            </a:extLst>
-          </p:cNvPr>
-          <p:cNvSpPr>
-            <a:spLocks noGrp="1"/>
-          </p:cNvSpPr>
-          <p:nvPr>
-            <p:ph type="body" idx="1"/>
-          </p:nvPr>
-        </p:nvSpPr>
-        <p:spPr/>
-        <p:txBody>
-          <a:bodyPr anchor="ctr"/>
-          <a:lstStyle/>
-          <a:p>
-            <a:pPr marL="114300" indent="0">
-              <a:buNone/>
-            </a:pPr>
-            <a:r>
-              <a:rPr lang="en-US" sz="2000" dirty="0"/>
-              <a:t>To avoid getting numerous fake accounts into </a:t>
-            </a:r>
-            <a:r>
-              <a:rPr lang="en-US" sz="2000" dirty="0" err="1"/>
-              <a:t>Github</a:t>
-            </a:r>
-            <a:r>
-              <a:rPr lang="en-US" sz="2000" dirty="0"/>
-              <a:t>, we recommend:</a:t>
-            </a:r>
-          </a:p>
-          <a:p>
-            <a:endParaRPr lang="en-US" sz="2000" dirty="0"/>
-          </a:p>
-          <a:p>
-            <a:r>
-              <a:rPr lang="en-US" sz="2000" dirty="0"/>
-              <a:t>Add email validation into system.</a:t>
-            </a:r>
-          </a:p>
-          <a:p>
-            <a:r>
-              <a:rPr lang="en-US" sz="2000" dirty="0"/>
-              <a:t>we should not allow user to create multiple accounts with in x minute. ( to make sure it’s not a bot or script )</a:t>
-            </a:r>
-          </a:p>
-          <a:p>
-            <a:r>
-              <a:rPr lang="en-US" sz="2000" dirty="0"/>
-              <a:t>Before allowing user to enter into system we should check if user is not using VPN to fake the location.</a:t>
-            </a:r>
-          </a:p>
-          <a:p>
-            <a:r>
-              <a:rPr lang="en-US" sz="2000" dirty="0"/>
-              <a:t>Not allowed user to create account with same account name and same email.</a:t>
-            </a:r>
-          </a:p>
-        </p:txBody>
-      </p:sp>
-      <p:sp>
-        <p:nvSpPr>
-          <p:cNvPr id="4" name="Slide Number Placeholder 3">
-            <a:extLst>
-              <a:ext uri="{FF2B5EF4-FFF2-40B4-BE49-F238E27FC236}">
-                <a16:creationId xmlns:a16="http://schemas.microsoft.com/office/drawing/2014/main" id="{C5823933-5BB0-1547-B2E8-33C6E44C4792}"/>
-              </a:ext>
-            </a:extLst>
-          </p:cNvPr>
-          <p:cNvSpPr>
-            <a:spLocks noGrp="1"/>
-          </p:cNvSpPr>
-          <p:nvPr>
-            <p:ph type="sldNum" idx="12"/>
-          </p:nvPr>
-        </p:nvSpPr>
-        <p:spPr/>
-        <p:txBody>
-          <a:bodyPr/>
-          <a:lstStyle/>
-          <a:p>
-            <a:pPr marL="0" lvl="0" indent="0" algn="r" rtl="0">
-              <a:spcBef>
-                <a:spcPts val="0"/>
-              </a:spcBef>
-              <a:spcAft>
-                <a:spcPts val="0"/>
-              </a:spcAft>
-              <a:buNone/>
-            </a:pPr>
-            <a:fld id="{00000000-1234-1234-1234-123412341234}" type="slidenum">
-              <a:rPr lang="en-US" smtClean="0"/>
-              <a:t>8</a:t>
-            </a:fld>
-            <a:endParaRPr lang="en-US"/>
-          </a:p>
-        </p:txBody>
-      </p:sp>
-    </p:spTree>
-    <p:extLst>
-      <p:ext uri="{BB962C8B-B14F-4D97-AF65-F5344CB8AC3E}">
-        <p14:creationId xmlns:p14="http://schemas.microsoft.com/office/powerpoint/2010/main" val="2317100087"/>
-      </p:ext>
-    </p:extLst>
-  </p:cSld>
-  <p:clrMapOvr>
-    <a:masterClrMapping/>
-  </p:clrMapOvr>
-</p:sld>
-</file>
-
-<file path=ppt/slides/slide9.xml><?xml version="1.0" encoding="utf-8"?>
-<p:sld xmlns:a="http://schemas.openxmlformats.org/drawingml/2006/main" xmlns:r="http://schemas.openxmlformats.org/officeDocument/2006/relationships" xmlns:p="http://schemas.openxmlformats.org/presentationml/2006/main">
-  <p:cSld>
     <p:bg>
       <p:bgPr>
         <a:solidFill>
@@ -11768,7 +10148,7 @@
                 </a:spcAft>
                 <a:buNone/>
               </a:pPr>
-              <a:t>9</a:t>
+              <a:t>10</a:t>
             </a:fld>
             <a:endParaRPr lang="en-US"/>
           </a:p>
@@ -11808,6 +10188,1780 @@
     <p:extLst>
       <p:ext uri="{BB962C8B-B14F-4D97-AF65-F5344CB8AC3E}">
         <p14:creationId xmlns:p14="http://schemas.microsoft.com/office/powerpoint/2010/main" val="691635672"/>
+      </p:ext>
+    </p:extLst>
+  </p:cSld>
+  <p:clrMapOvr>
+    <a:masterClrMapping/>
+  </p:clrMapOvr>
+</p:sld>
+</file>
+
+<file path=ppt/slides/slide11.xml><?xml version="1.0" encoding="utf-8"?>
+<p:sld xmlns:a="http://schemas.openxmlformats.org/drawingml/2006/main" xmlns:r="http://schemas.openxmlformats.org/officeDocument/2006/relationships" xmlns:p="http://schemas.openxmlformats.org/presentationml/2006/main">
+  <p:cSld>
+    <p:spTree>
+      <p:nvGrpSpPr>
+        <p:cNvPr id="1" name=""/>
+        <p:cNvGrpSpPr/>
+        <p:nvPr/>
+      </p:nvGrpSpPr>
+      <p:grpSpPr>
+        <a:xfrm>
+          <a:off x="0" y="0"/>
+          <a:ext cx="0" cy="0"/>
+          <a:chOff x="0" y="0"/>
+          <a:chExt cx="0" cy="0"/>
+        </a:xfrm>
+      </p:grpSpPr>
+      <p:sp>
+        <p:nvSpPr>
+          <p:cNvPr id="4" name="Slide Number Placeholder 3">
+            <a:extLst>
+              <a:ext uri="{FF2B5EF4-FFF2-40B4-BE49-F238E27FC236}">
+                <a16:creationId xmlns:a16="http://schemas.microsoft.com/office/drawing/2014/main" id="{6A494CDC-BBE1-4F65-B218-5484DBF33BD2}"/>
+              </a:ext>
+            </a:extLst>
+          </p:cNvPr>
+          <p:cNvSpPr>
+            <a:spLocks noGrp="1"/>
+          </p:cNvSpPr>
+          <p:nvPr>
+            <p:ph type="sldNum" idx="12"/>
+          </p:nvPr>
+        </p:nvSpPr>
+        <p:spPr/>
+        <p:txBody>
+          <a:bodyPr/>
+          <a:lstStyle/>
+          <a:p>
+            <a:pPr marL="0" lvl="0" indent="0" algn="r" rtl="0">
+              <a:spcBef>
+                <a:spcPts val="0"/>
+              </a:spcBef>
+              <a:spcAft>
+                <a:spcPts val="0"/>
+              </a:spcAft>
+              <a:buNone/>
+            </a:pPr>
+            <a:fld id="{00000000-1234-1234-1234-123412341234}" type="slidenum">
+              <a:rPr lang="en-US" smtClean="0"/>
+              <a:t>11</a:t>
+            </a:fld>
+            <a:endParaRPr lang="en-US"/>
+          </a:p>
+        </p:txBody>
+      </p:sp>
+      <p:pic>
+        <p:nvPicPr>
+          <p:cNvPr id="8" name="Picture 7" descr="Logo, company name&#10;&#10;Description automatically generated">
+            <a:extLst>
+              <a:ext uri="{FF2B5EF4-FFF2-40B4-BE49-F238E27FC236}">
+                <a16:creationId xmlns:a16="http://schemas.microsoft.com/office/drawing/2014/main" id="{D6DDC53F-E4E2-411B-A186-5D4FA2AAE5EA}"/>
+              </a:ext>
+            </a:extLst>
+          </p:cNvPr>
+          <p:cNvPicPr>
+            <a:picLocks noChangeAspect="1"/>
+          </p:cNvPicPr>
+          <p:nvPr/>
+        </p:nvPicPr>
+        <p:blipFill>
+          <a:blip r:embed="rId2"/>
+          <a:stretch>
+            <a:fillRect/>
+          </a:stretch>
+        </p:blipFill>
+        <p:spPr>
+          <a:xfrm>
+            <a:off x="1763486" y="136525"/>
+            <a:ext cx="8725988" cy="6584949"/>
+          </a:xfrm>
+          <a:prstGeom prst="rect">
+            <a:avLst/>
+          </a:prstGeom>
+        </p:spPr>
+      </p:pic>
+    </p:spTree>
+    <p:extLst>
+      <p:ext uri="{BB962C8B-B14F-4D97-AF65-F5344CB8AC3E}">
+        <p14:creationId xmlns:p14="http://schemas.microsoft.com/office/powerpoint/2010/main" val="2975328333"/>
+      </p:ext>
+    </p:extLst>
+  </p:cSld>
+  <p:clrMapOvr>
+    <a:masterClrMapping/>
+  </p:clrMapOvr>
+</p:sld>
+</file>
+
+<file path=ppt/slides/slide2.xml><?xml version="1.0" encoding="utf-8"?>
+<p:sld xmlns:a="http://schemas.openxmlformats.org/drawingml/2006/main" xmlns:r="http://schemas.openxmlformats.org/officeDocument/2006/relationships" xmlns:p="http://schemas.openxmlformats.org/presentationml/2006/main">
+  <p:cSld>
+    <p:spTree>
+      <p:nvGrpSpPr>
+        <p:cNvPr id="1" name=""/>
+        <p:cNvGrpSpPr/>
+        <p:nvPr/>
+      </p:nvGrpSpPr>
+      <p:grpSpPr>
+        <a:xfrm>
+          <a:off x="0" y="0"/>
+          <a:ext cx="0" cy="0"/>
+          <a:chOff x="0" y="0"/>
+          <a:chExt cx="0" cy="0"/>
+        </a:xfrm>
+      </p:grpSpPr>
+      <p:sp>
+        <p:nvSpPr>
+          <p:cNvPr id="2" name="Title 1">
+            <a:extLst>
+              <a:ext uri="{FF2B5EF4-FFF2-40B4-BE49-F238E27FC236}">
+                <a16:creationId xmlns:a16="http://schemas.microsoft.com/office/drawing/2014/main" id="{2738F573-3F00-4ED3-9238-386861594F12}"/>
+              </a:ext>
+            </a:extLst>
+          </p:cNvPr>
+          <p:cNvSpPr>
+            <a:spLocks noGrp="1"/>
+          </p:cNvSpPr>
+          <p:nvPr>
+            <p:ph type="title"/>
+          </p:nvPr>
+        </p:nvSpPr>
+        <p:spPr/>
+        <p:txBody>
+          <a:bodyPr/>
+          <a:lstStyle/>
+          <a:p>
+            <a:r>
+              <a:rPr lang="en-US" dirty="0">
+                <a:latin typeface="Times New Roman" panose="02020603050405020304" pitchFamily="18" charset="0"/>
+                <a:cs typeface="Times New Roman" panose="02020603050405020304" pitchFamily="18" charset="0"/>
+              </a:rPr>
+              <a:t>Introduction </a:t>
+            </a:r>
+          </a:p>
+        </p:txBody>
+      </p:sp>
+      <p:sp>
+        <p:nvSpPr>
+          <p:cNvPr id="3" name="Text Placeholder 2">
+            <a:extLst>
+              <a:ext uri="{FF2B5EF4-FFF2-40B4-BE49-F238E27FC236}">
+                <a16:creationId xmlns:a16="http://schemas.microsoft.com/office/drawing/2014/main" id="{66628407-E450-401E-93C9-B87BF3392D79}"/>
+              </a:ext>
+            </a:extLst>
+          </p:cNvPr>
+          <p:cNvSpPr>
+            <a:spLocks noGrp="1"/>
+          </p:cNvSpPr>
+          <p:nvPr>
+            <p:ph type="body" idx="1"/>
+          </p:nvPr>
+        </p:nvSpPr>
+        <p:spPr/>
+        <p:txBody>
+          <a:bodyPr/>
+          <a:lstStyle/>
+          <a:p>
+            <a:r>
+              <a:rPr lang="en-US" sz="2000" dirty="0">
+                <a:latin typeface="Times New Roman" panose="02020603050405020304" pitchFamily="18" charset="0"/>
+                <a:cs typeface="Times New Roman" panose="02020603050405020304" pitchFamily="18" charset="0"/>
+              </a:rPr>
+              <a:t>The threat profile that businesses face is continuously moving, and the cybersecurity landscape is ever-changing.</a:t>
+            </a:r>
+          </a:p>
+          <a:p>
+            <a:pPr marL="114300" indent="0">
+              <a:buNone/>
+            </a:pPr>
+            <a:endParaRPr lang="en-US" sz="2000" dirty="0">
+              <a:latin typeface="Times New Roman" panose="02020603050405020304" pitchFamily="18" charset="0"/>
+              <a:cs typeface="Times New Roman" panose="02020603050405020304" pitchFamily="18" charset="0"/>
+            </a:endParaRPr>
+          </a:p>
+          <a:p>
+            <a:r>
+              <a:rPr lang="en-US" sz="2000" dirty="0">
+                <a:latin typeface="Times New Roman" panose="02020603050405020304" pitchFamily="18" charset="0"/>
+                <a:cs typeface="Times New Roman" panose="02020603050405020304" pitchFamily="18" charset="0"/>
+              </a:rPr>
+              <a:t>The introduction of captcha and the widespread use of two-factor authentication appeared to have reduced account creation fraud.</a:t>
+            </a:r>
+          </a:p>
+          <a:p>
+            <a:pPr marL="114300" indent="0">
+              <a:buNone/>
+            </a:pPr>
+            <a:endParaRPr lang="en-US" sz="2000" dirty="0">
+              <a:latin typeface="Times New Roman" panose="02020603050405020304" pitchFamily="18" charset="0"/>
+              <a:cs typeface="Times New Roman" panose="02020603050405020304" pitchFamily="18" charset="0"/>
+            </a:endParaRPr>
+          </a:p>
+          <a:p>
+            <a:r>
+              <a:rPr lang="en-US" sz="2000" dirty="0">
+                <a:latin typeface="Times New Roman" panose="02020603050405020304" pitchFamily="18" charset="0"/>
+                <a:cs typeface="Times New Roman" panose="02020603050405020304" pitchFamily="18" charset="0"/>
+              </a:rPr>
+              <a:t>Fraudulent account creation is on the rise once more, mainly to the advent of sophisticated and inexpensive hacking tools.</a:t>
+            </a:r>
+          </a:p>
+        </p:txBody>
+      </p:sp>
+      <p:sp>
+        <p:nvSpPr>
+          <p:cNvPr id="4" name="Slide Number Placeholder 3">
+            <a:extLst>
+              <a:ext uri="{FF2B5EF4-FFF2-40B4-BE49-F238E27FC236}">
+                <a16:creationId xmlns:a16="http://schemas.microsoft.com/office/drawing/2014/main" id="{1A68725D-66BC-42E1-8F19-10359638D4AD}"/>
+              </a:ext>
+            </a:extLst>
+          </p:cNvPr>
+          <p:cNvSpPr>
+            <a:spLocks noGrp="1"/>
+          </p:cNvSpPr>
+          <p:nvPr>
+            <p:ph type="sldNum" idx="12"/>
+          </p:nvPr>
+        </p:nvSpPr>
+        <p:spPr/>
+        <p:txBody>
+          <a:bodyPr/>
+          <a:lstStyle/>
+          <a:p>
+            <a:pPr marL="0" lvl="0" indent="0" algn="r" rtl="0">
+              <a:spcBef>
+                <a:spcPts val="0"/>
+              </a:spcBef>
+              <a:spcAft>
+                <a:spcPts val="0"/>
+              </a:spcAft>
+              <a:buNone/>
+            </a:pPr>
+            <a:fld id="{00000000-1234-1234-1234-123412341234}" type="slidenum">
+              <a:rPr lang="en-US" smtClean="0"/>
+              <a:t>2</a:t>
+            </a:fld>
+            <a:endParaRPr lang="en-US"/>
+          </a:p>
+        </p:txBody>
+      </p:sp>
+    </p:spTree>
+    <p:extLst>
+      <p:ext uri="{BB962C8B-B14F-4D97-AF65-F5344CB8AC3E}">
+        <p14:creationId xmlns:p14="http://schemas.microsoft.com/office/powerpoint/2010/main" val="659258137"/>
+      </p:ext>
+    </p:extLst>
+  </p:cSld>
+  <p:clrMapOvr>
+    <a:masterClrMapping/>
+  </p:clrMapOvr>
+</p:sld>
+</file>
+
+<file path=ppt/slides/slide3.xml><?xml version="1.0" encoding="utf-8"?>
+<p:sld xmlns:a="http://schemas.openxmlformats.org/drawingml/2006/main" xmlns:r="http://schemas.openxmlformats.org/officeDocument/2006/relationships" xmlns:p="http://schemas.openxmlformats.org/presentationml/2006/main">
+  <p:cSld>
+    <p:spTree>
+      <p:nvGrpSpPr>
+        <p:cNvPr id="1" name="Shape 96"/>
+        <p:cNvGrpSpPr/>
+        <p:nvPr/>
+      </p:nvGrpSpPr>
+      <p:grpSpPr>
+        <a:xfrm>
+          <a:off x="0" y="0"/>
+          <a:ext cx="0" cy="0"/>
+          <a:chOff x="0" y="0"/>
+          <a:chExt cx="0" cy="0"/>
+        </a:xfrm>
+      </p:grpSpPr>
+      <p:sp>
+        <p:nvSpPr>
+          <p:cNvPr id="98" name="Google Shape;98;p14"/>
+          <p:cNvSpPr/>
+          <p:nvPr/>
+        </p:nvSpPr>
+        <p:spPr>
+          <a:xfrm>
+            <a:off x="0" y="0"/>
+            <a:ext cx="126124" cy="6858000"/>
+          </a:xfrm>
+          <a:prstGeom prst="rect">
+            <a:avLst/>
+          </a:prstGeom>
+          <a:solidFill>
+            <a:srgbClr val="F86800"/>
+          </a:solidFill>
+          <a:ln>
+            <a:noFill/>
+          </a:ln>
+        </p:spPr>
+        <p:txBody>
+          <a:bodyPr spcFirstLastPara="1" wrap="square" lIns="91425" tIns="45700" rIns="91425" bIns="45700" anchor="ctr" anchorCtr="0">
+            <a:noAutofit/>
+          </a:bodyPr>
+          <a:lstStyle/>
+          <a:p>
+            <a:pPr marL="0" marR="0" lvl="0" indent="0" algn="ctr" rtl="0">
+              <a:lnSpc>
+                <a:spcPct val="100000"/>
+              </a:lnSpc>
+              <a:spcBef>
+                <a:spcPts val="0"/>
+              </a:spcBef>
+              <a:spcAft>
+                <a:spcPts val="0"/>
+              </a:spcAft>
+              <a:buClr>
+                <a:schemeClr val="dk1"/>
+              </a:buClr>
+              <a:buSzPts val="1800"/>
+              <a:buFont typeface="Calibri"/>
+              <a:buNone/>
+            </a:pPr>
+            <a:endParaRPr sz="1800" b="0" i="0" u="none" strike="noStrike" cap="none">
+              <a:solidFill>
+                <a:srgbClr val="FFFFFF"/>
+              </a:solidFill>
+              <a:latin typeface="Calibri"/>
+              <a:ea typeface="Calibri"/>
+              <a:cs typeface="Calibri"/>
+              <a:sym typeface="Calibri"/>
+            </a:endParaRPr>
+          </a:p>
+        </p:txBody>
+      </p:sp>
+      <p:sp>
+        <p:nvSpPr>
+          <p:cNvPr id="2" name="Title 1">
+            <a:extLst>
+              <a:ext uri="{FF2B5EF4-FFF2-40B4-BE49-F238E27FC236}">
+                <a16:creationId xmlns:a16="http://schemas.microsoft.com/office/drawing/2014/main" id="{D6DC9CC8-397E-8445-B533-4C2FFC487128}"/>
+              </a:ext>
+            </a:extLst>
+          </p:cNvPr>
+          <p:cNvSpPr>
+            <a:spLocks noGrp="1"/>
+          </p:cNvSpPr>
+          <p:nvPr>
+            <p:ph type="title"/>
+          </p:nvPr>
+        </p:nvSpPr>
+        <p:spPr>
+          <a:xfrm>
+            <a:off x="831850" y="283779"/>
+            <a:ext cx="10515600" cy="662152"/>
+          </a:xfrm>
+        </p:spPr>
+        <p:txBody>
+          <a:bodyPr/>
+          <a:lstStyle/>
+          <a:p>
+            <a:r>
+              <a:rPr lang="en-US" sz="4400" dirty="0">
+                <a:latin typeface="Times New Roman" panose="02020603050405020304" pitchFamily="18" charset="0"/>
+                <a:cs typeface="Times New Roman" panose="02020603050405020304" pitchFamily="18" charset="0"/>
+              </a:rPr>
+              <a:t>Analyzing data </a:t>
+            </a:r>
+            <a:endParaRPr lang="en-US" sz="4400" dirty="0"/>
+          </a:p>
+        </p:txBody>
+      </p:sp>
+      <p:sp>
+        <p:nvSpPr>
+          <p:cNvPr id="3" name="Text Placeholder 2">
+            <a:extLst>
+              <a:ext uri="{FF2B5EF4-FFF2-40B4-BE49-F238E27FC236}">
+                <a16:creationId xmlns:a16="http://schemas.microsoft.com/office/drawing/2014/main" id="{4CC854CC-6D4E-B84F-B0FD-D87FBC60747D}"/>
+              </a:ext>
+            </a:extLst>
+          </p:cNvPr>
+          <p:cNvSpPr>
+            <a:spLocks noGrp="1"/>
+          </p:cNvSpPr>
+          <p:nvPr>
+            <p:ph type="body" idx="1"/>
+          </p:nvPr>
+        </p:nvSpPr>
+        <p:spPr>
+          <a:xfrm>
+            <a:off x="831850" y="1294379"/>
+            <a:ext cx="10515600" cy="4795271"/>
+          </a:xfrm>
+        </p:spPr>
+        <p:txBody>
+          <a:bodyPr/>
+          <a:lstStyle/>
+          <a:p>
+            <a:r>
+              <a:rPr lang="en-US" dirty="0"/>
+              <a:t>Step 1 - Convert categorical data into numerical</a:t>
+            </a:r>
+          </a:p>
+          <a:p>
+            <a:r>
+              <a:rPr lang="en-US" dirty="0"/>
+              <a:t>Step 2 - add new column in df for each categorical data</a:t>
+            </a:r>
+          </a:p>
+          <a:p>
+            <a:r>
+              <a:rPr lang="en-US" dirty="0"/>
+              <a:t>Step 3 - sum the score and divide by total number of scenarios considered</a:t>
+            </a:r>
+          </a:p>
+          <a:p>
+            <a:r>
+              <a:rPr lang="en-US" dirty="0"/>
+              <a:t>Step 4 - assign each row with campaign and malicious values</a:t>
+            </a:r>
+          </a:p>
+          <a:p>
+            <a:endParaRPr lang="en-US" dirty="0"/>
+          </a:p>
+          <a:p>
+            <a:endParaRPr lang="en-US" dirty="0"/>
+          </a:p>
+          <a:p>
+            <a:endParaRPr lang="en-US" dirty="0"/>
+          </a:p>
+        </p:txBody>
+      </p:sp>
+      <p:sp>
+        <p:nvSpPr>
+          <p:cNvPr id="99" name="Google Shape;99;p14"/>
+          <p:cNvSpPr txBox="1">
+            <a:spLocks noGrp="1"/>
+          </p:cNvSpPr>
+          <p:nvPr>
+            <p:ph type="sldNum" idx="12"/>
+          </p:nvPr>
+        </p:nvSpPr>
+        <p:spPr>
+          <a:prstGeom prst="rect">
+            <a:avLst/>
+          </a:prstGeom>
+          <a:noFill/>
+          <a:ln>
+            <a:noFill/>
+          </a:ln>
+        </p:spPr>
+        <p:txBody>
+          <a:bodyPr spcFirstLastPara="1" wrap="square" lIns="91425" tIns="45700" rIns="91425" bIns="45700" anchor="ctr" anchorCtr="0">
+            <a:noAutofit/>
+          </a:bodyPr>
+          <a:lstStyle/>
+          <a:p>
+            <a:pPr marL="0" lvl="0" indent="0" algn="r" rtl="0">
+              <a:spcBef>
+                <a:spcPts val="0"/>
+              </a:spcBef>
+              <a:spcAft>
+                <a:spcPts val="0"/>
+              </a:spcAft>
+              <a:buNone/>
+            </a:pPr>
+            <a:fld id="{00000000-1234-1234-1234-123412341234}" type="slidenum">
+              <a:rPr lang="en-US"/>
+              <a:t>3</a:t>
+            </a:fld>
+            <a:endParaRPr/>
+          </a:p>
+        </p:txBody>
+      </p:sp>
+      <p:grpSp>
+        <p:nvGrpSpPr>
+          <p:cNvPr id="20" name="Google Shape;196;p27">
+            <a:extLst>
+              <a:ext uri="{FF2B5EF4-FFF2-40B4-BE49-F238E27FC236}">
+                <a16:creationId xmlns:a16="http://schemas.microsoft.com/office/drawing/2014/main" id="{3363DA65-F9B8-418B-9627-0E809082D02C}"/>
+              </a:ext>
+            </a:extLst>
+          </p:cNvPr>
+          <p:cNvGrpSpPr/>
+          <p:nvPr/>
+        </p:nvGrpSpPr>
+        <p:grpSpPr>
+          <a:xfrm>
+            <a:off x="1813651" y="1294379"/>
+            <a:ext cx="8848758" cy="3604869"/>
+            <a:chOff x="1191295" y="2273"/>
+            <a:chExt cx="8848758" cy="3721065"/>
+          </a:xfrm>
+        </p:grpSpPr>
+        <p:sp>
+          <p:nvSpPr>
+            <p:cNvPr id="22" name="Google Shape;199;p27">
+              <a:extLst>
+                <a:ext uri="{FF2B5EF4-FFF2-40B4-BE49-F238E27FC236}">
+                  <a16:creationId xmlns:a16="http://schemas.microsoft.com/office/drawing/2014/main" id="{13971ECB-6E22-419B-9CE3-CEF9D0E12200}"/>
+                </a:ext>
+              </a:extLst>
+            </p:cNvPr>
+            <p:cNvSpPr/>
+            <p:nvPr/>
+          </p:nvSpPr>
+          <p:spPr>
+            <a:xfrm>
+              <a:off x="1191295" y="2273"/>
+              <a:ext cx="8848758" cy="1063161"/>
+            </a:xfrm>
+            <a:prstGeom prst="rect">
+              <a:avLst/>
+            </a:prstGeom>
+            <a:noFill/>
+            <a:ln>
+              <a:noFill/>
+            </a:ln>
+          </p:spPr>
+          <p:txBody>
+            <a:bodyPr spcFirstLastPara="1" wrap="square" lIns="91433" tIns="91433" rIns="91433" bIns="91433" anchor="ctr" anchorCtr="0">
+              <a:noAutofit/>
+            </a:bodyPr>
+            <a:lstStyle/>
+            <a:p>
+              <a:endParaRPr sz="2400"/>
+            </a:p>
+          </p:txBody>
+        </p:sp>
+        <p:sp>
+          <p:nvSpPr>
+            <p:cNvPr id="26" name="Google Shape;203;p27">
+              <a:extLst>
+                <a:ext uri="{FF2B5EF4-FFF2-40B4-BE49-F238E27FC236}">
+                  <a16:creationId xmlns:a16="http://schemas.microsoft.com/office/drawing/2014/main" id="{D878F6F2-734D-4BBD-95B9-E8E3CF6BB0D6}"/>
+                </a:ext>
+              </a:extLst>
+            </p:cNvPr>
+            <p:cNvSpPr/>
+            <p:nvPr/>
+          </p:nvSpPr>
+          <p:spPr>
+            <a:xfrm>
+              <a:off x="1191295" y="1331225"/>
+              <a:ext cx="8848758" cy="1063161"/>
+            </a:xfrm>
+            <a:prstGeom prst="rect">
+              <a:avLst/>
+            </a:prstGeom>
+            <a:noFill/>
+            <a:ln>
+              <a:noFill/>
+            </a:ln>
+          </p:spPr>
+          <p:txBody>
+            <a:bodyPr spcFirstLastPara="1" wrap="square" lIns="91433" tIns="91433" rIns="91433" bIns="91433" anchor="ctr" anchorCtr="0">
+              <a:noAutofit/>
+            </a:bodyPr>
+            <a:lstStyle/>
+            <a:p>
+              <a:endParaRPr sz="2400"/>
+            </a:p>
+          </p:txBody>
+        </p:sp>
+        <p:sp>
+          <p:nvSpPr>
+            <p:cNvPr id="30" name="Google Shape;207;p27">
+              <a:extLst>
+                <a:ext uri="{FF2B5EF4-FFF2-40B4-BE49-F238E27FC236}">
+                  <a16:creationId xmlns:a16="http://schemas.microsoft.com/office/drawing/2014/main" id="{D67D5429-7930-4414-B08C-3A5FA87506C5}"/>
+                </a:ext>
+              </a:extLst>
+            </p:cNvPr>
+            <p:cNvSpPr/>
+            <p:nvPr/>
+          </p:nvSpPr>
+          <p:spPr>
+            <a:xfrm>
+              <a:off x="1191295" y="2660177"/>
+              <a:ext cx="8848758" cy="1063161"/>
+            </a:xfrm>
+            <a:prstGeom prst="rect">
+              <a:avLst/>
+            </a:prstGeom>
+            <a:noFill/>
+            <a:ln>
+              <a:noFill/>
+            </a:ln>
+          </p:spPr>
+          <p:txBody>
+            <a:bodyPr spcFirstLastPara="1" wrap="square" lIns="91433" tIns="91433" rIns="91433" bIns="91433" anchor="ctr" anchorCtr="0">
+              <a:noAutofit/>
+            </a:bodyPr>
+            <a:lstStyle/>
+            <a:p>
+              <a:endParaRPr sz="2400"/>
+            </a:p>
+          </p:txBody>
+        </p:sp>
+      </p:grpSp>
+      <p:pic>
+        <p:nvPicPr>
+          <p:cNvPr id="4" name="Picture 3">
+            <a:extLst>
+              <a:ext uri="{FF2B5EF4-FFF2-40B4-BE49-F238E27FC236}">
+                <a16:creationId xmlns:a16="http://schemas.microsoft.com/office/drawing/2014/main" id="{5893FBCA-7A3D-8347-8BC5-471B2FEE5EDF}"/>
+              </a:ext>
+            </a:extLst>
+          </p:cNvPr>
+          <p:cNvPicPr>
+            <a:picLocks noChangeAspect="1"/>
+          </p:cNvPicPr>
+          <p:nvPr/>
+        </p:nvPicPr>
+        <p:blipFill>
+          <a:blip r:embed="rId3"/>
+          <a:stretch>
+            <a:fillRect/>
+          </a:stretch>
+        </p:blipFill>
+        <p:spPr>
+          <a:xfrm>
+            <a:off x="3489435" y="3400097"/>
+            <a:ext cx="3339224" cy="2877276"/>
+          </a:xfrm>
+          <a:prstGeom prst="rect">
+            <a:avLst/>
+          </a:prstGeom>
+        </p:spPr>
+      </p:pic>
+    </p:spTree>
+    <p:extLst>
+      <p:ext uri="{BB962C8B-B14F-4D97-AF65-F5344CB8AC3E}">
+        <p14:creationId xmlns:p14="http://schemas.microsoft.com/office/powerpoint/2010/main" val="3951051699"/>
+      </p:ext>
+    </p:extLst>
+  </p:cSld>
+  <p:clrMapOvr>
+    <a:masterClrMapping/>
+  </p:clrMapOvr>
+  <p:transition spd="slow">
+    <p:push dir="u"/>
+  </p:transition>
+</p:sld>
+</file>
+
+<file path=ppt/slides/slide4.xml><?xml version="1.0" encoding="utf-8"?>
+<p:sld xmlns:a="http://schemas.openxmlformats.org/drawingml/2006/main" xmlns:r="http://schemas.openxmlformats.org/officeDocument/2006/relationships" xmlns:p="http://schemas.openxmlformats.org/presentationml/2006/main">
+  <p:cSld>
+    <p:spTree>
+      <p:nvGrpSpPr>
+        <p:cNvPr id="1" name=""/>
+        <p:cNvGrpSpPr/>
+        <p:nvPr/>
+      </p:nvGrpSpPr>
+      <p:grpSpPr>
+        <a:xfrm>
+          <a:off x="0" y="0"/>
+          <a:ext cx="0" cy="0"/>
+          <a:chOff x="0" y="0"/>
+          <a:chExt cx="0" cy="0"/>
+        </a:xfrm>
+      </p:grpSpPr>
+      <p:sp>
+        <p:nvSpPr>
+          <p:cNvPr id="2" name="Title 1">
+            <a:extLst>
+              <a:ext uri="{FF2B5EF4-FFF2-40B4-BE49-F238E27FC236}">
+                <a16:creationId xmlns:a16="http://schemas.microsoft.com/office/drawing/2014/main" id="{E0D0ABBC-28D4-B54D-B440-B74E18448C93}"/>
+              </a:ext>
+            </a:extLst>
+          </p:cNvPr>
+          <p:cNvSpPr>
+            <a:spLocks noGrp="1"/>
+          </p:cNvSpPr>
+          <p:nvPr>
+            <p:ph type="title"/>
+          </p:nvPr>
+        </p:nvSpPr>
+        <p:spPr>
+          <a:xfrm>
+            <a:off x="831850" y="136526"/>
+            <a:ext cx="10515600" cy="1082674"/>
+          </a:xfrm>
+        </p:spPr>
+        <p:txBody>
+          <a:bodyPr/>
+          <a:lstStyle/>
+          <a:p>
+            <a:r>
+              <a:rPr lang="en-US" sz="4400" dirty="0"/>
+              <a:t>Rules taken into consideration</a:t>
+            </a:r>
+          </a:p>
+        </p:txBody>
+      </p:sp>
+      <p:sp>
+        <p:nvSpPr>
+          <p:cNvPr id="3" name="Text Placeholder 2">
+            <a:extLst>
+              <a:ext uri="{FF2B5EF4-FFF2-40B4-BE49-F238E27FC236}">
+                <a16:creationId xmlns:a16="http://schemas.microsoft.com/office/drawing/2014/main" id="{A36B54A9-6F03-B245-A326-5DE44BACC585}"/>
+              </a:ext>
+            </a:extLst>
+          </p:cNvPr>
+          <p:cNvSpPr>
+            <a:spLocks noGrp="1"/>
+          </p:cNvSpPr>
+          <p:nvPr>
+            <p:ph type="body" idx="1"/>
+          </p:nvPr>
+        </p:nvSpPr>
+        <p:spPr>
+          <a:xfrm>
+            <a:off x="831850" y="1313793"/>
+            <a:ext cx="10515600" cy="4775857"/>
+          </a:xfrm>
+        </p:spPr>
+        <p:txBody>
+          <a:bodyPr/>
+          <a:lstStyle/>
+          <a:p>
+            <a:r>
+              <a:rPr lang="en-US" dirty="0"/>
+              <a:t>( final values for score would be between 1 or 0 )</a:t>
+            </a:r>
+          </a:p>
+          <a:p>
+            <a:r>
+              <a:rPr lang="en-US" dirty="0"/>
+              <a:t>- Email score : valid or fake email address</a:t>
+            </a:r>
+          </a:p>
+          <a:p>
+            <a:r>
+              <a:rPr lang="en-US" dirty="0"/>
+              <a:t>- Geography score : look for </a:t>
+            </a:r>
+            <a:r>
+              <a:rPr lang="en-US" dirty="0" err="1"/>
+              <a:t>ip</a:t>
+            </a:r>
+            <a:r>
+              <a:rPr lang="en-US" dirty="0"/>
+              <a:t> address from which account is created valid or not</a:t>
+            </a:r>
+          </a:p>
+          <a:p>
+            <a:pPr marL="571500" indent="-342900">
+              <a:buFontTx/>
+              <a:buChar char="-"/>
+            </a:pPr>
+            <a:r>
+              <a:rPr lang="en-US" dirty="0"/>
+              <a:t>Duplication score : if more than one account is created with same email and same account name</a:t>
+            </a:r>
+          </a:p>
+          <a:p>
+            <a:pPr marL="571500" indent="-342900">
+              <a:buFontTx/>
+              <a:buChar char="-"/>
+            </a:pPr>
+            <a:r>
+              <a:rPr lang="en-US" dirty="0"/>
+              <a:t>Bot score : look for patterns </a:t>
+            </a:r>
+            <a:r>
+              <a:rPr lang="en-US"/>
+              <a:t>in name, </a:t>
+            </a:r>
+            <a:r>
+              <a:rPr lang="en-US" dirty="0"/>
+              <a:t>account name, and email if </a:t>
+            </a:r>
+            <a:r>
+              <a:rPr lang="en-US"/>
+              <a:t>found then </a:t>
+            </a:r>
+            <a:r>
+              <a:rPr lang="en-US" dirty="0"/>
+              <a:t>it might be script running against system</a:t>
+            </a:r>
+          </a:p>
+          <a:p>
+            <a:pPr marL="571500" indent="-342900">
+              <a:buFontTx/>
+              <a:buChar char="-"/>
+            </a:pPr>
+            <a:r>
+              <a:rPr lang="en-US" dirty="0" err="1"/>
+              <a:t>Emailvalidator,ipaddress,re</a:t>
+            </a:r>
+            <a:endParaRPr lang="en-US" dirty="0"/>
+          </a:p>
+          <a:p>
+            <a:pPr marL="571500" indent="-342900">
+              <a:buFontTx/>
+              <a:buChar char="-"/>
+            </a:pPr>
+            <a:endParaRPr lang="en-US" dirty="0"/>
+          </a:p>
+          <a:p>
+            <a:endParaRPr lang="en-US" dirty="0"/>
+          </a:p>
+        </p:txBody>
+      </p:sp>
+      <p:sp>
+        <p:nvSpPr>
+          <p:cNvPr id="4" name="Slide Number Placeholder 3">
+            <a:extLst>
+              <a:ext uri="{FF2B5EF4-FFF2-40B4-BE49-F238E27FC236}">
+                <a16:creationId xmlns:a16="http://schemas.microsoft.com/office/drawing/2014/main" id="{458A4DB0-47F6-D74E-B0D2-0A7F78A260DB}"/>
+              </a:ext>
+            </a:extLst>
+          </p:cNvPr>
+          <p:cNvSpPr>
+            <a:spLocks noGrp="1"/>
+          </p:cNvSpPr>
+          <p:nvPr>
+            <p:ph type="sldNum" idx="12"/>
+          </p:nvPr>
+        </p:nvSpPr>
+        <p:spPr/>
+        <p:txBody>
+          <a:bodyPr/>
+          <a:lstStyle/>
+          <a:p>
+            <a:pPr marL="0" lvl="0" indent="0" algn="r" rtl="0">
+              <a:spcBef>
+                <a:spcPts val="0"/>
+              </a:spcBef>
+              <a:spcAft>
+                <a:spcPts val="0"/>
+              </a:spcAft>
+              <a:buNone/>
+            </a:pPr>
+            <a:fld id="{00000000-1234-1234-1234-123412341234}" type="slidenum">
+              <a:rPr lang="en-US" smtClean="0"/>
+              <a:t>4</a:t>
+            </a:fld>
+            <a:endParaRPr lang="en-US"/>
+          </a:p>
+        </p:txBody>
+      </p:sp>
+      <p:pic>
+        <p:nvPicPr>
+          <p:cNvPr id="6" name="Picture 5">
+            <a:extLst>
+              <a:ext uri="{FF2B5EF4-FFF2-40B4-BE49-F238E27FC236}">
+                <a16:creationId xmlns:a16="http://schemas.microsoft.com/office/drawing/2014/main" id="{1325E437-505E-2741-8B09-C40577A84393}"/>
+              </a:ext>
+            </a:extLst>
+          </p:cNvPr>
+          <p:cNvPicPr>
+            <a:picLocks noChangeAspect="1"/>
+          </p:cNvPicPr>
+          <p:nvPr/>
+        </p:nvPicPr>
+        <p:blipFill>
+          <a:blip r:embed="rId2"/>
+          <a:stretch>
+            <a:fillRect/>
+          </a:stretch>
+        </p:blipFill>
+        <p:spPr>
+          <a:xfrm>
+            <a:off x="6433865" y="4155168"/>
+            <a:ext cx="4913585" cy="1934482"/>
+          </a:xfrm>
+          <a:prstGeom prst="rect">
+            <a:avLst/>
+          </a:prstGeom>
+        </p:spPr>
+      </p:pic>
+    </p:spTree>
+    <p:extLst>
+      <p:ext uri="{BB962C8B-B14F-4D97-AF65-F5344CB8AC3E}">
+        <p14:creationId xmlns:p14="http://schemas.microsoft.com/office/powerpoint/2010/main" val="3857390036"/>
+      </p:ext>
+    </p:extLst>
+  </p:cSld>
+  <p:clrMapOvr>
+    <a:masterClrMapping/>
+  </p:clrMapOvr>
+</p:sld>
+</file>
+
+<file path=ppt/slides/slide5.xml><?xml version="1.0" encoding="utf-8"?>
+<p:sld xmlns:a="http://schemas.openxmlformats.org/drawingml/2006/main" xmlns:r="http://schemas.openxmlformats.org/officeDocument/2006/relationships" xmlns:p="http://schemas.openxmlformats.org/presentationml/2006/main">
+  <p:cSld>
+    <p:spTree>
+      <p:nvGrpSpPr>
+        <p:cNvPr id="1" name=""/>
+        <p:cNvGrpSpPr/>
+        <p:nvPr/>
+      </p:nvGrpSpPr>
+      <p:grpSpPr>
+        <a:xfrm>
+          <a:off x="0" y="0"/>
+          <a:ext cx="0" cy="0"/>
+          <a:chOff x="0" y="0"/>
+          <a:chExt cx="0" cy="0"/>
+        </a:xfrm>
+      </p:grpSpPr>
+      <p:sp>
+        <p:nvSpPr>
+          <p:cNvPr id="4" name="Title 3">
+            <a:extLst>
+              <a:ext uri="{FF2B5EF4-FFF2-40B4-BE49-F238E27FC236}">
+                <a16:creationId xmlns:a16="http://schemas.microsoft.com/office/drawing/2014/main" id="{43B69290-6362-4AE4-AFFD-82A27208D69C}"/>
+              </a:ext>
+            </a:extLst>
+          </p:cNvPr>
+          <p:cNvSpPr>
+            <a:spLocks noGrp="1"/>
+          </p:cNvSpPr>
+          <p:nvPr>
+            <p:ph type="title"/>
+          </p:nvPr>
+        </p:nvSpPr>
+        <p:spPr>
+          <a:xfrm>
+            <a:off x="0" y="4357600"/>
+            <a:ext cx="4848725" cy="2025621"/>
+          </a:xfrm>
+        </p:spPr>
+        <p:txBody>
+          <a:bodyPr anchor="ctr">
+            <a:normAutofit/>
+          </a:bodyPr>
+          <a:lstStyle/>
+          <a:p>
+            <a:r>
+              <a:rPr lang="en-US" sz="3600" dirty="0"/>
+              <a:t>Data Cleaning &amp; Underlying Assumptions</a:t>
+            </a:r>
+          </a:p>
+        </p:txBody>
+      </p:sp>
+      <p:sp>
+        <p:nvSpPr>
+          <p:cNvPr id="5" name="Content Placeholder 4">
+            <a:extLst>
+              <a:ext uri="{FF2B5EF4-FFF2-40B4-BE49-F238E27FC236}">
+                <a16:creationId xmlns:a16="http://schemas.microsoft.com/office/drawing/2014/main" id="{FE4829F4-E62E-4279-AE16-F696A74EF94A}"/>
+              </a:ext>
+            </a:extLst>
+          </p:cNvPr>
+          <p:cNvSpPr>
+            <a:spLocks noGrp="1"/>
+          </p:cNvSpPr>
+          <p:nvPr>
+            <p:ph idx="1"/>
+          </p:nvPr>
+        </p:nvSpPr>
+        <p:spPr>
+          <a:xfrm>
+            <a:off x="4576010" y="4357600"/>
+            <a:ext cx="5367033" cy="2270070"/>
+          </a:xfrm>
+        </p:spPr>
+        <p:txBody>
+          <a:bodyPr anchor="ctr">
+            <a:normAutofit/>
+          </a:bodyPr>
+          <a:lstStyle/>
+          <a:p>
+            <a:pPr>
+              <a:buFont typeface="Wingdings" panose="05000000000000000000" pitchFamily="2" charset="2"/>
+              <a:buChar char="§"/>
+            </a:pPr>
+            <a:endParaRPr lang="en-US" sz="1800" dirty="0"/>
+          </a:p>
+          <a:p>
+            <a:pPr>
+              <a:buFont typeface="Wingdings" panose="05000000000000000000" pitchFamily="2" charset="2"/>
+              <a:buChar char="§"/>
+            </a:pPr>
+            <a:r>
+              <a:rPr lang="en-US" sz="1800" dirty="0"/>
+              <a:t>Accounts with missing IP address are considered invalid</a:t>
+            </a:r>
+          </a:p>
+          <a:p>
+            <a:pPr>
+              <a:buFont typeface="Wingdings" panose="05000000000000000000" pitchFamily="2" charset="2"/>
+              <a:buChar char="§"/>
+            </a:pPr>
+            <a:r>
+              <a:rPr lang="en-US" sz="1800" dirty="0"/>
+              <a:t>All the IP addresses are validated based on numerical values not exceeding 255 in each segment of the IP address format</a:t>
+            </a:r>
+          </a:p>
+          <a:p>
+            <a:pPr marL="114300" indent="0">
+              <a:buNone/>
+            </a:pPr>
+            <a:endParaRPr lang="en-US" sz="1800" dirty="0"/>
+          </a:p>
+          <a:p>
+            <a:endParaRPr lang="en-US" sz="1800" dirty="0"/>
+          </a:p>
+        </p:txBody>
+      </p:sp>
+      <p:pic>
+        <p:nvPicPr>
+          <p:cNvPr id="6" name="Graphic 5" descr="Mop and bucket outline">
+            <a:extLst>
+              <a:ext uri="{FF2B5EF4-FFF2-40B4-BE49-F238E27FC236}">
+                <a16:creationId xmlns:a16="http://schemas.microsoft.com/office/drawing/2014/main" id="{11318C26-58C5-6B46-901D-A8BDEF8D8E06}"/>
+              </a:ext>
+            </a:extLst>
+          </p:cNvPr>
+          <p:cNvPicPr>
+            <a:picLocks noChangeAspect="1"/>
+          </p:cNvPicPr>
+          <p:nvPr/>
+        </p:nvPicPr>
+        <p:blipFill>
+          <a:blip r:embed="rId2">
+            <a:extLst>
+              <a:ext uri="{96DAC541-7B7A-43D3-8B79-37D633B846F1}">
+                <asvg:svgBlip xmlns:asvg="http://schemas.microsoft.com/office/drawing/2016/SVG/main" r:embed="rId3"/>
+              </a:ext>
+            </a:extLst>
+          </a:blip>
+          <a:stretch>
+            <a:fillRect/>
+          </a:stretch>
+        </p:blipFill>
+        <p:spPr>
+          <a:xfrm>
+            <a:off x="9943043" y="577514"/>
+            <a:ext cx="1604211" cy="2765973"/>
+          </a:xfrm>
+          <a:prstGeom prst="rect">
+            <a:avLst/>
+          </a:prstGeom>
+        </p:spPr>
+      </p:pic>
+      <p:pic>
+        <p:nvPicPr>
+          <p:cNvPr id="7" name="Picture 6" descr="Graphical user interface, text, application, email&#10;&#10;Description automatically generated">
+            <a:extLst>
+              <a:ext uri="{FF2B5EF4-FFF2-40B4-BE49-F238E27FC236}">
+                <a16:creationId xmlns:a16="http://schemas.microsoft.com/office/drawing/2014/main" id="{8621CE27-924C-EA4B-A006-D5B79287053F}"/>
+              </a:ext>
+            </a:extLst>
+          </p:cNvPr>
+          <p:cNvPicPr>
+            <a:picLocks noChangeAspect="1"/>
+          </p:cNvPicPr>
+          <p:nvPr/>
+        </p:nvPicPr>
+        <p:blipFill rotWithShape="1">
+          <a:blip r:embed="rId4"/>
+          <a:srcRect l="3776" r="32183"/>
+          <a:stretch/>
+        </p:blipFill>
+        <p:spPr>
+          <a:xfrm>
+            <a:off x="637675" y="474779"/>
+            <a:ext cx="9312441" cy="3543767"/>
+          </a:xfrm>
+          <a:prstGeom prst="rect">
+            <a:avLst/>
+          </a:prstGeom>
+        </p:spPr>
+      </p:pic>
+    </p:spTree>
+    <p:extLst>
+      <p:ext uri="{BB962C8B-B14F-4D97-AF65-F5344CB8AC3E}">
+        <p14:creationId xmlns:p14="http://schemas.microsoft.com/office/powerpoint/2010/main" val="2919692393"/>
+      </p:ext>
+    </p:extLst>
+  </p:cSld>
+  <p:clrMapOvr>
+    <a:masterClrMapping/>
+  </p:clrMapOvr>
+</p:sld>
+</file>
+
+<file path=ppt/slides/slide6.xml><?xml version="1.0" encoding="utf-8"?>
+<p:sld xmlns:a="http://schemas.openxmlformats.org/drawingml/2006/main" xmlns:r="http://schemas.openxmlformats.org/officeDocument/2006/relationships" xmlns:p="http://schemas.openxmlformats.org/presentationml/2006/main">
+  <p:cSld>
+    <p:spTree>
+      <p:nvGrpSpPr>
+        <p:cNvPr id="1" name=""/>
+        <p:cNvGrpSpPr/>
+        <p:nvPr/>
+      </p:nvGrpSpPr>
+      <p:grpSpPr>
+        <a:xfrm>
+          <a:off x="0" y="0"/>
+          <a:ext cx="0" cy="0"/>
+          <a:chOff x="0" y="0"/>
+          <a:chExt cx="0" cy="0"/>
+        </a:xfrm>
+      </p:grpSpPr>
+      <p:sp>
+        <p:nvSpPr>
+          <p:cNvPr id="2" name="Title 1">
+            <a:extLst>
+              <a:ext uri="{FF2B5EF4-FFF2-40B4-BE49-F238E27FC236}">
+                <a16:creationId xmlns:a16="http://schemas.microsoft.com/office/drawing/2014/main" id="{0235DAC8-602E-5848-A8DF-C94F627360EB}"/>
+              </a:ext>
+            </a:extLst>
+          </p:cNvPr>
+          <p:cNvSpPr>
+            <a:spLocks noGrp="1"/>
+          </p:cNvSpPr>
+          <p:nvPr>
+            <p:ph type="title"/>
+          </p:nvPr>
+        </p:nvSpPr>
+        <p:spPr/>
+        <p:txBody>
+          <a:bodyPr/>
+          <a:lstStyle/>
+          <a:p>
+            <a:r>
+              <a:rPr lang="en-US" dirty="0"/>
+              <a:t>Detecting edge case</a:t>
+            </a:r>
+          </a:p>
+        </p:txBody>
+      </p:sp>
+      <p:pic>
+        <p:nvPicPr>
+          <p:cNvPr id="5" name="Picture 4">
+            <a:extLst>
+              <a:ext uri="{FF2B5EF4-FFF2-40B4-BE49-F238E27FC236}">
+                <a16:creationId xmlns:a16="http://schemas.microsoft.com/office/drawing/2014/main" id="{88DBB22E-75AB-0E49-B6F3-05DF4F2C2FCF}"/>
+              </a:ext>
+            </a:extLst>
+          </p:cNvPr>
+          <p:cNvPicPr>
+            <a:picLocks noChangeAspect="1"/>
+          </p:cNvPicPr>
+          <p:nvPr/>
+        </p:nvPicPr>
+        <p:blipFill>
+          <a:blip r:embed="rId2"/>
+          <a:stretch>
+            <a:fillRect/>
+          </a:stretch>
+        </p:blipFill>
+        <p:spPr>
+          <a:xfrm>
+            <a:off x="838200" y="2932386"/>
+            <a:ext cx="11346276" cy="2888168"/>
+          </a:xfrm>
+          <a:prstGeom prst="rect">
+            <a:avLst/>
+          </a:prstGeom>
+        </p:spPr>
+      </p:pic>
+      <p:sp>
+        <p:nvSpPr>
+          <p:cNvPr id="3" name="Text Placeholder 2">
+            <a:extLst>
+              <a:ext uri="{FF2B5EF4-FFF2-40B4-BE49-F238E27FC236}">
+                <a16:creationId xmlns:a16="http://schemas.microsoft.com/office/drawing/2014/main" id="{5347953D-22C9-9E43-AEA4-881C0E132431}"/>
+              </a:ext>
+            </a:extLst>
+          </p:cNvPr>
+          <p:cNvSpPr>
+            <a:spLocks noGrp="1"/>
+          </p:cNvSpPr>
+          <p:nvPr>
+            <p:ph type="body" idx="1"/>
+          </p:nvPr>
+        </p:nvSpPr>
+        <p:spPr/>
+        <p:txBody>
+          <a:bodyPr/>
+          <a:lstStyle/>
+          <a:p>
+            <a:r>
+              <a:rPr lang="en-US" dirty="0"/>
+              <a:t>We found that some accounts were created with same patterns so it means there might be a bot who is creating those.</a:t>
+            </a:r>
+          </a:p>
+        </p:txBody>
+      </p:sp>
+      <p:sp>
+        <p:nvSpPr>
+          <p:cNvPr id="4" name="Slide Number Placeholder 3">
+            <a:extLst>
+              <a:ext uri="{FF2B5EF4-FFF2-40B4-BE49-F238E27FC236}">
+                <a16:creationId xmlns:a16="http://schemas.microsoft.com/office/drawing/2014/main" id="{8CCC7929-6515-1B46-B806-6A7068C43016}"/>
+              </a:ext>
+            </a:extLst>
+          </p:cNvPr>
+          <p:cNvSpPr>
+            <a:spLocks noGrp="1"/>
+          </p:cNvSpPr>
+          <p:nvPr>
+            <p:ph type="sldNum" idx="12"/>
+          </p:nvPr>
+        </p:nvSpPr>
+        <p:spPr/>
+        <p:txBody>
+          <a:bodyPr/>
+          <a:lstStyle/>
+          <a:p>
+            <a:pPr marL="0" lvl="0" indent="0" algn="r" rtl="0">
+              <a:spcBef>
+                <a:spcPts val="0"/>
+              </a:spcBef>
+              <a:spcAft>
+                <a:spcPts val="0"/>
+              </a:spcAft>
+              <a:buNone/>
+            </a:pPr>
+            <a:fld id="{00000000-1234-1234-1234-123412341234}" type="slidenum">
+              <a:rPr lang="en-US" smtClean="0"/>
+              <a:t>6</a:t>
+            </a:fld>
+            <a:endParaRPr lang="en-US"/>
+          </a:p>
+        </p:txBody>
+      </p:sp>
+    </p:spTree>
+    <p:extLst>
+      <p:ext uri="{BB962C8B-B14F-4D97-AF65-F5344CB8AC3E}">
+        <p14:creationId xmlns:p14="http://schemas.microsoft.com/office/powerpoint/2010/main" val="162296234"/>
+      </p:ext>
+    </p:extLst>
+  </p:cSld>
+  <p:clrMapOvr>
+    <a:masterClrMapping/>
+  </p:clrMapOvr>
+</p:sld>
+</file>
+
+<file path=ppt/slides/slide7.xml><?xml version="1.0" encoding="utf-8"?>
+<p:sld xmlns:a="http://schemas.openxmlformats.org/drawingml/2006/main" xmlns:r="http://schemas.openxmlformats.org/officeDocument/2006/relationships" xmlns:p="http://schemas.openxmlformats.org/presentationml/2006/main">
+  <p:cSld>
+    <p:spTree>
+      <p:nvGrpSpPr>
+        <p:cNvPr id="1" name=""/>
+        <p:cNvGrpSpPr/>
+        <p:nvPr/>
+      </p:nvGrpSpPr>
+      <p:grpSpPr>
+        <a:xfrm>
+          <a:off x="0" y="0"/>
+          <a:ext cx="0" cy="0"/>
+          <a:chOff x="0" y="0"/>
+          <a:chExt cx="0" cy="0"/>
+        </a:xfrm>
+      </p:grpSpPr>
+      <p:sp>
+        <p:nvSpPr>
+          <p:cNvPr id="2" name="Title 1">
+            <a:extLst>
+              <a:ext uri="{FF2B5EF4-FFF2-40B4-BE49-F238E27FC236}">
+                <a16:creationId xmlns:a16="http://schemas.microsoft.com/office/drawing/2014/main" id="{59CCCCA1-2DD3-C34A-8BC8-F9D0A416568C}"/>
+              </a:ext>
+            </a:extLst>
+          </p:cNvPr>
+          <p:cNvSpPr>
+            <a:spLocks noGrp="1"/>
+          </p:cNvSpPr>
+          <p:nvPr>
+            <p:ph type="title"/>
+          </p:nvPr>
+        </p:nvSpPr>
+        <p:spPr/>
+        <p:txBody>
+          <a:bodyPr/>
+          <a:lstStyle/>
+          <a:p>
+            <a:r>
+              <a:rPr lang="en-US" dirty="0"/>
+              <a:t>Solution code</a:t>
+            </a:r>
+          </a:p>
+        </p:txBody>
+      </p:sp>
+      <p:pic>
+        <p:nvPicPr>
+          <p:cNvPr id="5" name="Picture 4">
+            <a:extLst>
+              <a:ext uri="{FF2B5EF4-FFF2-40B4-BE49-F238E27FC236}">
+                <a16:creationId xmlns:a16="http://schemas.microsoft.com/office/drawing/2014/main" id="{32B6CD22-A92C-CE49-9FA9-CB142E9906F4}"/>
+              </a:ext>
+            </a:extLst>
+          </p:cNvPr>
+          <p:cNvPicPr>
+            <a:picLocks noChangeAspect="1"/>
+          </p:cNvPicPr>
+          <p:nvPr/>
+        </p:nvPicPr>
+        <p:blipFill>
+          <a:blip r:embed="rId2"/>
+          <a:stretch>
+            <a:fillRect/>
+          </a:stretch>
+        </p:blipFill>
+        <p:spPr>
+          <a:xfrm>
+            <a:off x="5550877" y="-7600"/>
+            <a:ext cx="6641123" cy="7462240"/>
+          </a:xfrm>
+          <a:prstGeom prst="rect">
+            <a:avLst/>
+          </a:prstGeom>
+        </p:spPr>
+      </p:pic>
+      <p:sp>
+        <p:nvSpPr>
+          <p:cNvPr id="4" name="Slide Number Placeholder 3">
+            <a:extLst>
+              <a:ext uri="{FF2B5EF4-FFF2-40B4-BE49-F238E27FC236}">
+                <a16:creationId xmlns:a16="http://schemas.microsoft.com/office/drawing/2014/main" id="{9EE54EA8-36AE-8849-B802-0DA8ABBC538A}"/>
+              </a:ext>
+            </a:extLst>
+          </p:cNvPr>
+          <p:cNvSpPr>
+            <a:spLocks noGrp="1"/>
+          </p:cNvSpPr>
+          <p:nvPr>
+            <p:ph type="sldNum" idx="12"/>
+          </p:nvPr>
+        </p:nvSpPr>
+        <p:spPr/>
+        <p:txBody>
+          <a:bodyPr/>
+          <a:lstStyle/>
+          <a:p>
+            <a:pPr marL="0" lvl="0" indent="0" algn="r" rtl="0">
+              <a:spcBef>
+                <a:spcPts val="0"/>
+              </a:spcBef>
+              <a:spcAft>
+                <a:spcPts val="0"/>
+              </a:spcAft>
+              <a:buNone/>
+            </a:pPr>
+            <a:fld id="{00000000-1234-1234-1234-123412341234}" type="slidenum">
+              <a:rPr lang="en-US" smtClean="0"/>
+              <a:t>7</a:t>
+            </a:fld>
+            <a:endParaRPr lang="en-US"/>
+          </a:p>
+        </p:txBody>
+      </p:sp>
+    </p:spTree>
+    <p:extLst>
+      <p:ext uri="{BB962C8B-B14F-4D97-AF65-F5344CB8AC3E}">
+        <p14:creationId xmlns:p14="http://schemas.microsoft.com/office/powerpoint/2010/main" val="1441225552"/>
+      </p:ext>
+    </p:extLst>
+  </p:cSld>
+  <p:clrMapOvr>
+    <a:masterClrMapping/>
+  </p:clrMapOvr>
+</p:sld>
+</file>
+
+<file path=ppt/slides/slide8.xml><?xml version="1.0" encoding="utf-8"?>
+<p:sld xmlns:a="http://schemas.openxmlformats.org/drawingml/2006/main" xmlns:r="http://schemas.openxmlformats.org/officeDocument/2006/relationships" xmlns:p="http://schemas.openxmlformats.org/presentationml/2006/main">
+  <p:cSld>
+    <p:spTree>
+      <p:nvGrpSpPr>
+        <p:cNvPr id="1" name=""/>
+        <p:cNvGrpSpPr/>
+        <p:nvPr/>
+      </p:nvGrpSpPr>
+      <p:grpSpPr>
+        <a:xfrm>
+          <a:off x="0" y="0"/>
+          <a:ext cx="0" cy="0"/>
+          <a:chOff x="0" y="0"/>
+          <a:chExt cx="0" cy="0"/>
+        </a:xfrm>
+      </p:grpSpPr>
+      <p:sp>
+        <p:nvSpPr>
+          <p:cNvPr id="2" name="Title 1">
+            <a:extLst>
+              <a:ext uri="{FF2B5EF4-FFF2-40B4-BE49-F238E27FC236}">
+                <a16:creationId xmlns:a16="http://schemas.microsoft.com/office/drawing/2014/main" id="{6F497F8F-6AEC-AA44-A0E3-8118735547A1}"/>
+              </a:ext>
+            </a:extLst>
+          </p:cNvPr>
+          <p:cNvSpPr>
+            <a:spLocks noGrp="1"/>
+          </p:cNvSpPr>
+          <p:nvPr>
+            <p:ph type="title"/>
+          </p:nvPr>
+        </p:nvSpPr>
+        <p:spPr/>
+        <p:txBody>
+          <a:bodyPr/>
+          <a:lstStyle/>
+          <a:p>
+            <a:r>
+              <a:rPr lang="en-US" dirty="0"/>
+              <a:t>Visualization ( bar &amp; pie charts )</a:t>
+            </a:r>
+          </a:p>
+        </p:txBody>
+      </p:sp>
+      <p:sp>
+        <p:nvSpPr>
+          <p:cNvPr id="3" name="Text Placeholder 2">
+            <a:extLst>
+              <a:ext uri="{FF2B5EF4-FFF2-40B4-BE49-F238E27FC236}">
+                <a16:creationId xmlns:a16="http://schemas.microsoft.com/office/drawing/2014/main" id="{6AD25216-EC69-1C4D-9B1D-5FB31897B85D}"/>
+              </a:ext>
+            </a:extLst>
+          </p:cNvPr>
+          <p:cNvSpPr>
+            <a:spLocks noGrp="1"/>
+          </p:cNvSpPr>
+          <p:nvPr>
+            <p:ph type="body" idx="1"/>
+          </p:nvPr>
+        </p:nvSpPr>
+        <p:spPr/>
+        <p:txBody>
+          <a:bodyPr/>
+          <a:lstStyle/>
+          <a:p>
+            <a:endParaRPr lang="en-US" dirty="0"/>
+          </a:p>
+          <a:p>
+            <a:endParaRPr lang="en-US" dirty="0"/>
+          </a:p>
+          <a:p>
+            <a:endParaRPr lang="en-US" dirty="0"/>
+          </a:p>
+        </p:txBody>
+      </p:sp>
+      <p:sp>
+        <p:nvSpPr>
+          <p:cNvPr id="4" name="Slide Number Placeholder 3">
+            <a:extLst>
+              <a:ext uri="{FF2B5EF4-FFF2-40B4-BE49-F238E27FC236}">
+                <a16:creationId xmlns:a16="http://schemas.microsoft.com/office/drawing/2014/main" id="{FBCAC81B-DA29-A14E-8AF8-921FA9EACC3C}"/>
+              </a:ext>
+            </a:extLst>
+          </p:cNvPr>
+          <p:cNvSpPr>
+            <a:spLocks noGrp="1"/>
+          </p:cNvSpPr>
+          <p:nvPr>
+            <p:ph type="sldNum" idx="12"/>
+          </p:nvPr>
+        </p:nvSpPr>
+        <p:spPr/>
+        <p:txBody>
+          <a:bodyPr/>
+          <a:lstStyle/>
+          <a:p>
+            <a:pPr marL="0" lvl="0" indent="0" algn="r" rtl="0">
+              <a:spcBef>
+                <a:spcPts val="0"/>
+              </a:spcBef>
+              <a:spcAft>
+                <a:spcPts val="0"/>
+              </a:spcAft>
+              <a:buNone/>
+            </a:pPr>
+            <a:fld id="{00000000-1234-1234-1234-123412341234}" type="slidenum">
+              <a:rPr lang="en-US" smtClean="0"/>
+              <a:t>8</a:t>
+            </a:fld>
+            <a:endParaRPr lang="en-US"/>
+          </a:p>
+        </p:txBody>
+      </p:sp>
+      <p:pic>
+        <p:nvPicPr>
+          <p:cNvPr id="11" name="Picture 10">
+            <a:extLst>
+              <a:ext uri="{FF2B5EF4-FFF2-40B4-BE49-F238E27FC236}">
+                <a16:creationId xmlns:a16="http://schemas.microsoft.com/office/drawing/2014/main" id="{FF025A3E-A563-784B-B43C-15EB0D4B9C80}"/>
+              </a:ext>
+            </a:extLst>
+          </p:cNvPr>
+          <p:cNvPicPr>
+            <a:picLocks noChangeAspect="1"/>
+          </p:cNvPicPr>
+          <p:nvPr/>
+        </p:nvPicPr>
+        <p:blipFill>
+          <a:blip r:embed="rId2"/>
+          <a:stretch>
+            <a:fillRect/>
+          </a:stretch>
+        </p:blipFill>
+        <p:spPr>
+          <a:xfrm>
+            <a:off x="6750985" y="4266455"/>
+            <a:ext cx="3613420" cy="2050271"/>
+          </a:xfrm>
+          <a:prstGeom prst="rect">
+            <a:avLst/>
+          </a:prstGeom>
+        </p:spPr>
+      </p:pic>
+      <p:pic>
+        <p:nvPicPr>
+          <p:cNvPr id="12" name="Picture 11">
+            <a:extLst>
+              <a:ext uri="{FF2B5EF4-FFF2-40B4-BE49-F238E27FC236}">
+                <a16:creationId xmlns:a16="http://schemas.microsoft.com/office/drawing/2014/main" id="{B12062C0-B8B4-7147-B71E-636267FB579D}"/>
+              </a:ext>
+            </a:extLst>
+          </p:cNvPr>
+          <p:cNvPicPr>
+            <a:picLocks noChangeAspect="1"/>
+          </p:cNvPicPr>
+          <p:nvPr/>
+        </p:nvPicPr>
+        <p:blipFill>
+          <a:blip r:embed="rId3"/>
+          <a:stretch>
+            <a:fillRect/>
+          </a:stretch>
+        </p:blipFill>
+        <p:spPr>
+          <a:xfrm>
+            <a:off x="1307146" y="1608076"/>
+            <a:ext cx="4331384" cy="2570942"/>
+          </a:xfrm>
+          <a:prstGeom prst="rect">
+            <a:avLst/>
+          </a:prstGeom>
+        </p:spPr>
+      </p:pic>
+      <p:pic>
+        <p:nvPicPr>
+          <p:cNvPr id="13" name="Picture 12">
+            <a:extLst>
+              <a:ext uri="{FF2B5EF4-FFF2-40B4-BE49-F238E27FC236}">
+                <a16:creationId xmlns:a16="http://schemas.microsoft.com/office/drawing/2014/main" id="{C6D90ECC-4838-FC41-B065-CC12F77A38E4}"/>
+              </a:ext>
+            </a:extLst>
+          </p:cNvPr>
+          <p:cNvPicPr>
+            <a:picLocks noChangeAspect="1"/>
+          </p:cNvPicPr>
+          <p:nvPr/>
+        </p:nvPicPr>
+        <p:blipFill>
+          <a:blip r:embed="rId4"/>
+          <a:stretch>
+            <a:fillRect/>
+          </a:stretch>
+        </p:blipFill>
+        <p:spPr>
+          <a:xfrm>
+            <a:off x="6623244" y="1099033"/>
+            <a:ext cx="4261610" cy="3147610"/>
+          </a:xfrm>
+          <a:prstGeom prst="rect">
+            <a:avLst/>
+          </a:prstGeom>
+        </p:spPr>
+      </p:pic>
+      <p:pic>
+        <p:nvPicPr>
+          <p:cNvPr id="14" name="Picture 13">
+            <a:extLst>
+              <a:ext uri="{FF2B5EF4-FFF2-40B4-BE49-F238E27FC236}">
+                <a16:creationId xmlns:a16="http://schemas.microsoft.com/office/drawing/2014/main" id="{E7A2C344-5771-B944-8378-41DE945CACCC}"/>
+              </a:ext>
+            </a:extLst>
+          </p:cNvPr>
+          <p:cNvPicPr>
+            <a:picLocks noChangeAspect="1"/>
+          </p:cNvPicPr>
+          <p:nvPr/>
+        </p:nvPicPr>
+        <p:blipFill>
+          <a:blip r:embed="rId5"/>
+          <a:stretch>
+            <a:fillRect/>
+          </a:stretch>
+        </p:blipFill>
+        <p:spPr>
+          <a:xfrm>
+            <a:off x="1650719" y="4179018"/>
+            <a:ext cx="3194550" cy="2462275"/>
+          </a:xfrm>
+          <a:prstGeom prst="rect">
+            <a:avLst/>
+          </a:prstGeom>
+        </p:spPr>
+      </p:pic>
+    </p:spTree>
+    <p:extLst>
+      <p:ext uri="{BB962C8B-B14F-4D97-AF65-F5344CB8AC3E}">
+        <p14:creationId xmlns:p14="http://schemas.microsoft.com/office/powerpoint/2010/main" val="1834117261"/>
+      </p:ext>
+    </p:extLst>
+  </p:cSld>
+  <p:clrMapOvr>
+    <a:masterClrMapping/>
+  </p:clrMapOvr>
+</p:sld>
+</file>
+
+<file path=ppt/slides/slide9.xml><?xml version="1.0" encoding="utf-8"?>
+<p:sld xmlns:a="http://schemas.openxmlformats.org/drawingml/2006/main" xmlns:r="http://schemas.openxmlformats.org/officeDocument/2006/relationships" xmlns:p="http://schemas.openxmlformats.org/presentationml/2006/main">
+  <p:cSld>
+    <p:spTree>
+      <p:nvGrpSpPr>
+        <p:cNvPr id="1" name=""/>
+        <p:cNvGrpSpPr/>
+        <p:nvPr/>
+      </p:nvGrpSpPr>
+      <p:grpSpPr>
+        <a:xfrm>
+          <a:off x="0" y="0"/>
+          <a:ext cx="0" cy="0"/>
+          <a:chOff x="0" y="0"/>
+          <a:chExt cx="0" cy="0"/>
+        </a:xfrm>
+      </p:grpSpPr>
+      <p:sp>
+        <p:nvSpPr>
+          <p:cNvPr id="2" name="Title 1">
+            <a:extLst>
+              <a:ext uri="{FF2B5EF4-FFF2-40B4-BE49-F238E27FC236}">
+                <a16:creationId xmlns:a16="http://schemas.microsoft.com/office/drawing/2014/main" id="{E046232D-10B3-604A-91F4-AF997AF52CC8}"/>
+              </a:ext>
+            </a:extLst>
+          </p:cNvPr>
+          <p:cNvSpPr>
+            <a:spLocks noGrp="1"/>
+          </p:cNvSpPr>
+          <p:nvPr>
+            <p:ph type="title"/>
+          </p:nvPr>
+        </p:nvSpPr>
+        <p:spPr/>
+        <p:txBody>
+          <a:bodyPr/>
+          <a:lstStyle/>
+          <a:p>
+            <a:pPr algn="ctr"/>
+            <a:r>
+              <a:rPr lang="en-US" dirty="0"/>
+              <a:t>Recommendations</a:t>
+            </a:r>
+          </a:p>
+        </p:txBody>
+      </p:sp>
+      <p:sp>
+        <p:nvSpPr>
+          <p:cNvPr id="3" name="Text Placeholder 2">
+            <a:extLst>
+              <a:ext uri="{FF2B5EF4-FFF2-40B4-BE49-F238E27FC236}">
+                <a16:creationId xmlns:a16="http://schemas.microsoft.com/office/drawing/2014/main" id="{A1BAB928-36A2-EA48-9435-2DE7D24470C0}"/>
+              </a:ext>
+            </a:extLst>
+          </p:cNvPr>
+          <p:cNvSpPr>
+            <a:spLocks noGrp="1"/>
+          </p:cNvSpPr>
+          <p:nvPr>
+            <p:ph type="body" idx="1"/>
+          </p:nvPr>
+        </p:nvSpPr>
+        <p:spPr/>
+        <p:txBody>
+          <a:bodyPr anchor="ctr"/>
+          <a:lstStyle/>
+          <a:p>
+            <a:pPr marL="114300" indent="0">
+              <a:buNone/>
+            </a:pPr>
+            <a:r>
+              <a:rPr lang="en-US" sz="2000" dirty="0"/>
+              <a:t>To avoid getting numerous fake accounts into </a:t>
+            </a:r>
+            <a:r>
+              <a:rPr lang="en-US" sz="2000" dirty="0" err="1"/>
+              <a:t>Github</a:t>
+            </a:r>
+            <a:r>
+              <a:rPr lang="en-US" sz="2000" dirty="0"/>
+              <a:t>, we recommend:</a:t>
+            </a:r>
+          </a:p>
+          <a:p>
+            <a:endParaRPr lang="en-US" sz="2000" dirty="0"/>
+          </a:p>
+          <a:p>
+            <a:r>
+              <a:rPr lang="en-US" sz="2000" dirty="0"/>
+              <a:t>Add email validation into system.</a:t>
+            </a:r>
+          </a:p>
+          <a:p>
+            <a:r>
+              <a:rPr lang="en-US" sz="2000" dirty="0"/>
+              <a:t>we should not allow user to create multiple accounts with in x minute. ( to make sure it’s not a bot or script )</a:t>
+            </a:r>
+          </a:p>
+          <a:p>
+            <a:r>
+              <a:rPr lang="en-US" sz="2000" dirty="0"/>
+              <a:t>Before allowing user to enter into system we should check if user is not using VPN to fake the location.</a:t>
+            </a:r>
+          </a:p>
+          <a:p>
+            <a:r>
+              <a:rPr lang="en-US" sz="2000" dirty="0"/>
+              <a:t>Not allowed user to create account with same account name and same email.</a:t>
+            </a:r>
+          </a:p>
+        </p:txBody>
+      </p:sp>
+      <p:sp>
+        <p:nvSpPr>
+          <p:cNvPr id="4" name="Slide Number Placeholder 3">
+            <a:extLst>
+              <a:ext uri="{FF2B5EF4-FFF2-40B4-BE49-F238E27FC236}">
+                <a16:creationId xmlns:a16="http://schemas.microsoft.com/office/drawing/2014/main" id="{C5823933-5BB0-1547-B2E8-33C6E44C4792}"/>
+              </a:ext>
+            </a:extLst>
+          </p:cNvPr>
+          <p:cNvSpPr>
+            <a:spLocks noGrp="1"/>
+          </p:cNvSpPr>
+          <p:nvPr>
+            <p:ph type="sldNum" idx="12"/>
+          </p:nvPr>
+        </p:nvSpPr>
+        <p:spPr/>
+        <p:txBody>
+          <a:bodyPr/>
+          <a:lstStyle/>
+          <a:p>
+            <a:pPr marL="0" lvl="0" indent="0" algn="r" rtl="0">
+              <a:spcBef>
+                <a:spcPts val="0"/>
+              </a:spcBef>
+              <a:spcAft>
+                <a:spcPts val="0"/>
+              </a:spcAft>
+              <a:buNone/>
+            </a:pPr>
+            <a:fld id="{00000000-1234-1234-1234-123412341234}" type="slidenum">
+              <a:rPr lang="en-US" smtClean="0"/>
+              <a:t>9</a:t>
+            </a:fld>
+            <a:endParaRPr lang="en-US"/>
+          </a:p>
+        </p:txBody>
+      </p:sp>
+    </p:spTree>
+    <p:extLst>
+      <p:ext uri="{BB962C8B-B14F-4D97-AF65-F5344CB8AC3E}">
+        <p14:creationId xmlns:p14="http://schemas.microsoft.com/office/powerpoint/2010/main" val="2317100087"/>
       </p:ext>
     </p:extLst>
   </p:cSld>
